--- a/présentation licence 3.pptx
+++ b/présentation licence 3.pptx
@@ -38,28 +38,30 @@
   <p:notesSz cx="6858000" cy="9144000"/>
   <p:embeddedFontLst>
     <p:embeddedFont>
-      <p:font typeface="Source Sans Pro" panose="020B0604020202020204" charset="0"/>
+      <p:font typeface="Calibri" panose="020F0502020204030204" pitchFamily="34" charset="0"/>
       <p:regular r:id="rId28"/>
       <p:bold r:id="rId29"/>
       <p:italic r:id="rId30"/>
       <p:boldItalic r:id="rId31"/>
     </p:embeddedFont>
     <p:embeddedFont>
-      <p:font typeface="Oswald"/>
+      <p:font typeface="Tahoma" panose="020B0604030504040204" pitchFamily="34" charset="0"/>
       <p:regular r:id="rId32"/>
       <p:bold r:id="rId33"/>
     </p:embeddedFont>
     <p:embeddedFont>
-      <p:font typeface="Calibri" panose="020F0502020204030204" pitchFamily="34" charset="0"/>
+      <p:font typeface="Source Sans Pro" panose="020B0604020202020204" charset="0"/>
       <p:regular r:id="rId34"/>
       <p:bold r:id="rId35"/>
       <p:italic r:id="rId36"/>
       <p:boldItalic r:id="rId37"/>
     </p:embeddedFont>
     <p:embeddedFont>
-      <p:font typeface="Tahoma" panose="020B0604030504040204" pitchFamily="34" charset="0"/>
+      <p:font typeface="Oswald" panose="00000500000000000000" pitchFamily="2" charset="0"/>
       <p:regular r:id="rId38"/>
       <p:bold r:id="rId39"/>
+      <p:italic r:id="rId40"/>
+      <p:boldItalic r:id="rId41"/>
     </p:embeddedFont>
   </p:embeddedFontLst>
   <p:defaultTextStyle>
@@ -19121,7 +19123,7 @@
         </p:nvSpPr>
         <p:spPr>
           <a:xfrm>
-            <a:off x="127747" y="3381936"/>
+            <a:off x="121307" y="2981826"/>
             <a:ext cx="4235824" cy="1631216"/>
           </a:xfrm>
           <a:prstGeom prst="rect">
@@ -20136,8 +20138,8 @@
         </p:nvSpPr>
         <p:spPr>
           <a:xfrm>
-            <a:off x="158496" y="1109473"/>
-            <a:ext cx="8778240" cy="2064033"/>
+            <a:off x="212500" y="953037"/>
+            <a:ext cx="8693241" cy="2910625"/>
           </a:xfrm>
           <a:prstGeom prst="rect">
             <a:avLst/>
@@ -20150,61 +20152,126 @@
           <a:lstStyle/>
           <a:p>
             <a:r>
-              <a:rPr lang="fr-FR" sz="2400" dirty="0"/>
-              <a:t>Calendrier(id_calendrier, titre, visibilité, couleur, description).</a:t>
+              <a:rPr lang="fr-FR" sz="2600" dirty="0" smtClean="0"/>
+              <a:t>Calendrier (</a:t>
+            </a:r>
+            <a:r>
+              <a:rPr lang="fr-FR" sz="2600" dirty="0">
+                <a:solidFill>
+                  <a:srgbClr val="3C78D8"/>
+                </a:solidFill>
+              </a:rPr>
+              <a:t>id_calendrier</a:t>
+            </a:r>
+            <a:r>
+              <a:rPr lang="fr-FR" sz="2600" dirty="0"/>
+              <a:t>, titre, visibilité, couleur, description).</a:t>
             </a:r>
           </a:p>
           <a:p>
             <a:r>
-              <a:rPr lang="fr-FR" sz="2400" dirty="0"/>
-              <a:t>Evenement(id_evenement, titre, </a:t>
+              <a:rPr lang="fr-FR" sz="2600" dirty="0" smtClean="0"/>
+              <a:t>Evènement (</a:t>
             </a:r>
             <a:r>
-              <a:rPr lang="fr-FR" sz="2400" dirty="0" smtClean="0"/>
+              <a:rPr lang="fr-FR" sz="2600" dirty="0">
+                <a:solidFill>
+                  <a:srgbClr val="3C78D8"/>
+                </a:solidFill>
+              </a:rPr>
+              <a:t>id_evenement</a:t>
+            </a:r>
+            <a:r>
+              <a:rPr lang="fr-FR" sz="2600" dirty="0"/>
+              <a:t>, titre, </a:t>
+            </a:r>
+            <a:r>
+              <a:rPr lang="fr-FR" sz="2600" dirty="0" smtClean="0"/>
               <a:t> jour</a:t>
             </a:r>
             <a:r>
-              <a:rPr lang="fr-FR" sz="2400" dirty="0"/>
+              <a:rPr lang="fr-FR" sz="2600" dirty="0"/>
               <a:t>, </a:t>
             </a:r>
             <a:r>
-              <a:rPr lang="fr-FR" sz="2400" dirty="0" smtClean="0"/>
+              <a:rPr lang="fr-FR" sz="2600" dirty="0" smtClean="0"/>
               <a:t> heure_debut,  </a:t>
             </a:r>
             <a:r>
-              <a:rPr lang="fr-FR" sz="2400" dirty="0"/>
-              <a:t>heure_fin, lieu, description, récurrence, #id_calendrier)</a:t>
+              <a:rPr lang="fr-FR" sz="2600" dirty="0"/>
+              <a:t>heure_fin, lieu, description, récurrence, </a:t>
+            </a:r>
+            <a:r>
+              <a:rPr lang="fr-FR" sz="2600" dirty="0">
+                <a:solidFill>
+                  <a:srgbClr val="BDF32E"/>
+                </a:solidFill>
+              </a:rPr>
+              <a:t>#id_calendrier</a:t>
+            </a:r>
+            <a:r>
+              <a:rPr lang="fr-FR" sz="2600" dirty="0"/>
+              <a:t>)</a:t>
             </a:r>
           </a:p>
           <a:p>
             <a:r>
-              <a:rPr lang="fr-FR" sz="2400" dirty="0"/>
-              <a:t>Alerte(id_alerte, </a:t>
+              <a:rPr lang="fr-FR" sz="2600" dirty="0" smtClean="0"/>
+              <a:t>Alerte (</a:t>
             </a:r>
             <a:r>
-              <a:rPr lang="fr-FR" sz="2400" dirty="0" smtClean="0"/>
+              <a:rPr lang="fr-FR" sz="2600" dirty="0">
+                <a:solidFill>
+                  <a:srgbClr val="3C78D8"/>
+                </a:solidFill>
+              </a:rPr>
+              <a:t>id_alerte</a:t>
+            </a:r>
+            <a:r>
+              <a:rPr lang="fr-FR" sz="2600" dirty="0"/>
+              <a:t>, </a:t>
+            </a:r>
+            <a:r>
+              <a:rPr lang="fr-FR" sz="2600" dirty="0" smtClean="0"/>
               <a:t> état</a:t>
             </a:r>
             <a:r>
-              <a:rPr lang="fr-FR" sz="2400" dirty="0"/>
+              <a:rPr lang="fr-FR" sz="2600" dirty="0"/>
               <a:t>, </a:t>
             </a:r>
             <a:r>
-              <a:rPr lang="fr-FR" sz="2400" dirty="0" smtClean="0"/>
+              <a:rPr lang="fr-FR" sz="2600" dirty="0" smtClean="0"/>
               <a:t> heure_déclenchement</a:t>
             </a:r>
             <a:r>
-              <a:rPr lang="fr-FR" sz="2400" dirty="0"/>
+              <a:rPr lang="fr-FR" sz="2600" dirty="0"/>
               <a:t>, </a:t>
             </a:r>
             <a:r>
-              <a:rPr lang="fr-FR" sz="2400" dirty="0" smtClean="0"/>
-              <a:t> #</a:t>
+              <a:rPr lang="fr-FR" sz="2600" dirty="0" smtClean="0"/>
+              <a:t> </a:t>
             </a:r>
             <a:r>
-              <a:rPr lang="fr-FR" sz="2400" dirty="0"/>
-              <a:t>id_calendrier).</a:t>
+              <a:rPr lang="fr-FR" sz="2600" dirty="0" smtClean="0">
+                <a:solidFill>
+                  <a:srgbClr val="BDF32E"/>
+                </a:solidFill>
+              </a:rPr>
+              <a:t>#</a:t>
             </a:r>
+            <a:r>
+              <a:rPr lang="fr-FR" sz="2600" dirty="0" smtClean="0">
+                <a:solidFill>
+                  <a:srgbClr val="BDF32E"/>
+                </a:solidFill>
+              </a:rPr>
+              <a:t>id_événement</a:t>
+            </a:r>
+            <a:r>
+              <a:rPr lang="fr-FR" sz="2600" dirty="0" smtClean="0"/>
+              <a:t>).</a:t>
+            </a:r>
+            <a:endParaRPr lang="fr-FR" sz="2600" dirty="0"/>
           </a:p>
           <a:p>
             <a:endParaRPr lang="fr-FR" dirty="0"/>
@@ -20934,20 +21001,8 @@
           <a:lstStyle/>
           <a:p>
             <a:r>
-              <a:rPr lang="en" dirty="0"/>
-              <a:t>OR USE </a:t>
-            </a:r>
-            <a:r>
-              <a:rPr lang="en" dirty="0">
-                <a:solidFill>
-                  <a:srgbClr val="3C78D8"/>
-                </a:solidFill>
-              </a:rPr>
-              <a:t>DIAGRAMS</a:t>
-            </a:r>
-            <a:r>
-              <a:rPr lang="en" dirty="0"/>
-              <a:t> TO EXPLAIN COMPLEX IDEAS</a:t>
+              <a:rPr lang="fr-FR" dirty="0" smtClean="0"/>
+              <a:t>Représentation de l’environnement de travaille </a:t>
             </a:r>
             <a:endParaRPr dirty="0"/>
           </a:p>
@@ -22483,7 +22538,7 @@
             <a:p>
               <a:pPr algn="r"/>
               <a:r>
-                <a:rPr lang="en" sz="1100">
+                <a:rPr lang="en" sz="1100" dirty="0">
                   <a:solidFill>
                     <a:srgbClr val="3F3F3F"/>
                   </a:solidFill>
@@ -22504,7 +22559,7 @@
             <a:p>
               <a:pPr algn="r"/>
               <a:r>
-                <a:rPr lang="en" sz="1100">
+                <a:rPr lang="en" sz="1100" dirty="0">
                   <a:solidFill>
                     <a:srgbClr val="3F3F3F"/>
                   </a:solidFill>
@@ -22619,7 +22674,7 @@
             <a:p>
               <a:pPr algn="r"/>
               <a:r>
-                <a:rPr lang="en" sz="1100">
+                <a:rPr lang="en" sz="1100" dirty="0">
                   <a:solidFill>
                     <a:srgbClr val="3F3F3F"/>
                   </a:solidFill>
@@ -22640,7 +22695,7 @@
             <a:p>
               <a:pPr algn="r"/>
               <a:r>
-                <a:rPr lang="en" sz="1100">
+                <a:rPr lang="en" sz="1100" dirty="0">
                   <a:solidFill>
                     <a:srgbClr val="3F3F3F"/>
                   </a:solidFill>
@@ -24247,7 +24302,7 @@
               <a:buNone/>
             </a:pPr>
             <a:r>
-              <a:rPr lang="en" b="1">
+              <a:rPr lang="en" b="1" dirty="0" smtClean="0">
                 <a:solidFill>
                   <a:srgbClr val="FFFFFF"/>
                 </a:solidFill>
@@ -24256,7 +24311,7 @@
                 <a:cs typeface="Oswald"/>
                 <a:sym typeface="Oswald"/>
               </a:rPr>
-              <a:t>ANDROID PROJECT</a:t>
+              <a:t>INTERFACE D’ACCUEIL (3 jours)</a:t>
             </a:r>
             <a:endParaRPr b="1" dirty="0">
               <a:solidFill>
@@ -24273,7 +24328,7 @@
               <a:buNone/>
             </a:pPr>
             <a:r>
-              <a:rPr lang="en"/>
+              <a:rPr lang="en" dirty="0"/>
               <a:t>Show and explain your web, app or software projects using these gadget templates.</a:t>
             </a:r>
             <a:endParaRPr dirty="0"/>
@@ -25342,7 +25397,7 @@
               <a:buNone/>
             </a:pPr>
             <a:r>
-              <a:rPr lang="en" b="1" dirty="0">
+              <a:rPr lang="fr-FR" b="1" dirty="0" smtClean="0">
                 <a:solidFill>
                   <a:srgbClr val="FFFFFF"/>
                 </a:solidFill>
@@ -25351,7 +25406,7 @@
                 <a:cs typeface="Oswald"/>
                 <a:sym typeface="Oswald"/>
               </a:rPr>
-              <a:t>ANDROID PROJECT</a:t>
+              <a:t>INTERFACE CALENDRIER</a:t>
             </a:r>
             <a:endParaRPr b="1" dirty="0">
               <a:solidFill>
@@ -26242,7 +26297,7 @@
               <a:buNone/>
             </a:pPr>
             <a:r>
-              <a:rPr lang="en" b="1">
+              <a:rPr lang="en" b="1" dirty="0" smtClean="0">
                 <a:solidFill>
                   <a:srgbClr val="FFFFFF"/>
                 </a:solidFill>
@@ -26251,7 +26306,7 @@
                 <a:cs typeface="Oswald"/>
                 <a:sym typeface="Oswald"/>
               </a:rPr>
-              <a:t>ANDROID PROJECT</a:t>
+              <a:t>INTERFACE AJOUT D’UN EVENEMENT</a:t>
             </a:r>
             <a:endParaRPr b="1" dirty="0">
               <a:solidFill>
@@ -26268,7 +26323,7 @@
               <a:buNone/>
             </a:pPr>
             <a:r>
-              <a:rPr lang="en"/>
+              <a:rPr lang="en" dirty="0"/>
               <a:t>Show and explain your web, app or software projects using these gadget templates.</a:t>
             </a:r>
             <a:endParaRPr dirty="0"/>
@@ -31738,11 +31793,7 @@
           <a:p>
             <a:r>
               <a:rPr lang="en" sz="10000" dirty="0" smtClean="0"/>
-              <a:t>MERCI</a:t>
-            </a:r>
-            <a:r>
-              <a:rPr lang="en" sz="10000" dirty="0" smtClean="0"/>
-              <a:t>!</a:t>
+              <a:t>MERCI!</a:t>
             </a:r>
             <a:endParaRPr sz="10000" dirty="0"/>
           </a:p>

--- a/présentation licence 3.pptx
+++ b/présentation licence 3.pptx
@@ -5,7 +5,7 @@
     <p:sldMasterId id="2147483659" r:id="rId1"/>
   </p:sldMasterIdLst>
   <p:notesMasterIdLst>
-    <p:notesMasterId r:id="rId27"/>
+    <p:notesMasterId r:id="rId25"/>
   </p:notesMasterIdLst>
   <p:sldIdLst>
     <p:sldId id="256" r:id="rId2"/>
@@ -23,45 +23,43 @@
     <p:sldId id="296" r:id="rId14"/>
     <p:sldId id="299" r:id="rId15"/>
     <p:sldId id="300" r:id="rId16"/>
-    <p:sldId id="301" r:id="rId17"/>
-    <p:sldId id="303" r:id="rId18"/>
-    <p:sldId id="302" r:id="rId19"/>
-    <p:sldId id="304" r:id="rId20"/>
-    <p:sldId id="305" r:id="rId21"/>
-    <p:sldId id="307" r:id="rId22"/>
-    <p:sldId id="308" r:id="rId23"/>
-    <p:sldId id="310" r:id="rId24"/>
-    <p:sldId id="309" r:id="rId25"/>
-    <p:sldId id="280" r:id="rId26"/>
+    <p:sldId id="302" r:id="rId17"/>
+    <p:sldId id="304" r:id="rId18"/>
+    <p:sldId id="305" r:id="rId19"/>
+    <p:sldId id="307" r:id="rId20"/>
+    <p:sldId id="308" r:id="rId21"/>
+    <p:sldId id="310" r:id="rId22"/>
+    <p:sldId id="309" r:id="rId23"/>
+    <p:sldId id="280" r:id="rId24"/>
   </p:sldIdLst>
   <p:sldSz cx="9144000" cy="5143500" type="screen16x9"/>
   <p:notesSz cx="6858000" cy="9144000"/>
   <p:embeddedFontLst>
     <p:embeddedFont>
-      <p:font typeface="Calibri" panose="020F0502020204030204" pitchFamily="34" charset="0"/>
-      <p:regular r:id="rId28"/>
-      <p:bold r:id="rId29"/>
-      <p:italic r:id="rId30"/>
-      <p:boldItalic r:id="rId31"/>
+      <p:font typeface="Source Sans Pro" panose="020B0604020202020204" charset="0"/>
+      <p:regular r:id="rId26"/>
+      <p:bold r:id="rId27"/>
+      <p:italic r:id="rId28"/>
+      <p:boldItalic r:id="rId29"/>
     </p:embeddedFont>
     <p:embeddedFont>
-      <p:font typeface="Tahoma" panose="020B0604030504040204" pitchFamily="34" charset="0"/>
-      <p:regular r:id="rId32"/>
-      <p:bold r:id="rId33"/>
+      <p:font typeface="Calibri" panose="020F0502020204030204" pitchFamily="34" charset="0"/>
+      <p:regular r:id="rId30"/>
+      <p:bold r:id="rId31"/>
+      <p:italic r:id="rId32"/>
+      <p:boldItalic r:id="rId33"/>
     </p:embeddedFont>
     <p:embeddedFont>
-      <p:font typeface="Source Sans Pro" panose="020B0604020202020204" charset="0"/>
+      <p:font typeface="Oswald" panose="02000303000000000000" pitchFamily="2" charset="0"/>
       <p:regular r:id="rId34"/>
       <p:bold r:id="rId35"/>
       <p:italic r:id="rId36"/>
       <p:boldItalic r:id="rId37"/>
     </p:embeddedFont>
     <p:embeddedFont>
-      <p:font typeface="Oswald" panose="00000500000000000000" pitchFamily="2" charset="0"/>
+      <p:font typeface="Tahoma" panose="020B0604030504040204" pitchFamily="34" charset="0"/>
       <p:regular r:id="rId38"/>
       <p:bold r:id="rId39"/>
-      <p:italic r:id="rId40"/>
-      <p:boldItalic r:id="rId41"/>
     </p:embeddedFont>
   </p:embeddedFontLst>
   <p:defaultTextStyle>
@@ -936,6 +934,10 @@
               </a:spcAft>
               <a:buNone/>
             </a:pPr>
+            <a:r>
+              <a:rPr lang="fr-FR" dirty="0"/>
+              <a:t>Cette figure représente le diagramme de classes participantes. Où l’utilisateur communique avec les 2 interfaces, qui peuvent éventuellement communiquer entre elles, elles communiquent avec les contrôles qui leur correspondent tandis que ces derniers communiquent avec les entités.</a:t>
+            </a:r>
             <a:endParaRPr dirty="0"/>
           </a:p>
         </p:txBody>
@@ -1045,6 +1047,18 @@
               </a:spcAft>
               <a:buNone/>
             </a:pPr>
+            <a:r>
+              <a:rPr lang="fr-FR" dirty="0"/>
+              <a:t>Les diagrammes d’interaction permettent de modéliser comment les objets communiquent entre eux. Par soucis de </a:t>
+            </a:r>
+            <a:r>
+              <a:rPr lang="fr-FR" dirty="0" err="1"/>
+              <a:t>briéveté</a:t>
+            </a:r>
+            <a:r>
+              <a:rPr lang="fr-FR" dirty="0"/>
+              <a:t>, nous avons sélectionné 2 diagrammes seulement</a:t>
+            </a:r>
             <a:endParaRPr dirty="0"/>
           </a:p>
         </p:txBody>
@@ -1154,6 +1168,18 @@
               </a:spcAft>
               <a:buNone/>
             </a:pPr>
+            <a:r>
+              <a:rPr lang="fr-FR" dirty="0"/>
+              <a:t>Le premier représente l’ajout d’un événement. Si l’utilisateur décide d’ajouter un événement, une interface dédiée lui est présentée dans la </a:t>
+            </a:r>
+            <a:r>
+              <a:rPr lang="fr-FR" dirty="0" err="1"/>
+              <a:t>quellle</a:t>
+            </a:r>
+            <a:r>
+              <a:rPr lang="fr-FR" dirty="0"/>
+              <a:t> il saisit les informations puis valide son ajout.</a:t>
+            </a:r>
             <a:endParaRPr dirty="0"/>
           </a:p>
         </p:txBody>
@@ -1263,6 +1289,18 @@
               </a:spcAft>
               <a:buNone/>
             </a:pPr>
+            <a:r>
+              <a:rPr lang="fr-FR" dirty="0"/>
+              <a:t>Le deuxième représente le cas de suppression d’un calendrier. Lorsque l’utilisateur décide de supprimer un calendrier, une boite de dialogue apparait pour confirmer la suppression en lui proposant la </a:t>
+            </a:r>
+            <a:r>
+              <a:rPr lang="fr-FR" dirty="0" err="1"/>
+              <a:t>possiblité</a:t>
+            </a:r>
+            <a:r>
+              <a:rPr lang="fr-FR" dirty="0"/>
+              <a:t> les événements avant de supprimer celui-ci.</a:t>
+            </a:r>
             <a:endParaRPr dirty="0"/>
           </a:p>
         </p:txBody>
@@ -1372,6 +1410,42 @@
               </a:spcAft>
               <a:buNone/>
             </a:pPr>
+            <a:r>
+              <a:rPr lang="fr-FR" dirty="0"/>
+              <a:t>Nous avons 3 tables (citez les champs), nous avons </a:t>
+            </a:r>
+            <a:r>
+              <a:rPr lang="fr-FR" dirty="0" err="1"/>
+              <a:t>id_calendrier</a:t>
+            </a:r>
+            <a:r>
+              <a:rPr lang="fr-FR" dirty="0"/>
+              <a:t> en tant que clé étrangère suite à la règle de composition. Nous avons aussi </a:t>
+            </a:r>
+            <a:r>
+              <a:rPr lang="fr-FR" dirty="0" err="1"/>
+              <a:t>id_evenement</a:t>
+            </a:r>
+            <a:r>
+              <a:rPr lang="fr-FR" dirty="0"/>
+              <a:t> en tant que clé </a:t>
+            </a:r>
+            <a:r>
+              <a:rPr lang="fr-FR" dirty="0" err="1"/>
+              <a:t>étrang-re</a:t>
+            </a:r>
+            <a:r>
+              <a:rPr lang="fr-FR" dirty="0"/>
+              <a:t> dans la table alerte suite à la règle de un-à-un. Elle </a:t>
+            </a:r>
+            <a:r>
+              <a:rPr lang="fr-FR" dirty="0" err="1"/>
+              <a:t>consisite</a:t>
+            </a:r>
+            <a:r>
+              <a:rPr lang="fr-FR" dirty="0"/>
+              <a:t> à ajouter un attribut clé étrangère dans la relation dérivée de l’entité ayant la cardinalité minimale à 0.</a:t>
+            </a:r>
             <a:endParaRPr dirty="0"/>
           </a:p>
         </p:txBody>
@@ -1503,224 +1577,6 @@
   <p:cSld>
     <p:spTree>
       <p:nvGrpSpPr>
-        <p:cNvPr id="1" name="Shape 480"/>
-        <p:cNvGrpSpPr/>
-        <p:nvPr/>
-      </p:nvGrpSpPr>
-      <p:grpSpPr>
-        <a:xfrm>
-          <a:off x="0" y="0"/>
-          <a:ext cx="0" cy="0"/>
-          <a:chOff x="0" y="0"/>
-          <a:chExt cx="0" cy="0"/>
-        </a:xfrm>
-      </p:grpSpPr>
-      <p:sp>
-        <p:nvSpPr>
-          <p:cNvPr id="481" name="Shape 481"/>
-          <p:cNvSpPr>
-            <a:spLocks noGrp="1" noRot="1" noChangeAspect="1"/>
-          </p:cNvSpPr>
-          <p:nvPr>
-            <p:ph type="sldImg" idx="2"/>
-          </p:nvPr>
-        </p:nvSpPr>
-        <p:spPr>
-          <a:xfrm>
-            <a:off x="381000" y="685800"/>
-            <a:ext cx="6096000" cy="3429000"/>
-          </a:xfrm>
-          <a:custGeom>
-            <a:avLst/>
-            <a:gdLst/>
-            <a:ahLst/>
-            <a:cxnLst/>
-            <a:rect l="0" t="0" r="0" b="0"/>
-            <a:pathLst>
-              <a:path w="120000" h="120000" extrusionOk="0">
-                <a:moveTo>
-                  <a:pt x="0" y="0"/>
-                </a:moveTo>
-                <a:lnTo>
-                  <a:pt x="120000" y="0"/>
-                </a:lnTo>
-                <a:lnTo>
-                  <a:pt x="120000" y="120000"/>
-                </a:lnTo>
-                <a:lnTo>
-                  <a:pt x="0" y="120000"/>
-                </a:lnTo>
-                <a:close/>
-              </a:path>
-            </a:pathLst>
-          </a:custGeom>
-        </p:spPr>
-      </p:sp>
-      <p:sp>
-        <p:nvSpPr>
-          <p:cNvPr id="482" name="Shape 482"/>
-          <p:cNvSpPr txBox="1">
-            <a:spLocks noGrp="1"/>
-          </p:cNvSpPr>
-          <p:nvPr>
-            <p:ph type="body" idx="1"/>
-          </p:nvPr>
-        </p:nvSpPr>
-        <p:spPr>
-          <a:xfrm>
-            <a:off x="685800" y="4343400"/>
-            <a:ext cx="5486400" cy="4114800"/>
-          </a:xfrm>
-          <a:prstGeom prst="rect">
-            <a:avLst/>
-          </a:prstGeom>
-        </p:spPr>
-        <p:txBody>
-          <a:bodyPr spcFirstLastPara="1" wrap="square" lIns="91425" tIns="91425" rIns="91425" bIns="91425" anchor="t" anchorCtr="0">
-            <a:noAutofit/>
-          </a:bodyPr>
-          <a:lstStyle/>
-          <a:p>
-            <a:pPr marL="0" lvl="0" indent="0">
-              <a:spcBef>
-                <a:spcPts val="0"/>
-              </a:spcBef>
-              <a:spcAft>
-                <a:spcPts val="0"/>
-              </a:spcAft>
-              <a:buNone/>
-            </a:pPr>
-            <a:endParaRPr dirty="0"/>
-          </a:p>
-        </p:txBody>
-      </p:sp>
-    </p:spTree>
-    <p:extLst>
-      <p:ext uri="{BB962C8B-B14F-4D97-AF65-F5344CB8AC3E}">
-        <p14:creationId xmlns:p14="http://schemas.microsoft.com/office/powerpoint/2010/main" val="3537884032"/>
-      </p:ext>
-    </p:extLst>
-  </p:cSld>
-  <p:clrMapOvr>
-    <a:masterClrMapping/>
-  </p:clrMapOvr>
-</p:notes>
-</file>
-
-<file path=ppt/notesSlides/notesSlide17.xml><?xml version="1.0" encoding="utf-8"?>
-<p:notes xmlns:a="http://schemas.openxmlformats.org/drawingml/2006/main" xmlns:r="http://schemas.openxmlformats.org/officeDocument/2006/relationships" xmlns:p="http://schemas.openxmlformats.org/presentationml/2006/main" showMasterSp="0" showMasterPhAnim="0">
-  <p:cSld>
-    <p:spTree>
-      <p:nvGrpSpPr>
-        <p:cNvPr id="1" name="Shape 480"/>
-        <p:cNvGrpSpPr/>
-        <p:nvPr/>
-      </p:nvGrpSpPr>
-      <p:grpSpPr>
-        <a:xfrm>
-          <a:off x="0" y="0"/>
-          <a:ext cx="0" cy="0"/>
-          <a:chOff x="0" y="0"/>
-          <a:chExt cx="0" cy="0"/>
-        </a:xfrm>
-      </p:grpSpPr>
-      <p:sp>
-        <p:nvSpPr>
-          <p:cNvPr id="481" name="Shape 481"/>
-          <p:cNvSpPr>
-            <a:spLocks noGrp="1" noRot="1" noChangeAspect="1"/>
-          </p:cNvSpPr>
-          <p:nvPr>
-            <p:ph type="sldImg" idx="2"/>
-          </p:nvPr>
-        </p:nvSpPr>
-        <p:spPr>
-          <a:xfrm>
-            <a:off x="381000" y="685800"/>
-            <a:ext cx="6096000" cy="3429000"/>
-          </a:xfrm>
-          <a:custGeom>
-            <a:avLst/>
-            <a:gdLst/>
-            <a:ahLst/>
-            <a:cxnLst/>
-            <a:rect l="0" t="0" r="0" b="0"/>
-            <a:pathLst>
-              <a:path w="120000" h="120000" extrusionOk="0">
-                <a:moveTo>
-                  <a:pt x="0" y="0"/>
-                </a:moveTo>
-                <a:lnTo>
-                  <a:pt x="120000" y="0"/>
-                </a:lnTo>
-                <a:lnTo>
-                  <a:pt x="120000" y="120000"/>
-                </a:lnTo>
-                <a:lnTo>
-                  <a:pt x="0" y="120000"/>
-                </a:lnTo>
-                <a:close/>
-              </a:path>
-            </a:pathLst>
-          </a:custGeom>
-        </p:spPr>
-      </p:sp>
-      <p:sp>
-        <p:nvSpPr>
-          <p:cNvPr id="482" name="Shape 482"/>
-          <p:cNvSpPr txBox="1">
-            <a:spLocks noGrp="1"/>
-          </p:cNvSpPr>
-          <p:nvPr>
-            <p:ph type="body" idx="1"/>
-          </p:nvPr>
-        </p:nvSpPr>
-        <p:spPr>
-          <a:xfrm>
-            <a:off x="685800" y="4343400"/>
-            <a:ext cx="5486400" cy="4114800"/>
-          </a:xfrm>
-          <a:prstGeom prst="rect">
-            <a:avLst/>
-          </a:prstGeom>
-        </p:spPr>
-        <p:txBody>
-          <a:bodyPr spcFirstLastPara="1" wrap="square" lIns="91425" tIns="91425" rIns="91425" bIns="91425" anchor="t" anchorCtr="0">
-            <a:noAutofit/>
-          </a:bodyPr>
-          <a:lstStyle/>
-          <a:p>
-            <a:pPr marL="0" lvl="0" indent="0">
-              <a:spcBef>
-                <a:spcPts val="0"/>
-              </a:spcBef>
-              <a:spcAft>
-                <a:spcPts val="0"/>
-              </a:spcAft>
-              <a:buNone/>
-            </a:pPr>
-            <a:endParaRPr dirty="0"/>
-          </a:p>
-        </p:txBody>
-      </p:sp>
-    </p:spTree>
-    <p:extLst>
-      <p:ext uri="{BB962C8B-B14F-4D97-AF65-F5344CB8AC3E}">
-        <p14:creationId xmlns:p14="http://schemas.microsoft.com/office/powerpoint/2010/main" val="2455889776"/>
-      </p:ext>
-    </p:extLst>
-  </p:cSld>
-  <p:clrMapOvr>
-    <a:masterClrMapping/>
-  </p:clrMapOvr>
-</p:notes>
-</file>
-
-<file path=ppt/notesSlides/notesSlide18.xml><?xml version="1.0" encoding="utf-8"?>
-<p:notes xmlns:a="http://schemas.openxmlformats.org/drawingml/2006/main" xmlns:r="http://schemas.openxmlformats.org/officeDocument/2006/relationships" xmlns:p="http://schemas.openxmlformats.org/presentationml/2006/main" showMasterSp="0" showMasterPhAnim="0">
-  <p:cSld>
-    <p:spTree>
-      <p:nvGrpSpPr>
         <p:cNvPr id="1" name="Shape 552"/>
         <p:cNvGrpSpPr/>
         <p:nvPr/>
@@ -1816,6 +1672,224 @@
     <p:extLst>
       <p:ext uri="{BB962C8B-B14F-4D97-AF65-F5344CB8AC3E}">
         <p14:creationId xmlns:p14="http://schemas.microsoft.com/office/powerpoint/2010/main" val="2712333131"/>
+      </p:ext>
+    </p:extLst>
+  </p:cSld>
+  <p:clrMapOvr>
+    <a:masterClrMapping/>
+  </p:clrMapOvr>
+</p:notes>
+</file>
+
+<file path=ppt/notesSlides/notesSlide17.xml><?xml version="1.0" encoding="utf-8"?>
+<p:notes xmlns:a="http://schemas.openxmlformats.org/drawingml/2006/main" xmlns:r="http://schemas.openxmlformats.org/officeDocument/2006/relationships" xmlns:p="http://schemas.openxmlformats.org/presentationml/2006/main" showMasterSp="0" showMasterPhAnim="0">
+  <p:cSld>
+    <p:spTree>
+      <p:nvGrpSpPr>
+        <p:cNvPr id="1" name="Shape 700"/>
+        <p:cNvGrpSpPr/>
+        <p:nvPr/>
+      </p:nvGrpSpPr>
+      <p:grpSpPr>
+        <a:xfrm>
+          <a:off x="0" y="0"/>
+          <a:ext cx="0" cy="0"/>
+          <a:chOff x="0" y="0"/>
+          <a:chExt cx="0" cy="0"/>
+        </a:xfrm>
+      </p:grpSpPr>
+      <p:sp>
+        <p:nvSpPr>
+          <p:cNvPr id="701" name="Shape 701"/>
+          <p:cNvSpPr>
+            <a:spLocks noGrp="1" noRot="1" noChangeAspect="1"/>
+          </p:cNvSpPr>
+          <p:nvPr>
+            <p:ph type="sldImg" idx="2"/>
+          </p:nvPr>
+        </p:nvSpPr>
+        <p:spPr>
+          <a:xfrm>
+            <a:off x="381000" y="685800"/>
+            <a:ext cx="6096000" cy="3429000"/>
+          </a:xfrm>
+          <a:custGeom>
+            <a:avLst/>
+            <a:gdLst/>
+            <a:ahLst/>
+            <a:cxnLst/>
+            <a:rect l="0" t="0" r="0" b="0"/>
+            <a:pathLst>
+              <a:path w="120000" h="120000" extrusionOk="0">
+                <a:moveTo>
+                  <a:pt x="0" y="0"/>
+                </a:moveTo>
+                <a:lnTo>
+                  <a:pt x="120000" y="0"/>
+                </a:lnTo>
+                <a:lnTo>
+                  <a:pt x="120000" y="120000"/>
+                </a:lnTo>
+                <a:lnTo>
+                  <a:pt x="0" y="120000"/>
+                </a:lnTo>
+                <a:close/>
+              </a:path>
+            </a:pathLst>
+          </a:custGeom>
+        </p:spPr>
+      </p:sp>
+      <p:sp>
+        <p:nvSpPr>
+          <p:cNvPr id="702" name="Shape 702"/>
+          <p:cNvSpPr txBox="1">
+            <a:spLocks noGrp="1"/>
+          </p:cNvSpPr>
+          <p:nvPr>
+            <p:ph type="body" idx="1"/>
+          </p:nvPr>
+        </p:nvSpPr>
+        <p:spPr>
+          <a:xfrm>
+            <a:off x="685800" y="4343400"/>
+            <a:ext cx="5486400" cy="4114800"/>
+          </a:xfrm>
+          <a:prstGeom prst="rect">
+            <a:avLst/>
+          </a:prstGeom>
+        </p:spPr>
+        <p:txBody>
+          <a:bodyPr spcFirstLastPara="1" wrap="square" lIns="91425" tIns="91425" rIns="91425" bIns="91425" anchor="t" anchorCtr="0">
+            <a:noAutofit/>
+          </a:bodyPr>
+          <a:lstStyle/>
+          <a:p>
+            <a:pPr marL="0" lvl="0" indent="0">
+              <a:spcBef>
+                <a:spcPts val="0"/>
+              </a:spcBef>
+              <a:spcAft>
+                <a:spcPts val="0"/>
+              </a:spcAft>
+              <a:buNone/>
+            </a:pPr>
+            <a:endParaRPr dirty="0"/>
+          </a:p>
+        </p:txBody>
+      </p:sp>
+    </p:spTree>
+    <p:extLst>
+      <p:ext uri="{BB962C8B-B14F-4D97-AF65-F5344CB8AC3E}">
+        <p14:creationId xmlns:p14="http://schemas.microsoft.com/office/powerpoint/2010/main" val="2285576339"/>
+      </p:ext>
+    </p:extLst>
+  </p:cSld>
+  <p:clrMapOvr>
+    <a:masterClrMapping/>
+  </p:clrMapOvr>
+</p:notes>
+</file>
+
+<file path=ppt/notesSlides/notesSlide18.xml><?xml version="1.0" encoding="utf-8"?>
+<p:notes xmlns:a="http://schemas.openxmlformats.org/drawingml/2006/main" xmlns:r="http://schemas.openxmlformats.org/officeDocument/2006/relationships" xmlns:p="http://schemas.openxmlformats.org/presentationml/2006/main" showMasterSp="0" showMasterPhAnim="0">
+  <p:cSld>
+    <p:spTree>
+      <p:nvGrpSpPr>
+        <p:cNvPr id="1" name="Shape 700"/>
+        <p:cNvGrpSpPr/>
+        <p:nvPr/>
+      </p:nvGrpSpPr>
+      <p:grpSpPr>
+        <a:xfrm>
+          <a:off x="0" y="0"/>
+          <a:ext cx="0" cy="0"/>
+          <a:chOff x="0" y="0"/>
+          <a:chExt cx="0" cy="0"/>
+        </a:xfrm>
+      </p:grpSpPr>
+      <p:sp>
+        <p:nvSpPr>
+          <p:cNvPr id="701" name="Shape 701"/>
+          <p:cNvSpPr>
+            <a:spLocks noGrp="1" noRot="1" noChangeAspect="1"/>
+          </p:cNvSpPr>
+          <p:nvPr>
+            <p:ph type="sldImg" idx="2"/>
+          </p:nvPr>
+        </p:nvSpPr>
+        <p:spPr>
+          <a:xfrm>
+            <a:off x="381000" y="685800"/>
+            <a:ext cx="6096000" cy="3429000"/>
+          </a:xfrm>
+          <a:custGeom>
+            <a:avLst/>
+            <a:gdLst/>
+            <a:ahLst/>
+            <a:cxnLst/>
+            <a:rect l="0" t="0" r="0" b="0"/>
+            <a:pathLst>
+              <a:path w="120000" h="120000" extrusionOk="0">
+                <a:moveTo>
+                  <a:pt x="0" y="0"/>
+                </a:moveTo>
+                <a:lnTo>
+                  <a:pt x="120000" y="0"/>
+                </a:lnTo>
+                <a:lnTo>
+                  <a:pt x="120000" y="120000"/>
+                </a:lnTo>
+                <a:lnTo>
+                  <a:pt x="0" y="120000"/>
+                </a:lnTo>
+                <a:close/>
+              </a:path>
+            </a:pathLst>
+          </a:custGeom>
+        </p:spPr>
+      </p:sp>
+      <p:sp>
+        <p:nvSpPr>
+          <p:cNvPr id="702" name="Shape 702"/>
+          <p:cNvSpPr txBox="1">
+            <a:spLocks noGrp="1"/>
+          </p:cNvSpPr>
+          <p:nvPr>
+            <p:ph type="body" idx="1"/>
+          </p:nvPr>
+        </p:nvSpPr>
+        <p:spPr>
+          <a:xfrm>
+            <a:off x="685800" y="4343400"/>
+            <a:ext cx="5486400" cy="4114800"/>
+          </a:xfrm>
+          <a:prstGeom prst="rect">
+            <a:avLst/>
+          </a:prstGeom>
+        </p:spPr>
+        <p:txBody>
+          <a:bodyPr spcFirstLastPara="1" wrap="square" lIns="91425" tIns="91425" rIns="91425" bIns="91425" anchor="t" anchorCtr="0">
+            <a:noAutofit/>
+          </a:bodyPr>
+          <a:lstStyle/>
+          <a:p>
+            <a:pPr marL="0" lvl="0" indent="0">
+              <a:spcBef>
+                <a:spcPts val="0"/>
+              </a:spcBef>
+              <a:spcAft>
+                <a:spcPts val="0"/>
+              </a:spcAft>
+              <a:buNone/>
+            </a:pPr>
+            <a:endParaRPr dirty="0"/>
+          </a:p>
+        </p:txBody>
+      </p:sp>
+    </p:spTree>
+    <p:extLst>
+      <p:ext uri="{BB962C8B-B14F-4D97-AF65-F5344CB8AC3E}">
+        <p14:creationId xmlns:p14="http://schemas.microsoft.com/office/powerpoint/2010/main" val="2394372313"/>
       </p:ext>
     </p:extLst>
   </p:cSld>
@@ -1924,7 +1998,7 @@
     </p:spTree>
     <p:extLst>
       <p:ext uri="{BB962C8B-B14F-4D97-AF65-F5344CB8AC3E}">
-        <p14:creationId xmlns:p14="http://schemas.microsoft.com/office/powerpoint/2010/main" val="2285576339"/>
+        <p14:creationId xmlns:p14="http://schemas.microsoft.com/office/powerpoint/2010/main" val="2391522610"/>
       </p:ext>
     </p:extLst>
   </p:cSld>
@@ -2048,224 +2122,6 @@
   <p:cSld>
     <p:spTree>
       <p:nvGrpSpPr>
-        <p:cNvPr id="1" name="Shape 700"/>
-        <p:cNvGrpSpPr/>
-        <p:nvPr/>
-      </p:nvGrpSpPr>
-      <p:grpSpPr>
-        <a:xfrm>
-          <a:off x="0" y="0"/>
-          <a:ext cx="0" cy="0"/>
-          <a:chOff x="0" y="0"/>
-          <a:chExt cx="0" cy="0"/>
-        </a:xfrm>
-      </p:grpSpPr>
-      <p:sp>
-        <p:nvSpPr>
-          <p:cNvPr id="701" name="Shape 701"/>
-          <p:cNvSpPr>
-            <a:spLocks noGrp="1" noRot="1" noChangeAspect="1"/>
-          </p:cNvSpPr>
-          <p:nvPr>
-            <p:ph type="sldImg" idx="2"/>
-          </p:nvPr>
-        </p:nvSpPr>
-        <p:spPr>
-          <a:xfrm>
-            <a:off x="381000" y="685800"/>
-            <a:ext cx="6096000" cy="3429000"/>
-          </a:xfrm>
-          <a:custGeom>
-            <a:avLst/>
-            <a:gdLst/>
-            <a:ahLst/>
-            <a:cxnLst/>
-            <a:rect l="0" t="0" r="0" b="0"/>
-            <a:pathLst>
-              <a:path w="120000" h="120000" extrusionOk="0">
-                <a:moveTo>
-                  <a:pt x="0" y="0"/>
-                </a:moveTo>
-                <a:lnTo>
-                  <a:pt x="120000" y="0"/>
-                </a:lnTo>
-                <a:lnTo>
-                  <a:pt x="120000" y="120000"/>
-                </a:lnTo>
-                <a:lnTo>
-                  <a:pt x="0" y="120000"/>
-                </a:lnTo>
-                <a:close/>
-              </a:path>
-            </a:pathLst>
-          </a:custGeom>
-        </p:spPr>
-      </p:sp>
-      <p:sp>
-        <p:nvSpPr>
-          <p:cNvPr id="702" name="Shape 702"/>
-          <p:cNvSpPr txBox="1">
-            <a:spLocks noGrp="1"/>
-          </p:cNvSpPr>
-          <p:nvPr>
-            <p:ph type="body" idx="1"/>
-          </p:nvPr>
-        </p:nvSpPr>
-        <p:spPr>
-          <a:xfrm>
-            <a:off x="685800" y="4343400"/>
-            <a:ext cx="5486400" cy="4114800"/>
-          </a:xfrm>
-          <a:prstGeom prst="rect">
-            <a:avLst/>
-          </a:prstGeom>
-        </p:spPr>
-        <p:txBody>
-          <a:bodyPr spcFirstLastPara="1" wrap="square" lIns="91425" tIns="91425" rIns="91425" bIns="91425" anchor="t" anchorCtr="0">
-            <a:noAutofit/>
-          </a:bodyPr>
-          <a:lstStyle/>
-          <a:p>
-            <a:pPr marL="0" lvl="0" indent="0">
-              <a:spcBef>
-                <a:spcPts val="0"/>
-              </a:spcBef>
-              <a:spcAft>
-                <a:spcPts val="0"/>
-              </a:spcAft>
-              <a:buNone/>
-            </a:pPr>
-            <a:endParaRPr dirty="0"/>
-          </a:p>
-        </p:txBody>
-      </p:sp>
-    </p:spTree>
-    <p:extLst>
-      <p:ext uri="{BB962C8B-B14F-4D97-AF65-F5344CB8AC3E}">
-        <p14:creationId xmlns:p14="http://schemas.microsoft.com/office/powerpoint/2010/main" val="2394372313"/>
-      </p:ext>
-    </p:extLst>
-  </p:cSld>
-  <p:clrMapOvr>
-    <a:masterClrMapping/>
-  </p:clrMapOvr>
-</p:notes>
-</file>
-
-<file path=ppt/notesSlides/notesSlide21.xml><?xml version="1.0" encoding="utf-8"?>
-<p:notes xmlns:a="http://schemas.openxmlformats.org/drawingml/2006/main" xmlns:r="http://schemas.openxmlformats.org/officeDocument/2006/relationships" xmlns:p="http://schemas.openxmlformats.org/presentationml/2006/main" showMasterSp="0" showMasterPhAnim="0">
-  <p:cSld>
-    <p:spTree>
-      <p:nvGrpSpPr>
-        <p:cNvPr id="1" name="Shape 700"/>
-        <p:cNvGrpSpPr/>
-        <p:nvPr/>
-      </p:nvGrpSpPr>
-      <p:grpSpPr>
-        <a:xfrm>
-          <a:off x="0" y="0"/>
-          <a:ext cx="0" cy="0"/>
-          <a:chOff x="0" y="0"/>
-          <a:chExt cx="0" cy="0"/>
-        </a:xfrm>
-      </p:grpSpPr>
-      <p:sp>
-        <p:nvSpPr>
-          <p:cNvPr id="701" name="Shape 701"/>
-          <p:cNvSpPr>
-            <a:spLocks noGrp="1" noRot="1" noChangeAspect="1"/>
-          </p:cNvSpPr>
-          <p:nvPr>
-            <p:ph type="sldImg" idx="2"/>
-          </p:nvPr>
-        </p:nvSpPr>
-        <p:spPr>
-          <a:xfrm>
-            <a:off x="381000" y="685800"/>
-            <a:ext cx="6096000" cy="3429000"/>
-          </a:xfrm>
-          <a:custGeom>
-            <a:avLst/>
-            <a:gdLst/>
-            <a:ahLst/>
-            <a:cxnLst/>
-            <a:rect l="0" t="0" r="0" b="0"/>
-            <a:pathLst>
-              <a:path w="120000" h="120000" extrusionOk="0">
-                <a:moveTo>
-                  <a:pt x="0" y="0"/>
-                </a:moveTo>
-                <a:lnTo>
-                  <a:pt x="120000" y="0"/>
-                </a:lnTo>
-                <a:lnTo>
-                  <a:pt x="120000" y="120000"/>
-                </a:lnTo>
-                <a:lnTo>
-                  <a:pt x="0" y="120000"/>
-                </a:lnTo>
-                <a:close/>
-              </a:path>
-            </a:pathLst>
-          </a:custGeom>
-        </p:spPr>
-      </p:sp>
-      <p:sp>
-        <p:nvSpPr>
-          <p:cNvPr id="702" name="Shape 702"/>
-          <p:cNvSpPr txBox="1">
-            <a:spLocks noGrp="1"/>
-          </p:cNvSpPr>
-          <p:nvPr>
-            <p:ph type="body" idx="1"/>
-          </p:nvPr>
-        </p:nvSpPr>
-        <p:spPr>
-          <a:xfrm>
-            <a:off x="685800" y="4343400"/>
-            <a:ext cx="5486400" cy="4114800"/>
-          </a:xfrm>
-          <a:prstGeom prst="rect">
-            <a:avLst/>
-          </a:prstGeom>
-        </p:spPr>
-        <p:txBody>
-          <a:bodyPr spcFirstLastPara="1" wrap="square" lIns="91425" tIns="91425" rIns="91425" bIns="91425" anchor="t" anchorCtr="0">
-            <a:noAutofit/>
-          </a:bodyPr>
-          <a:lstStyle/>
-          <a:p>
-            <a:pPr marL="0" lvl="0" indent="0">
-              <a:spcBef>
-                <a:spcPts val="0"/>
-              </a:spcBef>
-              <a:spcAft>
-                <a:spcPts val="0"/>
-              </a:spcAft>
-              <a:buNone/>
-            </a:pPr>
-            <a:endParaRPr dirty="0"/>
-          </a:p>
-        </p:txBody>
-      </p:sp>
-    </p:spTree>
-    <p:extLst>
-      <p:ext uri="{BB962C8B-B14F-4D97-AF65-F5344CB8AC3E}">
-        <p14:creationId xmlns:p14="http://schemas.microsoft.com/office/powerpoint/2010/main" val="2391522610"/>
-      </p:ext>
-    </p:extLst>
-  </p:cSld>
-  <p:clrMapOvr>
-    <a:masterClrMapping/>
-  </p:clrMapOvr>
-</p:notes>
-</file>
-
-<file path=ppt/notesSlides/notesSlide22.xml><?xml version="1.0" encoding="utf-8"?>
-<p:notes xmlns:a="http://schemas.openxmlformats.org/drawingml/2006/main" xmlns:r="http://schemas.openxmlformats.org/officeDocument/2006/relationships" xmlns:p="http://schemas.openxmlformats.org/presentationml/2006/main" showMasterSp="0" showMasterPhAnim="0">
-  <p:cSld>
-    <p:spTree>
-      <p:nvGrpSpPr>
         <p:cNvPr id="1" name="Shape 468"/>
         <p:cNvGrpSpPr/>
         <p:nvPr/>
@@ -2370,7 +2226,7 @@
 </p:notes>
 </file>
 
-<file path=ppt/notesSlides/notesSlide23.xml><?xml version="1.0" encoding="utf-8"?>
+<file path=ppt/notesSlides/notesSlide21.xml><?xml version="1.0" encoding="utf-8"?>
 <p:notes xmlns:a="http://schemas.openxmlformats.org/drawingml/2006/main" xmlns:r="http://schemas.openxmlformats.org/officeDocument/2006/relationships" xmlns:p="http://schemas.openxmlformats.org/presentationml/2006/main" showMasterSp="0" showMasterPhAnim="0">
   <p:cSld>
     <p:spTree>
@@ -2479,7 +2335,7 @@
 </p:notes>
 </file>
 
-<file path=ppt/notesSlides/notesSlide24.xml><?xml version="1.0" encoding="utf-8"?>
+<file path=ppt/notesSlides/notesSlide22.xml><?xml version="1.0" encoding="utf-8"?>
 <p:notes xmlns:a="http://schemas.openxmlformats.org/drawingml/2006/main" xmlns:r="http://schemas.openxmlformats.org/officeDocument/2006/relationships" xmlns:p="http://schemas.openxmlformats.org/presentationml/2006/main" showMasterSp="0" showMasterPhAnim="0">
   <p:cSld>
     <p:spTree>
@@ -2588,7 +2444,7 @@
 </p:notes>
 </file>
 
-<file path=ppt/notesSlides/notesSlide25.xml><?xml version="1.0" encoding="utf-8"?>
+<file path=ppt/notesSlides/notesSlide23.xml><?xml version="1.0" encoding="utf-8"?>
 <p:notes xmlns:a="http://schemas.openxmlformats.org/drawingml/2006/main" xmlns:r="http://schemas.openxmlformats.org/officeDocument/2006/relationships" xmlns:p="http://schemas.openxmlformats.org/presentationml/2006/main" showMasterSp="0" showMasterPhAnim="0">
   <p:cSld>
     <p:spTree>
@@ -3220,6 +3076,26 @@
               </a:spcAft>
               <a:buNone/>
             </a:pPr>
+            <a:r>
+              <a:rPr lang="fr-FR" dirty="0"/>
+              <a:t>Dans cette figure, elle représente le diagramme de cas d’utilisation. L’utilisateur a la </a:t>
+            </a:r>
+            <a:r>
+              <a:rPr lang="fr-FR" dirty="0" err="1"/>
+              <a:t>possiblité</a:t>
+            </a:r>
+            <a:r>
+              <a:rPr lang="fr-FR" dirty="0"/>
+              <a:t> de gérer un calendrier (</a:t>
+            </a:r>
+            <a:r>
+              <a:rPr lang="fr-FR" dirty="0" err="1"/>
+              <a:t>ajout,modification,suppression</a:t>
+            </a:r>
+            <a:r>
+              <a:rPr lang="fr-FR" dirty="0"/>
+              <a:t>) dans le cas de la suppression, l’utilisateur peut transférer les événements à un autre calendrier. 2eme cas d’utilisation concerne la gestion de l’événement, ce dernier inclut la gestion alerte.</a:t>
+            </a:r>
             <a:endParaRPr dirty="0"/>
           </a:p>
         </p:txBody>
@@ -3329,6 +3205,10 @@
               </a:spcAft>
               <a:buNone/>
             </a:pPr>
+            <a:r>
+              <a:rPr lang="fr-FR" dirty="0"/>
+              <a:t>Cette figure représente une proposition des maquettes IHM et navigation, la Vue Globale est la première vue affichée à l’utilisateur. À partir de celle-ci, il peut ajouter un événement ou bien passer à la liste des calendriers grâce au menu latéral, dans la vue liste des calendriers l’utilisateur peut ajouter ou modifier un calendrier.</a:t>
+            </a:r>
             <a:endParaRPr dirty="0"/>
           </a:p>
         </p:txBody>
@@ -3438,6 +3318,14 @@
               </a:spcAft>
               <a:buNone/>
             </a:pPr>
+            <a:r>
+              <a:rPr lang="fr-FR" dirty="0"/>
+              <a:t>Cette figure représente le modèle du domaine qui définit les informations, il représente les objets du monde réel. </a:t>
+            </a:r>
+            <a:r>
+              <a:rPr lang="fr-FR" i="0" u="none" dirty="0"/>
+              <a:t>Un événement peut générer une ou pas d’alerte.</a:t>
+            </a:r>
             <a:endParaRPr dirty="0"/>
           </a:p>
         </p:txBody>
@@ -19381,7 +19269,7 @@
           <a:p>
             <a:pPr algn="ctr"/>
             <a:r>
-              <a:rPr lang="fr-FR" sz="3200" b="1" dirty="0" smtClean="0">
+              <a:rPr lang="fr-FR" sz="3200" b="1" dirty="0">
                 <a:solidFill>
                   <a:srgbClr val="00CEF6"/>
                 </a:solidFill>
@@ -19389,12 +19277,6 @@
               </a:rPr>
               <a:t>Conception et réalisation d’une application Android pour la gestion du temps de l’étudiant </a:t>
             </a:r>
-            <a:endParaRPr lang="fr-FR" sz="3200" b="1" dirty="0">
-              <a:solidFill>
-                <a:srgbClr val="00CEF6"/>
-              </a:solidFill>
-              <a:latin typeface="Oswald"/>
-            </a:endParaRPr>
           </a:p>
         </p:txBody>
       </p:sp>
@@ -19406,13 +19288,6 @@
   <p:transition>
     <p:fade thruBlk="1"/>
   </p:transition>
-  <p:timing>
-    <p:tnLst>
-      <p:par>
-        <p:cTn id="1" dur="indefinite" restart="never" nodeType="tmRoot"/>
-      </p:par>
-    </p:tnLst>
-  </p:timing>
 </p:sld>
 </file>
 
@@ -19480,7 +19355,7 @@
         <p:spPr>
           <a:xfrm>
             <a:off x="252334" y="0"/>
-            <a:ext cx="8286791" cy="461665"/>
+            <a:ext cx="8891666" cy="461665"/>
           </a:xfrm>
           <a:prstGeom prst="rect">
             <a:avLst/>
@@ -19494,44 +19369,12 @@
           <a:p>
             <a:pPr algn="ctr"/>
             <a:r>
-              <a:rPr lang="fr-FR" sz="2400" dirty="0" smtClean="0">
+              <a:rPr lang="fr-FR" sz="2400" b="1" dirty="0">
                 <a:solidFill>
                   <a:srgbClr val="00CEF6"/>
                 </a:solidFill>
               </a:rPr>
-              <a:t>4.Diagramme </a:t>
-            </a:r>
-            <a:r>
-              <a:rPr lang="fr-FR" sz="2400" dirty="0">
-                <a:solidFill>
-                  <a:srgbClr val="00CEF6"/>
-                </a:solidFill>
-              </a:rPr>
-              <a:t>de classes participantes </a:t>
-            </a:r>
-            <a:r>
-              <a:rPr lang="fr-FR" sz="2400" dirty="0" smtClean="0">
-                <a:solidFill>
-                  <a:srgbClr val="00CEF6"/>
-                </a:solidFill>
-              </a:rPr>
-              <a:t>&lt; </a:t>
-            </a:r>
-            <a:r>
-              <a:rPr lang="fr-FR" sz="2400" dirty="0">
-                <a:solidFill>
-                  <a:srgbClr val="00CEF6"/>
-                </a:solidFill>
-              </a:rPr>
-              <a:t>Ajout événement </a:t>
-            </a:r>
-            <a:r>
-              <a:rPr lang="fr-FR" sz="2400" dirty="0" smtClean="0">
-                <a:solidFill>
-                  <a:srgbClr val="00CEF6"/>
-                </a:solidFill>
-              </a:rPr>
-              <a:t>&gt;</a:t>
+              <a:t>4. Diagramme de classes participantes &lt; Ajout événement &gt;</a:t>
             </a:r>
             <a:endParaRPr lang="fr-FR" sz="2400" b="1" dirty="0">
               <a:solidFill>
@@ -19585,13 +19428,6 @@
   <p:clrMapOvr>
     <a:masterClrMapping/>
   </p:clrMapOvr>
-  <p:timing>
-    <p:tnLst>
-      <p:par>
-        <p:cTn id="1" dur="indefinite" restart="never" nodeType="tmRoot"/>
-      </p:par>
-    </p:tnLst>
-  </p:timing>
 </p:sld>
 </file>
 
@@ -19640,7 +19476,7 @@
             <a:pPr lvl="0"/>
             <a:r>
               <a:rPr lang="fr-FR" sz="4000" dirty="0"/>
-              <a:t>5.Diagramme d’interaction</a:t>
+              <a:t>5. Diagramme d’interaction</a:t>
             </a:r>
             <a:endParaRPr sz="4000" dirty="0">
               <a:solidFill>
@@ -19681,7 +19517,7 @@
               </a:spcBef>
             </a:pPr>
             <a:r>
-              <a:rPr lang="fr-FR" sz="2800" dirty="0" smtClean="0"/>
+              <a:rPr lang="fr-FR" sz="2800" dirty="0"/>
               <a:t>Ajout d’un événement </a:t>
             </a:r>
           </a:p>
@@ -19699,7 +19535,7 @@
                 <a:spcPts val="0"/>
               </a:spcBef>
             </a:pPr>
-            <a:endParaRPr lang="fr-FR" sz="2800" dirty="0" smtClean="0"/>
+            <a:endParaRPr lang="fr-FR" sz="2800" dirty="0"/>
           </a:p>
           <a:p>
             <a:pPr>
@@ -19708,10 +19544,10 @@
               </a:spcBef>
             </a:pPr>
             <a:r>
-              <a:rPr lang="fr-FR" sz="2800" dirty="0" smtClean="0"/>
+              <a:rPr lang="fr-FR" sz="2800" dirty="0"/>
               <a:t> Suppression d’un calendrier </a:t>
             </a:r>
-            <a:endParaRPr sz="2800" dirty="0" smtClean="0"/>
+            <a:endParaRPr sz="2800" dirty="0"/>
           </a:p>
           <a:p>
             <a:pPr marL="0" indent="0">
@@ -19764,13 +19600,6 @@
   <p:clrMapOvr>
     <a:masterClrMapping/>
   </p:clrMapOvr>
-  <p:timing>
-    <p:tnLst>
-      <p:par>
-        <p:cTn id="1" dur="indefinite" restart="never" nodeType="tmRoot"/>
-      </p:par>
-    </p:tnLst>
-  </p:timing>
 </p:sld>
 </file>
 
@@ -19821,7 +19650,7 @@
           <a:lstStyle/>
           <a:p>
             <a:r>
-              <a:rPr lang="fr-FR" sz="2400" dirty="0" smtClean="0">
+              <a:rPr lang="fr-FR" sz="2400" dirty="0">
                 <a:solidFill>
                   <a:srgbClr val="00CEF6"/>
                 </a:solidFill>
@@ -19859,7 +19688,7 @@
         </p:blipFill>
         <p:spPr>
           <a:xfrm>
-            <a:off x="0" y="461665"/>
+            <a:off x="73959" y="655975"/>
             <a:ext cx="8996082" cy="4681835"/>
           </a:xfrm>
           <a:prstGeom prst="rect">
@@ -19910,13 +19739,6 @@
   <p:clrMapOvr>
     <a:masterClrMapping/>
   </p:clrMapOvr>
-  <p:timing>
-    <p:tnLst>
-      <p:par>
-        <p:cTn id="1" dur="indefinite" restart="never" nodeType="tmRoot"/>
-      </p:par>
-    </p:tnLst>
-  </p:timing>
 </p:sld>
 </file>
 
@@ -19967,7 +19789,7 @@
           <a:lstStyle/>
           <a:p>
             <a:r>
-              <a:rPr lang="fr-FR" sz="2400" dirty="0" smtClean="0">
+              <a:rPr lang="fr-FR" sz="2400" dirty="0">
                 <a:solidFill>
                   <a:srgbClr val="00CEF6"/>
                 </a:solidFill>
@@ -20036,18 +19858,13 @@
           <a:lstStyle/>
           <a:p>
             <a:r>
-              <a:rPr lang="fr-FR" sz="4000" dirty="0" smtClean="0">
+              <a:rPr lang="fr-FR" sz="4000" dirty="0">
                 <a:solidFill>
                   <a:srgbClr val="3C78D8"/>
                 </a:solidFill>
               </a:rPr>
               <a:t>10</a:t>
             </a:r>
-            <a:endParaRPr lang="fr-FR" sz="4000" dirty="0">
-              <a:solidFill>
-                <a:srgbClr val="3C78D8"/>
-              </a:solidFill>
-            </a:endParaRPr>
           </a:p>
         </p:txBody>
       </p:sp>
@@ -20061,13 +19878,6 @@
   <p:clrMapOvr>
     <a:masterClrMapping/>
   </p:clrMapOvr>
-  <p:timing>
-    <p:tnLst>
-      <p:par>
-        <p:cTn id="1" dur="indefinite" restart="never" nodeType="tmRoot"/>
-      </p:par>
-    </p:tnLst>
-  </p:timing>
 </p:sld>
 </file>
 
@@ -20115,8 +19925,8 @@
           <a:p>
             <a:pPr lvl="0"/>
             <a:r>
-              <a:rPr lang="fr-FR" sz="2800" dirty="0" smtClean="0"/>
-              <a:t>6.Modèle relationnel</a:t>
+              <a:rPr lang="fr-FR" sz="2800" dirty="0"/>
+              <a:t>6. Modèle relationnel</a:t>
             </a:r>
             <a:endParaRPr sz="2800" dirty="0">
               <a:solidFill>
@@ -20152,11 +19962,11 @@
           <a:lstStyle/>
           <a:p>
             <a:r>
-              <a:rPr lang="fr-FR" sz="2600" dirty="0" smtClean="0"/>
+              <a:rPr lang="fr-FR" sz="2600" dirty="0"/>
               <a:t>Calendrier (</a:t>
             </a:r>
             <a:r>
-              <a:rPr lang="fr-FR" sz="2600" dirty="0">
+              <a:rPr lang="fr-FR" sz="2600" b="1" u="sng" dirty="0">
                 <a:solidFill>
                   <a:srgbClr val="3C78D8"/>
                 </a:solidFill>
@@ -20170,39 +19980,27 @@
           </a:p>
           <a:p>
             <a:r>
-              <a:rPr lang="fr-FR" sz="2600" dirty="0" smtClean="0"/>
-              <a:t>Evènement (</a:t>
+              <a:rPr lang="fr-FR" sz="2600" dirty="0"/>
+              <a:t>Evénement (</a:t>
             </a:r>
             <a:r>
-              <a:rPr lang="fr-FR" sz="2600" dirty="0">
+              <a:rPr lang="fr-FR" sz="2600" b="1" u="sng" dirty="0" err="1">
                 <a:solidFill>
                   <a:srgbClr val="3C78D8"/>
                 </a:solidFill>
               </a:rPr>
-              <a:t>id_evenement</a:t>
+              <a:t>id_événement</a:t>
+            </a:r>
+            <a:r>
+              <a:rPr lang="fr-FR" sz="2600" b="1" u="sng" dirty="0"/>
+              <a:t>, </a:t>
             </a:r>
             <a:r>
               <a:rPr lang="fr-FR" sz="2600" dirty="0"/>
-              <a:t>, titre, </a:t>
+              <a:t>titre,  jour,  heure_debut,  heure_fin, lieu, description, récurrence, </a:t>
             </a:r>
             <a:r>
-              <a:rPr lang="fr-FR" sz="2600" dirty="0" smtClean="0"/>
-              <a:t> jour</a:t>
-            </a:r>
-            <a:r>
-              <a:rPr lang="fr-FR" sz="2600" dirty="0"/>
-              <a:t>, </a:t>
-            </a:r>
-            <a:r>
-              <a:rPr lang="fr-FR" sz="2600" dirty="0" smtClean="0"/>
-              <a:t> heure_debut,  </a:t>
-            </a:r>
-            <a:r>
-              <a:rPr lang="fr-FR" sz="2600" dirty="0"/>
-              <a:t>heure_fin, lieu, description, récurrence, </a:t>
-            </a:r>
-            <a:r>
-              <a:rPr lang="fr-FR" sz="2600" dirty="0">
+              <a:rPr lang="fr-FR" sz="2600" b="1" i="1" dirty="0">
                 <a:solidFill>
                   <a:srgbClr val="BDF32E"/>
                 </a:solidFill>
@@ -20216,11 +20014,11 @@
           </a:p>
           <a:p>
             <a:r>
-              <a:rPr lang="fr-FR" sz="2600" dirty="0" smtClean="0"/>
+              <a:rPr lang="fr-FR" sz="2600" dirty="0"/>
               <a:t>Alerte (</a:t>
             </a:r>
             <a:r>
-              <a:rPr lang="fr-FR" sz="2600" dirty="0">
+              <a:rPr lang="fr-FR" sz="2600" b="1" u="sng" dirty="0">
                 <a:solidFill>
                   <a:srgbClr val="3C78D8"/>
                 </a:solidFill>
@@ -20229,49 +20027,20 @@
             </a:r>
             <a:r>
               <a:rPr lang="fr-FR" sz="2600" dirty="0"/>
-              <a:t>, </a:t>
+              <a:t>,  état,  heure_déclenchement,  </a:t>
             </a:r>
             <a:r>
-              <a:rPr lang="fr-FR" sz="2600" dirty="0" smtClean="0"/>
-              <a:t> état</a:t>
-            </a:r>
-            <a:r>
-              <a:rPr lang="fr-FR" sz="2600" dirty="0"/>
-              <a:t>, </a:t>
-            </a:r>
-            <a:r>
-              <a:rPr lang="fr-FR" sz="2600" dirty="0" smtClean="0"/>
-              <a:t> heure_déclenchement</a:t>
-            </a:r>
-            <a:r>
-              <a:rPr lang="fr-FR" sz="2600" dirty="0"/>
-              <a:t>, </a:t>
-            </a:r>
-            <a:r>
-              <a:rPr lang="fr-FR" sz="2600" dirty="0" smtClean="0"/>
-              <a:t> </a:t>
-            </a:r>
-            <a:r>
-              <a:rPr lang="fr-FR" sz="2600" dirty="0" smtClean="0">
+              <a:rPr lang="fr-FR" sz="2600" b="1" i="1" dirty="0">
                 <a:solidFill>
                   <a:srgbClr val="BDF32E"/>
                 </a:solidFill>
               </a:rPr>
-              <a:t>#</a:t>
+              <a:t>#id_événement</a:t>
             </a:r>
             <a:r>
-              <a:rPr lang="fr-FR" sz="2600" dirty="0" smtClean="0">
-                <a:solidFill>
-                  <a:srgbClr val="BDF32E"/>
-                </a:solidFill>
-              </a:rPr>
-              <a:t>id_événement</a:t>
-            </a:r>
-            <a:r>
-              <a:rPr lang="fr-FR" sz="2600" dirty="0" smtClean="0"/>
+              <a:rPr lang="fr-FR" sz="2600" dirty="0"/>
               <a:t>).</a:t>
             </a:r>
-            <a:endParaRPr lang="fr-FR" sz="2600" dirty="0"/>
           </a:p>
           <a:p>
             <a:endParaRPr lang="fr-FR" dirty="0"/>
@@ -20315,18 +20084,13 @@
           <a:lstStyle/>
           <a:p>
             <a:r>
-              <a:rPr lang="fr-FR" sz="4000" dirty="0" smtClean="0">
+              <a:rPr lang="fr-FR" sz="4000" dirty="0">
                 <a:solidFill>
                   <a:srgbClr val="3C78D8"/>
                 </a:solidFill>
               </a:rPr>
               <a:t>11</a:t>
             </a:r>
-            <a:endParaRPr lang="fr-FR" sz="4000" dirty="0">
-              <a:solidFill>
-                <a:srgbClr val="3C78D8"/>
-              </a:solidFill>
-            </a:endParaRPr>
           </a:p>
         </p:txBody>
       </p:sp>
@@ -20340,13 +20104,6 @@
   <p:clrMapOvr>
     <a:masterClrMapping/>
   </p:clrMapOvr>
-  <p:timing>
-    <p:tnLst>
-      <p:par>
-        <p:cTn id="1" dur="indefinite" restart="never" nodeType="tmRoot"/>
-      </p:par>
-    </p:tnLst>
-  </p:timing>
 </p:sld>
 </file>
 
@@ -20393,7 +20150,7 @@
           <a:lstStyle/>
           <a:p>
             <a:r>
-              <a:rPr lang="fr-FR" sz="6000" dirty="0" smtClean="0"/>
+              <a:rPr lang="fr-FR" sz="6000" dirty="0"/>
               <a:t>Implémentation</a:t>
             </a:r>
             <a:endParaRPr sz="6000" dirty="0"/>
@@ -20427,8 +20184,8 @@
           <a:p>
             <a:pPr marL="0" indent="0"/>
             <a:r>
-              <a:rPr lang="fr-FR" sz="2800" dirty="0" smtClean="0"/>
-              <a:t>Android studio, java, room, git</a:t>
+              <a:rPr lang="fr-FR" sz="2800" dirty="0"/>
+              <a:t>Android Studio, Java, Room, Git</a:t>
             </a:r>
             <a:endParaRPr sz="2800" dirty="0"/>
           </a:p>
@@ -20488,437 +20245,10 @@
   <p:clrMapOvr>
     <a:masterClrMapping/>
   </p:clrMapOvr>
-  <p:timing>
-    <p:tnLst>
-      <p:par>
-        <p:cTn id="1" dur="indefinite" restart="never" nodeType="tmRoot"/>
-      </p:par>
-    </p:tnLst>
-  </p:timing>
 </p:sld>
 </file>
 
 <file path=ppt/slides/slide16.xml><?xml version="1.0" encoding="utf-8"?>
-<p:sld xmlns:a="http://schemas.openxmlformats.org/drawingml/2006/main" xmlns:r="http://schemas.openxmlformats.org/officeDocument/2006/relationships" xmlns:p="http://schemas.openxmlformats.org/presentationml/2006/main">
-  <p:cSld>
-    <p:spTree>
-      <p:nvGrpSpPr>
-        <p:cNvPr id="1" name="Shape 483"/>
-        <p:cNvGrpSpPr/>
-        <p:nvPr/>
-      </p:nvGrpSpPr>
-      <p:grpSpPr>
-        <a:xfrm>
-          <a:off x="0" y="0"/>
-          <a:ext cx="0" cy="0"/>
-          <a:chOff x="0" y="0"/>
-          <a:chExt cx="0" cy="0"/>
-        </a:xfrm>
-      </p:grpSpPr>
-      <p:sp>
-        <p:nvSpPr>
-          <p:cNvPr id="484" name="Shape 484"/>
-          <p:cNvSpPr txBox="1">
-            <a:spLocks noGrp="1"/>
-          </p:cNvSpPr>
-          <p:nvPr>
-            <p:ph type="title"/>
-          </p:nvPr>
-        </p:nvSpPr>
-        <p:spPr>
-          <a:xfrm>
-            <a:off x="1049316" y="215154"/>
-            <a:ext cx="6996600" cy="581829"/>
-          </a:xfrm>
-          <a:prstGeom prst="rect">
-            <a:avLst/>
-          </a:prstGeom>
-        </p:spPr>
-        <p:txBody>
-          <a:bodyPr spcFirstLastPara="1" wrap="square" lIns="91425" tIns="91425" rIns="91425" bIns="91425" anchor="b" anchorCtr="0">
-            <a:noAutofit/>
-          </a:bodyPr>
-          <a:lstStyle/>
-          <a:p>
-            <a:pPr lvl="0"/>
-            <a:r>
-              <a:rPr lang="fr-FR" sz="4000" dirty="0" smtClean="0"/>
-              <a:t>Implémentation 1/2</a:t>
-            </a:r>
-            <a:endParaRPr sz="4000" dirty="0"/>
-          </a:p>
-        </p:txBody>
-      </p:sp>
-      <p:sp>
-        <p:nvSpPr>
-          <p:cNvPr id="485" name="Shape 485"/>
-          <p:cNvSpPr txBox="1">
-            <a:spLocks noGrp="1"/>
-          </p:cNvSpPr>
-          <p:nvPr>
-            <p:ph type="body" idx="1"/>
-          </p:nvPr>
-        </p:nvSpPr>
-        <p:spPr>
-          <a:xfrm>
-            <a:off x="158496" y="1109473"/>
-            <a:ext cx="8778240" cy="2064033"/>
-          </a:xfrm>
-          <a:prstGeom prst="rect">
-            <a:avLst/>
-          </a:prstGeom>
-        </p:spPr>
-        <p:txBody>
-          <a:bodyPr spcFirstLastPara="1" wrap="square" lIns="91425" tIns="91425" rIns="91425" bIns="91425" anchor="t" anchorCtr="0">
-            <a:noAutofit/>
-          </a:bodyPr>
-          <a:lstStyle/>
-          <a:p>
-            <a:r>
-              <a:rPr lang="fr-FR" sz="2400" dirty="0"/>
-              <a:t>Calendrier(id_calendrier, titre, visibilité, couleur, description).</a:t>
-            </a:r>
-          </a:p>
-          <a:p>
-            <a:r>
-              <a:rPr lang="fr-FR" sz="2400" dirty="0"/>
-              <a:t>Evenement(id_evenement, titre, </a:t>
-            </a:r>
-            <a:r>
-              <a:rPr lang="fr-FR" sz="2400" dirty="0" smtClean="0"/>
-              <a:t> jour</a:t>
-            </a:r>
-            <a:r>
-              <a:rPr lang="fr-FR" sz="2400" dirty="0"/>
-              <a:t>, </a:t>
-            </a:r>
-            <a:r>
-              <a:rPr lang="fr-FR" sz="2400" dirty="0" smtClean="0"/>
-              <a:t> heure_debut,  </a:t>
-            </a:r>
-            <a:r>
-              <a:rPr lang="fr-FR" sz="2400" dirty="0"/>
-              <a:t>heure_fin, lieu, description, récurrence, #id_calendrier)</a:t>
-            </a:r>
-          </a:p>
-          <a:p>
-            <a:r>
-              <a:rPr lang="fr-FR" sz="2400" dirty="0"/>
-              <a:t>Alerte(id_alerte, </a:t>
-            </a:r>
-            <a:r>
-              <a:rPr lang="fr-FR" sz="2400" dirty="0" smtClean="0"/>
-              <a:t> état</a:t>
-            </a:r>
-            <a:r>
-              <a:rPr lang="fr-FR" sz="2400" dirty="0"/>
-              <a:t>, </a:t>
-            </a:r>
-            <a:r>
-              <a:rPr lang="fr-FR" sz="2400" dirty="0" smtClean="0"/>
-              <a:t> heure_déclenchement</a:t>
-            </a:r>
-            <a:r>
-              <a:rPr lang="fr-FR" sz="2400" dirty="0"/>
-              <a:t>, </a:t>
-            </a:r>
-            <a:r>
-              <a:rPr lang="fr-FR" sz="2400" dirty="0" smtClean="0"/>
-              <a:t> #</a:t>
-            </a:r>
-            <a:r>
-              <a:rPr lang="fr-FR" sz="2400" dirty="0"/>
-              <a:t>id_calendrier).</a:t>
-            </a:r>
-          </a:p>
-          <a:p>
-            <a:endParaRPr lang="fr-FR" dirty="0"/>
-          </a:p>
-          <a:p>
-            <a:pPr>
-              <a:spcBef>
-                <a:spcPts val="0"/>
-              </a:spcBef>
-            </a:pPr>
-            <a:endParaRPr dirty="0"/>
-          </a:p>
-          <a:p>
-            <a:pPr marL="0" indent="0">
-              <a:buNone/>
-            </a:pPr>
-            <a:endParaRPr dirty="0"/>
-          </a:p>
-        </p:txBody>
-      </p:sp>
-      <p:sp>
-        <p:nvSpPr>
-          <p:cNvPr id="7" name="ZoneTexte 6"/>
-          <p:cNvSpPr txBox="1"/>
-          <p:nvPr/>
-        </p:nvSpPr>
-        <p:spPr>
-          <a:xfrm>
-            <a:off x="7861300" y="4533900"/>
-            <a:ext cx="838201" cy="707886"/>
-          </a:xfrm>
-          <a:prstGeom prst="rect">
-            <a:avLst/>
-          </a:prstGeom>
-          <a:noFill/>
-        </p:spPr>
-        <p:txBody>
-          <a:bodyPr wrap="square" rtlCol="0">
-            <a:spAutoFit/>
-          </a:bodyPr>
-          <a:lstStyle/>
-          <a:p>
-            <a:r>
-              <a:rPr lang="fr-FR" sz="4000" dirty="0" smtClean="0">
-                <a:solidFill>
-                  <a:srgbClr val="3C78D8"/>
-                </a:solidFill>
-              </a:rPr>
-              <a:t>12</a:t>
-            </a:r>
-            <a:endParaRPr lang="fr-FR" sz="4000" dirty="0">
-              <a:solidFill>
-                <a:srgbClr val="3C78D8"/>
-              </a:solidFill>
-            </a:endParaRPr>
-          </a:p>
-        </p:txBody>
-      </p:sp>
-    </p:spTree>
-    <p:extLst>
-      <p:ext uri="{BB962C8B-B14F-4D97-AF65-F5344CB8AC3E}">
-        <p14:creationId xmlns:p14="http://schemas.microsoft.com/office/powerpoint/2010/main" val="2394694764"/>
-      </p:ext>
-    </p:extLst>
-  </p:cSld>
-  <p:clrMapOvr>
-    <a:masterClrMapping/>
-  </p:clrMapOvr>
-  <p:timing>
-    <p:tnLst>
-      <p:par>
-        <p:cTn id="1" dur="indefinite" restart="never" nodeType="tmRoot"/>
-      </p:par>
-    </p:tnLst>
-  </p:timing>
-</p:sld>
-</file>
-
-<file path=ppt/slides/slide17.xml><?xml version="1.0" encoding="utf-8"?>
-<p:sld xmlns:a="http://schemas.openxmlformats.org/drawingml/2006/main" xmlns:r="http://schemas.openxmlformats.org/officeDocument/2006/relationships" xmlns:p="http://schemas.openxmlformats.org/presentationml/2006/main">
-  <p:cSld>
-    <p:spTree>
-      <p:nvGrpSpPr>
-        <p:cNvPr id="1" name="Shape 483"/>
-        <p:cNvGrpSpPr/>
-        <p:nvPr/>
-      </p:nvGrpSpPr>
-      <p:grpSpPr>
-        <a:xfrm>
-          <a:off x="0" y="0"/>
-          <a:ext cx="0" cy="0"/>
-          <a:chOff x="0" y="0"/>
-          <a:chExt cx="0" cy="0"/>
-        </a:xfrm>
-      </p:grpSpPr>
-      <p:sp>
-        <p:nvSpPr>
-          <p:cNvPr id="484" name="Shape 484"/>
-          <p:cNvSpPr txBox="1">
-            <a:spLocks noGrp="1"/>
-          </p:cNvSpPr>
-          <p:nvPr>
-            <p:ph type="title"/>
-          </p:nvPr>
-        </p:nvSpPr>
-        <p:spPr>
-          <a:xfrm>
-            <a:off x="1049316" y="215154"/>
-            <a:ext cx="6996600" cy="581829"/>
-          </a:xfrm>
-          <a:prstGeom prst="rect">
-            <a:avLst/>
-          </a:prstGeom>
-        </p:spPr>
-        <p:txBody>
-          <a:bodyPr spcFirstLastPara="1" wrap="square" lIns="91425" tIns="91425" rIns="91425" bIns="91425" anchor="b" anchorCtr="0">
-            <a:noAutofit/>
-          </a:bodyPr>
-          <a:lstStyle/>
-          <a:p>
-            <a:pPr lvl="0"/>
-            <a:r>
-              <a:rPr lang="fr-FR" sz="4000" dirty="0" smtClean="0"/>
-              <a:t>Implémentation 2/2</a:t>
-            </a:r>
-            <a:endParaRPr sz="4000" dirty="0"/>
-          </a:p>
-        </p:txBody>
-      </p:sp>
-      <p:sp>
-        <p:nvSpPr>
-          <p:cNvPr id="485" name="Shape 485"/>
-          <p:cNvSpPr txBox="1">
-            <a:spLocks noGrp="1"/>
-          </p:cNvSpPr>
-          <p:nvPr>
-            <p:ph type="body" idx="1"/>
-          </p:nvPr>
-        </p:nvSpPr>
-        <p:spPr>
-          <a:xfrm>
-            <a:off x="158496" y="1109473"/>
-            <a:ext cx="8778240" cy="2064033"/>
-          </a:xfrm>
-          <a:prstGeom prst="rect">
-            <a:avLst/>
-          </a:prstGeom>
-        </p:spPr>
-        <p:txBody>
-          <a:bodyPr spcFirstLastPara="1" wrap="square" lIns="91425" tIns="91425" rIns="91425" bIns="91425" anchor="t" anchorCtr="0">
-            <a:noAutofit/>
-          </a:bodyPr>
-          <a:lstStyle/>
-          <a:p>
-            <a:r>
-              <a:rPr lang="fr-FR" sz="2400" dirty="0"/>
-              <a:t>Calendrier(id_calendrier, titre, visibilité, couleur, description).</a:t>
-            </a:r>
-          </a:p>
-          <a:p>
-            <a:r>
-              <a:rPr lang="fr-FR" sz="2400" dirty="0"/>
-              <a:t>Evenement(id_evenement, titre, </a:t>
-            </a:r>
-            <a:r>
-              <a:rPr lang="fr-FR" sz="2400" dirty="0" smtClean="0"/>
-              <a:t> jour</a:t>
-            </a:r>
-            <a:r>
-              <a:rPr lang="fr-FR" sz="2400" dirty="0"/>
-              <a:t>, </a:t>
-            </a:r>
-            <a:r>
-              <a:rPr lang="fr-FR" sz="2400" dirty="0" smtClean="0"/>
-              <a:t> heure_debut,  </a:t>
-            </a:r>
-            <a:r>
-              <a:rPr lang="fr-FR" sz="2400" dirty="0"/>
-              <a:t>heure_fin, lieu, description, récurrence, #id_calendrier)</a:t>
-            </a:r>
-          </a:p>
-          <a:p>
-            <a:r>
-              <a:rPr lang="fr-FR" sz="2400" dirty="0"/>
-              <a:t>Alerte(id_alerte, </a:t>
-            </a:r>
-            <a:r>
-              <a:rPr lang="fr-FR" sz="2400" dirty="0" smtClean="0"/>
-              <a:t> état</a:t>
-            </a:r>
-            <a:r>
-              <a:rPr lang="fr-FR" sz="2400" dirty="0"/>
-              <a:t>, </a:t>
-            </a:r>
-            <a:r>
-              <a:rPr lang="fr-FR" sz="2400" dirty="0" smtClean="0"/>
-              <a:t> heure_déclenchement</a:t>
-            </a:r>
-            <a:r>
-              <a:rPr lang="fr-FR" sz="2400" dirty="0"/>
-              <a:t>, </a:t>
-            </a:r>
-            <a:r>
-              <a:rPr lang="fr-FR" sz="2400" dirty="0" smtClean="0"/>
-              <a:t> #</a:t>
-            </a:r>
-            <a:r>
-              <a:rPr lang="fr-FR" sz="2400" dirty="0"/>
-              <a:t>id_calendrier).</a:t>
-            </a:r>
-          </a:p>
-          <a:p>
-            <a:endParaRPr lang="fr-FR" dirty="0"/>
-          </a:p>
-          <a:p>
-            <a:pPr>
-              <a:spcBef>
-                <a:spcPts val="0"/>
-              </a:spcBef>
-            </a:pPr>
-            <a:endParaRPr dirty="0"/>
-          </a:p>
-          <a:p>
-            <a:pPr marL="0" indent="0">
-              <a:buNone/>
-            </a:pPr>
-            <a:endParaRPr dirty="0"/>
-          </a:p>
-        </p:txBody>
-      </p:sp>
-      <p:sp>
-        <p:nvSpPr>
-          <p:cNvPr id="4" name="ZoneTexte 3"/>
-          <p:cNvSpPr txBox="1"/>
-          <p:nvPr/>
-        </p:nvSpPr>
-        <p:spPr>
-          <a:xfrm>
-            <a:off x="7861300" y="4533900"/>
-            <a:ext cx="838201" cy="707886"/>
-          </a:xfrm>
-          <a:prstGeom prst="rect">
-            <a:avLst/>
-          </a:prstGeom>
-          <a:noFill/>
-        </p:spPr>
-        <p:txBody>
-          <a:bodyPr wrap="square" rtlCol="0">
-            <a:spAutoFit/>
-          </a:bodyPr>
-          <a:lstStyle/>
-          <a:p>
-            <a:r>
-              <a:rPr lang="fr-FR" sz="4000" dirty="0" smtClean="0">
-                <a:solidFill>
-                  <a:srgbClr val="3C78D8"/>
-                </a:solidFill>
-              </a:rPr>
-              <a:t>13</a:t>
-            </a:r>
-            <a:endParaRPr lang="fr-FR" sz="4000" dirty="0">
-              <a:solidFill>
-                <a:srgbClr val="3C78D8"/>
-              </a:solidFill>
-            </a:endParaRPr>
-          </a:p>
-        </p:txBody>
-      </p:sp>
-    </p:spTree>
-    <p:extLst>
-      <p:ext uri="{BB962C8B-B14F-4D97-AF65-F5344CB8AC3E}">
-        <p14:creationId xmlns:p14="http://schemas.microsoft.com/office/powerpoint/2010/main" val="1838014865"/>
-      </p:ext>
-    </p:extLst>
-  </p:cSld>
-  <p:clrMapOvr>
-    <a:masterClrMapping/>
-  </p:clrMapOvr>
-  <p:timing>
-    <p:tnLst>
-      <p:par>
-        <p:cTn id="1" dur="indefinite" restart="never" nodeType="tmRoot"/>
-      </p:par>
-    </p:tnLst>
-  </p:timing>
-</p:sld>
-</file>
-
-<file path=ppt/slides/slide18.xml><?xml version="1.0" encoding="utf-8"?>
 <p:sld xmlns:a="http://schemas.openxmlformats.org/drawingml/2006/main" xmlns:r="http://schemas.openxmlformats.org/officeDocument/2006/relationships" xmlns:p="http://schemas.openxmlformats.org/presentationml/2006/main">
   <p:cSld>
     <p:spTree>
@@ -21001,8 +20331,8 @@
           <a:lstStyle/>
           <a:p>
             <a:r>
-              <a:rPr lang="fr-FR" dirty="0" smtClean="0"/>
-              <a:t>Représentation de l’environnement de travaille </a:t>
+              <a:rPr lang="fr-FR" dirty="0"/>
+              <a:t>Représentation de l’environnement de travail </a:t>
             </a:r>
             <a:endParaRPr dirty="0"/>
           </a:p>
@@ -21206,7 +20536,7 @@
         </p:nvSpPr>
         <p:spPr>
           <a:xfrm>
-            <a:off x="3632411" y="1824889"/>
+            <a:off x="3632411" y="1814131"/>
             <a:ext cx="840300" cy="841500"/>
           </a:xfrm>
           <a:custGeom>
@@ -21432,7 +20762,7 @@
         </p:nvSpPr>
         <p:spPr>
           <a:xfrm>
-            <a:off x="3787986" y="1990672"/>
+            <a:off x="3777228" y="1969156"/>
             <a:ext cx="1354610" cy="1334729"/>
           </a:xfrm>
           <a:prstGeom prst="ellipse">
@@ -21504,7 +20834,7 @@
           <a:lstStyle/>
           <a:p>
             <a:r>
-              <a:rPr lang="fr-FR" dirty="0" smtClean="0">
+              <a:rPr lang="fr-FR" dirty="0">
                 <a:solidFill>
                   <a:srgbClr val="FFFFFF"/>
                 </a:solidFill>
@@ -22034,7 +21364,7 @@
           <a:p>
             <a:pPr algn="ctr"/>
             <a:r>
-              <a:rPr lang="fr-FR" dirty="0" smtClean="0">
+              <a:rPr lang="fr-FR" dirty="0">
                 <a:solidFill>
                   <a:srgbClr val="FFFFFF"/>
                 </a:solidFill>
@@ -22049,7 +21379,7 @@
           <a:p>
             <a:pPr algn="ctr"/>
             <a:r>
-              <a:rPr lang="fr-FR" dirty="0" smtClean="0">
+              <a:rPr lang="fr-FR" dirty="0">
                 <a:solidFill>
                   <a:srgbClr val="FFFFFF"/>
                 </a:solidFill>
@@ -22098,7 +21428,7 @@
           <a:lstStyle/>
           <a:p>
             <a:r>
-              <a:rPr lang="en" sz="1200" dirty="0" smtClean="0">
+              <a:rPr lang="en" sz="1200" dirty="0">
                 <a:solidFill>
                   <a:srgbClr val="FFFFFF"/>
                 </a:solidFill>
@@ -22144,7 +21474,7 @@
           <a:lstStyle/>
           <a:p>
             <a:r>
-              <a:rPr lang="en" dirty="0" smtClean="0">
+              <a:rPr lang="en" dirty="0">
                 <a:solidFill>
                   <a:srgbClr val="FFFFFF"/>
                 </a:solidFill>
@@ -22156,73 +21486,6 @@
               <a:t>ColorPicker,WeekVeiw</a:t>
             </a:r>
             <a:endParaRPr dirty="0">
-              <a:latin typeface="Source Sans Pro"/>
-              <a:ea typeface="Source Sans Pro"/>
-              <a:cs typeface="Source Sans Pro"/>
-              <a:sym typeface="Source Sans Pro"/>
-            </a:endParaRPr>
-          </a:p>
-        </p:txBody>
-      </p:sp>
-      <p:sp>
-        <p:nvSpPr>
-          <p:cNvPr id="584" name="Shape 584"/>
-          <p:cNvSpPr txBox="1"/>
-          <p:nvPr/>
-        </p:nvSpPr>
-        <p:spPr>
-          <a:xfrm>
-            <a:off x="6098977" y="4094256"/>
-            <a:ext cx="2821800" cy="459000"/>
-          </a:xfrm>
-          <a:prstGeom prst="rect">
-            <a:avLst/>
-          </a:prstGeom>
-          <a:noFill/>
-          <a:ln>
-            <a:noFill/>
-          </a:ln>
-        </p:spPr>
-        <p:txBody>
-          <a:bodyPr spcFirstLastPara="1" wrap="square" lIns="91425" tIns="91425" rIns="91425" bIns="91425" anchor="t" anchorCtr="0">
-            <a:noAutofit/>
-          </a:bodyPr>
-          <a:lstStyle/>
-          <a:p>
-            <a:pPr algn="ctr">
-              <a:spcBef>
-                <a:spcPts val="600"/>
-              </a:spcBef>
-            </a:pPr>
-            <a:r>
-              <a:rPr lang="en" sz="800" b="1" dirty="0">
-                <a:solidFill>
-                  <a:srgbClr val="28324A"/>
-                </a:solidFill>
-                <a:latin typeface="Source Sans Pro"/>
-                <a:ea typeface="Source Sans Pro"/>
-                <a:cs typeface="Source Sans Pro"/>
-                <a:sym typeface="Source Sans Pro"/>
-              </a:rPr>
-              <a:t>Diagram featured by </a:t>
-            </a:r>
-            <a:r>
-              <a:rPr lang="en" sz="800" b="1" u="sng" dirty="0">
-                <a:solidFill>
-                  <a:srgbClr val="28324A"/>
-                </a:solidFill>
-                <a:latin typeface="Source Sans Pro"/>
-                <a:ea typeface="Source Sans Pro"/>
-                <a:cs typeface="Source Sans Pro"/>
-                <a:sym typeface="Source Sans Pro"/>
-                <a:hlinkClick r:id="rId3"/>
-              </a:rPr>
-              <a:t>http://slidemodel.com</a:t>
-            </a:r>
-            <a:endParaRPr sz="800" dirty="0">
-              <a:solidFill>
-                <a:srgbClr val="28324A"/>
-              </a:solidFill>
               <a:latin typeface="Source Sans Pro"/>
               <a:ea typeface="Source Sans Pro"/>
               <a:cs typeface="Source Sans Pro"/>
@@ -22270,8 +21533,12 @@
             </a:bodyPr>
             <a:lstStyle/>
             <a:p>
+              <a:pPr marL="171450" indent="-171450">
+                <a:buFont typeface="Arial" panose="020B0604020202020204" pitchFamily="34" charset="0"/>
+                <a:buChar char="•"/>
+              </a:pPr>
               <a:r>
-                <a:rPr lang="en" sz="1100">
+                <a:rPr lang="fr-FR" sz="1100" u="sng" dirty="0">
                   <a:solidFill>
                     <a:srgbClr val="3F3F3F"/>
                   </a:solidFill>
@@ -22280,7 +21547,19 @@
                   <a:cs typeface="Source Sans Pro"/>
                   <a:sym typeface="Source Sans Pro"/>
                 </a:rPr>
-                <a:t>This is a sample text.</a:t>
+                <a:t>Java</a:t>
+              </a:r>
+              <a:r>
+                <a:rPr lang="fr-FR" sz="1100" dirty="0">
+                  <a:solidFill>
+                    <a:srgbClr val="3F3F3F"/>
+                  </a:solidFill>
+                  <a:latin typeface="Source Sans Pro"/>
+                  <a:ea typeface="Source Sans Pro"/>
+                  <a:cs typeface="Source Sans Pro"/>
+                  <a:sym typeface="Source Sans Pro"/>
+                </a:rPr>
+                <a:t>: langage orienté objet, puissant et portable.</a:t>
               </a:r>
               <a:endParaRPr sz="1100" dirty="0">
                 <a:latin typeface="Source Sans Pro"/>
@@ -22290,8 +21569,12 @@
               </a:endParaRPr>
             </a:p>
             <a:p>
+              <a:pPr marL="171450" indent="-171450">
+                <a:buFont typeface="Arial" panose="020B0604020202020204" pitchFamily="34" charset="0"/>
+                <a:buChar char="•"/>
+              </a:pPr>
               <a:r>
-                <a:rPr lang="en" sz="1100">
+                <a:rPr lang="fr-FR" sz="1100" dirty="0">
                   <a:solidFill>
                     <a:srgbClr val="3F3F3F"/>
                   </a:solidFill>
@@ -22300,7 +21583,7 @@
                   <a:cs typeface="Source Sans Pro"/>
                   <a:sym typeface="Source Sans Pro"/>
                 </a:rPr>
-                <a:t>Insert your desired text here.</a:t>
+                <a:t>XML est un métalangage de balisages permettant de décrire des interfaces graphiques et des fichiers de configuration.</a:t>
               </a:r>
               <a:endParaRPr sz="1100" dirty="0">
                 <a:solidFill>
@@ -22340,7 +21623,7 @@
             <a:lstStyle/>
             <a:p>
               <a:r>
-                <a:rPr lang="fr-FR" sz="1800" dirty="0" smtClean="0">
+                <a:rPr lang="fr-FR" sz="1800" dirty="0">
                   <a:solidFill>
                     <a:srgbClr val="00CEF6"/>
                   </a:solidFill>
@@ -22373,9 +21656,9 @@
         <p:grpSpPr>
           <a:xfrm>
             <a:off x="6243032" y="3261427"/>
-            <a:ext cx="2577287" cy="647073"/>
+            <a:ext cx="2577287" cy="647074"/>
             <a:chOff x="6426462" y="3475458"/>
-            <a:chExt cx="2844686" cy="714209"/>
+            <a:chExt cx="2844686" cy="714210"/>
           </a:xfrm>
         </p:grpSpPr>
         <p:sp>
@@ -22386,7 +21669,7 @@
           </p:nvSpPr>
           <p:spPr>
             <a:xfrm>
-              <a:off x="6426462" y="3745967"/>
+              <a:off x="6426462" y="3745968"/>
               <a:ext cx="2719643" cy="443700"/>
             </a:xfrm>
             <a:prstGeom prst="rect">
@@ -22403,8 +21686,12 @@
             </a:bodyPr>
             <a:lstStyle/>
             <a:p>
+              <a:pPr marL="171450" indent="-171450">
+                <a:buFont typeface="Arial" panose="020B0604020202020204" pitchFamily="34" charset="0"/>
+                <a:buChar char="•"/>
+              </a:pPr>
               <a:r>
-                <a:rPr lang="en" sz="1100" dirty="0">
+                <a:rPr lang="fr-FR" sz="1100" dirty="0" err="1">
                   <a:solidFill>
                     <a:srgbClr val="3F3F3F"/>
                   </a:solidFill>
@@ -22413,18 +21700,10 @@
                   <a:cs typeface="Source Sans Pro"/>
                   <a:sym typeface="Source Sans Pro"/>
                 </a:rPr>
-                <a:t>This is a sample text.</a:t>
+                <a:t>ColorPicker</a:t>
               </a:r>
-              <a:endParaRPr sz="1100" dirty="0">
-                <a:latin typeface="Source Sans Pro"/>
-                <a:ea typeface="Source Sans Pro"/>
-                <a:cs typeface="Source Sans Pro"/>
-                <a:sym typeface="Source Sans Pro"/>
-              </a:endParaRPr>
-            </a:p>
-            <a:p>
               <a:r>
-                <a:rPr lang="en" sz="1100" dirty="0">
+                <a:rPr lang="fr-FR" sz="1100" dirty="0">
                   <a:solidFill>
                     <a:srgbClr val="3F3F3F"/>
                   </a:solidFill>
@@ -22433,7 +21712,7 @@
                   <a:cs typeface="Source Sans Pro"/>
                   <a:sym typeface="Source Sans Pro"/>
                 </a:rPr>
-                <a:t>Insert your desired text here.</a:t>
+                <a:t> est une librairie qui </a:t>
               </a:r>
               <a:endParaRPr sz="1100" dirty="0">
                 <a:solidFill>
@@ -22473,7 +21752,7 @@
             <a:lstStyle/>
             <a:p>
               <a:r>
-                <a:rPr lang="en" sz="1800" dirty="0" smtClean="0">
+                <a:rPr lang="en" sz="1800" dirty="0">
                   <a:solidFill>
                     <a:srgbClr val="28324A"/>
                   </a:solidFill>
@@ -22482,7 +21761,55 @@
                   <a:cs typeface="Source Sans Pro"/>
                   <a:sym typeface="Source Sans Pro"/>
                 </a:rPr>
-                <a:t>Colorpicker et weekView</a:t>
+                <a:t>Color</a:t>
+              </a:r>
+              <a:r>
+                <a:rPr lang="fr-FR" sz="1800" dirty="0">
+                  <a:solidFill>
+                    <a:srgbClr val="28324A"/>
+                  </a:solidFill>
+                  <a:latin typeface="Source Sans Pro"/>
+                  <a:ea typeface="Source Sans Pro"/>
+                  <a:cs typeface="Source Sans Pro"/>
+                  <a:sym typeface="Source Sans Pro"/>
+                </a:rPr>
+                <a:t>P</a:t>
+              </a:r>
+              <a:r>
+                <a:rPr lang="en" sz="1800" dirty="0">
+                  <a:solidFill>
+                    <a:srgbClr val="28324A"/>
+                  </a:solidFill>
+                  <a:latin typeface="Source Sans Pro"/>
+                  <a:ea typeface="Source Sans Pro"/>
+                  <a:cs typeface="Source Sans Pro"/>
+                  <a:sym typeface="Source Sans Pro"/>
+                </a:rPr>
+                <a:t>icker et </a:t>
+              </a:r>
+              <a:r>
+                <a:rPr lang="fr-FR" sz="1800" dirty="0">
+                  <a:solidFill>
+                    <a:srgbClr val="28324A"/>
+                  </a:solidFill>
+                  <a:latin typeface="Source Sans Pro"/>
+                  <a:ea typeface="Source Sans Pro"/>
+                  <a:cs typeface="Source Sans Pro"/>
+                  <a:sym typeface="Source Sans Pro"/>
+                </a:rPr>
+                <a:t>W</a:t>
+              </a:r>
+              <a:r>
+                <a:rPr lang="en" sz="1800" dirty="0">
+                  <a:solidFill>
+                    <a:srgbClr val="28324A"/>
+                  </a:solidFill>
+                  <a:latin typeface="Source Sans Pro"/>
+                  <a:ea typeface="Source Sans Pro"/>
+                  <a:cs typeface="Source Sans Pro"/>
+                  <a:sym typeface="Source Sans Pro"/>
+                </a:rPr>
+                <a:t>eekView</a:t>
               </a:r>
               <a:endParaRPr sz="1800" dirty="0">
                 <a:solidFill>
@@ -22506,9 +21833,9 @@
         <p:grpSpPr>
           <a:xfrm>
             <a:off x="770511" y="1106490"/>
-            <a:ext cx="1932507" cy="647163"/>
+            <a:ext cx="1932507" cy="898021"/>
             <a:chOff x="8578272" y="1488369"/>
-            <a:chExt cx="2810100" cy="941054"/>
+            <a:chExt cx="2810100" cy="1305832"/>
           </a:xfrm>
         </p:grpSpPr>
         <p:sp>
@@ -22519,8 +21846,8 @@
           </p:nvSpPr>
           <p:spPr>
             <a:xfrm>
-              <a:off x="8578272" y="1844723"/>
-              <a:ext cx="2800800" cy="584700"/>
+              <a:off x="8578272" y="1786769"/>
+              <a:ext cx="2800799" cy="1007432"/>
             </a:xfrm>
             <a:prstGeom prst="rect">
               <a:avLst/>
@@ -22538,7 +21865,7 @@
             <a:p>
               <a:pPr algn="r"/>
               <a:r>
-                <a:rPr lang="en" sz="1100" dirty="0">
+                <a:rPr lang="fr-FR" sz="1100" dirty="0">
                   <a:solidFill>
                     <a:srgbClr val="3F3F3F"/>
                   </a:solidFill>
@@ -22547,28 +21874,7 @@
                   <a:cs typeface="Source Sans Pro"/>
                   <a:sym typeface="Source Sans Pro"/>
                 </a:rPr>
-                <a:t>This is a sample text.</a:t>
-              </a:r>
-              <a:endParaRPr sz="1100" dirty="0">
-                <a:latin typeface="Source Sans Pro"/>
-                <a:ea typeface="Source Sans Pro"/>
-                <a:cs typeface="Source Sans Pro"/>
-                <a:sym typeface="Source Sans Pro"/>
-              </a:endParaRPr>
-            </a:p>
-            <a:p>
-              <a:pPr algn="r"/>
-              <a:r>
-                <a:rPr lang="en" sz="1100" dirty="0">
-                  <a:solidFill>
-                    <a:srgbClr val="3F3F3F"/>
-                  </a:solidFill>
-                  <a:latin typeface="Source Sans Pro"/>
-                  <a:ea typeface="Source Sans Pro"/>
-                  <a:cs typeface="Source Sans Pro"/>
-                  <a:sym typeface="Source Sans Pro"/>
-                </a:rPr>
-                <a:t>Insert your desired text here.</a:t>
+                <a:t>Est un environnement de développement pour développer des applications Android natives</a:t>
               </a:r>
               <a:endParaRPr sz="1100" dirty="0">
                 <a:solidFill>
@@ -22609,7 +21915,7 @@
             <a:p>
               <a:pPr algn="r"/>
               <a:r>
-                <a:rPr lang="en" sz="1800" dirty="0" smtClean="0">
+                <a:rPr lang="en" sz="1800" dirty="0">
                   <a:solidFill>
                     <a:srgbClr val="8EC400"/>
                   </a:solidFill>
@@ -22641,10 +21947,10 @@
         </p:nvGrpSpPr>
         <p:grpSpPr>
           <a:xfrm>
-            <a:off x="770597" y="3261426"/>
-            <a:ext cx="1932499" cy="647073"/>
-            <a:chOff x="386249" y="3475458"/>
-            <a:chExt cx="2133000" cy="714209"/>
+            <a:off x="760705" y="2916590"/>
+            <a:ext cx="1986101" cy="759714"/>
+            <a:chOff x="375331" y="3094847"/>
+            <a:chExt cx="2192163" cy="838538"/>
           </a:xfrm>
         </p:grpSpPr>
         <p:sp>
@@ -22655,8 +21961,8 @@
           </p:nvSpPr>
           <p:spPr>
             <a:xfrm>
-              <a:off x="386249" y="3745967"/>
-              <a:ext cx="2126100" cy="443700"/>
+              <a:off x="441394" y="3489686"/>
+              <a:ext cx="2126100" cy="443699"/>
             </a:xfrm>
             <a:prstGeom prst="rect">
               <a:avLst/>
@@ -22672,7 +21978,22 @@
             </a:bodyPr>
             <a:lstStyle/>
             <a:p>
-              <a:pPr algn="r"/>
+              <a:pPr marL="171450" indent="-171450" algn="r">
+                <a:buFont typeface="Arial" panose="020B0604020202020204" pitchFamily="34" charset="0"/>
+                <a:buChar char="•"/>
+              </a:pPr>
+              <a:r>
+                <a:rPr lang="fr-FR" sz="1100" dirty="0">
+                  <a:solidFill>
+                    <a:srgbClr val="3F3F3F"/>
+                  </a:solidFill>
+                  <a:latin typeface="Source Sans Pro"/>
+                  <a:ea typeface="Source Sans Pro"/>
+                  <a:cs typeface="Source Sans Pro"/>
+                  <a:sym typeface="Source Sans Pro"/>
+                </a:rPr>
+                <a:t>SQLite est un SGBD local qui offre un moteur de base de données relationnelles</a:t>
+              </a:r>
               <a:r>
                 <a:rPr lang="en" sz="1100" dirty="0">
                   <a:solidFill>
@@ -22683,17 +22004,14 @@
                   <a:cs typeface="Source Sans Pro"/>
                   <a:sym typeface="Source Sans Pro"/>
                 </a:rPr>
-                <a:t>This is a sample text.</a:t>
+                <a:t>.</a:t>
               </a:r>
-              <a:endParaRPr sz="1100" dirty="0">
-                <a:latin typeface="Source Sans Pro"/>
-                <a:ea typeface="Source Sans Pro"/>
-                <a:cs typeface="Source Sans Pro"/>
-                <a:sym typeface="Source Sans Pro"/>
-              </a:endParaRPr>
             </a:p>
             <a:p>
-              <a:pPr algn="r"/>
+              <a:pPr marL="171450" indent="-171450" algn="r">
+                <a:buFont typeface="Arial" panose="020B0604020202020204" pitchFamily="34" charset="0"/>
+                <a:buChar char="•"/>
+              </a:pPr>
               <a:r>
                 <a:rPr lang="en" sz="1100" dirty="0">
                   <a:solidFill>
@@ -22704,8 +22022,14 @@
                   <a:cs typeface="Source Sans Pro"/>
                   <a:sym typeface="Source Sans Pro"/>
                 </a:rPr>
-                <a:t>Insert your desired text here.</a:t>
+                <a:t>Room est une librairie de base de données, elle est une couche d’abstraction à SQLite.</a:t>
               </a:r>
+            </a:p>
+            <a:p>
+              <a:pPr marL="171450" indent="-171450" algn="r">
+                <a:buFont typeface="Arial" panose="020B0604020202020204" pitchFamily="34" charset="0"/>
+                <a:buChar char="•"/>
+              </a:pPr>
               <a:endParaRPr sz="1100" dirty="0">
                 <a:solidFill>
                   <a:srgbClr val="3F3F3F"/>
@@ -22726,7 +22050,7 @@
           </p:nvSpPr>
           <p:spPr>
             <a:xfrm>
-              <a:off x="386249" y="3475458"/>
+              <a:off x="375331" y="3094847"/>
               <a:ext cx="2133000" cy="303900"/>
             </a:xfrm>
             <a:prstGeom prst="rect">
@@ -22745,7 +22069,7 @@
             <a:p>
               <a:pPr algn="r"/>
               <a:r>
-                <a:rPr lang="en" sz="1800" dirty="0">
+                <a:rPr lang="fr-FR" sz="1800" dirty="0">
                   <a:solidFill>
                     <a:srgbClr val="3468BC"/>
                   </a:solidFill>
@@ -22754,7 +22078,63 @@
                   <a:cs typeface="Source Sans Pro"/>
                   <a:sym typeface="Source Sans Pro"/>
                 </a:rPr>
-                <a:t>Sample text</a:t>
+                <a:t>SQLite et Room</a:t>
+              </a:r>
+              <a:endParaRPr sz="1800" dirty="0">
+                <a:solidFill>
+                  <a:srgbClr val="3468BC"/>
+                </a:solidFill>
+                <a:latin typeface="Source Sans Pro"/>
+                <a:ea typeface="Source Sans Pro"/>
+                <a:cs typeface="Source Sans Pro"/>
+                <a:sym typeface="Source Sans Pro"/>
+              </a:endParaRPr>
+            </a:p>
+          </p:txBody>
+        </p:sp>
+        <p:sp>
+          <p:nvSpPr>
+            <p:cNvPr id="53" name="Shape 596">
+              <a:extLst>
+                <a:ext uri="{FF2B5EF4-FFF2-40B4-BE49-F238E27FC236}">
+                  <a16:creationId xmlns:a16="http://schemas.microsoft.com/office/drawing/2014/main" id="{7E1DF014-22C7-41F5-BD20-CB511ABEE43B}"/>
+                </a:ext>
+              </a:extLst>
+            </p:cNvPr>
+            <p:cNvSpPr txBox="1"/>
+            <p:nvPr/>
+          </p:nvSpPr>
+          <p:spPr>
+            <a:xfrm>
+              <a:off x="386163" y="3094847"/>
+              <a:ext cx="2133000" cy="303900"/>
+            </a:xfrm>
+            <a:prstGeom prst="rect">
+              <a:avLst/>
+            </a:prstGeom>
+            <a:noFill/>
+            <a:ln>
+              <a:noFill/>
+            </a:ln>
+          </p:spPr>
+          <p:txBody>
+            <a:bodyPr spcFirstLastPara="1" wrap="square" lIns="91425" tIns="45700" rIns="91425" bIns="45700" anchor="t" anchorCtr="0">
+              <a:noAutofit/>
+            </a:bodyPr>
+            <a:lstStyle/>
+            <a:p>
+              <a:pPr algn="r"/>
+              <a:r>
+                <a:rPr lang="fr-FR" sz="1800" dirty="0">
+                  <a:solidFill>
+                    <a:srgbClr val="3468BC"/>
+                  </a:solidFill>
+                  <a:latin typeface="Source Sans Pro"/>
+                  <a:ea typeface="Source Sans Pro"/>
+                  <a:cs typeface="Source Sans Pro"/>
+                  <a:sym typeface="Source Sans Pro"/>
+                </a:rPr>
+                <a:t>SQLite et Room</a:t>
               </a:r>
               <a:endParaRPr sz="1800" dirty="0">
                 <a:solidFill>
@@ -22769,664 +22149,6 @@
           </p:txBody>
         </p:sp>
       </p:grpSp>
-      <p:grpSp>
-        <p:nvGrpSpPr>
-          <p:cNvPr id="597" name="Shape 597"/>
-          <p:cNvGrpSpPr/>
-          <p:nvPr/>
-        </p:nvGrpSpPr>
-        <p:grpSpPr>
-          <a:xfrm>
-            <a:off x="2911888" y="2505636"/>
-            <a:ext cx="258711" cy="313123"/>
-            <a:chOff x="584925" y="922575"/>
-            <a:chExt cx="415200" cy="502525"/>
-          </a:xfrm>
-        </p:grpSpPr>
-        <p:sp>
-          <p:nvSpPr>
-            <p:cNvPr id="598" name="Shape 598"/>
-            <p:cNvSpPr/>
-            <p:nvPr/>
-          </p:nvSpPr>
-          <p:spPr>
-            <a:xfrm>
-              <a:off x="584925" y="961025"/>
-              <a:ext cx="378575" cy="464075"/>
-            </a:xfrm>
-            <a:custGeom>
-              <a:avLst/>
-              <a:gdLst/>
-              <a:ahLst/>
-              <a:cxnLst/>
-              <a:rect l="0" t="0" r="0" b="0"/>
-              <a:pathLst>
-                <a:path w="15143" h="18563" extrusionOk="0">
-                  <a:moveTo>
-                    <a:pt x="782" y="1"/>
-                  </a:moveTo>
-                  <a:lnTo>
-                    <a:pt x="635" y="25"/>
-                  </a:lnTo>
-                  <a:lnTo>
-                    <a:pt x="489" y="50"/>
-                  </a:lnTo>
-                  <a:lnTo>
-                    <a:pt x="342" y="123"/>
-                  </a:lnTo>
-                  <a:lnTo>
-                    <a:pt x="220" y="196"/>
-                  </a:lnTo>
-                  <a:lnTo>
-                    <a:pt x="122" y="294"/>
-                  </a:lnTo>
-                  <a:lnTo>
-                    <a:pt x="73" y="416"/>
-                  </a:lnTo>
-                  <a:lnTo>
-                    <a:pt x="24" y="563"/>
-                  </a:lnTo>
-                  <a:lnTo>
-                    <a:pt x="0" y="709"/>
-                  </a:lnTo>
-                  <a:lnTo>
-                    <a:pt x="0" y="17708"/>
-                  </a:lnTo>
-                  <a:lnTo>
-                    <a:pt x="24" y="17879"/>
-                  </a:lnTo>
-                  <a:lnTo>
-                    <a:pt x="73" y="18025"/>
-                  </a:lnTo>
-                  <a:lnTo>
-                    <a:pt x="122" y="18172"/>
-                  </a:lnTo>
-                  <a:lnTo>
-                    <a:pt x="220" y="18294"/>
-                  </a:lnTo>
-                  <a:lnTo>
-                    <a:pt x="342" y="18416"/>
-                  </a:lnTo>
-                  <a:lnTo>
-                    <a:pt x="489" y="18489"/>
-                  </a:lnTo>
-                  <a:lnTo>
-                    <a:pt x="635" y="18538"/>
-                  </a:lnTo>
-                  <a:lnTo>
-                    <a:pt x="782" y="18562"/>
-                  </a:lnTo>
-                  <a:lnTo>
-                    <a:pt x="14361" y="18562"/>
-                  </a:lnTo>
-                  <a:lnTo>
-                    <a:pt x="14507" y="18538"/>
-                  </a:lnTo>
-                  <a:lnTo>
-                    <a:pt x="14654" y="18489"/>
-                  </a:lnTo>
-                  <a:lnTo>
-                    <a:pt x="14800" y="18416"/>
-                  </a:lnTo>
-                  <a:lnTo>
-                    <a:pt x="14923" y="18294"/>
-                  </a:lnTo>
-                  <a:lnTo>
-                    <a:pt x="15020" y="18172"/>
-                  </a:lnTo>
-                  <a:lnTo>
-                    <a:pt x="15069" y="18025"/>
-                  </a:lnTo>
-                  <a:lnTo>
-                    <a:pt x="15118" y="17879"/>
-                  </a:lnTo>
-                  <a:lnTo>
-                    <a:pt x="15142" y="17708"/>
-                  </a:lnTo>
-                  <a:lnTo>
-                    <a:pt x="15142" y="17586"/>
-                  </a:lnTo>
-                  <a:lnTo>
-                    <a:pt x="1759" y="17586"/>
-                  </a:lnTo>
-                  <a:lnTo>
-                    <a:pt x="1612" y="17561"/>
-                  </a:lnTo>
-                  <a:lnTo>
-                    <a:pt x="1465" y="17512"/>
-                  </a:lnTo>
-                  <a:lnTo>
-                    <a:pt x="1319" y="17439"/>
-                  </a:lnTo>
-                  <a:lnTo>
-                    <a:pt x="1197" y="17317"/>
-                  </a:lnTo>
-                  <a:lnTo>
-                    <a:pt x="1099" y="17195"/>
-                  </a:lnTo>
-                  <a:lnTo>
-                    <a:pt x="1050" y="17048"/>
-                  </a:lnTo>
-                  <a:lnTo>
-                    <a:pt x="1001" y="16902"/>
-                  </a:lnTo>
-                  <a:lnTo>
-                    <a:pt x="977" y="16731"/>
-                  </a:lnTo>
-                  <a:lnTo>
-                    <a:pt x="977" y="1"/>
-                  </a:lnTo>
-                  <a:close/>
-                </a:path>
-              </a:pathLst>
-            </a:custGeom>
-            <a:solidFill>
-              <a:srgbClr val="28324A"/>
-            </a:solidFill>
-            <a:ln>
-              <a:noFill/>
-            </a:ln>
-          </p:spPr>
-          <p:txBody>
-            <a:bodyPr spcFirstLastPara="1" wrap="square" lIns="91425" tIns="91425" rIns="91425" bIns="91425" anchor="ctr" anchorCtr="0">
-              <a:noAutofit/>
-            </a:bodyPr>
-            <a:lstStyle/>
-            <a:p>
-              <a:endParaRPr dirty="0"/>
-            </a:p>
-          </p:txBody>
-        </p:sp>
-        <p:sp>
-          <p:nvSpPr>
-            <p:cNvPr id="599" name="Shape 599"/>
-            <p:cNvSpPr/>
-            <p:nvPr/>
-          </p:nvSpPr>
-          <p:spPr>
-            <a:xfrm>
-              <a:off x="621550" y="922575"/>
-              <a:ext cx="378575" cy="464050"/>
-            </a:xfrm>
-            <a:custGeom>
-              <a:avLst/>
-              <a:gdLst/>
-              <a:ahLst/>
-              <a:cxnLst/>
-              <a:rect l="0" t="0" r="0" b="0"/>
-              <a:pathLst>
-                <a:path w="15143" h="18562" extrusionOk="0">
-                  <a:moveTo>
-                    <a:pt x="13140" y="6472"/>
-                  </a:moveTo>
-                  <a:lnTo>
-                    <a:pt x="13238" y="6497"/>
-                  </a:lnTo>
-                  <a:lnTo>
-                    <a:pt x="13311" y="6546"/>
-                  </a:lnTo>
-                  <a:lnTo>
-                    <a:pt x="13360" y="6619"/>
-                  </a:lnTo>
-                  <a:lnTo>
-                    <a:pt x="13384" y="6717"/>
-                  </a:lnTo>
-                  <a:lnTo>
-                    <a:pt x="13360" y="6814"/>
-                  </a:lnTo>
-                  <a:lnTo>
-                    <a:pt x="13311" y="6888"/>
-                  </a:lnTo>
-                  <a:lnTo>
-                    <a:pt x="13238" y="6936"/>
-                  </a:lnTo>
-                  <a:lnTo>
-                    <a:pt x="13140" y="6961"/>
-                  </a:lnTo>
-                  <a:lnTo>
-                    <a:pt x="2003" y="6961"/>
-                  </a:lnTo>
-                  <a:lnTo>
-                    <a:pt x="1905" y="6936"/>
-                  </a:lnTo>
-                  <a:lnTo>
-                    <a:pt x="1832" y="6888"/>
-                  </a:lnTo>
-                  <a:lnTo>
-                    <a:pt x="1783" y="6814"/>
-                  </a:lnTo>
-                  <a:lnTo>
-                    <a:pt x="1759" y="6717"/>
-                  </a:lnTo>
-                  <a:lnTo>
-                    <a:pt x="1783" y="6619"/>
-                  </a:lnTo>
-                  <a:lnTo>
-                    <a:pt x="1832" y="6546"/>
-                  </a:lnTo>
-                  <a:lnTo>
-                    <a:pt x="1905" y="6497"/>
-                  </a:lnTo>
-                  <a:lnTo>
-                    <a:pt x="2003" y="6472"/>
-                  </a:lnTo>
-                  <a:close/>
-                  <a:moveTo>
-                    <a:pt x="13238" y="8793"/>
-                  </a:moveTo>
-                  <a:lnTo>
-                    <a:pt x="13311" y="8866"/>
-                  </a:lnTo>
-                  <a:lnTo>
-                    <a:pt x="13360" y="8939"/>
-                  </a:lnTo>
-                  <a:lnTo>
-                    <a:pt x="13384" y="9037"/>
-                  </a:lnTo>
-                  <a:lnTo>
-                    <a:pt x="13360" y="9135"/>
-                  </a:lnTo>
-                  <a:lnTo>
-                    <a:pt x="13311" y="9208"/>
-                  </a:lnTo>
-                  <a:lnTo>
-                    <a:pt x="13238" y="9257"/>
-                  </a:lnTo>
-                  <a:lnTo>
-                    <a:pt x="13140" y="9281"/>
-                  </a:lnTo>
-                  <a:lnTo>
-                    <a:pt x="2003" y="9281"/>
-                  </a:lnTo>
-                  <a:lnTo>
-                    <a:pt x="1905" y="9257"/>
-                  </a:lnTo>
-                  <a:lnTo>
-                    <a:pt x="1832" y="9208"/>
-                  </a:lnTo>
-                  <a:lnTo>
-                    <a:pt x="1783" y="9135"/>
-                  </a:lnTo>
-                  <a:lnTo>
-                    <a:pt x="1759" y="9037"/>
-                  </a:lnTo>
-                  <a:lnTo>
-                    <a:pt x="1783" y="8939"/>
-                  </a:lnTo>
-                  <a:lnTo>
-                    <a:pt x="1832" y="8866"/>
-                  </a:lnTo>
-                  <a:lnTo>
-                    <a:pt x="1905" y="8793"/>
-                  </a:lnTo>
-                  <a:close/>
-                  <a:moveTo>
-                    <a:pt x="13140" y="11088"/>
-                  </a:moveTo>
-                  <a:lnTo>
-                    <a:pt x="13238" y="11113"/>
-                  </a:lnTo>
-                  <a:lnTo>
-                    <a:pt x="13311" y="11162"/>
-                  </a:lnTo>
-                  <a:lnTo>
-                    <a:pt x="13360" y="11235"/>
-                  </a:lnTo>
-                  <a:lnTo>
-                    <a:pt x="13384" y="11333"/>
-                  </a:lnTo>
-                  <a:lnTo>
-                    <a:pt x="13360" y="11430"/>
-                  </a:lnTo>
-                  <a:lnTo>
-                    <a:pt x="13311" y="11504"/>
-                  </a:lnTo>
-                  <a:lnTo>
-                    <a:pt x="13238" y="11552"/>
-                  </a:lnTo>
-                  <a:lnTo>
-                    <a:pt x="13140" y="11577"/>
-                  </a:lnTo>
-                  <a:lnTo>
-                    <a:pt x="2003" y="11577"/>
-                  </a:lnTo>
-                  <a:lnTo>
-                    <a:pt x="1905" y="11552"/>
-                  </a:lnTo>
-                  <a:lnTo>
-                    <a:pt x="1832" y="11504"/>
-                  </a:lnTo>
-                  <a:lnTo>
-                    <a:pt x="1783" y="11430"/>
-                  </a:lnTo>
-                  <a:lnTo>
-                    <a:pt x="1759" y="11333"/>
-                  </a:lnTo>
-                  <a:lnTo>
-                    <a:pt x="1783" y="11235"/>
-                  </a:lnTo>
-                  <a:lnTo>
-                    <a:pt x="1832" y="11162"/>
-                  </a:lnTo>
-                  <a:lnTo>
-                    <a:pt x="1905" y="11113"/>
-                  </a:lnTo>
-                  <a:lnTo>
-                    <a:pt x="2003" y="11088"/>
-                  </a:lnTo>
-                  <a:close/>
-                  <a:moveTo>
-                    <a:pt x="8255" y="13409"/>
-                  </a:moveTo>
-                  <a:lnTo>
-                    <a:pt x="8353" y="13433"/>
-                  </a:lnTo>
-                  <a:lnTo>
-                    <a:pt x="8426" y="13482"/>
-                  </a:lnTo>
-                  <a:lnTo>
-                    <a:pt x="8475" y="13555"/>
-                  </a:lnTo>
-                  <a:lnTo>
-                    <a:pt x="8500" y="13653"/>
-                  </a:lnTo>
-                  <a:lnTo>
-                    <a:pt x="8475" y="13750"/>
-                  </a:lnTo>
-                  <a:lnTo>
-                    <a:pt x="8426" y="13824"/>
-                  </a:lnTo>
-                  <a:lnTo>
-                    <a:pt x="8353" y="13873"/>
-                  </a:lnTo>
-                  <a:lnTo>
-                    <a:pt x="8255" y="13897"/>
-                  </a:lnTo>
-                  <a:lnTo>
-                    <a:pt x="2003" y="13897"/>
-                  </a:lnTo>
-                  <a:lnTo>
-                    <a:pt x="1905" y="13873"/>
-                  </a:lnTo>
-                  <a:lnTo>
-                    <a:pt x="1832" y="13824"/>
-                  </a:lnTo>
-                  <a:lnTo>
-                    <a:pt x="1783" y="13750"/>
-                  </a:lnTo>
-                  <a:lnTo>
-                    <a:pt x="1759" y="13653"/>
-                  </a:lnTo>
-                  <a:lnTo>
-                    <a:pt x="1783" y="13555"/>
-                  </a:lnTo>
-                  <a:lnTo>
-                    <a:pt x="1832" y="13482"/>
-                  </a:lnTo>
-                  <a:lnTo>
-                    <a:pt x="1905" y="13433"/>
-                  </a:lnTo>
-                  <a:lnTo>
-                    <a:pt x="2003" y="13409"/>
-                  </a:lnTo>
-                  <a:close/>
-                  <a:moveTo>
-                    <a:pt x="635" y="0"/>
-                  </a:moveTo>
-                  <a:lnTo>
-                    <a:pt x="489" y="49"/>
-                  </a:lnTo>
-                  <a:lnTo>
-                    <a:pt x="342" y="122"/>
-                  </a:lnTo>
-                  <a:lnTo>
-                    <a:pt x="220" y="220"/>
-                  </a:lnTo>
-                  <a:lnTo>
-                    <a:pt x="123" y="342"/>
-                  </a:lnTo>
-                  <a:lnTo>
-                    <a:pt x="74" y="464"/>
-                  </a:lnTo>
-                  <a:lnTo>
-                    <a:pt x="25" y="611"/>
-                  </a:lnTo>
-                  <a:lnTo>
-                    <a:pt x="0" y="782"/>
-                  </a:lnTo>
-                  <a:lnTo>
-                    <a:pt x="0" y="17780"/>
-                  </a:lnTo>
-                  <a:lnTo>
-                    <a:pt x="25" y="17927"/>
-                  </a:lnTo>
-                  <a:lnTo>
-                    <a:pt x="74" y="18073"/>
-                  </a:lnTo>
-                  <a:lnTo>
-                    <a:pt x="123" y="18195"/>
-                  </a:lnTo>
-                  <a:lnTo>
-                    <a:pt x="220" y="18318"/>
-                  </a:lnTo>
-                  <a:lnTo>
-                    <a:pt x="342" y="18415"/>
-                  </a:lnTo>
-                  <a:lnTo>
-                    <a:pt x="489" y="18489"/>
-                  </a:lnTo>
-                  <a:lnTo>
-                    <a:pt x="635" y="18537"/>
-                  </a:lnTo>
-                  <a:lnTo>
-                    <a:pt x="782" y="18562"/>
-                  </a:lnTo>
-                  <a:lnTo>
-                    <a:pt x="14361" y="18562"/>
-                  </a:lnTo>
-                  <a:lnTo>
-                    <a:pt x="14508" y="18537"/>
-                  </a:lnTo>
-                  <a:lnTo>
-                    <a:pt x="14654" y="18489"/>
-                  </a:lnTo>
-                  <a:lnTo>
-                    <a:pt x="14801" y="18415"/>
-                  </a:lnTo>
-                  <a:lnTo>
-                    <a:pt x="14923" y="18318"/>
-                  </a:lnTo>
-                  <a:lnTo>
-                    <a:pt x="15021" y="18195"/>
-                  </a:lnTo>
-                  <a:lnTo>
-                    <a:pt x="15069" y="18073"/>
-                  </a:lnTo>
-                  <a:lnTo>
-                    <a:pt x="15118" y="17927"/>
-                  </a:lnTo>
-                  <a:lnTo>
-                    <a:pt x="15143" y="17780"/>
-                  </a:lnTo>
-                  <a:lnTo>
-                    <a:pt x="15143" y="3859"/>
-                  </a:lnTo>
-                  <a:lnTo>
-                    <a:pt x="12554" y="3859"/>
-                  </a:lnTo>
-                  <a:lnTo>
-                    <a:pt x="12285" y="3835"/>
-                  </a:lnTo>
-                  <a:lnTo>
-                    <a:pt x="12065" y="3761"/>
-                  </a:lnTo>
-                  <a:lnTo>
-                    <a:pt x="11846" y="3639"/>
-                  </a:lnTo>
-                  <a:lnTo>
-                    <a:pt x="11650" y="3468"/>
-                  </a:lnTo>
-                  <a:lnTo>
-                    <a:pt x="11504" y="3297"/>
-                  </a:lnTo>
-                  <a:lnTo>
-                    <a:pt x="11382" y="3078"/>
-                  </a:lnTo>
-                  <a:lnTo>
-                    <a:pt x="11308" y="2833"/>
-                  </a:lnTo>
-                  <a:lnTo>
-                    <a:pt x="11284" y="2589"/>
-                  </a:lnTo>
-                  <a:lnTo>
-                    <a:pt x="11284" y="0"/>
-                  </a:lnTo>
-                  <a:close/>
-                </a:path>
-              </a:pathLst>
-            </a:custGeom>
-            <a:solidFill>
-              <a:srgbClr val="28324A"/>
-            </a:solidFill>
-            <a:ln>
-              <a:noFill/>
-            </a:ln>
-          </p:spPr>
-          <p:txBody>
-            <a:bodyPr spcFirstLastPara="1" wrap="square" lIns="91425" tIns="91425" rIns="91425" bIns="91425" anchor="ctr" anchorCtr="0">
-              <a:noAutofit/>
-            </a:bodyPr>
-            <a:lstStyle/>
-            <a:p>
-              <a:endParaRPr dirty="0"/>
-            </a:p>
-          </p:txBody>
-        </p:sp>
-        <p:sp>
-          <p:nvSpPr>
-            <p:cNvPr id="600" name="Shape 600"/>
-            <p:cNvSpPr/>
-            <p:nvPr/>
-          </p:nvSpPr>
-          <p:spPr>
-            <a:xfrm>
-              <a:off x="915850" y="922575"/>
-              <a:ext cx="84275" cy="84275"/>
-            </a:xfrm>
-            <a:custGeom>
-              <a:avLst/>
-              <a:gdLst/>
-              <a:ahLst/>
-              <a:cxnLst/>
-              <a:rect l="0" t="0" r="0" b="0"/>
-              <a:pathLst>
-                <a:path w="3371" h="3371" extrusionOk="0">
-                  <a:moveTo>
-                    <a:pt x="0" y="0"/>
-                  </a:moveTo>
-                  <a:lnTo>
-                    <a:pt x="0" y="2589"/>
-                  </a:lnTo>
-                  <a:lnTo>
-                    <a:pt x="0" y="2736"/>
-                  </a:lnTo>
-                  <a:lnTo>
-                    <a:pt x="49" y="2882"/>
-                  </a:lnTo>
-                  <a:lnTo>
-                    <a:pt x="122" y="3029"/>
-                  </a:lnTo>
-                  <a:lnTo>
-                    <a:pt x="220" y="3126"/>
-                  </a:lnTo>
-                  <a:lnTo>
-                    <a:pt x="342" y="3224"/>
-                  </a:lnTo>
-                  <a:lnTo>
-                    <a:pt x="464" y="3297"/>
-                  </a:lnTo>
-                  <a:lnTo>
-                    <a:pt x="611" y="3346"/>
-                  </a:lnTo>
-                  <a:lnTo>
-                    <a:pt x="782" y="3371"/>
-                  </a:lnTo>
-                  <a:lnTo>
-                    <a:pt x="3371" y="3371"/>
-                  </a:lnTo>
-                  <a:lnTo>
-                    <a:pt x="0" y="0"/>
-                  </a:lnTo>
-                  <a:close/>
-                </a:path>
-              </a:pathLst>
-            </a:custGeom>
-            <a:solidFill>
-              <a:srgbClr val="28324A"/>
-            </a:solidFill>
-            <a:ln>
-              <a:noFill/>
-            </a:ln>
-          </p:spPr>
-          <p:txBody>
-            <a:bodyPr spcFirstLastPara="1" wrap="square" lIns="91425" tIns="91425" rIns="91425" bIns="91425" anchor="ctr" anchorCtr="0">
-              <a:noAutofit/>
-            </a:bodyPr>
-            <a:lstStyle/>
-            <a:p>
-              <a:endParaRPr dirty="0"/>
-            </a:p>
-          </p:txBody>
-        </p:sp>
-      </p:grpSp>
-      <p:pic>
-        <p:nvPicPr>
-          <p:cNvPr id="2" name="Image 1"/>
-          <p:cNvPicPr>
-            <a:picLocks noChangeAspect="1"/>
-          </p:cNvPicPr>
-          <p:nvPr/>
-        </p:nvPicPr>
-        <p:blipFill>
-          <a:blip r:embed="rId4"/>
-          <a:stretch>
-            <a:fillRect/>
-          </a:stretch>
-        </p:blipFill>
-        <p:spPr>
-          <a:xfrm>
-            <a:off x="5711023" y="2519134"/>
-            <a:ext cx="414564" cy="262151"/>
-          </a:xfrm>
-          <a:prstGeom prst="rect">
-            <a:avLst/>
-          </a:prstGeom>
-        </p:spPr>
-      </p:pic>
-      <p:pic>
-        <p:nvPicPr>
-          <p:cNvPr id="3" name="Image 2"/>
-          <p:cNvPicPr>
-            <a:picLocks noChangeAspect="1"/>
-          </p:cNvPicPr>
-          <p:nvPr/>
-        </p:nvPicPr>
-        <p:blipFill>
-          <a:blip r:embed="rId5"/>
-          <a:stretch>
-            <a:fillRect/>
-          </a:stretch>
-        </p:blipFill>
-        <p:spPr>
-          <a:xfrm>
-            <a:off x="4260693" y="1072589"/>
-            <a:ext cx="432854" cy="317019"/>
-          </a:xfrm>
-          <a:prstGeom prst="rect">
-            <a:avLst/>
-          </a:prstGeom>
-        </p:spPr>
-      </p:pic>
       <p:pic>
         <p:nvPicPr>
           <p:cNvPr id="4" name="Image 3"/>
@@ -23436,7 +22158,7 @@
           <p:nvPr/>
         </p:nvPicPr>
         <p:blipFill>
-          <a:blip r:embed="rId6">
+          <a:blip r:embed="rId3">
             <a:extLst>
               <a:ext uri="{28A0092B-C50C-407E-A947-70E740481C1C}">
                 <a14:useLocalDpi xmlns:a14="http://schemas.microsoft.com/office/drawing/2010/main" val="0"/>
@@ -23480,7 +22202,7 @@
           <a:lstStyle/>
           <a:p>
             <a:r>
-              <a:rPr lang="fr-FR" dirty="0" smtClean="0">
+              <a:rPr lang="fr-FR" dirty="0">
                 <a:solidFill>
                   <a:schemeClr val="tx2">
                     <a:lumMod val="50000"/>
@@ -23489,40 +22211,9 @@
               </a:rPr>
               <a:t>Git et GitHub</a:t>
             </a:r>
-            <a:endParaRPr lang="fr-FR" dirty="0">
-              <a:solidFill>
-                <a:schemeClr val="tx2">
-                  <a:lumMod val="50000"/>
-                </a:schemeClr>
-              </a:solidFill>
-            </a:endParaRPr>
           </a:p>
         </p:txBody>
       </p:sp>
-      <p:pic>
-        <p:nvPicPr>
-          <p:cNvPr id="6" name="Image 5"/>
-          <p:cNvPicPr>
-            <a:picLocks noChangeAspect="1"/>
-          </p:cNvPicPr>
-          <p:nvPr/>
-        </p:nvPicPr>
-        <p:blipFill>
-          <a:blip r:embed="rId7"/>
-          <a:stretch>
-            <a:fillRect/>
-          </a:stretch>
-        </p:blipFill>
-        <p:spPr>
-          <a:xfrm>
-            <a:off x="4310370" y="3897172"/>
-            <a:ext cx="347502" cy="353599"/>
-          </a:xfrm>
-          <a:prstGeom prst="rect">
-            <a:avLst/>
-          </a:prstGeom>
-        </p:spPr>
-      </p:pic>
       <p:sp>
         <p:nvSpPr>
           <p:cNvPr id="52" name="ZoneTexte 51"/>
@@ -23546,18 +22237,13 @@
           <a:lstStyle/>
           <a:p>
             <a:r>
-              <a:rPr lang="fr-FR" sz="4000" dirty="0" smtClean="0">
+              <a:rPr lang="fr-FR" sz="4000" dirty="0">
                 <a:solidFill>
                   <a:srgbClr val="3C78D8"/>
                 </a:solidFill>
               </a:rPr>
               <a:t>14</a:t>
             </a:r>
-            <a:endParaRPr lang="fr-FR" sz="4000" dirty="0">
-              <a:solidFill>
-                <a:srgbClr val="3C78D8"/>
-              </a:solidFill>
-            </a:endParaRPr>
           </a:p>
         </p:txBody>
       </p:sp>
@@ -23571,17 +22257,10 @@
   <p:clrMapOvr>
     <a:masterClrMapping/>
   </p:clrMapOvr>
-  <p:timing>
-    <p:tnLst>
-      <p:par>
-        <p:cTn id="1" dur="indefinite" restart="never" nodeType="tmRoot"/>
-      </p:par>
-    </p:tnLst>
-  </p:timing>
 </p:sld>
 </file>
 
-<file path=ppt/slides/slide19.xml><?xml version="1.0" encoding="utf-8"?>
+<file path=ppt/slides/slide17.xml><?xml version="1.0" encoding="utf-8"?>
 <p:sld xmlns:a="http://schemas.openxmlformats.org/drawingml/2006/main" xmlns:r="http://schemas.openxmlformats.org/officeDocument/2006/relationships" xmlns:p="http://schemas.openxmlformats.org/presentationml/2006/main">
   <p:cSld>
     <p:spTree>
@@ -24302,7 +22981,7 @@
               <a:buNone/>
             </a:pPr>
             <a:r>
-              <a:rPr lang="en" b="1" dirty="0" smtClean="0">
+              <a:rPr lang="en" b="1" dirty="0">
                 <a:solidFill>
                   <a:srgbClr val="FFFFFF"/>
                 </a:solidFill>
@@ -24324,13 +23003,7 @@
             </a:endParaRPr>
           </a:p>
           <a:p>
-            <a:pPr marL="0" indent="0">
-              <a:buNone/>
-            </a:pPr>
-            <a:r>
-              <a:rPr lang="en" dirty="0"/>
-              <a:t>Show and explain your web, app or software projects using these gadget templates.</a:t>
-            </a:r>
+            <a:pPr marL="342900" indent="-342900"/>
             <a:endParaRPr dirty="0"/>
           </a:p>
         </p:txBody>
@@ -24446,18 +23119,13 @@
           <a:lstStyle/>
           <a:p>
             <a:r>
-              <a:rPr lang="fr-FR" sz="4000" dirty="0" smtClean="0">
+              <a:rPr lang="fr-FR" sz="4000" dirty="0">
                 <a:solidFill>
                   <a:srgbClr val="3C78D8"/>
                 </a:solidFill>
               </a:rPr>
               <a:t>15</a:t>
             </a:r>
-            <a:endParaRPr lang="fr-FR" sz="4000" dirty="0">
-              <a:solidFill>
-                <a:srgbClr val="3C78D8"/>
-              </a:solidFill>
-            </a:endParaRPr>
           </a:p>
         </p:txBody>
       </p:sp>
@@ -24471,212 +23139,10 @@
   <p:clrMapOvr>
     <a:masterClrMapping/>
   </p:clrMapOvr>
-  <p:timing>
-    <p:tnLst>
-      <p:par>
-        <p:cTn id="1" dur="indefinite" restart="never" nodeType="tmRoot"/>
-      </p:par>
-    </p:tnLst>
-  </p:timing>
 </p:sld>
 </file>
 
-<file path=ppt/slides/slide2.xml><?xml version="1.0" encoding="utf-8"?>
-<p:sld xmlns:a="http://schemas.openxmlformats.org/drawingml/2006/main" xmlns:r="http://schemas.openxmlformats.org/officeDocument/2006/relationships" xmlns:p="http://schemas.openxmlformats.org/presentationml/2006/main">
-  <p:cSld>
-    <p:spTree>
-      <p:nvGrpSpPr>
-        <p:cNvPr id="1" name="Shape 483"/>
-        <p:cNvGrpSpPr/>
-        <p:nvPr/>
-      </p:nvGrpSpPr>
-      <p:grpSpPr>
-        <a:xfrm>
-          <a:off x="0" y="0"/>
-          <a:ext cx="0" cy="0"/>
-          <a:chOff x="0" y="0"/>
-          <a:chExt cx="0" cy="0"/>
-        </a:xfrm>
-      </p:grpSpPr>
-      <p:sp>
-        <p:nvSpPr>
-          <p:cNvPr id="484" name="Shape 484"/>
-          <p:cNvSpPr txBox="1">
-            <a:spLocks noGrp="1"/>
-          </p:cNvSpPr>
-          <p:nvPr>
-            <p:ph type="title"/>
-          </p:nvPr>
-        </p:nvSpPr>
-        <p:spPr>
-          <a:xfrm>
-            <a:off x="1075851" y="402898"/>
-            <a:ext cx="6996600" cy="715800"/>
-          </a:xfrm>
-          <a:prstGeom prst="rect">
-            <a:avLst/>
-          </a:prstGeom>
-        </p:spPr>
-        <p:txBody>
-          <a:bodyPr spcFirstLastPara="1" wrap="square" lIns="91425" tIns="91425" rIns="91425" bIns="91425" anchor="b" anchorCtr="0">
-            <a:noAutofit/>
-          </a:bodyPr>
-          <a:lstStyle/>
-          <a:p>
-            <a:pPr lvl="0"/>
-            <a:r>
-              <a:rPr lang="fr-FR" sz="4000" dirty="0">
-                <a:cs typeface="Times New Roman" pitchFamily="18" charset="0"/>
-              </a:rPr>
-              <a:t>Plan de la présentation</a:t>
-            </a:r>
-            <a:endParaRPr sz="4000" dirty="0"/>
-          </a:p>
-        </p:txBody>
-      </p:sp>
-      <p:sp>
-        <p:nvSpPr>
-          <p:cNvPr id="485" name="Shape 485"/>
-          <p:cNvSpPr txBox="1">
-            <a:spLocks noGrp="1"/>
-          </p:cNvSpPr>
-          <p:nvPr>
-            <p:ph type="body" idx="1"/>
-          </p:nvPr>
-        </p:nvSpPr>
-        <p:spPr>
-          <a:xfrm>
-            <a:off x="1075851" y="1319459"/>
-            <a:ext cx="6996600" cy="2401204"/>
-          </a:xfrm>
-          <a:prstGeom prst="rect">
-            <a:avLst/>
-          </a:prstGeom>
-        </p:spPr>
-        <p:txBody>
-          <a:bodyPr spcFirstLastPara="1" wrap="square" lIns="91425" tIns="91425" rIns="91425" bIns="91425" anchor="t" anchorCtr="0">
-            <a:noAutofit/>
-          </a:bodyPr>
-          <a:lstStyle/>
-          <a:p>
-            <a:pPr>
-              <a:spcBef>
-                <a:spcPts val="0"/>
-              </a:spcBef>
-            </a:pPr>
-            <a:r>
-              <a:rPr lang="fr-FR" sz="2800" dirty="0"/>
-              <a:t>Introduction</a:t>
-            </a:r>
-          </a:p>
-          <a:p>
-            <a:pPr>
-              <a:spcBef>
-                <a:spcPts val="0"/>
-              </a:spcBef>
-            </a:pPr>
-            <a:r>
-              <a:rPr lang="fr-FR" sz="2800" dirty="0"/>
-              <a:t>spécification des besoins et conception</a:t>
-            </a:r>
-          </a:p>
-          <a:p>
-            <a:pPr>
-              <a:spcBef>
-                <a:spcPts val="0"/>
-              </a:spcBef>
-            </a:pPr>
-            <a:r>
-              <a:rPr lang="fr-FR" sz="2800" dirty="0"/>
-              <a:t>Réalisation</a:t>
-            </a:r>
-          </a:p>
-          <a:p>
-            <a:pPr>
-              <a:spcBef>
-                <a:spcPts val="0"/>
-              </a:spcBef>
-            </a:pPr>
-            <a:r>
-              <a:rPr lang="fr-FR" sz="2800" dirty="0"/>
-              <a:t>Conclusion générale et perspectives</a:t>
-            </a:r>
-          </a:p>
-          <a:p>
-            <a:pPr>
-              <a:spcBef>
-                <a:spcPts val="0"/>
-              </a:spcBef>
-            </a:pPr>
-            <a:endParaRPr dirty="0" smtClean="0"/>
-          </a:p>
-          <a:p>
-            <a:pPr marL="0" indent="0">
-              <a:buNone/>
-            </a:pPr>
-            <a:endParaRPr dirty="0"/>
-          </a:p>
-        </p:txBody>
-      </p:sp>
-      <p:sp>
-        <p:nvSpPr>
-          <p:cNvPr id="9" name="ZoneTexte 8"/>
-          <p:cNvSpPr txBox="1"/>
-          <p:nvPr/>
-        </p:nvSpPr>
-        <p:spPr>
-          <a:xfrm>
-            <a:off x="8229601" y="4533900"/>
-            <a:ext cx="444500" cy="707886"/>
-          </a:xfrm>
-          <a:prstGeom prst="rect">
-            <a:avLst/>
-          </a:prstGeom>
-          <a:noFill/>
-        </p:spPr>
-        <p:txBody>
-          <a:bodyPr wrap="square" rtlCol="0">
-            <a:spAutoFit/>
-          </a:bodyPr>
-          <a:lstStyle/>
-          <a:p>
-            <a:r>
-              <a:rPr lang="fr-FR" sz="4000" dirty="0" smtClean="0">
-                <a:solidFill>
-                  <a:srgbClr val="3C78D8"/>
-                </a:solidFill>
-              </a:rPr>
-              <a:t>1</a:t>
-            </a:r>
-            <a:endParaRPr lang="fr-FR" sz="4000" dirty="0">
-              <a:solidFill>
-                <a:srgbClr val="3C78D8"/>
-              </a:solidFill>
-            </a:endParaRPr>
-          </a:p>
-        </p:txBody>
-      </p:sp>
-    </p:spTree>
-    <p:extLst>
-      <p:ext uri="{BB962C8B-B14F-4D97-AF65-F5344CB8AC3E}">
-        <p14:creationId xmlns:p14="http://schemas.microsoft.com/office/powerpoint/2010/main" val="3440994664"/>
-      </p:ext>
-    </p:extLst>
-  </p:cSld>
-  <p:clrMapOvr>
-    <a:masterClrMapping/>
-  </p:clrMapOvr>
-  <p:timing>
-    <p:tnLst>
-      <p:par>
-        <p:cTn id="1" dur="indefinite" restart="never" nodeType="tmRoot"/>
-      </p:par>
-    </p:tnLst>
-  </p:timing>
-</p:sld>
-</file>
-
-<file path=ppt/slides/slide20.xml><?xml version="1.0" encoding="utf-8"?>
+<file path=ppt/slides/slide18.xml><?xml version="1.0" encoding="utf-8"?>
 <p:sld xmlns:a="http://schemas.openxmlformats.org/drawingml/2006/main" xmlns:r="http://schemas.openxmlformats.org/officeDocument/2006/relationships" xmlns:p="http://schemas.openxmlformats.org/presentationml/2006/main">
   <p:cSld>
     <p:spTree>
@@ -25397,7 +23863,7 @@
               <a:buNone/>
             </a:pPr>
             <a:r>
-              <a:rPr lang="fr-FR" b="1" dirty="0" smtClean="0">
+              <a:rPr lang="fr-FR" b="1" dirty="0">
                 <a:solidFill>
                   <a:srgbClr val="FFFFFF"/>
                 </a:solidFill>
@@ -25408,25 +23874,12 @@
               </a:rPr>
               <a:t>INTERFACE CALENDRIER</a:t>
             </a:r>
-            <a:endParaRPr b="1" dirty="0">
-              <a:solidFill>
-                <a:srgbClr val="FFFFFF"/>
-              </a:solidFill>
-              <a:latin typeface="Oswald"/>
-              <a:ea typeface="Oswald"/>
-              <a:cs typeface="Oswald"/>
-              <a:sym typeface="Oswald"/>
-            </a:endParaRPr>
           </a:p>
           <a:p>
             <a:pPr marL="0" indent="0">
               <a:buNone/>
             </a:pPr>
-            <a:r>
-              <a:rPr lang="en" dirty="0"/>
-              <a:t>Show and explain your web, app or software projects using these gadget templates.</a:t>
-            </a:r>
-            <a:endParaRPr dirty="0"/>
+            <a:endParaRPr lang="en-US" dirty="0"/>
           </a:p>
         </p:txBody>
       </p:sp>
@@ -25541,18 +23994,13 @@
           <a:lstStyle/>
           <a:p>
             <a:r>
-              <a:rPr lang="fr-FR" sz="4000" dirty="0" smtClean="0">
+              <a:rPr lang="fr-FR" sz="4000" dirty="0">
                 <a:solidFill>
                   <a:srgbClr val="3C78D8"/>
                 </a:solidFill>
               </a:rPr>
               <a:t>16</a:t>
             </a:r>
-            <a:endParaRPr lang="fr-FR" sz="4000" dirty="0">
-              <a:solidFill>
-                <a:srgbClr val="3C78D8"/>
-              </a:solidFill>
-            </a:endParaRPr>
           </a:p>
         </p:txBody>
       </p:sp>
@@ -25566,17 +24014,10 @@
   <p:clrMapOvr>
     <a:masterClrMapping/>
   </p:clrMapOvr>
-  <p:timing>
-    <p:tnLst>
-      <p:par>
-        <p:cTn id="1" dur="indefinite" restart="never" nodeType="tmRoot"/>
-      </p:par>
-    </p:tnLst>
-  </p:timing>
 </p:sld>
 </file>
 
-<file path=ppt/slides/slide21.xml><?xml version="1.0" encoding="utf-8"?>
+<file path=ppt/slides/slide19.xml><?xml version="1.0" encoding="utf-8"?>
 <p:sld xmlns:a="http://schemas.openxmlformats.org/drawingml/2006/main" xmlns:r="http://schemas.openxmlformats.org/officeDocument/2006/relationships" xmlns:p="http://schemas.openxmlformats.org/presentationml/2006/main">
   <p:cSld>
     <p:spTree>
@@ -26297,7 +24738,7 @@
               <a:buNone/>
             </a:pPr>
             <a:r>
-              <a:rPr lang="en" b="1" dirty="0" smtClean="0">
+              <a:rPr lang="en" b="1" dirty="0">
                 <a:solidFill>
                   <a:srgbClr val="FFFFFF"/>
                 </a:solidFill>
@@ -26317,16 +24758,6 @@
               <a:cs typeface="Oswald"/>
               <a:sym typeface="Oswald"/>
             </a:endParaRPr>
-          </a:p>
-          <a:p>
-            <a:pPr marL="0" indent="0">
-              <a:buNone/>
-            </a:pPr>
-            <a:r>
-              <a:rPr lang="en" dirty="0"/>
-              <a:t>Show and explain your web, app or software projects using these gadget templates.</a:t>
-            </a:r>
-            <a:endParaRPr dirty="0"/>
           </a:p>
         </p:txBody>
       </p:sp>
@@ -26441,18 +24872,13 @@
           <a:lstStyle/>
           <a:p>
             <a:r>
-              <a:rPr lang="fr-FR" sz="4000" dirty="0" smtClean="0">
+              <a:rPr lang="fr-FR" sz="4000" dirty="0">
                 <a:solidFill>
                   <a:srgbClr val="3C78D8"/>
                 </a:solidFill>
               </a:rPr>
               <a:t>17</a:t>
             </a:r>
-            <a:endParaRPr lang="fr-FR" sz="4000" dirty="0">
-              <a:solidFill>
-                <a:srgbClr val="3C78D8"/>
-              </a:solidFill>
-            </a:endParaRPr>
           </a:p>
         </p:txBody>
       </p:sp>
@@ -26466,17 +24892,193 @@
   <p:clrMapOvr>
     <a:masterClrMapping/>
   </p:clrMapOvr>
-  <p:timing>
-    <p:tnLst>
-      <p:par>
-        <p:cTn id="1" dur="indefinite" restart="never" nodeType="tmRoot"/>
-      </p:par>
-    </p:tnLst>
-  </p:timing>
 </p:sld>
 </file>
 
-<file path=ppt/slides/slide22.xml><?xml version="1.0" encoding="utf-8"?>
+<file path=ppt/slides/slide2.xml><?xml version="1.0" encoding="utf-8"?>
+<p:sld xmlns:a="http://schemas.openxmlformats.org/drawingml/2006/main" xmlns:r="http://schemas.openxmlformats.org/officeDocument/2006/relationships" xmlns:p="http://schemas.openxmlformats.org/presentationml/2006/main">
+  <p:cSld>
+    <p:spTree>
+      <p:nvGrpSpPr>
+        <p:cNvPr id="1" name="Shape 483"/>
+        <p:cNvGrpSpPr/>
+        <p:nvPr/>
+      </p:nvGrpSpPr>
+      <p:grpSpPr>
+        <a:xfrm>
+          <a:off x="0" y="0"/>
+          <a:ext cx="0" cy="0"/>
+          <a:chOff x="0" y="0"/>
+          <a:chExt cx="0" cy="0"/>
+        </a:xfrm>
+      </p:grpSpPr>
+      <p:sp>
+        <p:nvSpPr>
+          <p:cNvPr id="484" name="Shape 484"/>
+          <p:cNvSpPr txBox="1">
+            <a:spLocks noGrp="1"/>
+          </p:cNvSpPr>
+          <p:nvPr>
+            <p:ph type="title"/>
+          </p:nvPr>
+        </p:nvSpPr>
+        <p:spPr>
+          <a:xfrm>
+            <a:off x="1075851" y="402898"/>
+            <a:ext cx="6996600" cy="715800"/>
+          </a:xfrm>
+          <a:prstGeom prst="rect">
+            <a:avLst/>
+          </a:prstGeom>
+        </p:spPr>
+        <p:txBody>
+          <a:bodyPr spcFirstLastPara="1" wrap="square" lIns="91425" tIns="91425" rIns="91425" bIns="91425" anchor="b" anchorCtr="0">
+            <a:noAutofit/>
+          </a:bodyPr>
+          <a:lstStyle/>
+          <a:p>
+            <a:pPr lvl="0"/>
+            <a:r>
+              <a:rPr lang="fr-FR" sz="4000" dirty="0">
+                <a:cs typeface="Times New Roman" pitchFamily="18" charset="0"/>
+              </a:rPr>
+              <a:t>Plan de la présentation</a:t>
+            </a:r>
+            <a:endParaRPr sz="4000" dirty="0"/>
+          </a:p>
+        </p:txBody>
+      </p:sp>
+      <p:sp>
+        <p:nvSpPr>
+          <p:cNvPr id="485" name="Shape 485"/>
+          <p:cNvSpPr txBox="1">
+            <a:spLocks noGrp="1"/>
+          </p:cNvSpPr>
+          <p:nvPr>
+            <p:ph type="body" idx="1"/>
+          </p:nvPr>
+        </p:nvSpPr>
+        <p:spPr>
+          <a:xfrm>
+            <a:off x="1075851" y="1319459"/>
+            <a:ext cx="6996600" cy="2401204"/>
+          </a:xfrm>
+          <a:prstGeom prst="rect">
+            <a:avLst/>
+          </a:prstGeom>
+        </p:spPr>
+        <p:txBody>
+          <a:bodyPr spcFirstLastPara="1" wrap="square" lIns="91425" tIns="91425" rIns="91425" bIns="91425" anchor="t" anchorCtr="0">
+            <a:noAutofit/>
+          </a:bodyPr>
+          <a:lstStyle/>
+          <a:p>
+            <a:pPr>
+              <a:spcBef>
+                <a:spcPts val="0"/>
+              </a:spcBef>
+            </a:pPr>
+            <a:r>
+              <a:rPr lang="fr-FR" sz="2800" dirty="0"/>
+              <a:t>Introduction</a:t>
+            </a:r>
+          </a:p>
+          <a:p>
+            <a:pPr>
+              <a:spcBef>
+                <a:spcPts val="0"/>
+              </a:spcBef>
+            </a:pPr>
+            <a:r>
+              <a:rPr lang="fr-FR" sz="2800" dirty="0"/>
+              <a:t>Spécification des besoins et conception</a:t>
+            </a:r>
+          </a:p>
+          <a:p>
+            <a:pPr>
+              <a:spcBef>
+                <a:spcPts val="0"/>
+              </a:spcBef>
+            </a:pPr>
+            <a:r>
+              <a:rPr lang="fr-FR" sz="2800" dirty="0"/>
+              <a:t>Implémentation</a:t>
+            </a:r>
+          </a:p>
+          <a:p>
+            <a:pPr>
+              <a:spcBef>
+                <a:spcPts val="0"/>
+              </a:spcBef>
+            </a:pPr>
+            <a:r>
+              <a:rPr lang="fr-FR" sz="2800" dirty="0"/>
+              <a:t>Conclusion générale et perspectives</a:t>
+            </a:r>
+          </a:p>
+          <a:p>
+            <a:pPr>
+              <a:spcBef>
+                <a:spcPts val="0"/>
+              </a:spcBef>
+            </a:pPr>
+            <a:endParaRPr dirty="0"/>
+          </a:p>
+          <a:p>
+            <a:pPr marL="0" indent="0">
+              <a:buNone/>
+            </a:pPr>
+            <a:endParaRPr dirty="0"/>
+          </a:p>
+        </p:txBody>
+      </p:sp>
+      <p:sp>
+        <p:nvSpPr>
+          <p:cNvPr id="9" name="ZoneTexte 8"/>
+          <p:cNvSpPr txBox="1"/>
+          <p:nvPr/>
+        </p:nvSpPr>
+        <p:spPr>
+          <a:xfrm>
+            <a:off x="8229601" y="4533900"/>
+            <a:ext cx="444500" cy="707886"/>
+          </a:xfrm>
+          <a:prstGeom prst="rect">
+            <a:avLst/>
+          </a:prstGeom>
+          <a:noFill/>
+        </p:spPr>
+        <p:txBody>
+          <a:bodyPr wrap="square" rtlCol="0">
+            <a:spAutoFit/>
+          </a:bodyPr>
+          <a:lstStyle/>
+          <a:p>
+            <a:r>
+              <a:rPr lang="fr-FR" sz="4000" dirty="0">
+                <a:solidFill>
+                  <a:srgbClr val="3C78D8"/>
+                </a:solidFill>
+              </a:rPr>
+              <a:t>1</a:t>
+            </a:r>
+          </a:p>
+        </p:txBody>
+      </p:sp>
+    </p:spTree>
+    <p:extLst>
+      <p:ext uri="{BB962C8B-B14F-4D97-AF65-F5344CB8AC3E}">
+        <p14:creationId xmlns:p14="http://schemas.microsoft.com/office/powerpoint/2010/main" val="3440994664"/>
+      </p:ext>
+    </p:extLst>
+  </p:cSld>
+  <p:clrMapOvr>
+    <a:masterClrMapping/>
+  </p:clrMapOvr>
+</p:sld>
+</file>
+
+<file path=ppt/slides/slide20.xml><?xml version="1.0" encoding="utf-8"?>
 <p:sld xmlns:a="http://schemas.openxmlformats.org/drawingml/2006/main" xmlns:r="http://schemas.openxmlformats.org/officeDocument/2006/relationships" xmlns:p="http://schemas.openxmlformats.org/presentationml/2006/main">
   <p:cSld>
     <p:spTree>
@@ -26519,7 +25121,7 @@
           <a:lstStyle/>
           <a:p>
             <a:r>
-              <a:rPr lang="fr-FR" sz="6000" dirty="0" smtClean="0"/>
+              <a:rPr lang="fr-FR" sz="6000" dirty="0"/>
               <a:t>Conclusion</a:t>
             </a:r>
             <a:endParaRPr sz="6000" dirty="0"/>
@@ -26553,7 +25155,7 @@
           <a:p>
             <a:pPr marL="0" indent="0"/>
             <a:r>
-              <a:rPr lang="fr-FR" sz="2800" dirty="0" smtClean="0"/>
+              <a:rPr lang="fr-FR" sz="2800" dirty="0"/>
               <a:t>Synthèse ,Perspective</a:t>
             </a:r>
             <a:endParaRPr sz="2800" dirty="0"/>
@@ -26614,17 +25216,10 @@
   <p:clrMapOvr>
     <a:masterClrMapping/>
   </p:clrMapOvr>
-  <p:timing>
-    <p:tnLst>
-      <p:par>
-        <p:cTn id="1" dur="indefinite" restart="never" nodeType="tmRoot"/>
-      </p:par>
-    </p:tnLst>
-  </p:timing>
 </p:sld>
 </file>
 
-<file path=ppt/slides/slide23.xml><?xml version="1.0" encoding="utf-8"?>
+<file path=ppt/slides/slide21.xml><?xml version="1.0" encoding="utf-8"?>
 <p:sld xmlns:a="http://schemas.openxmlformats.org/drawingml/2006/main" xmlns:r="http://schemas.openxmlformats.org/officeDocument/2006/relationships" xmlns:p="http://schemas.openxmlformats.org/presentationml/2006/main">
   <p:cSld>
     <p:spTree>
@@ -26667,7 +25262,7 @@
           <a:lstStyle/>
           <a:p>
             <a:r>
-              <a:rPr lang="en" sz="4000" dirty="0" smtClean="0"/>
+              <a:rPr lang="en" sz="4000" dirty="0"/>
               <a:t>Synthèse</a:t>
             </a:r>
             <a:endParaRPr sz="4000" dirty="0"/>
@@ -26703,12 +25298,12 @@
               <a:buNone/>
             </a:pPr>
             <a:r>
-              <a:rPr lang="fr-FR" sz="2400" b="1" dirty="0" smtClean="0"/>
+              <a:rPr lang="fr-FR" sz="2400" b="1" dirty="0"/>
               <a:t>O</a:t>
             </a:r>
             <a:r>
-              <a:rPr lang="en" sz="2400" b="1" dirty="0" smtClean="0"/>
-              <a:t>bjectife :</a:t>
+              <a:rPr lang="en" sz="2400" b="1" dirty="0"/>
+              <a:t>bjectif :</a:t>
             </a:r>
             <a:endParaRPr sz="2400" b="1" dirty="0"/>
           </a:p>
@@ -26718,11 +25313,7 @@
             </a:pPr>
             <a:r>
               <a:rPr lang="fr-FR" sz="2400" dirty="0"/>
-              <a:t>Concevoir une application Android permettant une gestion optimale du temps de </a:t>
-            </a:r>
-            <a:r>
-              <a:rPr lang="fr-FR" sz="2400" dirty="0" smtClean="0"/>
-              <a:t>l’étudiant.</a:t>
+              <a:t>Concevoir une application Android permettant une gestion optimale du temps de l’étudiant.</a:t>
             </a:r>
             <a:endParaRPr lang="fr-FR" sz="2400" b="1" dirty="0"/>
           </a:p>
@@ -26757,7 +25348,7 @@
               <a:buNone/>
             </a:pPr>
             <a:r>
-              <a:rPr lang="fr-FR" sz="2400" b="1" dirty="0" smtClean="0"/>
+              <a:rPr lang="fr-FR" sz="2400" b="1" dirty="0"/>
               <a:t>Contexte et problématique :</a:t>
             </a:r>
           </a:p>
@@ -26766,12 +25357,12 @@
               <a:buNone/>
             </a:pPr>
             <a:r>
-              <a:rPr lang="fr-FR" sz="1100" dirty="0" smtClean="0"/>
+              <a:rPr lang="fr-FR" sz="1100" dirty="0"/>
               <a:t> </a:t>
             </a:r>
             <a:r>
-              <a:rPr lang="fr-FR" sz="2400" dirty="0" smtClean="0"/>
-              <a:t>la nécessité d’une gestion de temps chez les étudiants .  </a:t>
+              <a:rPr lang="fr-FR" sz="2400" dirty="0"/>
+              <a:t>La nécessité d’une gestion de temps chez les étudiants .  </a:t>
             </a:r>
           </a:p>
         </p:txBody>
@@ -27054,7 +25645,7 @@
               <a:buNone/>
             </a:pPr>
             <a:r>
-              <a:rPr lang="en-US" sz="2400" b="1" dirty="0" smtClean="0"/>
+              <a:rPr lang="en-US" sz="2400" b="1" dirty="0"/>
               <a:t>Conception :</a:t>
             </a:r>
           </a:p>
@@ -27064,28 +25655,44 @@
               <a:buNone/>
             </a:pPr>
             <a:r>
-              <a:rPr lang="fr-FR" sz="2400" dirty="0" smtClean="0"/>
-              <a:t>analyse</a:t>
+              <a:rPr lang="fr-FR" sz="2400" dirty="0"/>
+              <a:t>Analyse</a:t>
             </a:r>
             <a:r>
-              <a:rPr lang="en-US" sz="2400" dirty="0" smtClean="0"/>
+              <a:rPr lang="en-US" sz="2400" dirty="0"/>
               <a:t> et  </a:t>
             </a:r>
             <a:r>
-              <a:rPr lang="fr-FR" sz="2400" dirty="0" smtClean="0"/>
+              <a:rPr lang="fr-FR" sz="2400" dirty="0"/>
               <a:t>modélisation</a:t>
             </a:r>
             <a:r>
-              <a:rPr lang="en-US" sz="2400" dirty="0" smtClean="0"/>
+              <a:rPr lang="en-US" sz="2400" dirty="0"/>
               <a:t> des  </a:t>
             </a:r>
             <a:r>
-              <a:rPr lang="fr-FR" sz="2400" dirty="0" smtClean="0"/>
+              <a:rPr lang="fr-FR" sz="2400" dirty="0"/>
               <a:t>fonctionnalités</a:t>
             </a:r>
             <a:r>
-              <a:rPr lang="en-US" sz="2400" dirty="0" smtClean="0"/>
-              <a:t> necessaire  grace au language UML .</a:t>
+              <a:rPr lang="en-US" sz="2400" dirty="0"/>
+              <a:t> </a:t>
+            </a:r>
+            <a:r>
+              <a:rPr lang="en-US" sz="2400" dirty="0" err="1"/>
+              <a:t>nécessaires</a:t>
+            </a:r>
+            <a:r>
+              <a:rPr lang="en-US" sz="2400" dirty="0"/>
+              <a:t>  grâce au </a:t>
+            </a:r>
+            <a:r>
+              <a:rPr lang="en-US" sz="2400" dirty="0" err="1"/>
+              <a:t>langage</a:t>
+            </a:r>
+            <a:r>
+              <a:rPr lang="en-US" sz="2400" dirty="0"/>
+              <a:t> UML .</a:t>
             </a:r>
           </a:p>
         </p:txBody>
@@ -30437,18 +29044,13 @@
           <a:lstStyle/>
           <a:p>
             <a:r>
-              <a:rPr lang="fr-FR" sz="4000" dirty="0" smtClean="0">
+              <a:rPr lang="fr-FR" sz="4000" dirty="0">
                 <a:solidFill>
                   <a:srgbClr val="3C78D8"/>
                 </a:solidFill>
               </a:rPr>
               <a:t>18</a:t>
             </a:r>
-            <a:endParaRPr lang="fr-FR" sz="4000" dirty="0">
-              <a:solidFill>
-                <a:srgbClr val="3C78D8"/>
-              </a:solidFill>
-            </a:endParaRPr>
           </a:p>
         </p:txBody>
       </p:sp>
@@ -30462,17 +29064,10 @@
   <p:clrMapOvr>
     <a:masterClrMapping/>
   </p:clrMapOvr>
-  <p:timing>
-    <p:tnLst>
-      <p:par>
-        <p:cTn id="1" dur="indefinite" restart="never" nodeType="tmRoot"/>
-      </p:par>
-    </p:tnLst>
-  </p:timing>
 </p:sld>
 </file>
 
-<file path=ppt/slides/slide24.xml><?xml version="1.0" encoding="utf-8"?>
+<file path=ppt/slides/slide22.xml><?xml version="1.0" encoding="utf-8"?>
 <p:sld xmlns:a="http://schemas.openxmlformats.org/drawingml/2006/main" xmlns:r="http://schemas.openxmlformats.org/officeDocument/2006/relationships" xmlns:p="http://schemas.openxmlformats.org/presentationml/2006/main">
   <p:cSld>
     <p:spTree>
@@ -30515,7 +29110,7 @@
           <a:lstStyle/>
           <a:p>
             <a:r>
-              <a:rPr lang="fr-FR" sz="4000" dirty="0" smtClean="0"/>
+              <a:rPr lang="fr-FR" sz="4000" dirty="0"/>
               <a:t>Synthèse</a:t>
             </a:r>
             <a:endParaRPr sz="4000" dirty="0"/>
@@ -30551,22 +29146,33 @@
               <a:buNone/>
             </a:pPr>
             <a:r>
-              <a:rPr lang="fr-FR" sz="2400" b="1" dirty="0" smtClean="0"/>
+              <a:rPr lang="fr-FR" sz="2400" b="1" dirty="0"/>
               <a:t>I</a:t>
             </a:r>
             <a:r>
-              <a:rPr lang="en" sz="2400" b="1" dirty="0" smtClean="0"/>
-              <a:t>mplementation </a:t>
+              <a:rPr lang="en" sz="2400" b="1" dirty="0"/>
+              <a:t>mplementation :</a:t>
             </a:r>
-            <a:endParaRPr lang="en" sz="2400" b="1" dirty="0"/>
           </a:p>
           <a:p>
             <a:pPr marL="0" indent="0">
               <a:buNone/>
             </a:pPr>
             <a:r>
-              <a:rPr lang="en" sz="2400" dirty="0" smtClean="0"/>
-              <a:t>utilisation des differents outils, language,et librairies  comme Android studio, Java,Room,SQLite</a:t>
+              <a:rPr lang="fr-FR" sz="2400" dirty="0"/>
+              <a:t>U</a:t>
+            </a:r>
+            <a:r>
+              <a:rPr lang="en" sz="2400" dirty="0"/>
+              <a:t>tilisation des differents outils, langage</a:t>
+            </a:r>
+            <a:r>
+              <a:rPr lang="fr-FR" sz="2400" dirty="0"/>
+              <a:t>s</a:t>
+            </a:r>
+            <a:r>
+              <a:rPr lang="en" sz="2400" dirty="0"/>
+              <a:t>, et librairies.</a:t>
             </a:r>
           </a:p>
         </p:txBody>
@@ -30600,12 +29206,20 @@
               <a:buNone/>
             </a:pPr>
             <a:r>
-              <a:rPr lang="fr-FR" sz="2400" b="1" dirty="0" smtClean="0"/>
+              <a:rPr lang="fr-FR" sz="2400" b="1" dirty="0"/>
               <a:t>L</a:t>
             </a:r>
             <a:r>
-              <a:rPr lang="en" sz="2400" b="1" dirty="0" smtClean="0"/>
-              <a:t>imtes </a:t>
+              <a:rPr lang="en" sz="2400" b="1" dirty="0"/>
+              <a:t>im</a:t>
+            </a:r>
+            <a:r>
+              <a:rPr lang="fr-FR" sz="2400" b="1" dirty="0"/>
+              <a:t>i</a:t>
+            </a:r>
+            <a:r>
+              <a:rPr lang="en" sz="2400" b="1" dirty="0"/>
+              <a:t>tes </a:t>
             </a:r>
           </a:p>
           <a:p>
@@ -30613,8 +29227,8 @@
               <a:buNone/>
             </a:pPr>
             <a:r>
-              <a:rPr lang="fr-FR" sz="2400" dirty="0" smtClean="0"/>
-              <a:t>L’incapacité de gérer des événements qui s’étendent sur  plus d’une journée </a:t>
+              <a:rPr lang="fr-FR" sz="2400" dirty="0"/>
+              <a:t>L’incapacité de gérer des événements qui s’étendent sur  plus d’une journée. </a:t>
             </a:r>
             <a:endParaRPr sz="2400" dirty="0"/>
           </a:p>
@@ -30649,12 +29263,12 @@
               <a:buNone/>
             </a:pPr>
             <a:r>
-              <a:rPr lang="fr-FR" sz="2400" b="1" dirty="0" smtClean="0"/>
+              <a:rPr lang="fr-FR" sz="2400" b="1" dirty="0"/>
               <a:t>P</a:t>
             </a:r>
             <a:r>
-              <a:rPr lang="en" sz="2400" b="1" dirty="0" smtClean="0"/>
-              <a:t>respectives </a:t>
+              <a:rPr lang="en" sz="2400" b="1" dirty="0"/>
+              <a:t>erspectives </a:t>
             </a:r>
             <a:endParaRPr sz="2400" b="1" dirty="0"/>
           </a:p>
@@ -30663,7 +29277,7 @@
               <a:buNone/>
             </a:pPr>
             <a:r>
-              <a:rPr lang="fr-FR" sz="2400" dirty="0" smtClean="0"/>
+              <a:rPr lang="fr-FR" sz="2400" dirty="0"/>
               <a:t>Possibilité d’inclure une note vocale a l’événement. </a:t>
             </a:r>
           </a:p>
@@ -31714,18 +30328,13 @@
           <a:lstStyle/>
           <a:p>
             <a:r>
-              <a:rPr lang="fr-FR" sz="4000" dirty="0" smtClean="0">
+              <a:rPr lang="fr-FR" sz="4000" dirty="0">
                 <a:solidFill>
                   <a:srgbClr val="3C78D8"/>
                 </a:solidFill>
               </a:rPr>
               <a:t>19</a:t>
             </a:r>
-            <a:endParaRPr lang="fr-FR" sz="4000" dirty="0">
-              <a:solidFill>
-                <a:srgbClr val="3C78D8"/>
-              </a:solidFill>
-            </a:endParaRPr>
           </a:p>
         </p:txBody>
       </p:sp>
@@ -31739,17 +30348,10 @@
   <p:clrMapOvr>
     <a:masterClrMapping/>
   </p:clrMapOvr>
-  <p:timing>
-    <p:tnLst>
-      <p:par>
-        <p:cTn id="1" dur="indefinite" restart="never" nodeType="tmRoot"/>
-      </p:par>
-    </p:tnLst>
-  </p:timing>
 </p:sld>
 </file>
 
-<file path=ppt/slides/slide25.xml><?xml version="1.0" encoding="utf-8"?>
+<file path=ppt/slides/slide23.xml><?xml version="1.0" encoding="utf-8"?>
 <p:sld xmlns:a="http://schemas.openxmlformats.org/drawingml/2006/main" xmlns:r="http://schemas.openxmlformats.org/officeDocument/2006/relationships" xmlns:p="http://schemas.openxmlformats.org/presentationml/2006/main">
   <p:cSld>
     <p:spTree>
@@ -31778,7 +30380,7 @@
         </p:nvSpPr>
         <p:spPr>
           <a:xfrm>
-            <a:off x="1275150" y="1278550"/>
+            <a:off x="1275150" y="1991850"/>
             <a:ext cx="6593700" cy="1159800"/>
           </a:xfrm>
           <a:prstGeom prst="rect">
@@ -31791,57 +30393,14 @@
           </a:bodyPr>
           <a:lstStyle/>
           <a:p>
+            <a:br>
+              <a:rPr lang="en" sz="10000" dirty="0"/>
+            </a:br>
             <a:r>
-              <a:rPr lang="en" sz="10000" dirty="0" smtClean="0"/>
+              <a:rPr lang="en" sz="10000" dirty="0"/>
               <a:t>MERCI!</a:t>
             </a:r>
             <a:endParaRPr sz="10000" dirty="0"/>
-          </a:p>
-        </p:txBody>
-      </p:sp>
-      <p:sp>
-        <p:nvSpPr>
-          <p:cNvPr id="733" name="Shape 733"/>
-          <p:cNvSpPr txBox="1">
-            <a:spLocks noGrp="1"/>
-          </p:cNvSpPr>
-          <p:nvPr>
-            <p:ph type="subTitle" idx="4294967295"/>
-          </p:nvPr>
-        </p:nvSpPr>
-        <p:spPr>
-          <a:xfrm>
-            <a:off x="1275150" y="2325749"/>
-            <a:ext cx="6593700" cy="1680900"/>
-          </a:xfrm>
-          <a:prstGeom prst="rect">
-            <a:avLst/>
-          </a:prstGeom>
-        </p:spPr>
-        <p:txBody>
-          <a:bodyPr spcFirstLastPara="1" wrap="square" lIns="91425" tIns="91425" rIns="91425" bIns="91425" anchor="t" anchorCtr="0">
-            <a:noAutofit/>
-          </a:bodyPr>
-          <a:lstStyle/>
-          <a:p>
-            <a:pPr marL="0" indent="0" algn="ctr">
-              <a:buNone/>
-            </a:pPr>
-            <a:r>
-              <a:rPr lang="en" sz="3600" b="1" dirty="0" smtClean="0"/>
-              <a:t>Vos </a:t>
-            </a:r>
-            <a:r>
-              <a:rPr lang="en" sz="3600" b="1" dirty="0"/>
-              <a:t>questions?</a:t>
-            </a:r>
-            <a:endParaRPr sz="3600" b="1" dirty="0"/>
-          </a:p>
-          <a:p>
-            <a:pPr marL="0" indent="0" algn="ctr">
-              <a:buNone/>
-            </a:pPr>
-            <a:endParaRPr sz="3600" b="1" dirty="0"/>
           </a:p>
         </p:txBody>
       </p:sp>
@@ -31850,13 +30409,6 @@
   <p:clrMapOvr>
     <a:masterClrMapping/>
   </p:clrMapOvr>
-  <p:timing>
-    <p:tnLst>
-      <p:par>
-        <p:cTn id="1" dur="indefinite" restart="never" nodeType="tmRoot"/>
-      </p:par>
-    </p:tnLst>
-  </p:timing>
 </p:sld>
 </file>
 
@@ -32000,13 +30552,6 @@
   <p:clrMapOvr>
     <a:masterClrMapping/>
   </p:clrMapOvr>
-  <p:timing>
-    <p:tnLst>
-      <p:par>
-        <p:cTn id="1" dur="indefinite" restart="never" nodeType="tmRoot"/>
-      </p:par>
-    </p:tnLst>
-  </p:timing>
 </p:sld>
 </file>
 
@@ -32092,25 +30637,25 @@
           <a:p>
             <a:r>
               <a:rPr lang="fr-FR" sz="2400" dirty="0"/>
-              <a:t>Le rythme de vie actuel nous fait sentir qu’on est perpétuellement en manque de temps </a:t>
+              <a:t>Le rythme de vie actuel nous fait sentir qu’on est perpétuellement en manque de temps. </a:t>
+            </a:r>
+          </a:p>
+          <a:p>
+            <a:r>
+              <a:rPr lang="fr-FR" sz="2300" dirty="0"/>
+              <a:t>L’étudiant est l’une des classes sociales touchées par ce problème .</a:t>
             </a:r>
           </a:p>
           <a:p>
             <a:r>
               <a:rPr lang="fr-FR" sz="2400" dirty="0"/>
-              <a:t>L’étudiant est l’une des classes sociale touché par ce problème .</a:t>
+              <a:t>Nos habitudes quotidiennes ont beaucoup changé à cause des smartphones.</a:t>
             </a:r>
           </a:p>
           <a:p>
             <a:r>
               <a:rPr lang="fr-FR" sz="2400" dirty="0"/>
-              <a:t>Nos habitudes quotidiennes ont beaucoup changé a cause des Smartphones</a:t>
-            </a:r>
-          </a:p>
-          <a:p>
-            <a:r>
-              <a:rPr lang="fr-FR" sz="2400" dirty="0"/>
-              <a:t>Ils sont utiliser par 56% de la population  mondiale ,essentiellement par les étudiants .</a:t>
+              <a:t>Ils sont utilisés par 56% de la population  mondiale , essentiellement par les étudiants .</a:t>
             </a:r>
           </a:p>
           <a:p>
@@ -32175,13 +30720,6 @@
   <p:clrMapOvr>
     <a:masterClrMapping/>
   </p:clrMapOvr>
-  <p:timing>
-    <p:tnLst>
-      <p:par>
-        <p:cTn id="1" dur="indefinite" restart="never" nodeType="tmRoot"/>
-      </p:par>
-    </p:tnLst>
-  </p:timing>
 </p:sld>
 </file>
 
@@ -32229,7 +30767,7 @@
           <a:p>
             <a:r>
               <a:rPr lang="fr-FR" sz="4800" dirty="0"/>
-              <a:t>spécification des besoins et conception</a:t>
+              <a:t>Spécification des besoins et conception</a:t>
             </a:r>
             <a:endParaRPr sz="4800" dirty="0"/>
           </a:p>
@@ -32289,13 +30827,6 @@
   <p:clrMapOvr>
     <a:masterClrMapping/>
   </p:clrMapOvr>
-  <p:timing>
-    <p:tnLst>
-      <p:par>
-        <p:cTn id="1" dur="indefinite" restart="never" nodeType="tmRoot"/>
-      </p:par>
-    </p:tnLst>
-  </p:timing>
 </p:sld>
 </file>
 
@@ -32385,10 +30916,10 @@
             </a:r>
           </a:p>
           <a:p>
-            <a:r>
-              <a:rPr lang="fr-FR" sz="2400" dirty="0"/>
-              <a:t>Processus en cascade.</a:t>
-            </a:r>
+            <a:pPr marL="101598" indent="0">
+              <a:buNone/>
+            </a:pPr>
+            <a:endParaRPr lang="fr-FR" sz="2400" dirty="0"/>
           </a:p>
           <a:p>
             <a:r>
@@ -32458,13 +30989,6 @@
   <p:clrMapOvr>
     <a:masterClrMapping/>
   </p:clrMapOvr>
-  <p:timing>
-    <p:tnLst>
-      <p:par>
-        <p:cTn id="1" dur="indefinite" restart="never" nodeType="tmRoot"/>
-      </p:par>
-    </p:tnLst>
-  </p:timing>
 </p:sld>
 </file>
 
@@ -32599,13 +31123,6 @@
   <p:clrMapOvr>
     <a:masterClrMapping/>
   </p:clrMapOvr>
-  <p:timing>
-    <p:tnLst>
-      <p:par>
-        <p:cTn id="1" dur="indefinite" restart="never" nodeType="tmRoot"/>
-      </p:par>
-    </p:tnLst>
-  </p:timing>
 </p:sld>
 </file>
 
@@ -32643,7 +31160,7 @@
         <p:spPr>
           <a:xfrm>
             <a:off x="2115865" y="0"/>
-            <a:ext cx="5261377" cy="523220"/>
+            <a:ext cx="4732386" cy="523220"/>
           </a:xfrm>
           <a:prstGeom prst="rect">
             <a:avLst/>
@@ -32656,20 +31173,14 @@
           <a:lstStyle/>
           <a:p>
             <a:r>
-              <a:rPr lang="fr-FR" sz="2800" b="1" dirty="0" smtClean="0">
+              <a:rPr lang="fr-FR" sz="2800" b="1" dirty="0">
                 <a:solidFill>
                   <a:srgbClr val="00CEF6"/>
                 </a:solidFill>
                 <a:latin typeface="Oswald"/>
               </a:rPr>
-              <a:t>2.Interfaces IHM et navigation</a:t>
+              <a:t>2. Interfaces IHM et navigation</a:t>
             </a:r>
-            <a:endParaRPr lang="fr-FR" sz="2800" b="1" dirty="0">
-              <a:solidFill>
-                <a:srgbClr val="00CEF6"/>
-              </a:solidFill>
-              <a:latin typeface="Oswald"/>
-            </a:endParaRPr>
           </a:p>
         </p:txBody>
       </p:sp>
@@ -32746,13 +31257,6 @@
   <p:clrMapOvr>
     <a:masterClrMapping/>
   </p:clrMapOvr>
-  <p:timing>
-    <p:tnLst>
-      <p:par>
-        <p:cTn id="1" dur="indefinite" restart="never" nodeType="tmRoot"/>
-      </p:par>
-    </p:tnLst>
-  </p:timing>
 </p:sld>
 </file>
 
@@ -32790,7 +31294,7 @@
         <p:spPr>
           <a:xfrm>
             <a:off x="2115865" y="0"/>
-            <a:ext cx="4349268" cy="584775"/>
+            <a:ext cx="4463081" cy="584775"/>
           </a:xfrm>
           <a:prstGeom prst="rect">
             <a:avLst/>
@@ -32803,20 +31307,12 @@
           <a:lstStyle/>
           <a:p>
             <a:r>
-              <a:rPr lang="fr-FR" sz="3200" b="1" dirty="0" smtClean="0">
-                <a:solidFill>
-                  <a:srgbClr val="00CEF6"/>
-                </a:solidFill>
-              </a:rPr>
-              <a:t>3.Modèle </a:t>
-            </a:r>
-            <a:r>
               <a:rPr lang="fr-FR" sz="3200" b="1" dirty="0">
                 <a:solidFill>
                   <a:srgbClr val="00CEF6"/>
                 </a:solidFill>
               </a:rPr>
-              <a:t>du domaine</a:t>
+              <a:t>3. Modèle du domaine</a:t>
             </a:r>
             <a:endParaRPr lang="fr-FR" sz="3200" b="1" dirty="0">
               <a:solidFill>
@@ -32900,13 +31396,6 @@
   <p:clrMapOvr>
     <a:masterClrMapping/>
   </p:clrMapOvr>
-  <p:timing>
-    <p:tnLst>
-      <p:par>
-        <p:cTn id="1" dur="indefinite" restart="never" nodeType="tmRoot"/>
-      </p:par>
-    </p:tnLst>
-  </p:timing>
 </p:sld>
 </file>
 

--- a/présentation licence 3.pptx
+++ b/présentation licence 3.pptx
@@ -43,14 +43,14 @@
       <p:boldItalic r:id="rId29"/>
     </p:embeddedFont>
     <p:embeddedFont>
-      <p:font typeface="Calibri" panose="020F0502020204030204" pitchFamily="34" charset="0"/>
+      <p:font typeface="Oswald" panose="00000500000000000000" pitchFamily="2" charset="0"/>
       <p:regular r:id="rId30"/>
       <p:bold r:id="rId31"/>
       <p:italic r:id="rId32"/>
       <p:boldItalic r:id="rId33"/>
     </p:embeddedFont>
     <p:embeddedFont>
-      <p:font typeface="Oswald" panose="02000303000000000000" pitchFamily="2" charset="0"/>
+      <p:font typeface="Calibri" panose="020F0502020204030204" pitchFamily="34" charset="0"/>
       <p:regular r:id="rId34"/>
       <p:bold r:id="rId35"/>
       <p:italic r:id="rId36"/>
@@ -19288,6 +19288,13 @@
   <p:transition>
     <p:fade thruBlk="1"/>
   </p:transition>
+  <p:timing>
+    <p:tnLst>
+      <p:par>
+        <p:cTn id="1" dur="indefinite" restart="never" nodeType="tmRoot"/>
+      </p:par>
+    </p:tnLst>
+  </p:timing>
 </p:sld>
 </file>
 
@@ -19428,6 +19435,13 @@
   <p:clrMapOvr>
     <a:masterClrMapping/>
   </p:clrMapOvr>
+  <p:timing>
+    <p:tnLst>
+      <p:par>
+        <p:cTn id="1" dur="indefinite" restart="never" nodeType="tmRoot"/>
+      </p:par>
+    </p:tnLst>
+  </p:timing>
 </p:sld>
 </file>
 
@@ -19600,6 +19614,13 @@
   <p:clrMapOvr>
     <a:masterClrMapping/>
   </p:clrMapOvr>
+  <p:timing>
+    <p:tnLst>
+      <p:par>
+        <p:cTn id="1" dur="indefinite" restart="never" nodeType="tmRoot"/>
+      </p:par>
+    </p:tnLst>
+  </p:timing>
 </p:sld>
 </file>
 
@@ -19739,6 +19760,13 @@
   <p:clrMapOvr>
     <a:masterClrMapping/>
   </p:clrMapOvr>
+  <p:timing>
+    <p:tnLst>
+      <p:par>
+        <p:cTn id="1" dur="indefinite" restart="never" nodeType="tmRoot"/>
+      </p:par>
+    </p:tnLst>
+  </p:timing>
 </p:sld>
 </file>
 
@@ -19878,6 +19906,13 @@
   <p:clrMapOvr>
     <a:masterClrMapping/>
   </p:clrMapOvr>
+  <p:timing>
+    <p:tnLst>
+      <p:par>
+        <p:cTn id="1" dur="indefinite" restart="never" nodeType="tmRoot"/>
+      </p:par>
+    </p:tnLst>
+  </p:timing>
 </p:sld>
 </file>
 
@@ -19984,7 +20019,7 @@
               <a:t>Evénement (</a:t>
             </a:r>
             <a:r>
-              <a:rPr lang="fr-FR" sz="2600" b="1" u="sng" dirty="0" err="1">
+              <a:rPr lang="fr-FR" sz="2600" b="1" u="sng" dirty="0">
                 <a:solidFill>
                   <a:srgbClr val="3C78D8"/>
                 </a:solidFill>
@@ -20104,6 +20139,13 @@
   <p:clrMapOvr>
     <a:masterClrMapping/>
   </p:clrMapOvr>
+  <p:timing>
+    <p:tnLst>
+      <p:par>
+        <p:cTn id="1" dur="indefinite" restart="never" nodeType="tmRoot"/>
+      </p:par>
+    </p:tnLst>
+  </p:timing>
 </p:sld>
 </file>
 
@@ -20245,6 +20287,13 @@
   <p:clrMapOvr>
     <a:masterClrMapping/>
   </p:clrMapOvr>
+  <p:timing>
+    <p:tnLst>
+      <p:par>
+        <p:cTn id="1" dur="indefinite" restart="never" nodeType="tmRoot"/>
+      </p:par>
+    </p:tnLst>
+  </p:timing>
 </p:sld>
 </file>
 
@@ -22257,6 +22306,13 @@
   <p:clrMapOvr>
     <a:masterClrMapping/>
   </p:clrMapOvr>
+  <p:timing>
+    <p:tnLst>
+      <p:par>
+        <p:cTn id="1" dur="indefinite" restart="never" nodeType="tmRoot"/>
+      </p:par>
+    </p:tnLst>
+  </p:timing>
 </p:sld>
 </file>
 
@@ -23139,6 +23195,13 @@
   <p:clrMapOvr>
     <a:masterClrMapping/>
   </p:clrMapOvr>
+  <p:timing>
+    <p:tnLst>
+      <p:par>
+        <p:cTn id="1" dur="indefinite" restart="never" nodeType="tmRoot"/>
+      </p:par>
+    </p:tnLst>
+  </p:timing>
 </p:sld>
 </file>
 
@@ -24014,6 +24077,13 @@
   <p:clrMapOvr>
     <a:masterClrMapping/>
   </p:clrMapOvr>
+  <p:timing>
+    <p:tnLst>
+      <p:par>
+        <p:cTn id="1" dur="indefinite" restart="never" nodeType="tmRoot"/>
+      </p:par>
+    </p:tnLst>
+  </p:timing>
 </p:sld>
 </file>
 
@@ -24892,6 +24962,13 @@
   <p:clrMapOvr>
     <a:masterClrMapping/>
   </p:clrMapOvr>
+  <p:timing>
+    <p:tnLst>
+      <p:par>
+        <p:cTn id="1" dur="indefinite" restart="never" nodeType="tmRoot"/>
+      </p:par>
+    </p:tnLst>
+  </p:timing>
 </p:sld>
 </file>
 
@@ -25075,6 +25152,13 @@
   <p:clrMapOvr>
     <a:masterClrMapping/>
   </p:clrMapOvr>
+  <p:timing>
+    <p:tnLst>
+      <p:par>
+        <p:cTn id="1" dur="indefinite" restart="never" nodeType="tmRoot"/>
+      </p:par>
+    </p:tnLst>
+  </p:timing>
 </p:sld>
 </file>
 
@@ -30393,6 +30477,10 @@
           </a:bodyPr>
           <a:lstStyle/>
           <a:p>
+            <a:r>
+              <a:rPr lang="en" sz="10000" dirty="0"/>
+              <a:t/>
+            </a:r>
             <a:br>
               <a:rPr lang="en" sz="10000" dirty="0"/>
             </a:br>
@@ -30552,6 +30640,13 @@
   <p:clrMapOvr>
     <a:masterClrMapping/>
   </p:clrMapOvr>
+  <p:timing>
+    <p:tnLst>
+      <p:par>
+        <p:cTn id="1" dur="indefinite" restart="never" nodeType="tmRoot"/>
+      </p:par>
+    </p:tnLst>
+  </p:timing>
 </p:sld>
 </file>
 
@@ -30720,6 +30815,13 @@
   <p:clrMapOvr>
     <a:masterClrMapping/>
   </p:clrMapOvr>
+  <p:timing>
+    <p:tnLst>
+      <p:par>
+        <p:cTn id="1" dur="indefinite" restart="never" nodeType="tmRoot"/>
+      </p:par>
+    </p:tnLst>
+  </p:timing>
 </p:sld>
 </file>
 
@@ -30827,6 +30929,13 @@
   <p:clrMapOvr>
     <a:masterClrMapping/>
   </p:clrMapOvr>
+  <p:timing>
+    <p:tnLst>
+      <p:par>
+        <p:cTn id="1" dur="indefinite" restart="never" nodeType="tmRoot"/>
+      </p:par>
+    </p:tnLst>
+  </p:timing>
 </p:sld>
 </file>
 
@@ -30989,6 +31098,13 @@
   <p:clrMapOvr>
     <a:masterClrMapping/>
   </p:clrMapOvr>
+  <p:timing>
+    <p:tnLst>
+      <p:par>
+        <p:cTn id="1" dur="indefinite" restart="never" nodeType="tmRoot"/>
+      </p:par>
+    </p:tnLst>
+  </p:timing>
 </p:sld>
 </file>
 
@@ -31123,6 +31239,13 @@
   <p:clrMapOvr>
     <a:masterClrMapping/>
   </p:clrMapOvr>
+  <p:timing>
+    <p:tnLst>
+      <p:par>
+        <p:cTn id="1" dur="indefinite" restart="never" nodeType="tmRoot"/>
+      </p:par>
+    </p:tnLst>
+  </p:timing>
 </p:sld>
 </file>
 
@@ -31257,6 +31380,13 @@
   <p:clrMapOvr>
     <a:masterClrMapping/>
   </p:clrMapOvr>
+  <p:timing>
+    <p:tnLst>
+      <p:par>
+        <p:cTn id="1" dur="indefinite" restart="never" nodeType="tmRoot"/>
+      </p:par>
+    </p:tnLst>
+  </p:timing>
 </p:sld>
 </file>
 
@@ -31396,6 +31526,13 @@
   <p:clrMapOvr>
     <a:masterClrMapping/>
   </p:clrMapOvr>
+  <p:timing>
+    <p:tnLst>
+      <p:par>
+        <p:cTn id="1" dur="indefinite" restart="never" nodeType="tmRoot"/>
+      </p:par>
+    </p:tnLst>
+  </p:timing>
 </p:sld>
 </file>
 

--- a/présentation licence 3.pptx
+++ b/présentation licence 3.pptx
@@ -1444,7 +1444,7 @@
             </a:r>
             <a:r>
               <a:rPr lang="fr-FR" dirty="0"/>
-              <a:t> à ajouter un attribut clé étrangère dans la relation dérivée de l’entité ayant la cardinalité minimale à 0.</a:t>
+              <a:t> à ajouter un attribut clé étrangère dans la relation dérivée de l’entité ayant la cardinalité minimale à 0. Evénement </a:t>
             </a:r>
             <a:endParaRPr dirty="0"/>
           </a:p>
@@ -19032,7 +19032,7 @@
                 </a:solidFill>
                 <a:latin typeface="Oswald"/>
               </a:rPr>
-              <a:t>Réalisé par </a:t>
+              <a:t>Réalisé par: </a:t>
             </a:r>
           </a:p>
           <a:p>
@@ -19655,7 +19655,7 @@
                   <a:srgbClr val="00CEF6"/>
                 </a:solidFill>
               </a:rPr>
-              <a:t>5.1.Diagramme d’interaction &lt; Ajout événement&gt;</a:t>
+              <a:t>5.1. Diagramme d’interaction &lt; Ajout événement &gt;</a:t>
             </a:r>
             <a:endParaRPr lang="fr-FR" sz="2400" b="1" dirty="0">
               <a:solidFill>
@@ -19794,7 +19794,7 @@
                   <a:srgbClr val="00CEF6"/>
                 </a:solidFill>
               </a:rPr>
-              <a:t>5.2.Diagramme d’interaction &lt;suppression d’un calendrier&gt;</a:t>
+              <a:t>5.2. Diagramme d’interaction &lt; Suppression d’un calendrier &gt;</a:t>
             </a:r>
             <a:endParaRPr lang="fr-FR" sz="2400" b="1" dirty="0">
               <a:solidFill>
@@ -19981,7 +19981,7 @@
           <a:p>
             <a:r>
               <a:rPr lang="fr-FR" sz="2600" dirty="0"/>
-              <a:t>Evénement (</a:t>
+              <a:t>Événement (</a:t>
             </a:r>
             <a:r>
               <a:rPr lang="fr-FR" sz="2600" b="1" u="sng" dirty="0" err="1">
@@ -20035,7 +20035,15 @@
                   <a:srgbClr val="BDF32E"/>
                 </a:solidFill>
               </a:rPr>
-              <a:t>#id_événement</a:t>
+              <a:t>#</a:t>
+            </a:r>
+            <a:r>
+              <a:rPr lang="fr-FR" sz="2600" b="1" i="1" dirty="0" err="1">
+                <a:solidFill>
+                  <a:srgbClr val="BDF32E"/>
+                </a:solidFill>
+              </a:rPr>
+              <a:t>id_événement</a:t>
             </a:r>
             <a:r>
               <a:rPr lang="fr-FR" sz="2600" dirty="0"/>
@@ -21390,15 +21398,6 @@
               </a:rPr>
               <a:t>XML</a:t>
             </a:r>
-            <a:endParaRPr dirty="0">
-              <a:solidFill>
-                <a:srgbClr val="FFFFFF"/>
-              </a:solidFill>
-              <a:latin typeface="Source Sans Pro"/>
-              <a:ea typeface="Source Sans Pro"/>
-              <a:cs typeface="Source Sans Pro"/>
-              <a:sym typeface="Source Sans Pro"/>
-            </a:endParaRPr>
           </a:p>
         </p:txBody>
       </p:sp>
@@ -21503,9 +21502,9 @@
         <p:grpSpPr>
           <a:xfrm>
             <a:off x="6216058" y="1098434"/>
-            <a:ext cx="1952706" cy="655221"/>
-            <a:chOff x="8539600" y="1476652"/>
-            <a:chExt cx="2839472" cy="952771"/>
+            <a:ext cx="1952705" cy="655221"/>
+            <a:chOff x="8539601" y="1476652"/>
+            <a:chExt cx="2839471" cy="952771"/>
           </a:xfrm>
         </p:grpSpPr>
         <p:sp>
@@ -21537,54 +21536,6 @@
                 <a:buFont typeface="Arial" panose="020B0604020202020204" pitchFamily="34" charset="0"/>
                 <a:buChar char="•"/>
               </a:pPr>
-              <a:r>
-                <a:rPr lang="fr-FR" sz="1100" u="sng" dirty="0">
-                  <a:solidFill>
-                    <a:srgbClr val="3F3F3F"/>
-                  </a:solidFill>
-                  <a:latin typeface="Source Sans Pro"/>
-                  <a:ea typeface="Source Sans Pro"/>
-                  <a:cs typeface="Source Sans Pro"/>
-                  <a:sym typeface="Source Sans Pro"/>
-                </a:rPr>
-                <a:t>Java</a:t>
-              </a:r>
-              <a:r>
-                <a:rPr lang="fr-FR" sz="1100" dirty="0">
-                  <a:solidFill>
-                    <a:srgbClr val="3F3F3F"/>
-                  </a:solidFill>
-                  <a:latin typeface="Source Sans Pro"/>
-                  <a:ea typeface="Source Sans Pro"/>
-                  <a:cs typeface="Source Sans Pro"/>
-                  <a:sym typeface="Source Sans Pro"/>
-                </a:rPr>
-                <a:t>: langage orienté objet, puissant et portable.</a:t>
-              </a:r>
-              <a:endParaRPr sz="1100" dirty="0">
-                <a:latin typeface="Source Sans Pro"/>
-                <a:ea typeface="Source Sans Pro"/>
-                <a:cs typeface="Source Sans Pro"/>
-                <a:sym typeface="Source Sans Pro"/>
-              </a:endParaRPr>
-            </a:p>
-            <a:p>
-              <a:pPr marL="171450" indent="-171450">
-                <a:buFont typeface="Arial" panose="020B0604020202020204" pitchFamily="34" charset="0"/>
-                <a:buChar char="•"/>
-              </a:pPr>
-              <a:r>
-                <a:rPr lang="fr-FR" sz="1100" dirty="0">
-                  <a:solidFill>
-                    <a:srgbClr val="3F3F3F"/>
-                  </a:solidFill>
-                  <a:latin typeface="Source Sans Pro"/>
-                  <a:ea typeface="Source Sans Pro"/>
-                  <a:cs typeface="Source Sans Pro"/>
-                  <a:sym typeface="Source Sans Pro"/>
-                </a:rPr>
-                <a:t>XML est un métalangage de balisages permettant de décrire des interfaces graphiques et des fichiers de configuration.</a:t>
-              </a:r>
               <a:endParaRPr sz="1100" dirty="0">
                 <a:solidFill>
                   <a:srgbClr val="3F3F3F"/>
@@ -21605,8 +21556,8 @@
           </p:nvSpPr>
           <p:spPr>
             <a:xfrm>
-              <a:off x="8539600" y="1476652"/>
-              <a:ext cx="2810100" cy="400201"/>
+              <a:off x="8539601" y="1476652"/>
+              <a:ext cx="2810101" cy="400200"/>
             </a:xfrm>
             <a:prstGeom prst="rect">
               <a:avLst/>
@@ -21690,30 +21641,6 @@
                 <a:buFont typeface="Arial" panose="020B0604020202020204" pitchFamily="34" charset="0"/>
                 <a:buChar char="•"/>
               </a:pPr>
-              <a:r>
-                <a:rPr lang="fr-FR" sz="1100" dirty="0" err="1">
-                  <a:solidFill>
-                    <a:srgbClr val="3F3F3F"/>
-                  </a:solidFill>
-                  <a:latin typeface="Source Sans Pro"/>
-                  <a:ea typeface="Source Sans Pro"/>
-                  <a:cs typeface="Source Sans Pro"/>
-                  <a:sym typeface="Source Sans Pro"/>
-                </a:rPr>
-                <a:t>ColorPicker</a:t>
-              </a:r>
-              <a:r>
-                <a:rPr lang="fr-FR" sz="1100" dirty="0">
-                  <a:solidFill>
-                    <a:srgbClr val="3F3F3F"/>
-                  </a:solidFill>
-                  <a:latin typeface="Source Sans Pro"/>
-                  <a:ea typeface="Source Sans Pro"/>
-                  <a:cs typeface="Source Sans Pro"/>
-                  <a:sym typeface="Source Sans Pro"/>
-                </a:rPr>
-                <a:t> est une librairie qui </a:t>
-              </a:r>
               <a:endParaRPr sz="1100" dirty="0">
                 <a:solidFill>
                   <a:srgbClr val="3F3F3F"/>
@@ -21864,19 +21791,7 @@
             <a:lstStyle/>
             <a:p>
               <a:pPr algn="r"/>
-              <a:r>
-                <a:rPr lang="fr-FR" sz="1100" dirty="0">
-                  <a:solidFill>
-                    <a:srgbClr val="3F3F3F"/>
-                  </a:solidFill>
-                  <a:latin typeface="Source Sans Pro"/>
-                  <a:ea typeface="Source Sans Pro"/>
-                  <a:cs typeface="Source Sans Pro"/>
-                  <a:sym typeface="Source Sans Pro"/>
-                </a:rPr>
-                <a:t>Est un environnement de développement pour développer des applications Android natives</a:t>
-              </a:r>
-              <a:endParaRPr sz="1100" dirty="0">
+              <a:endParaRPr sz="1800" dirty="0">
                 <a:solidFill>
                   <a:srgbClr val="3F3F3F"/>
                 </a:solidFill>
@@ -21947,10 +21862,10 @@
         </p:nvGrpSpPr>
         <p:grpSpPr>
           <a:xfrm>
-            <a:off x="760705" y="2916590"/>
-            <a:ext cx="1986101" cy="759714"/>
-            <a:chOff x="375331" y="3094847"/>
-            <a:chExt cx="2192163" cy="838538"/>
+            <a:off x="760704" y="3274317"/>
+            <a:ext cx="1986102" cy="401991"/>
+            <a:chOff x="375330" y="3489686"/>
+            <a:chExt cx="2192164" cy="443699"/>
           </a:xfrm>
         </p:grpSpPr>
         <p:sp>
@@ -21982,107 +21897,9 @@
                 <a:buFont typeface="Arial" panose="020B0604020202020204" pitchFamily="34" charset="0"/>
                 <a:buChar char="•"/>
               </a:pPr>
-              <a:r>
-                <a:rPr lang="fr-FR" sz="1100" dirty="0">
-                  <a:solidFill>
-                    <a:srgbClr val="3F3F3F"/>
-                  </a:solidFill>
-                  <a:latin typeface="Source Sans Pro"/>
-                  <a:ea typeface="Source Sans Pro"/>
-                  <a:cs typeface="Source Sans Pro"/>
-                  <a:sym typeface="Source Sans Pro"/>
-                </a:rPr>
-                <a:t>SQLite est un SGBD local qui offre un moteur de base de données relationnelles</a:t>
-              </a:r>
-              <a:r>
-                <a:rPr lang="en" sz="1100" dirty="0">
-                  <a:solidFill>
-                    <a:srgbClr val="3F3F3F"/>
-                  </a:solidFill>
-                  <a:latin typeface="Source Sans Pro"/>
-                  <a:ea typeface="Source Sans Pro"/>
-                  <a:cs typeface="Source Sans Pro"/>
-                  <a:sym typeface="Source Sans Pro"/>
-                </a:rPr>
-                <a:t>.</a:t>
-              </a:r>
-            </a:p>
-            <a:p>
-              <a:pPr marL="171450" indent="-171450" algn="r">
-                <a:buFont typeface="Arial" panose="020B0604020202020204" pitchFamily="34" charset="0"/>
-                <a:buChar char="•"/>
-              </a:pPr>
-              <a:r>
-                <a:rPr lang="en" sz="1100" dirty="0">
-                  <a:solidFill>
-                    <a:srgbClr val="3F3F3F"/>
-                  </a:solidFill>
-                  <a:latin typeface="Source Sans Pro"/>
-                  <a:ea typeface="Source Sans Pro"/>
-                  <a:cs typeface="Source Sans Pro"/>
-                  <a:sym typeface="Source Sans Pro"/>
-                </a:rPr>
-                <a:t>Room est une librairie de base de données, elle est une couche d’abstraction à SQLite.</a:t>
-              </a:r>
-            </a:p>
-            <a:p>
-              <a:pPr marL="171450" indent="-171450" algn="r">
-                <a:buFont typeface="Arial" panose="020B0604020202020204" pitchFamily="34" charset="0"/>
-                <a:buChar char="•"/>
-              </a:pPr>
               <a:endParaRPr sz="1100" dirty="0">
                 <a:solidFill>
                   <a:srgbClr val="3F3F3F"/>
-                </a:solidFill>
-                <a:latin typeface="Source Sans Pro"/>
-                <a:ea typeface="Source Sans Pro"/>
-                <a:cs typeface="Source Sans Pro"/>
-                <a:sym typeface="Source Sans Pro"/>
-              </a:endParaRPr>
-            </a:p>
-          </p:txBody>
-        </p:sp>
-        <p:sp>
-          <p:nvSpPr>
-            <p:cNvPr id="596" name="Shape 596"/>
-            <p:cNvSpPr txBox="1"/>
-            <p:nvPr/>
-          </p:nvSpPr>
-          <p:spPr>
-            <a:xfrm>
-              <a:off x="375331" y="3094847"/>
-              <a:ext cx="2133000" cy="303900"/>
-            </a:xfrm>
-            <a:prstGeom prst="rect">
-              <a:avLst/>
-            </a:prstGeom>
-            <a:noFill/>
-            <a:ln>
-              <a:noFill/>
-            </a:ln>
-          </p:spPr>
-          <p:txBody>
-            <a:bodyPr spcFirstLastPara="1" wrap="square" lIns="91425" tIns="45700" rIns="91425" bIns="45700" anchor="t" anchorCtr="0">
-              <a:noAutofit/>
-            </a:bodyPr>
-            <a:lstStyle/>
-            <a:p>
-              <a:pPr algn="r"/>
-              <a:r>
-                <a:rPr lang="fr-FR" sz="1800" dirty="0">
-                  <a:solidFill>
-                    <a:srgbClr val="3468BC"/>
-                  </a:solidFill>
-                  <a:latin typeface="Source Sans Pro"/>
-                  <a:ea typeface="Source Sans Pro"/>
-                  <a:cs typeface="Source Sans Pro"/>
-                  <a:sym typeface="Source Sans Pro"/>
-                </a:rPr>
-                <a:t>SQLite et Room</a:t>
-              </a:r>
-              <a:endParaRPr sz="1800" dirty="0">
-                <a:solidFill>
-                  <a:srgbClr val="3468BC"/>
                 </a:solidFill>
                 <a:latin typeface="Source Sans Pro"/>
                 <a:ea typeface="Source Sans Pro"/>
@@ -22106,7 +21923,7 @@
           </p:nvSpPr>
           <p:spPr>
             <a:xfrm>
-              <a:off x="386163" y="3094847"/>
+              <a:off x="375330" y="3629485"/>
               <a:ext cx="2133000" cy="303900"/>
             </a:xfrm>
             <a:prstGeom prst="rect">
@@ -25313,7 +25130,7 @@
             </a:pPr>
             <a:r>
               <a:rPr lang="fr-FR" sz="2400" dirty="0"/>
-              <a:t>Concevoir une application Android permettant une gestion optimale du temps de l’étudiant.</a:t>
+              <a:t>Concevoir une application Android permettant la gestion optimale du temps de l’étudiant.</a:t>
             </a:r>
             <a:endParaRPr lang="fr-FR" sz="2400" b="1" dirty="0"/>
           </a:p>
@@ -25362,7 +25179,7 @@
             </a:r>
             <a:r>
               <a:rPr lang="fr-FR" sz="2400" dirty="0"/>
-              <a:t>La nécessité d’une gestion de temps chez les étudiants .  </a:t>
+              <a:t>La nécessité de la gestion de temps chez les étudiants .  </a:t>
             </a:r>
           </a:p>
         </p:txBody>
@@ -25676,23 +25493,7 @@
             </a:r>
             <a:r>
               <a:rPr lang="en-US" sz="2400" dirty="0"/>
-              <a:t> </a:t>
-            </a:r>
-            <a:r>
-              <a:rPr lang="en-US" sz="2400" dirty="0" err="1"/>
-              <a:t>nécessaires</a:t>
-            </a:r>
-            <a:r>
-              <a:rPr lang="en-US" sz="2400" dirty="0"/>
-              <a:t>  grâce au </a:t>
-            </a:r>
-            <a:r>
-              <a:rPr lang="en-US" sz="2400" dirty="0" err="1"/>
-              <a:t>langage</a:t>
-            </a:r>
-            <a:r>
-              <a:rPr lang="en-US" sz="2400" dirty="0"/>
-              <a:t> UML .</a:t>
+              <a:t> nécessaires  grâce au langage UML .</a:t>
             </a:r>
           </a:p>
         </p:txBody>
@@ -29228,7 +29029,7 @@
             </a:pPr>
             <a:r>
               <a:rPr lang="fr-FR" sz="2400" dirty="0"/>
-              <a:t>L’incapacité de gérer des événements qui s’étendent sur  plus d’une journée. </a:t>
+              <a:t>L’incapacité à gérer des événements qui s’étendent sur  plus d’une journée. </a:t>
             </a:r>
             <a:endParaRPr sz="2400" dirty="0"/>
           </a:p>
@@ -30380,7 +30181,7 @@
         </p:nvSpPr>
         <p:spPr>
           <a:xfrm>
-            <a:off x="1275150" y="1991850"/>
+            <a:off x="1275150" y="903950"/>
             <a:ext cx="6593700" cy="1159800"/>
           </a:xfrm>
           <a:prstGeom prst="rect">
@@ -30622,8 +30423,8 @@
         </p:nvSpPr>
         <p:spPr>
           <a:xfrm>
-            <a:off x="158496" y="1109473"/>
-            <a:ext cx="8778240" cy="3121152"/>
+            <a:off x="158495" y="1109473"/>
+            <a:ext cx="8872615" cy="3121152"/>
           </a:xfrm>
           <a:prstGeom prst="rect">
             <a:avLst/>
@@ -30643,7 +30444,7 @@
           <a:p>
             <a:r>
               <a:rPr lang="fr-FR" sz="2300" dirty="0"/>
-              <a:t>L’étudiant est l’une des classes sociales touchées par ce problème .</a:t>
+              <a:t>L’étudiant est l’une des classes sociales les plus touchées par ce problème .</a:t>
             </a:r>
           </a:p>
           <a:p>
@@ -30655,7 +30456,7 @@
           <a:p>
             <a:r>
               <a:rPr lang="fr-FR" sz="2400" dirty="0"/>
-              <a:t>Ils sont utilisés par 56% de la population  mondiale , essentiellement par les étudiants .</a:t>
+              <a:t>Ils sont utilisés par 56% de la population  mondiale, essentiellement par les étudiants .</a:t>
             </a:r>
           </a:p>
           <a:p>

--- a/présentation licence 3.pptx
+++ b/présentation licence 3.pptx
@@ -43,14 +43,14 @@
       <p:boldItalic r:id="rId29"/>
     </p:embeddedFont>
     <p:embeddedFont>
-      <p:font typeface="Oswald" panose="00000500000000000000" pitchFamily="2" charset="0"/>
+      <p:font typeface="Calibri" panose="020F0502020204030204" pitchFamily="34" charset="0"/>
       <p:regular r:id="rId30"/>
       <p:bold r:id="rId31"/>
       <p:italic r:id="rId32"/>
       <p:boldItalic r:id="rId33"/>
     </p:embeddedFont>
     <p:embeddedFont>
-      <p:font typeface="Calibri" panose="020F0502020204030204" pitchFamily="34" charset="0"/>
+      <p:font typeface="Oswald" panose="02000303000000000000" pitchFamily="2" charset="0"/>
       <p:regular r:id="rId34"/>
       <p:bold r:id="rId35"/>
       <p:italic r:id="rId36"/>
@@ -1444,7 +1444,7 @@
             </a:r>
             <a:r>
               <a:rPr lang="fr-FR" dirty="0"/>
-              <a:t> à ajouter un attribut clé étrangère dans la relation dérivée de l’entité ayant la cardinalité minimale à 0.</a:t>
+              <a:t> à ajouter un attribut clé étrangère dans la relation dérivée de l’entité ayant la cardinalité minimale à 0. Evénement </a:t>
             </a:r>
             <a:endParaRPr dirty="0"/>
           </a:p>
@@ -19032,7 +19032,7 @@
                 </a:solidFill>
                 <a:latin typeface="Oswald"/>
               </a:rPr>
-              <a:t>Réalisé par </a:t>
+              <a:t>Réalisé par: </a:t>
             </a:r>
           </a:p>
           <a:p>
@@ -19288,13 +19288,6 @@
   <p:transition>
     <p:fade thruBlk="1"/>
   </p:transition>
-  <p:timing>
-    <p:tnLst>
-      <p:par>
-        <p:cTn id="1" dur="indefinite" restart="never" nodeType="tmRoot"/>
-      </p:par>
-    </p:tnLst>
-  </p:timing>
 </p:sld>
 </file>
 
@@ -19435,13 +19428,6 @@
   <p:clrMapOvr>
     <a:masterClrMapping/>
   </p:clrMapOvr>
-  <p:timing>
-    <p:tnLst>
-      <p:par>
-        <p:cTn id="1" dur="indefinite" restart="never" nodeType="tmRoot"/>
-      </p:par>
-    </p:tnLst>
-  </p:timing>
 </p:sld>
 </file>
 
@@ -19614,13 +19600,6 @@
   <p:clrMapOvr>
     <a:masterClrMapping/>
   </p:clrMapOvr>
-  <p:timing>
-    <p:tnLst>
-      <p:par>
-        <p:cTn id="1" dur="indefinite" restart="never" nodeType="tmRoot"/>
-      </p:par>
-    </p:tnLst>
-  </p:timing>
 </p:sld>
 </file>
 
@@ -19676,7 +19655,7 @@
                   <a:srgbClr val="00CEF6"/>
                 </a:solidFill>
               </a:rPr>
-              <a:t>5.1.Diagramme d’interaction &lt; Ajout événement&gt;</a:t>
+              <a:t>5.1. Diagramme d’interaction &lt; Ajout événement &gt;</a:t>
             </a:r>
             <a:endParaRPr lang="fr-FR" sz="2400" b="1" dirty="0">
               <a:solidFill>
@@ -19760,13 +19739,6 @@
   <p:clrMapOvr>
     <a:masterClrMapping/>
   </p:clrMapOvr>
-  <p:timing>
-    <p:tnLst>
-      <p:par>
-        <p:cTn id="1" dur="indefinite" restart="never" nodeType="tmRoot"/>
-      </p:par>
-    </p:tnLst>
-  </p:timing>
 </p:sld>
 </file>
 
@@ -19822,7 +19794,7 @@
                   <a:srgbClr val="00CEF6"/>
                 </a:solidFill>
               </a:rPr>
-              <a:t>5.2.Diagramme d’interaction &lt;suppression d’un calendrier&gt;</a:t>
+              <a:t>5.2. Diagramme d’interaction &lt; Suppression d’un calendrier &gt;</a:t>
             </a:r>
             <a:endParaRPr lang="fr-FR" sz="2400" b="1" dirty="0">
               <a:solidFill>
@@ -19906,13 +19878,6 @@
   <p:clrMapOvr>
     <a:masterClrMapping/>
   </p:clrMapOvr>
-  <p:timing>
-    <p:tnLst>
-      <p:par>
-        <p:cTn id="1" dur="indefinite" restart="never" nodeType="tmRoot"/>
-      </p:par>
-    </p:tnLst>
-  </p:timing>
 </p:sld>
 </file>
 
@@ -20016,10 +19981,10 @@
           <a:p>
             <a:r>
               <a:rPr lang="fr-FR" sz="2600" dirty="0"/>
-              <a:t>Evénement (</a:t>
+              <a:t>Événement (</a:t>
             </a:r>
             <a:r>
-              <a:rPr lang="fr-FR" sz="2600" b="1" u="sng" dirty="0">
+              <a:rPr lang="fr-FR" sz="2600" b="1" u="sng" dirty="0" err="1">
                 <a:solidFill>
                   <a:srgbClr val="3C78D8"/>
                 </a:solidFill>
@@ -20070,7 +20035,15 @@
                   <a:srgbClr val="BDF32E"/>
                 </a:solidFill>
               </a:rPr>
-              <a:t>#id_événement</a:t>
+              <a:t>#</a:t>
+            </a:r>
+            <a:r>
+              <a:rPr lang="fr-FR" sz="2600" b="1" i="1" dirty="0" err="1">
+                <a:solidFill>
+                  <a:srgbClr val="BDF32E"/>
+                </a:solidFill>
+              </a:rPr>
+              <a:t>id_événement</a:t>
             </a:r>
             <a:r>
               <a:rPr lang="fr-FR" sz="2600" dirty="0"/>
@@ -20139,13 +20112,6 @@
   <p:clrMapOvr>
     <a:masterClrMapping/>
   </p:clrMapOvr>
-  <p:timing>
-    <p:tnLst>
-      <p:par>
-        <p:cTn id="1" dur="indefinite" restart="never" nodeType="tmRoot"/>
-      </p:par>
-    </p:tnLst>
-  </p:timing>
 </p:sld>
 </file>
 
@@ -20287,13 +20253,6 @@
   <p:clrMapOvr>
     <a:masterClrMapping/>
   </p:clrMapOvr>
-  <p:timing>
-    <p:tnLst>
-      <p:par>
-        <p:cTn id="1" dur="indefinite" restart="never" nodeType="tmRoot"/>
-      </p:par>
-    </p:tnLst>
-  </p:timing>
 </p:sld>
 </file>
 
@@ -21439,15 +21398,6 @@
               </a:rPr>
               <a:t>XML</a:t>
             </a:r>
-            <a:endParaRPr dirty="0">
-              <a:solidFill>
-                <a:srgbClr val="FFFFFF"/>
-              </a:solidFill>
-              <a:latin typeface="Source Sans Pro"/>
-              <a:ea typeface="Source Sans Pro"/>
-              <a:cs typeface="Source Sans Pro"/>
-              <a:sym typeface="Source Sans Pro"/>
-            </a:endParaRPr>
           </a:p>
         </p:txBody>
       </p:sp>
@@ -21552,9 +21502,9 @@
         <p:grpSpPr>
           <a:xfrm>
             <a:off x="6216058" y="1098434"/>
-            <a:ext cx="1952706" cy="655221"/>
-            <a:chOff x="8539600" y="1476652"/>
-            <a:chExt cx="2839472" cy="952771"/>
+            <a:ext cx="1952705" cy="655221"/>
+            <a:chOff x="8539601" y="1476652"/>
+            <a:chExt cx="2839471" cy="952771"/>
           </a:xfrm>
         </p:grpSpPr>
         <p:sp>
@@ -21586,54 +21536,6 @@
                 <a:buFont typeface="Arial" panose="020B0604020202020204" pitchFamily="34" charset="0"/>
                 <a:buChar char="•"/>
               </a:pPr>
-              <a:r>
-                <a:rPr lang="fr-FR" sz="1100" u="sng" dirty="0">
-                  <a:solidFill>
-                    <a:srgbClr val="3F3F3F"/>
-                  </a:solidFill>
-                  <a:latin typeface="Source Sans Pro"/>
-                  <a:ea typeface="Source Sans Pro"/>
-                  <a:cs typeface="Source Sans Pro"/>
-                  <a:sym typeface="Source Sans Pro"/>
-                </a:rPr>
-                <a:t>Java</a:t>
-              </a:r>
-              <a:r>
-                <a:rPr lang="fr-FR" sz="1100" dirty="0">
-                  <a:solidFill>
-                    <a:srgbClr val="3F3F3F"/>
-                  </a:solidFill>
-                  <a:latin typeface="Source Sans Pro"/>
-                  <a:ea typeface="Source Sans Pro"/>
-                  <a:cs typeface="Source Sans Pro"/>
-                  <a:sym typeface="Source Sans Pro"/>
-                </a:rPr>
-                <a:t>: langage orienté objet, puissant et portable.</a:t>
-              </a:r>
-              <a:endParaRPr sz="1100" dirty="0">
-                <a:latin typeface="Source Sans Pro"/>
-                <a:ea typeface="Source Sans Pro"/>
-                <a:cs typeface="Source Sans Pro"/>
-                <a:sym typeface="Source Sans Pro"/>
-              </a:endParaRPr>
-            </a:p>
-            <a:p>
-              <a:pPr marL="171450" indent="-171450">
-                <a:buFont typeface="Arial" panose="020B0604020202020204" pitchFamily="34" charset="0"/>
-                <a:buChar char="•"/>
-              </a:pPr>
-              <a:r>
-                <a:rPr lang="fr-FR" sz="1100" dirty="0">
-                  <a:solidFill>
-                    <a:srgbClr val="3F3F3F"/>
-                  </a:solidFill>
-                  <a:latin typeface="Source Sans Pro"/>
-                  <a:ea typeface="Source Sans Pro"/>
-                  <a:cs typeface="Source Sans Pro"/>
-                  <a:sym typeface="Source Sans Pro"/>
-                </a:rPr>
-                <a:t>XML est un métalangage de balisages permettant de décrire des interfaces graphiques et des fichiers de configuration.</a:t>
-              </a:r>
               <a:endParaRPr sz="1100" dirty="0">
                 <a:solidFill>
                   <a:srgbClr val="3F3F3F"/>
@@ -21654,8 +21556,8 @@
           </p:nvSpPr>
           <p:spPr>
             <a:xfrm>
-              <a:off x="8539600" y="1476652"/>
-              <a:ext cx="2810100" cy="400201"/>
+              <a:off x="8539601" y="1476652"/>
+              <a:ext cx="2810101" cy="400200"/>
             </a:xfrm>
             <a:prstGeom prst="rect">
               <a:avLst/>
@@ -21739,30 +21641,6 @@
                 <a:buFont typeface="Arial" panose="020B0604020202020204" pitchFamily="34" charset="0"/>
                 <a:buChar char="•"/>
               </a:pPr>
-              <a:r>
-                <a:rPr lang="fr-FR" sz="1100" dirty="0" err="1">
-                  <a:solidFill>
-                    <a:srgbClr val="3F3F3F"/>
-                  </a:solidFill>
-                  <a:latin typeface="Source Sans Pro"/>
-                  <a:ea typeface="Source Sans Pro"/>
-                  <a:cs typeface="Source Sans Pro"/>
-                  <a:sym typeface="Source Sans Pro"/>
-                </a:rPr>
-                <a:t>ColorPicker</a:t>
-              </a:r>
-              <a:r>
-                <a:rPr lang="fr-FR" sz="1100" dirty="0">
-                  <a:solidFill>
-                    <a:srgbClr val="3F3F3F"/>
-                  </a:solidFill>
-                  <a:latin typeface="Source Sans Pro"/>
-                  <a:ea typeface="Source Sans Pro"/>
-                  <a:cs typeface="Source Sans Pro"/>
-                  <a:sym typeface="Source Sans Pro"/>
-                </a:rPr>
-                <a:t> est une librairie qui </a:t>
-              </a:r>
               <a:endParaRPr sz="1100" dirty="0">
                 <a:solidFill>
                   <a:srgbClr val="3F3F3F"/>
@@ -21913,19 +21791,7 @@
             <a:lstStyle/>
             <a:p>
               <a:pPr algn="r"/>
-              <a:r>
-                <a:rPr lang="fr-FR" sz="1100" dirty="0">
-                  <a:solidFill>
-                    <a:srgbClr val="3F3F3F"/>
-                  </a:solidFill>
-                  <a:latin typeface="Source Sans Pro"/>
-                  <a:ea typeface="Source Sans Pro"/>
-                  <a:cs typeface="Source Sans Pro"/>
-                  <a:sym typeface="Source Sans Pro"/>
-                </a:rPr>
-                <a:t>Est un environnement de développement pour développer des applications Android natives</a:t>
-              </a:r>
-              <a:endParaRPr sz="1100" dirty="0">
+              <a:endParaRPr sz="1800" dirty="0">
                 <a:solidFill>
                   <a:srgbClr val="3F3F3F"/>
                 </a:solidFill>
@@ -21996,10 +21862,10 @@
         </p:nvGrpSpPr>
         <p:grpSpPr>
           <a:xfrm>
-            <a:off x="760705" y="2916590"/>
-            <a:ext cx="1986101" cy="759714"/>
-            <a:chOff x="375331" y="3094847"/>
-            <a:chExt cx="2192163" cy="838538"/>
+            <a:off x="760704" y="3274317"/>
+            <a:ext cx="1986102" cy="401991"/>
+            <a:chOff x="375330" y="3489686"/>
+            <a:chExt cx="2192164" cy="443699"/>
           </a:xfrm>
         </p:grpSpPr>
         <p:sp>
@@ -22031,107 +21897,9 @@
                 <a:buFont typeface="Arial" panose="020B0604020202020204" pitchFamily="34" charset="0"/>
                 <a:buChar char="•"/>
               </a:pPr>
-              <a:r>
-                <a:rPr lang="fr-FR" sz="1100" dirty="0">
-                  <a:solidFill>
-                    <a:srgbClr val="3F3F3F"/>
-                  </a:solidFill>
-                  <a:latin typeface="Source Sans Pro"/>
-                  <a:ea typeface="Source Sans Pro"/>
-                  <a:cs typeface="Source Sans Pro"/>
-                  <a:sym typeface="Source Sans Pro"/>
-                </a:rPr>
-                <a:t>SQLite est un SGBD local qui offre un moteur de base de données relationnelles</a:t>
-              </a:r>
-              <a:r>
-                <a:rPr lang="en" sz="1100" dirty="0">
-                  <a:solidFill>
-                    <a:srgbClr val="3F3F3F"/>
-                  </a:solidFill>
-                  <a:latin typeface="Source Sans Pro"/>
-                  <a:ea typeface="Source Sans Pro"/>
-                  <a:cs typeface="Source Sans Pro"/>
-                  <a:sym typeface="Source Sans Pro"/>
-                </a:rPr>
-                <a:t>.</a:t>
-              </a:r>
-            </a:p>
-            <a:p>
-              <a:pPr marL="171450" indent="-171450" algn="r">
-                <a:buFont typeface="Arial" panose="020B0604020202020204" pitchFamily="34" charset="0"/>
-                <a:buChar char="•"/>
-              </a:pPr>
-              <a:r>
-                <a:rPr lang="en" sz="1100" dirty="0">
-                  <a:solidFill>
-                    <a:srgbClr val="3F3F3F"/>
-                  </a:solidFill>
-                  <a:latin typeface="Source Sans Pro"/>
-                  <a:ea typeface="Source Sans Pro"/>
-                  <a:cs typeface="Source Sans Pro"/>
-                  <a:sym typeface="Source Sans Pro"/>
-                </a:rPr>
-                <a:t>Room est une librairie de base de données, elle est une couche d’abstraction à SQLite.</a:t>
-              </a:r>
-            </a:p>
-            <a:p>
-              <a:pPr marL="171450" indent="-171450" algn="r">
-                <a:buFont typeface="Arial" panose="020B0604020202020204" pitchFamily="34" charset="0"/>
-                <a:buChar char="•"/>
-              </a:pPr>
               <a:endParaRPr sz="1100" dirty="0">
                 <a:solidFill>
                   <a:srgbClr val="3F3F3F"/>
-                </a:solidFill>
-                <a:latin typeface="Source Sans Pro"/>
-                <a:ea typeface="Source Sans Pro"/>
-                <a:cs typeface="Source Sans Pro"/>
-                <a:sym typeface="Source Sans Pro"/>
-              </a:endParaRPr>
-            </a:p>
-          </p:txBody>
-        </p:sp>
-        <p:sp>
-          <p:nvSpPr>
-            <p:cNvPr id="596" name="Shape 596"/>
-            <p:cNvSpPr txBox="1"/>
-            <p:nvPr/>
-          </p:nvSpPr>
-          <p:spPr>
-            <a:xfrm>
-              <a:off x="375331" y="3094847"/>
-              <a:ext cx="2133000" cy="303900"/>
-            </a:xfrm>
-            <a:prstGeom prst="rect">
-              <a:avLst/>
-            </a:prstGeom>
-            <a:noFill/>
-            <a:ln>
-              <a:noFill/>
-            </a:ln>
-          </p:spPr>
-          <p:txBody>
-            <a:bodyPr spcFirstLastPara="1" wrap="square" lIns="91425" tIns="45700" rIns="91425" bIns="45700" anchor="t" anchorCtr="0">
-              <a:noAutofit/>
-            </a:bodyPr>
-            <a:lstStyle/>
-            <a:p>
-              <a:pPr algn="r"/>
-              <a:r>
-                <a:rPr lang="fr-FR" sz="1800" dirty="0">
-                  <a:solidFill>
-                    <a:srgbClr val="3468BC"/>
-                  </a:solidFill>
-                  <a:latin typeface="Source Sans Pro"/>
-                  <a:ea typeface="Source Sans Pro"/>
-                  <a:cs typeface="Source Sans Pro"/>
-                  <a:sym typeface="Source Sans Pro"/>
-                </a:rPr>
-                <a:t>SQLite et Room</a:t>
-              </a:r>
-              <a:endParaRPr sz="1800" dirty="0">
-                <a:solidFill>
-                  <a:srgbClr val="3468BC"/>
                 </a:solidFill>
                 <a:latin typeface="Source Sans Pro"/>
                 <a:ea typeface="Source Sans Pro"/>
@@ -22155,7 +21923,7 @@
           </p:nvSpPr>
           <p:spPr>
             <a:xfrm>
-              <a:off x="386163" y="3094847"/>
+              <a:off x="375330" y="3629485"/>
               <a:ext cx="2133000" cy="303900"/>
             </a:xfrm>
             <a:prstGeom prst="rect">
@@ -22306,13 +22074,6 @@
   <p:clrMapOvr>
     <a:masterClrMapping/>
   </p:clrMapOvr>
-  <p:timing>
-    <p:tnLst>
-      <p:par>
-        <p:cTn id="1" dur="indefinite" restart="never" nodeType="tmRoot"/>
-      </p:par>
-    </p:tnLst>
-  </p:timing>
 </p:sld>
 </file>
 
@@ -23195,13 +22956,6 @@
   <p:clrMapOvr>
     <a:masterClrMapping/>
   </p:clrMapOvr>
-  <p:timing>
-    <p:tnLst>
-      <p:par>
-        <p:cTn id="1" dur="indefinite" restart="never" nodeType="tmRoot"/>
-      </p:par>
-    </p:tnLst>
-  </p:timing>
 </p:sld>
 </file>
 
@@ -24077,13 +23831,6 @@
   <p:clrMapOvr>
     <a:masterClrMapping/>
   </p:clrMapOvr>
-  <p:timing>
-    <p:tnLst>
-      <p:par>
-        <p:cTn id="1" dur="indefinite" restart="never" nodeType="tmRoot"/>
-      </p:par>
-    </p:tnLst>
-  </p:timing>
 </p:sld>
 </file>
 
@@ -24962,13 +24709,6 @@
   <p:clrMapOvr>
     <a:masterClrMapping/>
   </p:clrMapOvr>
-  <p:timing>
-    <p:tnLst>
-      <p:par>
-        <p:cTn id="1" dur="indefinite" restart="never" nodeType="tmRoot"/>
-      </p:par>
-    </p:tnLst>
-  </p:timing>
 </p:sld>
 </file>
 
@@ -25152,13 +24892,6 @@
   <p:clrMapOvr>
     <a:masterClrMapping/>
   </p:clrMapOvr>
-  <p:timing>
-    <p:tnLst>
-      <p:par>
-        <p:cTn id="1" dur="indefinite" restart="never" nodeType="tmRoot"/>
-      </p:par>
-    </p:tnLst>
-  </p:timing>
 </p:sld>
 </file>
 
@@ -25397,7 +25130,7 @@
             </a:pPr>
             <a:r>
               <a:rPr lang="fr-FR" sz="2400" dirty="0"/>
-              <a:t>Concevoir une application Android permettant une gestion optimale du temps de l’étudiant.</a:t>
+              <a:t>Concevoir une application Android permettant la gestion optimale du temps de l’étudiant.</a:t>
             </a:r>
             <a:endParaRPr lang="fr-FR" sz="2400" b="1" dirty="0"/>
           </a:p>
@@ -25446,7 +25179,7 @@
             </a:r>
             <a:r>
               <a:rPr lang="fr-FR" sz="2400" dirty="0"/>
-              <a:t>La nécessité d’une gestion de temps chez les étudiants .  </a:t>
+              <a:t>La nécessité de la gestion de temps chez les étudiants .  </a:t>
             </a:r>
           </a:p>
         </p:txBody>
@@ -25760,23 +25493,7 @@
             </a:r>
             <a:r>
               <a:rPr lang="en-US" sz="2400" dirty="0"/>
-              <a:t> </a:t>
-            </a:r>
-            <a:r>
-              <a:rPr lang="en-US" sz="2400" dirty="0" err="1"/>
-              <a:t>nécessaires</a:t>
-            </a:r>
-            <a:r>
-              <a:rPr lang="en-US" sz="2400" dirty="0"/>
-              <a:t>  grâce au </a:t>
-            </a:r>
-            <a:r>
-              <a:rPr lang="en-US" sz="2400" dirty="0" err="1"/>
-              <a:t>langage</a:t>
-            </a:r>
-            <a:r>
-              <a:rPr lang="en-US" sz="2400" dirty="0"/>
-              <a:t> UML .</a:t>
+              <a:t> nécessaires  grâce au langage UML .</a:t>
             </a:r>
           </a:p>
         </p:txBody>
@@ -29312,7 +29029,7 @@
             </a:pPr>
             <a:r>
               <a:rPr lang="fr-FR" sz="2400" dirty="0"/>
-              <a:t>L’incapacité de gérer des événements qui s’étendent sur  plus d’une journée. </a:t>
+              <a:t>L’incapacité à gérer des événements qui s’étendent sur  plus d’une journée. </a:t>
             </a:r>
             <a:endParaRPr sz="2400" dirty="0"/>
           </a:p>
@@ -30464,7 +30181,7 @@
         </p:nvSpPr>
         <p:spPr>
           <a:xfrm>
-            <a:off x="1275150" y="1991850"/>
+            <a:off x="1275150" y="903950"/>
             <a:ext cx="6593700" cy="1159800"/>
           </a:xfrm>
           <a:prstGeom prst="rect">
@@ -30477,10 +30194,6 @@
           </a:bodyPr>
           <a:lstStyle/>
           <a:p>
-            <a:r>
-              <a:rPr lang="en" sz="10000" dirty="0"/>
-              <a:t/>
-            </a:r>
             <a:br>
               <a:rPr lang="en" sz="10000" dirty="0"/>
             </a:br>
@@ -30640,13 +30353,6 @@
   <p:clrMapOvr>
     <a:masterClrMapping/>
   </p:clrMapOvr>
-  <p:timing>
-    <p:tnLst>
-      <p:par>
-        <p:cTn id="1" dur="indefinite" restart="never" nodeType="tmRoot"/>
-      </p:par>
-    </p:tnLst>
-  </p:timing>
 </p:sld>
 </file>
 
@@ -30717,8 +30423,8 @@
         </p:nvSpPr>
         <p:spPr>
           <a:xfrm>
-            <a:off x="158496" y="1109473"/>
-            <a:ext cx="8778240" cy="3121152"/>
+            <a:off x="158495" y="1109473"/>
+            <a:ext cx="8872615" cy="3121152"/>
           </a:xfrm>
           <a:prstGeom prst="rect">
             <a:avLst/>
@@ -30738,7 +30444,7 @@
           <a:p>
             <a:r>
               <a:rPr lang="fr-FR" sz="2300" dirty="0"/>
-              <a:t>L’étudiant est l’une des classes sociales touchées par ce problème .</a:t>
+              <a:t>L’étudiant est l’une des classes sociales les plus touchées par ce problème .</a:t>
             </a:r>
           </a:p>
           <a:p>
@@ -30750,7 +30456,7 @@
           <a:p>
             <a:r>
               <a:rPr lang="fr-FR" sz="2400" dirty="0"/>
-              <a:t>Ils sont utilisés par 56% de la population  mondiale , essentiellement par les étudiants .</a:t>
+              <a:t>Ils sont utilisés par 56% de la population  mondiale, essentiellement par les étudiants .</a:t>
             </a:r>
           </a:p>
           <a:p>
@@ -30815,13 +30521,6 @@
   <p:clrMapOvr>
     <a:masterClrMapping/>
   </p:clrMapOvr>
-  <p:timing>
-    <p:tnLst>
-      <p:par>
-        <p:cTn id="1" dur="indefinite" restart="never" nodeType="tmRoot"/>
-      </p:par>
-    </p:tnLst>
-  </p:timing>
 </p:sld>
 </file>
 
@@ -30929,13 +30628,6 @@
   <p:clrMapOvr>
     <a:masterClrMapping/>
   </p:clrMapOvr>
-  <p:timing>
-    <p:tnLst>
-      <p:par>
-        <p:cTn id="1" dur="indefinite" restart="never" nodeType="tmRoot"/>
-      </p:par>
-    </p:tnLst>
-  </p:timing>
 </p:sld>
 </file>
 
@@ -31098,13 +30790,6 @@
   <p:clrMapOvr>
     <a:masterClrMapping/>
   </p:clrMapOvr>
-  <p:timing>
-    <p:tnLst>
-      <p:par>
-        <p:cTn id="1" dur="indefinite" restart="never" nodeType="tmRoot"/>
-      </p:par>
-    </p:tnLst>
-  </p:timing>
 </p:sld>
 </file>
 
@@ -31239,13 +30924,6 @@
   <p:clrMapOvr>
     <a:masterClrMapping/>
   </p:clrMapOvr>
-  <p:timing>
-    <p:tnLst>
-      <p:par>
-        <p:cTn id="1" dur="indefinite" restart="never" nodeType="tmRoot"/>
-      </p:par>
-    </p:tnLst>
-  </p:timing>
 </p:sld>
 </file>
 
@@ -31380,13 +31058,6 @@
   <p:clrMapOvr>
     <a:masterClrMapping/>
   </p:clrMapOvr>
-  <p:timing>
-    <p:tnLst>
-      <p:par>
-        <p:cTn id="1" dur="indefinite" restart="never" nodeType="tmRoot"/>
-      </p:par>
-    </p:tnLst>
-  </p:timing>
 </p:sld>
 </file>
 
@@ -31526,13 +31197,6 @@
   <p:clrMapOvr>
     <a:masterClrMapping/>
   </p:clrMapOvr>
-  <p:timing>
-    <p:tnLst>
-      <p:par>
-        <p:cTn id="1" dur="indefinite" restart="never" nodeType="tmRoot"/>
-      </p:par>
-    </p:tnLst>
-  </p:timing>
 </p:sld>
 </file>
 

--- a/présentation licence 3.pptx
+++ b/présentation licence 3.pptx
@@ -5,7 +5,7 @@
     <p:sldMasterId id="2147483659" r:id="rId1"/>
   </p:sldMasterIdLst>
   <p:notesMasterIdLst>
-    <p:notesMasterId r:id="rId25"/>
+    <p:notesMasterId r:id="rId26"/>
   </p:notesMasterIdLst>
   <p:sldIdLst>
     <p:sldId id="256" r:id="rId2"/>
@@ -24,42 +24,43 @@
     <p:sldId id="299" r:id="rId15"/>
     <p:sldId id="300" r:id="rId16"/>
     <p:sldId id="302" r:id="rId17"/>
-    <p:sldId id="304" r:id="rId18"/>
-    <p:sldId id="305" r:id="rId19"/>
-    <p:sldId id="307" r:id="rId20"/>
-    <p:sldId id="308" r:id="rId21"/>
-    <p:sldId id="310" r:id="rId22"/>
-    <p:sldId id="309" r:id="rId23"/>
-    <p:sldId id="280" r:id="rId24"/>
+    <p:sldId id="311" r:id="rId18"/>
+    <p:sldId id="304" r:id="rId19"/>
+    <p:sldId id="305" r:id="rId20"/>
+    <p:sldId id="307" r:id="rId21"/>
+    <p:sldId id="308" r:id="rId22"/>
+    <p:sldId id="310" r:id="rId23"/>
+    <p:sldId id="309" r:id="rId24"/>
+    <p:sldId id="280" r:id="rId25"/>
   </p:sldIdLst>
   <p:sldSz cx="9144000" cy="5143500" type="screen16x9"/>
   <p:notesSz cx="6858000" cy="9144000"/>
   <p:embeddedFontLst>
     <p:embeddedFont>
       <p:font typeface="Source Sans Pro" panose="020B0604020202020204" charset="0"/>
-      <p:regular r:id="rId26"/>
-      <p:bold r:id="rId27"/>
-      <p:italic r:id="rId28"/>
-      <p:boldItalic r:id="rId29"/>
+      <p:regular r:id="rId27"/>
+      <p:bold r:id="rId28"/>
+      <p:italic r:id="rId29"/>
+      <p:boldItalic r:id="rId30"/>
+    </p:embeddedFont>
+    <p:embeddedFont>
+      <p:font typeface="Oswald" panose="02000303000000000000" pitchFamily="2" charset="0"/>
+      <p:regular r:id="rId31"/>
+      <p:bold r:id="rId32"/>
+      <p:italic r:id="rId33"/>
+      <p:boldItalic r:id="rId34"/>
     </p:embeddedFont>
     <p:embeddedFont>
       <p:font typeface="Calibri" panose="020F0502020204030204" pitchFamily="34" charset="0"/>
-      <p:regular r:id="rId30"/>
-      <p:bold r:id="rId31"/>
-      <p:italic r:id="rId32"/>
-      <p:boldItalic r:id="rId33"/>
-    </p:embeddedFont>
-    <p:embeddedFont>
-      <p:font typeface="Oswald" panose="02000303000000000000" pitchFamily="2" charset="0"/>
-      <p:regular r:id="rId34"/>
-      <p:bold r:id="rId35"/>
-      <p:italic r:id="rId36"/>
-      <p:boldItalic r:id="rId37"/>
+      <p:regular r:id="rId35"/>
+      <p:bold r:id="rId36"/>
+      <p:italic r:id="rId37"/>
+      <p:boldItalic r:id="rId38"/>
     </p:embeddedFont>
     <p:embeddedFont>
       <p:font typeface="Tahoma" panose="020B0604030504040204" pitchFamily="34" charset="0"/>
-      <p:regular r:id="rId38"/>
-      <p:bold r:id="rId39"/>
+      <p:regular r:id="rId39"/>
+      <p:bold r:id="rId40"/>
     </p:embeddedFont>
   </p:embeddedFontLst>
   <p:defaultTextStyle>
@@ -1049,15 +1050,15 @@
             </a:pPr>
             <a:r>
               <a:rPr lang="fr-FR" dirty="0"/>
-              <a:t>Les diagrammes d’interaction permettent de modéliser comment les objets communiquent entre eux. Par soucis de </a:t>
+              <a:t>Les diagrammes d’interaction permettent de modéliser comment les objets communiquent entre eux. Par soucis </a:t>
             </a:r>
             <a:r>
-              <a:rPr lang="fr-FR" dirty="0" err="1"/>
-              <a:t>briéveté</a:t>
+              <a:rPr lang="fr-FR"/>
+              <a:t>de brièveté, </a:t>
             </a:r>
             <a:r>
               <a:rPr lang="fr-FR" dirty="0"/>
-              <a:t>, nous avons sélectionné 2 diagrammes seulement</a:t>
+              <a:t>nous avons sélectionné 2 diagrammes seulement</a:t>
             </a:r>
             <a:endParaRPr dirty="0"/>
           </a:p>
@@ -1686,7 +1687,7 @@
   <p:cSld>
     <p:spTree>
       <p:nvGrpSpPr>
-        <p:cNvPr id="1" name="Shape 700"/>
+        <p:cNvPr id="1" name="Shape 480"/>
         <p:cNvGrpSpPr/>
         <p:nvPr/>
       </p:nvGrpSpPr>
@@ -1700,7 +1701,7 @@
       </p:grpSpPr>
       <p:sp>
         <p:nvSpPr>
-          <p:cNvPr id="701" name="Shape 701"/>
+          <p:cNvPr id="481" name="Shape 481"/>
           <p:cNvSpPr>
             <a:spLocks noGrp="1" noRot="1" noChangeAspect="1"/>
           </p:cNvSpPr>
@@ -1741,7 +1742,7 @@
       </p:sp>
       <p:sp>
         <p:nvSpPr>
-          <p:cNvPr id="702" name="Shape 702"/>
+          <p:cNvPr id="482" name="Shape 482"/>
           <p:cNvSpPr txBox="1">
             <a:spLocks noGrp="1"/>
           </p:cNvSpPr>
@@ -1773,6 +1774,18 @@
               </a:spcAft>
               <a:buNone/>
             </a:pPr>
+            <a:r>
+              <a:rPr lang="fr-FR" dirty="0"/>
+              <a:t>Les diagrammes d’interaction permettent de modéliser comment les objets communiquent entre eux. Par soucis </a:t>
+            </a:r>
+            <a:r>
+              <a:rPr lang="fr-FR"/>
+              <a:t>de brièveté, </a:t>
+            </a:r>
+            <a:r>
+              <a:rPr lang="fr-FR" dirty="0"/>
+              <a:t>nous avons sélectionné 2 diagrammes seulement</a:t>
+            </a:r>
             <a:endParaRPr dirty="0"/>
           </a:p>
         </p:txBody>
@@ -1780,7 +1793,7 @@
     </p:spTree>
     <p:extLst>
       <p:ext uri="{BB962C8B-B14F-4D97-AF65-F5344CB8AC3E}">
-        <p14:creationId xmlns:p14="http://schemas.microsoft.com/office/powerpoint/2010/main" val="2285576339"/>
+        <p14:creationId xmlns:p14="http://schemas.microsoft.com/office/powerpoint/2010/main" val="405637440"/>
       </p:ext>
     </p:extLst>
   </p:cSld>
@@ -1889,7 +1902,7 @@
     </p:spTree>
     <p:extLst>
       <p:ext uri="{BB962C8B-B14F-4D97-AF65-F5344CB8AC3E}">
-        <p14:creationId xmlns:p14="http://schemas.microsoft.com/office/powerpoint/2010/main" val="2394372313"/>
+        <p14:creationId xmlns:p14="http://schemas.microsoft.com/office/powerpoint/2010/main" val="2285576339"/>
       </p:ext>
     </p:extLst>
   </p:cSld>
@@ -1998,7 +2011,7 @@
     </p:spTree>
     <p:extLst>
       <p:ext uri="{BB962C8B-B14F-4D97-AF65-F5344CB8AC3E}">
-        <p14:creationId xmlns:p14="http://schemas.microsoft.com/office/powerpoint/2010/main" val="2391522610"/>
+        <p14:creationId xmlns:p14="http://schemas.microsoft.com/office/powerpoint/2010/main" val="2394372313"/>
       </p:ext>
     </p:extLst>
   </p:cSld>
@@ -2122,6 +2135,115 @@
   <p:cSld>
     <p:spTree>
       <p:nvGrpSpPr>
+        <p:cNvPr id="1" name="Shape 700"/>
+        <p:cNvGrpSpPr/>
+        <p:nvPr/>
+      </p:nvGrpSpPr>
+      <p:grpSpPr>
+        <a:xfrm>
+          <a:off x="0" y="0"/>
+          <a:ext cx="0" cy="0"/>
+          <a:chOff x="0" y="0"/>
+          <a:chExt cx="0" cy="0"/>
+        </a:xfrm>
+      </p:grpSpPr>
+      <p:sp>
+        <p:nvSpPr>
+          <p:cNvPr id="701" name="Shape 701"/>
+          <p:cNvSpPr>
+            <a:spLocks noGrp="1" noRot="1" noChangeAspect="1"/>
+          </p:cNvSpPr>
+          <p:nvPr>
+            <p:ph type="sldImg" idx="2"/>
+          </p:nvPr>
+        </p:nvSpPr>
+        <p:spPr>
+          <a:xfrm>
+            <a:off x="381000" y="685800"/>
+            <a:ext cx="6096000" cy="3429000"/>
+          </a:xfrm>
+          <a:custGeom>
+            <a:avLst/>
+            <a:gdLst/>
+            <a:ahLst/>
+            <a:cxnLst/>
+            <a:rect l="0" t="0" r="0" b="0"/>
+            <a:pathLst>
+              <a:path w="120000" h="120000" extrusionOk="0">
+                <a:moveTo>
+                  <a:pt x="0" y="0"/>
+                </a:moveTo>
+                <a:lnTo>
+                  <a:pt x="120000" y="0"/>
+                </a:lnTo>
+                <a:lnTo>
+                  <a:pt x="120000" y="120000"/>
+                </a:lnTo>
+                <a:lnTo>
+                  <a:pt x="0" y="120000"/>
+                </a:lnTo>
+                <a:close/>
+              </a:path>
+            </a:pathLst>
+          </a:custGeom>
+        </p:spPr>
+      </p:sp>
+      <p:sp>
+        <p:nvSpPr>
+          <p:cNvPr id="702" name="Shape 702"/>
+          <p:cNvSpPr txBox="1">
+            <a:spLocks noGrp="1"/>
+          </p:cNvSpPr>
+          <p:nvPr>
+            <p:ph type="body" idx="1"/>
+          </p:nvPr>
+        </p:nvSpPr>
+        <p:spPr>
+          <a:xfrm>
+            <a:off x="685800" y="4343400"/>
+            <a:ext cx="5486400" cy="4114800"/>
+          </a:xfrm>
+          <a:prstGeom prst="rect">
+            <a:avLst/>
+          </a:prstGeom>
+        </p:spPr>
+        <p:txBody>
+          <a:bodyPr spcFirstLastPara="1" wrap="square" lIns="91425" tIns="91425" rIns="91425" bIns="91425" anchor="t" anchorCtr="0">
+            <a:noAutofit/>
+          </a:bodyPr>
+          <a:lstStyle/>
+          <a:p>
+            <a:pPr marL="0" lvl="0" indent="0">
+              <a:spcBef>
+                <a:spcPts val="0"/>
+              </a:spcBef>
+              <a:spcAft>
+                <a:spcPts val="0"/>
+              </a:spcAft>
+              <a:buNone/>
+            </a:pPr>
+            <a:endParaRPr dirty="0"/>
+          </a:p>
+        </p:txBody>
+      </p:sp>
+    </p:spTree>
+    <p:extLst>
+      <p:ext uri="{BB962C8B-B14F-4D97-AF65-F5344CB8AC3E}">
+        <p14:creationId xmlns:p14="http://schemas.microsoft.com/office/powerpoint/2010/main" val="2391522610"/>
+      </p:ext>
+    </p:extLst>
+  </p:cSld>
+  <p:clrMapOvr>
+    <a:masterClrMapping/>
+  </p:clrMapOvr>
+</p:notes>
+</file>
+
+<file path=ppt/notesSlides/notesSlide21.xml><?xml version="1.0" encoding="utf-8"?>
+<p:notes xmlns:a="http://schemas.openxmlformats.org/drawingml/2006/main" xmlns:r="http://schemas.openxmlformats.org/officeDocument/2006/relationships" xmlns:p="http://schemas.openxmlformats.org/presentationml/2006/main" showMasterSp="0" showMasterPhAnim="0">
+  <p:cSld>
+    <p:spTree>
+      <p:nvGrpSpPr>
         <p:cNvPr id="1" name="Shape 468"/>
         <p:cNvGrpSpPr/>
         <p:nvPr/>
@@ -2217,115 +2339,6 @@
     <p:extLst>
       <p:ext uri="{BB962C8B-B14F-4D97-AF65-F5344CB8AC3E}">
         <p14:creationId xmlns:p14="http://schemas.microsoft.com/office/powerpoint/2010/main" val="3016166113"/>
-      </p:ext>
-    </p:extLst>
-  </p:cSld>
-  <p:clrMapOvr>
-    <a:masterClrMapping/>
-  </p:clrMapOvr>
-</p:notes>
-</file>
-
-<file path=ppt/notesSlides/notesSlide21.xml><?xml version="1.0" encoding="utf-8"?>
-<p:notes xmlns:a="http://schemas.openxmlformats.org/drawingml/2006/main" xmlns:r="http://schemas.openxmlformats.org/officeDocument/2006/relationships" xmlns:p="http://schemas.openxmlformats.org/presentationml/2006/main" showMasterSp="0" showMasterPhAnim="0">
-  <p:cSld>
-    <p:spTree>
-      <p:nvGrpSpPr>
-        <p:cNvPr id="1" name="Shape 662"/>
-        <p:cNvGrpSpPr/>
-        <p:nvPr/>
-      </p:nvGrpSpPr>
-      <p:grpSpPr>
-        <a:xfrm>
-          <a:off x="0" y="0"/>
-          <a:ext cx="0" cy="0"/>
-          <a:chOff x="0" y="0"/>
-          <a:chExt cx="0" cy="0"/>
-        </a:xfrm>
-      </p:grpSpPr>
-      <p:sp>
-        <p:nvSpPr>
-          <p:cNvPr id="663" name="Shape 663"/>
-          <p:cNvSpPr>
-            <a:spLocks noGrp="1" noRot="1" noChangeAspect="1"/>
-          </p:cNvSpPr>
-          <p:nvPr>
-            <p:ph type="sldImg" idx="2"/>
-          </p:nvPr>
-        </p:nvSpPr>
-        <p:spPr>
-          <a:xfrm>
-            <a:off x="381000" y="685800"/>
-            <a:ext cx="6096000" cy="3429000"/>
-          </a:xfrm>
-          <a:custGeom>
-            <a:avLst/>
-            <a:gdLst/>
-            <a:ahLst/>
-            <a:cxnLst/>
-            <a:rect l="0" t="0" r="0" b="0"/>
-            <a:pathLst>
-              <a:path w="120000" h="120000" extrusionOk="0">
-                <a:moveTo>
-                  <a:pt x="0" y="0"/>
-                </a:moveTo>
-                <a:lnTo>
-                  <a:pt x="120000" y="0"/>
-                </a:lnTo>
-                <a:lnTo>
-                  <a:pt x="120000" y="120000"/>
-                </a:lnTo>
-                <a:lnTo>
-                  <a:pt x="0" y="120000"/>
-                </a:lnTo>
-                <a:close/>
-              </a:path>
-            </a:pathLst>
-          </a:custGeom>
-        </p:spPr>
-      </p:sp>
-      <p:sp>
-        <p:nvSpPr>
-          <p:cNvPr id="664" name="Shape 664"/>
-          <p:cNvSpPr txBox="1">
-            <a:spLocks noGrp="1"/>
-          </p:cNvSpPr>
-          <p:nvPr>
-            <p:ph type="body" idx="1"/>
-          </p:nvPr>
-        </p:nvSpPr>
-        <p:spPr>
-          <a:xfrm>
-            <a:off x="685800" y="4343400"/>
-            <a:ext cx="5486400" cy="4114800"/>
-          </a:xfrm>
-          <a:prstGeom prst="rect">
-            <a:avLst/>
-          </a:prstGeom>
-        </p:spPr>
-        <p:txBody>
-          <a:bodyPr spcFirstLastPara="1" wrap="square" lIns="91425" tIns="91425" rIns="91425" bIns="91425" anchor="t" anchorCtr="0">
-            <a:noAutofit/>
-          </a:bodyPr>
-          <a:lstStyle/>
-          <a:p>
-            <a:pPr marL="0" lvl="0" indent="0">
-              <a:spcBef>
-                <a:spcPts val="0"/>
-              </a:spcBef>
-              <a:spcAft>
-                <a:spcPts val="0"/>
-              </a:spcAft>
-              <a:buNone/>
-            </a:pPr>
-            <a:endParaRPr dirty="0"/>
-          </a:p>
-        </p:txBody>
-      </p:sp>
-    </p:spTree>
-    <p:extLst>
-      <p:ext uri="{BB962C8B-B14F-4D97-AF65-F5344CB8AC3E}">
-        <p14:creationId xmlns:p14="http://schemas.microsoft.com/office/powerpoint/2010/main" val="3379740260"/>
       </p:ext>
     </p:extLst>
   </p:cSld>
@@ -2434,6 +2447,115 @@
     </p:spTree>
     <p:extLst>
       <p:ext uri="{BB962C8B-B14F-4D97-AF65-F5344CB8AC3E}">
+        <p14:creationId xmlns:p14="http://schemas.microsoft.com/office/powerpoint/2010/main" val="3379740260"/>
+      </p:ext>
+    </p:extLst>
+  </p:cSld>
+  <p:clrMapOvr>
+    <a:masterClrMapping/>
+  </p:clrMapOvr>
+</p:notes>
+</file>
+
+<file path=ppt/notesSlides/notesSlide23.xml><?xml version="1.0" encoding="utf-8"?>
+<p:notes xmlns:a="http://schemas.openxmlformats.org/drawingml/2006/main" xmlns:r="http://schemas.openxmlformats.org/officeDocument/2006/relationships" xmlns:p="http://schemas.openxmlformats.org/presentationml/2006/main" showMasterSp="0" showMasterPhAnim="0">
+  <p:cSld>
+    <p:spTree>
+      <p:nvGrpSpPr>
+        <p:cNvPr id="1" name="Shape 662"/>
+        <p:cNvGrpSpPr/>
+        <p:nvPr/>
+      </p:nvGrpSpPr>
+      <p:grpSpPr>
+        <a:xfrm>
+          <a:off x="0" y="0"/>
+          <a:ext cx="0" cy="0"/>
+          <a:chOff x="0" y="0"/>
+          <a:chExt cx="0" cy="0"/>
+        </a:xfrm>
+      </p:grpSpPr>
+      <p:sp>
+        <p:nvSpPr>
+          <p:cNvPr id="663" name="Shape 663"/>
+          <p:cNvSpPr>
+            <a:spLocks noGrp="1" noRot="1" noChangeAspect="1"/>
+          </p:cNvSpPr>
+          <p:nvPr>
+            <p:ph type="sldImg" idx="2"/>
+          </p:nvPr>
+        </p:nvSpPr>
+        <p:spPr>
+          <a:xfrm>
+            <a:off x="381000" y="685800"/>
+            <a:ext cx="6096000" cy="3429000"/>
+          </a:xfrm>
+          <a:custGeom>
+            <a:avLst/>
+            <a:gdLst/>
+            <a:ahLst/>
+            <a:cxnLst/>
+            <a:rect l="0" t="0" r="0" b="0"/>
+            <a:pathLst>
+              <a:path w="120000" h="120000" extrusionOk="0">
+                <a:moveTo>
+                  <a:pt x="0" y="0"/>
+                </a:moveTo>
+                <a:lnTo>
+                  <a:pt x="120000" y="0"/>
+                </a:lnTo>
+                <a:lnTo>
+                  <a:pt x="120000" y="120000"/>
+                </a:lnTo>
+                <a:lnTo>
+                  <a:pt x="0" y="120000"/>
+                </a:lnTo>
+                <a:close/>
+              </a:path>
+            </a:pathLst>
+          </a:custGeom>
+        </p:spPr>
+      </p:sp>
+      <p:sp>
+        <p:nvSpPr>
+          <p:cNvPr id="664" name="Shape 664"/>
+          <p:cNvSpPr txBox="1">
+            <a:spLocks noGrp="1"/>
+          </p:cNvSpPr>
+          <p:nvPr>
+            <p:ph type="body" idx="1"/>
+          </p:nvPr>
+        </p:nvSpPr>
+        <p:spPr>
+          <a:xfrm>
+            <a:off x="685800" y="4343400"/>
+            <a:ext cx="5486400" cy="4114800"/>
+          </a:xfrm>
+          <a:prstGeom prst="rect">
+            <a:avLst/>
+          </a:prstGeom>
+        </p:spPr>
+        <p:txBody>
+          <a:bodyPr spcFirstLastPara="1" wrap="square" lIns="91425" tIns="91425" rIns="91425" bIns="91425" anchor="t" anchorCtr="0">
+            <a:noAutofit/>
+          </a:bodyPr>
+          <a:lstStyle/>
+          <a:p>
+            <a:pPr marL="0" lvl="0" indent="0">
+              <a:spcBef>
+                <a:spcPts val="0"/>
+              </a:spcBef>
+              <a:spcAft>
+                <a:spcPts val="0"/>
+              </a:spcAft>
+              <a:buNone/>
+            </a:pPr>
+            <a:endParaRPr dirty="0"/>
+          </a:p>
+        </p:txBody>
+      </p:sp>
+    </p:spTree>
+    <p:extLst>
+      <p:ext uri="{BB962C8B-B14F-4D97-AF65-F5344CB8AC3E}">
         <p14:creationId xmlns:p14="http://schemas.microsoft.com/office/powerpoint/2010/main" val="3072534047"/>
       </p:ext>
     </p:extLst>
@@ -2444,7 +2566,7 @@
 </p:notes>
 </file>
 
-<file path=ppt/notesSlides/notesSlide23.xml><?xml version="1.0" encoding="utf-8"?>
+<file path=ppt/notesSlides/notesSlide24.xml><?xml version="1.0" encoding="utf-8"?>
 <p:notes xmlns:a="http://schemas.openxmlformats.org/drawingml/2006/main" xmlns:r="http://schemas.openxmlformats.org/officeDocument/2006/relationships" xmlns:p="http://schemas.openxmlformats.org/presentationml/2006/main" showMasterSp="0" showMasterPhAnim="0">
   <p:cSld>
     <p:spTree>
@@ -20340,7 +20462,7 @@
           <a:p>
             <a:r>
               <a:rPr lang="fr-FR" dirty="0"/>
-              <a:t>Représentation de l’environnement de travail </a:t>
+              <a:t>1. Représentation de l’environnement de travail </a:t>
             </a:r>
             <a:endParaRPr dirty="0"/>
           </a:p>
@@ -22082,6 +22204,190 @@
   <p:cSld>
     <p:spTree>
       <p:nvGrpSpPr>
+        <p:cNvPr id="1" name="Shape 483"/>
+        <p:cNvGrpSpPr/>
+        <p:nvPr/>
+      </p:nvGrpSpPr>
+      <p:grpSpPr>
+        <a:xfrm>
+          <a:off x="0" y="0"/>
+          <a:ext cx="0" cy="0"/>
+          <a:chOff x="0" y="0"/>
+          <a:chExt cx="0" cy="0"/>
+        </a:xfrm>
+      </p:grpSpPr>
+      <p:sp>
+        <p:nvSpPr>
+          <p:cNvPr id="484" name="Shape 484"/>
+          <p:cNvSpPr txBox="1">
+            <a:spLocks noGrp="1"/>
+          </p:cNvSpPr>
+          <p:nvPr>
+            <p:ph type="title"/>
+          </p:nvPr>
+        </p:nvSpPr>
+        <p:spPr>
+          <a:xfrm>
+            <a:off x="1075851" y="402898"/>
+            <a:ext cx="6996600" cy="715800"/>
+          </a:xfrm>
+          <a:prstGeom prst="rect">
+            <a:avLst/>
+          </a:prstGeom>
+        </p:spPr>
+        <p:txBody>
+          <a:bodyPr spcFirstLastPara="1" wrap="square" lIns="91425" tIns="91425" rIns="91425" bIns="91425" anchor="b" anchorCtr="0">
+            <a:noAutofit/>
+          </a:bodyPr>
+          <a:lstStyle/>
+          <a:p>
+            <a:pPr lvl="0"/>
+            <a:r>
+              <a:rPr lang="fr-FR" sz="4000" dirty="0"/>
+              <a:t>2. Interfaces de l’application</a:t>
+            </a:r>
+            <a:endParaRPr sz="4000" dirty="0">
+              <a:solidFill>
+                <a:srgbClr val="3C78D8"/>
+              </a:solidFill>
+            </a:endParaRPr>
+          </a:p>
+        </p:txBody>
+      </p:sp>
+      <p:sp>
+        <p:nvSpPr>
+          <p:cNvPr id="485" name="Shape 485"/>
+          <p:cNvSpPr txBox="1">
+            <a:spLocks noGrp="1"/>
+          </p:cNvSpPr>
+          <p:nvPr>
+            <p:ph type="body" idx="1"/>
+          </p:nvPr>
+        </p:nvSpPr>
+        <p:spPr>
+          <a:xfrm>
+            <a:off x="1075851" y="1319459"/>
+            <a:ext cx="6996600" cy="2401204"/>
+          </a:xfrm>
+          <a:prstGeom prst="rect">
+            <a:avLst/>
+          </a:prstGeom>
+        </p:spPr>
+        <p:txBody>
+          <a:bodyPr spcFirstLastPara="1" wrap="square" lIns="91425" tIns="91425" rIns="91425" bIns="91425" anchor="t" anchorCtr="0">
+            <a:noAutofit/>
+          </a:bodyPr>
+          <a:lstStyle/>
+          <a:p>
+            <a:pPr>
+              <a:spcBef>
+                <a:spcPts val="0"/>
+              </a:spcBef>
+            </a:pPr>
+            <a:r>
+              <a:rPr lang="fr-FR" sz="2800" dirty="0"/>
+              <a:t>Interface d’accueil.</a:t>
+            </a:r>
+          </a:p>
+          <a:p>
+            <a:pPr>
+              <a:spcBef>
+                <a:spcPts val="0"/>
+              </a:spcBef>
+            </a:pPr>
+            <a:endParaRPr lang="fr-FR" sz="2800" dirty="0"/>
+          </a:p>
+          <a:p>
+            <a:pPr>
+              <a:spcBef>
+                <a:spcPts val="0"/>
+              </a:spcBef>
+            </a:pPr>
+            <a:r>
+              <a:rPr lang="fr-FR" sz="2800" dirty="0"/>
+              <a:t>Interface calendrier.</a:t>
+            </a:r>
+          </a:p>
+          <a:p>
+            <a:pPr marL="101598" indent="0">
+              <a:spcBef>
+                <a:spcPts val="0"/>
+              </a:spcBef>
+              <a:buNone/>
+            </a:pPr>
+            <a:endParaRPr lang="fr-FR" sz="2800" dirty="0"/>
+          </a:p>
+          <a:p>
+            <a:pPr>
+              <a:spcBef>
+                <a:spcPts val="0"/>
+              </a:spcBef>
+            </a:pPr>
+            <a:r>
+              <a:rPr lang="fr-FR" sz="2800" dirty="0"/>
+              <a:t>Interface ajout d’un événement.</a:t>
+            </a:r>
+            <a:endParaRPr sz="2800" dirty="0"/>
+          </a:p>
+          <a:p>
+            <a:pPr marL="0" indent="0">
+              <a:buNone/>
+            </a:pPr>
+            <a:endParaRPr dirty="0"/>
+          </a:p>
+        </p:txBody>
+      </p:sp>
+      <p:sp>
+        <p:nvSpPr>
+          <p:cNvPr id="7" name="ZoneTexte 6"/>
+          <p:cNvSpPr txBox="1"/>
+          <p:nvPr/>
+        </p:nvSpPr>
+        <p:spPr>
+          <a:xfrm>
+            <a:off x="8229601" y="4533900"/>
+            <a:ext cx="444500" cy="707886"/>
+          </a:xfrm>
+          <a:prstGeom prst="rect">
+            <a:avLst/>
+          </a:prstGeom>
+          <a:noFill/>
+        </p:spPr>
+        <p:txBody>
+          <a:bodyPr wrap="square" rtlCol="0">
+            <a:spAutoFit/>
+          </a:bodyPr>
+          <a:lstStyle/>
+          <a:p>
+            <a:r>
+              <a:rPr lang="fr-FR" sz="4000" dirty="0">
+                <a:solidFill>
+                  <a:srgbClr val="3C78D8"/>
+                </a:solidFill>
+              </a:rPr>
+              <a:t>8</a:t>
+            </a:r>
+          </a:p>
+        </p:txBody>
+      </p:sp>
+    </p:spTree>
+    <p:extLst>
+      <p:ext uri="{BB962C8B-B14F-4D97-AF65-F5344CB8AC3E}">
+        <p14:creationId xmlns:p14="http://schemas.microsoft.com/office/powerpoint/2010/main" val="4037761126"/>
+      </p:ext>
+    </p:extLst>
+  </p:cSld>
+  <p:clrMapOvr>
+    <a:masterClrMapping/>
+  </p:clrMapOvr>
+</p:sld>
+</file>
+
+<file path=ppt/slides/slide18.xml><?xml version="1.0" encoding="utf-8"?>
+<p:sld xmlns:a="http://schemas.openxmlformats.org/drawingml/2006/main" xmlns:r="http://schemas.openxmlformats.org/officeDocument/2006/relationships" xmlns:p="http://schemas.openxmlformats.org/presentationml/2006/main">
+  <p:cSld>
+    <p:spTree>
+      <p:nvGrpSpPr>
         <p:cNvPr id="1" name="Shape 703"/>
         <p:cNvGrpSpPr/>
         <p:nvPr/>
@@ -22781,8 +23087,8 @@
         </p:nvSpPr>
         <p:spPr>
           <a:xfrm>
-            <a:off x="457200" y="2152275"/>
-            <a:ext cx="3575400" cy="2501400"/>
+            <a:off x="457199" y="2152275"/>
+            <a:ext cx="3742267" cy="2501400"/>
           </a:xfrm>
           <a:prstGeom prst="rect">
             <a:avLst/>
@@ -22807,7 +23113,31 @@
                 <a:cs typeface="Oswald"/>
                 <a:sym typeface="Oswald"/>
               </a:rPr>
-              <a:t>INTERFACE D’ACCUEIL (3 jours)</a:t>
+              <a:t>INTERFACE </a:t>
+            </a:r>
+            <a:r>
+              <a:rPr lang="fr-FR" b="1" dirty="0">
+                <a:solidFill>
+                  <a:srgbClr val="FFFFFF"/>
+                </a:solidFill>
+                <a:latin typeface="Oswald"/>
+                <a:ea typeface="Oswald"/>
+                <a:cs typeface="Oswald"/>
+                <a:sym typeface="Oswald"/>
+              </a:rPr>
+              <a:t>D’ACCUEIL </a:t>
+            </a:r>
+            <a:r>
+              <a:rPr lang="en" b="1" dirty="0">
+                <a:solidFill>
+                  <a:srgbClr val="FFFFFF"/>
+                </a:solidFill>
+                <a:latin typeface="Oswald"/>
+                <a:ea typeface="Oswald"/>
+                <a:cs typeface="Oswald"/>
+                <a:sym typeface="Oswald"/>
+              </a:rPr>
+              <a:t>(3 jours)</a:t>
             </a:r>
             <a:endParaRPr b="1" dirty="0">
               <a:solidFill>
@@ -22959,7 +23289,7 @@
 </p:sld>
 </file>
 
-<file path=ppt/slides/slide18.xml><?xml version="1.0" encoding="utf-8"?>
+<file path=ppt/slides/slide19.xml><?xml version="1.0" encoding="utf-8"?>
 <p:sld xmlns:a="http://schemas.openxmlformats.org/drawingml/2006/main" xmlns:r="http://schemas.openxmlformats.org/officeDocument/2006/relationships" xmlns:p="http://schemas.openxmlformats.org/presentationml/2006/main">
   <p:cSld>
     <p:spTree>
@@ -23834,7 +24164,190 @@
 </p:sld>
 </file>
 
-<file path=ppt/slides/slide19.xml><?xml version="1.0" encoding="utf-8"?>
+<file path=ppt/slides/slide2.xml><?xml version="1.0" encoding="utf-8"?>
+<p:sld xmlns:a="http://schemas.openxmlformats.org/drawingml/2006/main" xmlns:r="http://schemas.openxmlformats.org/officeDocument/2006/relationships" xmlns:p="http://schemas.openxmlformats.org/presentationml/2006/main">
+  <p:cSld>
+    <p:spTree>
+      <p:nvGrpSpPr>
+        <p:cNvPr id="1" name="Shape 483"/>
+        <p:cNvGrpSpPr/>
+        <p:nvPr/>
+      </p:nvGrpSpPr>
+      <p:grpSpPr>
+        <a:xfrm>
+          <a:off x="0" y="0"/>
+          <a:ext cx="0" cy="0"/>
+          <a:chOff x="0" y="0"/>
+          <a:chExt cx="0" cy="0"/>
+        </a:xfrm>
+      </p:grpSpPr>
+      <p:sp>
+        <p:nvSpPr>
+          <p:cNvPr id="484" name="Shape 484"/>
+          <p:cNvSpPr txBox="1">
+            <a:spLocks noGrp="1"/>
+          </p:cNvSpPr>
+          <p:nvPr>
+            <p:ph type="title"/>
+          </p:nvPr>
+        </p:nvSpPr>
+        <p:spPr>
+          <a:xfrm>
+            <a:off x="1075851" y="402898"/>
+            <a:ext cx="6996600" cy="715800"/>
+          </a:xfrm>
+          <a:prstGeom prst="rect">
+            <a:avLst/>
+          </a:prstGeom>
+        </p:spPr>
+        <p:txBody>
+          <a:bodyPr spcFirstLastPara="1" wrap="square" lIns="91425" tIns="91425" rIns="91425" bIns="91425" anchor="b" anchorCtr="0">
+            <a:noAutofit/>
+          </a:bodyPr>
+          <a:lstStyle/>
+          <a:p>
+            <a:pPr lvl="0"/>
+            <a:r>
+              <a:rPr lang="fr-FR" sz="4000" dirty="0">
+                <a:cs typeface="Times New Roman" pitchFamily="18" charset="0"/>
+              </a:rPr>
+              <a:t>Plan de la présentation</a:t>
+            </a:r>
+            <a:endParaRPr sz="4000" dirty="0"/>
+          </a:p>
+        </p:txBody>
+      </p:sp>
+      <p:sp>
+        <p:nvSpPr>
+          <p:cNvPr id="485" name="Shape 485"/>
+          <p:cNvSpPr txBox="1">
+            <a:spLocks noGrp="1"/>
+          </p:cNvSpPr>
+          <p:nvPr>
+            <p:ph type="body" idx="1"/>
+          </p:nvPr>
+        </p:nvSpPr>
+        <p:spPr>
+          <a:xfrm>
+            <a:off x="1075851" y="1319459"/>
+            <a:ext cx="6996600" cy="2401204"/>
+          </a:xfrm>
+          <a:prstGeom prst="rect">
+            <a:avLst/>
+          </a:prstGeom>
+        </p:spPr>
+        <p:txBody>
+          <a:bodyPr spcFirstLastPara="1" wrap="square" lIns="91425" tIns="91425" rIns="91425" bIns="91425" anchor="t" anchorCtr="0">
+            <a:noAutofit/>
+          </a:bodyPr>
+          <a:lstStyle/>
+          <a:p>
+            <a:pPr>
+              <a:spcBef>
+                <a:spcPts val="0"/>
+              </a:spcBef>
+            </a:pPr>
+            <a:r>
+              <a:rPr lang="fr-FR" sz="2800" dirty="0"/>
+              <a:t>Introduction</a:t>
+            </a:r>
+          </a:p>
+          <a:p>
+            <a:pPr>
+              <a:spcBef>
+                <a:spcPts val="0"/>
+              </a:spcBef>
+            </a:pPr>
+            <a:r>
+              <a:rPr lang="fr-FR" sz="2800" dirty="0"/>
+              <a:t>Spécification des besoins et conception</a:t>
+            </a:r>
+          </a:p>
+          <a:p>
+            <a:pPr>
+              <a:spcBef>
+                <a:spcPts val="0"/>
+              </a:spcBef>
+            </a:pPr>
+            <a:r>
+              <a:rPr lang="fr-FR" sz="2800" dirty="0"/>
+              <a:t>Implémentation</a:t>
+            </a:r>
+          </a:p>
+          <a:p>
+            <a:pPr>
+              <a:spcBef>
+                <a:spcPts val="0"/>
+              </a:spcBef>
+            </a:pPr>
+            <a:r>
+              <a:rPr lang="fr-FR" sz="2800" dirty="0"/>
+              <a:t>Conclusion générale et perspectives</a:t>
+            </a:r>
+          </a:p>
+          <a:p>
+            <a:pPr>
+              <a:spcBef>
+                <a:spcPts val="0"/>
+              </a:spcBef>
+            </a:pPr>
+            <a:endParaRPr dirty="0"/>
+          </a:p>
+          <a:p>
+            <a:pPr marL="0" indent="0">
+              <a:buNone/>
+            </a:pPr>
+            <a:endParaRPr dirty="0"/>
+          </a:p>
+        </p:txBody>
+      </p:sp>
+      <p:sp>
+        <p:nvSpPr>
+          <p:cNvPr id="9" name="ZoneTexte 8"/>
+          <p:cNvSpPr txBox="1"/>
+          <p:nvPr/>
+        </p:nvSpPr>
+        <p:spPr>
+          <a:xfrm>
+            <a:off x="8229601" y="4533900"/>
+            <a:ext cx="444500" cy="707886"/>
+          </a:xfrm>
+          <a:prstGeom prst="rect">
+            <a:avLst/>
+          </a:prstGeom>
+          <a:noFill/>
+        </p:spPr>
+        <p:txBody>
+          <a:bodyPr wrap="square" rtlCol="0">
+            <a:spAutoFit/>
+          </a:bodyPr>
+          <a:lstStyle/>
+          <a:p>
+            <a:r>
+              <a:rPr lang="fr-FR" sz="4000" dirty="0">
+                <a:solidFill>
+                  <a:srgbClr val="3C78D8"/>
+                </a:solidFill>
+              </a:rPr>
+              <a:t>1</a:t>
+            </a:r>
+          </a:p>
+        </p:txBody>
+      </p:sp>
+    </p:spTree>
+    <p:extLst>
+      <p:ext uri="{BB962C8B-B14F-4D97-AF65-F5344CB8AC3E}">
+        <p14:creationId xmlns:p14="http://schemas.microsoft.com/office/powerpoint/2010/main" val="3440994664"/>
+      </p:ext>
+    </p:extLst>
+  </p:cSld>
+  <p:clrMapOvr>
+    <a:masterClrMapping/>
+  </p:clrMapOvr>
+</p:sld>
+</file>
+
+<file path=ppt/slides/slide20.xml><?xml version="1.0" encoding="utf-8"?>
 <p:sld xmlns:a="http://schemas.openxmlformats.org/drawingml/2006/main" xmlns:r="http://schemas.openxmlformats.org/officeDocument/2006/relationships" xmlns:p="http://schemas.openxmlformats.org/presentationml/2006/main">
   <p:cSld>
     <p:spTree>
@@ -24538,7 +25051,7 @@
         </p:nvSpPr>
         <p:spPr>
           <a:xfrm>
-            <a:off x="457200" y="2152275"/>
+            <a:off x="444499" y="2032500"/>
             <a:ext cx="3575400" cy="2501400"/>
           </a:xfrm>
           <a:prstGeom prst="rect">
@@ -24712,190 +25225,7 @@
 </p:sld>
 </file>
 
-<file path=ppt/slides/slide2.xml><?xml version="1.0" encoding="utf-8"?>
-<p:sld xmlns:a="http://schemas.openxmlformats.org/drawingml/2006/main" xmlns:r="http://schemas.openxmlformats.org/officeDocument/2006/relationships" xmlns:p="http://schemas.openxmlformats.org/presentationml/2006/main">
-  <p:cSld>
-    <p:spTree>
-      <p:nvGrpSpPr>
-        <p:cNvPr id="1" name="Shape 483"/>
-        <p:cNvGrpSpPr/>
-        <p:nvPr/>
-      </p:nvGrpSpPr>
-      <p:grpSpPr>
-        <a:xfrm>
-          <a:off x="0" y="0"/>
-          <a:ext cx="0" cy="0"/>
-          <a:chOff x="0" y="0"/>
-          <a:chExt cx="0" cy="0"/>
-        </a:xfrm>
-      </p:grpSpPr>
-      <p:sp>
-        <p:nvSpPr>
-          <p:cNvPr id="484" name="Shape 484"/>
-          <p:cNvSpPr txBox="1">
-            <a:spLocks noGrp="1"/>
-          </p:cNvSpPr>
-          <p:nvPr>
-            <p:ph type="title"/>
-          </p:nvPr>
-        </p:nvSpPr>
-        <p:spPr>
-          <a:xfrm>
-            <a:off x="1075851" y="402898"/>
-            <a:ext cx="6996600" cy="715800"/>
-          </a:xfrm>
-          <a:prstGeom prst="rect">
-            <a:avLst/>
-          </a:prstGeom>
-        </p:spPr>
-        <p:txBody>
-          <a:bodyPr spcFirstLastPara="1" wrap="square" lIns="91425" tIns="91425" rIns="91425" bIns="91425" anchor="b" anchorCtr="0">
-            <a:noAutofit/>
-          </a:bodyPr>
-          <a:lstStyle/>
-          <a:p>
-            <a:pPr lvl="0"/>
-            <a:r>
-              <a:rPr lang="fr-FR" sz="4000" dirty="0">
-                <a:cs typeface="Times New Roman" pitchFamily="18" charset="0"/>
-              </a:rPr>
-              <a:t>Plan de la présentation</a:t>
-            </a:r>
-            <a:endParaRPr sz="4000" dirty="0"/>
-          </a:p>
-        </p:txBody>
-      </p:sp>
-      <p:sp>
-        <p:nvSpPr>
-          <p:cNvPr id="485" name="Shape 485"/>
-          <p:cNvSpPr txBox="1">
-            <a:spLocks noGrp="1"/>
-          </p:cNvSpPr>
-          <p:nvPr>
-            <p:ph type="body" idx="1"/>
-          </p:nvPr>
-        </p:nvSpPr>
-        <p:spPr>
-          <a:xfrm>
-            <a:off x="1075851" y="1319459"/>
-            <a:ext cx="6996600" cy="2401204"/>
-          </a:xfrm>
-          <a:prstGeom prst="rect">
-            <a:avLst/>
-          </a:prstGeom>
-        </p:spPr>
-        <p:txBody>
-          <a:bodyPr spcFirstLastPara="1" wrap="square" lIns="91425" tIns="91425" rIns="91425" bIns="91425" anchor="t" anchorCtr="0">
-            <a:noAutofit/>
-          </a:bodyPr>
-          <a:lstStyle/>
-          <a:p>
-            <a:pPr>
-              <a:spcBef>
-                <a:spcPts val="0"/>
-              </a:spcBef>
-            </a:pPr>
-            <a:r>
-              <a:rPr lang="fr-FR" sz="2800" dirty="0"/>
-              <a:t>Introduction</a:t>
-            </a:r>
-          </a:p>
-          <a:p>
-            <a:pPr>
-              <a:spcBef>
-                <a:spcPts val="0"/>
-              </a:spcBef>
-            </a:pPr>
-            <a:r>
-              <a:rPr lang="fr-FR" sz="2800" dirty="0"/>
-              <a:t>Spécification des besoins et conception</a:t>
-            </a:r>
-          </a:p>
-          <a:p>
-            <a:pPr>
-              <a:spcBef>
-                <a:spcPts val="0"/>
-              </a:spcBef>
-            </a:pPr>
-            <a:r>
-              <a:rPr lang="fr-FR" sz="2800" dirty="0"/>
-              <a:t>Implémentation</a:t>
-            </a:r>
-          </a:p>
-          <a:p>
-            <a:pPr>
-              <a:spcBef>
-                <a:spcPts val="0"/>
-              </a:spcBef>
-            </a:pPr>
-            <a:r>
-              <a:rPr lang="fr-FR" sz="2800" dirty="0"/>
-              <a:t>Conclusion générale et perspectives</a:t>
-            </a:r>
-          </a:p>
-          <a:p>
-            <a:pPr>
-              <a:spcBef>
-                <a:spcPts val="0"/>
-              </a:spcBef>
-            </a:pPr>
-            <a:endParaRPr dirty="0"/>
-          </a:p>
-          <a:p>
-            <a:pPr marL="0" indent="0">
-              <a:buNone/>
-            </a:pPr>
-            <a:endParaRPr dirty="0"/>
-          </a:p>
-        </p:txBody>
-      </p:sp>
-      <p:sp>
-        <p:nvSpPr>
-          <p:cNvPr id="9" name="ZoneTexte 8"/>
-          <p:cNvSpPr txBox="1"/>
-          <p:nvPr/>
-        </p:nvSpPr>
-        <p:spPr>
-          <a:xfrm>
-            <a:off x="8229601" y="4533900"/>
-            <a:ext cx="444500" cy="707886"/>
-          </a:xfrm>
-          <a:prstGeom prst="rect">
-            <a:avLst/>
-          </a:prstGeom>
-          <a:noFill/>
-        </p:spPr>
-        <p:txBody>
-          <a:bodyPr wrap="square" rtlCol="0">
-            <a:spAutoFit/>
-          </a:bodyPr>
-          <a:lstStyle/>
-          <a:p>
-            <a:r>
-              <a:rPr lang="fr-FR" sz="4000" dirty="0">
-                <a:solidFill>
-                  <a:srgbClr val="3C78D8"/>
-                </a:solidFill>
-              </a:rPr>
-              <a:t>1</a:t>
-            </a:r>
-          </a:p>
-        </p:txBody>
-      </p:sp>
-    </p:spTree>
-    <p:extLst>
-      <p:ext uri="{BB962C8B-B14F-4D97-AF65-F5344CB8AC3E}">
-        <p14:creationId xmlns:p14="http://schemas.microsoft.com/office/powerpoint/2010/main" val="3440994664"/>
-      </p:ext>
-    </p:extLst>
-  </p:cSld>
-  <p:clrMapOvr>
-    <a:masterClrMapping/>
-  </p:clrMapOvr>
-</p:sld>
-</file>
-
-<file path=ppt/slides/slide20.xml><?xml version="1.0" encoding="utf-8"?>
+<file path=ppt/slides/slide21.xml><?xml version="1.0" encoding="utf-8"?>
 <p:sld xmlns:a="http://schemas.openxmlformats.org/drawingml/2006/main" xmlns:r="http://schemas.openxmlformats.org/officeDocument/2006/relationships" xmlns:p="http://schemas.openxmlformats.org/presentationml/2006/main">
   <p:cSld>
     <p:spTree>
@@ -24973,7 +25303,7 @@
             <a:pPr marL="0" indent="0"/>
             <a:r>
               <a:rPr lang="fr-FR" sz="2800" dirty="0"/>
-              <a:t>Synthèse ,Perspective</a:t>
+              <a:t>Synthèse, Perspective</a:t>
             </a:r>
             <a:endParaRPr sz="2800" dirty="0"/>
           </a:p>
@@ -25036,7 +25366,7 @@
 </p:sld>
 </file>
 
-<file path=ppt/slides/slide21.xml><?xml version="1.0" encoding="utf-8"?>
+<file path=ppt/slides/slide22.xml><?xml version="1.0" encoding="utf-8"?>
 <p:sld xmlns:a="http://schemas.openxmlformats.org/drawingml/2006/main" xmlns:r="http://schemas.openxmlformats.org/officeDocument/2006/relationships" xmlns:p="http://schemas.openxmlformats.org/presentationml/2006/main">
   <p:cSld>
     <p:spTree>
@@ -25179,8 +25509,13 @@
             </a:r>
             <a:r>
               <a:rPr lang="fr-FR" sz="2400" dirty="0"/>
-              <a:t>La nécessité de la gestion de temps chez les étudiants .  </a:t>
+              <a:t>La nécessité de la gestion du temps chez </a:t>
             </a:r>
+            <a:r>
+              <a:rPr lang="fr-FR" sz="2400"/>
+              <a:t>les étudiants.  </a:t>
+            </a:r>
+            <a:endParaRPr lang="fr-FR" sz="2400" dirty="0"/>
           </a:p>
         </p:txBody>
       </p:sp>
@@ -25493,7 +25828,15 @@
             </a:r>
             <a:r>
               <a:rPr lang="en-US" sz="2400" dirty="0"/>
-              <a:t> nécessaires  grâce au langage UML .</a:t>
+              <a:t> nécessaires  grâce au </a:t>
+            </a:r>
+            <a:r>
+              <a:rPr lang="en-US" sz="2400" dirty="0" err="1"/>
+              <a:t>langage</a:t>
+            </a:r>
+            <a:r>
+              <a:rPr lang="en-US" sz="2400" dirty="0"/>
+              <a:t> UML.</a:t>
             </a:r>
           </a:p>
         </p:txBody>
@@ -28868,7 +29211,7 @@
 </p:sld>
 </file>
 
-<file path=ppt/slides/slide22.xml><?xml version="1.0" encoding="utf-8"?>
+<file path=ppt/slides/slide23.xml><?xml version="1.0" encoding="utf-8"?>
 <p:sld xmlns:a="http://schemas.openxmlformats.org/drawingml/2006/main" xmlns:r="http://schemas.openxmlformats.org/officeDocument/2006/relationships" xmlns:p="http://schemas.openxmlformats.org/presentationml/2006/main">
   <p:cSld>
     <p:spTree>
@@ -30152,7 +30495,7 @@
 </p:sld>
 </file>
 
-<file path=ppt/slides/slide23.xml><?xml version="1.0" encoding="utf-8"?>
+<file path=ppt/slides/slide24.xml><?xml version="1.0" encoding="utf-8"?>
 <p:sld xmlns:a="http://schemas.openxmlformats.org/drawingml/2006/main" xmlns:r="http://schemas.openxmlformats.org/officeDocument/2006/relationships" xmlns:p="http://schemas.openxmlformats.org/presentationml/2006/main">
   <p:cSld>
     <p:spTree>

--- a/présentation licence 3.pptx
+++ b/présentation licence 3.pptx
@@ -37,30 +37,30 @@
   <p:notesSz cx="6858000" cy="9144000"/>
   <p:embeddedFontLst>
     <p:embeddedFont>
-      <p:font typeface="Source Sans Pro" panose="020B0604020202020204" charset="0"/>
+      <p:font typeface="Oswald" panose="00000500000000000000" pitchFamily="2" charset="0"/>
       <p:regular r:id="rId27"/>
       <p:bold r:id="rId28"/>
       <p:italic r:id="rId29"/>
       <p:boldItalic r:id="rId30"/>
     </p:embeddedFont>
     <p:embeddedFont>
-      <p:font typeface="Oswald" panose="02000303000000000000" pitchFamily="2" charset="0"/>
+      <p:font typeface="Calibri" panose="020F0502020204030204" pitchFamily="34" charset="0"/>
       <p:regular r:id="rId31"/>
       <p:bold r:id="rId32"/>
       <p:italic r:id="rId33"/>
       <p:boldItalic r:id="rId34"/>
     </p:embeddedFont>
     <p:embeddedFont>
-      <p:font typeface="Calibri" panose="020F0502020204030204" pitchFamily="34" charset="0"/>
+      <p:font typeface="Tahoma" panose="020B0604030504040204" pitchFamily="34" charset="0"/>
       <p:regular r:id="rId35"/>
       <p:bold r:id="rId36"/>
-      <p:italic r:id="rId37"/>
-      <p:boldItalic r:id="rId38"/>
     </p:embeddedFont>
     <p:embeddedFont>
-      <p:font typeface="Tahoma" panose="020B0604030504040204" pitchFamily="34" charset="0"/>
-      <p:regular r:id="rId39"/>
-      <p:bold r:id="rId40"/>
+      <p:font typeface="Source Sans Pro" panose="020B0604020202020204" charset="0"/>
+      <p:regular r:id="rId37"/>
+      <p:bold r:id="rId38"/>
+      <p:italic r:id="rId39"/>
+      <p:boldItalic r:id="rId40"/>
     </p:embeddedFont>
   </p:embeddedFontLst>
   <p:defaultTextStyle>
@@ -2440,6 +2440,164 @@
               </a:spcAft>
               <a:buNone/>
             </a:pPr>
+            <a:r>
+              <a:rPr lang="fr-FR" dirty="0" err="1" smtClean="0"/>
+              <a:t>Aau</a:t>
+            </a:r>
+            <a:r>
+              <a:rPr lang="fr-FR" baseline="0" dirty="0" smtClean="0"/>
+              <a:t> coure de ce projet nous </a:t>
+            </a:r>
+            <a:r>
+              <a:rPr lang="fr-FR" baseline="0" dirty="0" err="1" smtClean="0"/>
+              <a:t>avon</a:t>
+            </a:r>
+            <a:r>
+              <a:rPr lang="fr-FR" baseline="0" dirty="0" smtClean="0"/>
+              <a:t> </a:t>
+            </a:r>
+            <a:r>
+              <a:rPr lang="fr-FR" baseline="0" dirty="0" err="1" smtClean="0"/>
+              <a:t>definit</a:t>
+            </a:r>
+            <a:r>
+              <a:rPr lang="fr-FR" baseline="0" dirty="0" smtClean="0"/>
+              <a:t> une </a:t>
+            </a:r>
+            <a:r>
+              <a:rPr lang="fr-FR" baseline="0" dirty="0" err="1" smtClean="0"/>
+              <a:t>problematique</a:t>
+            </a:r>
+            <a:r>
+              <a:rPr lang="fr-FR" baseline="0" dirty="0" smtClean="0"/>
+              <a:t> qui la </a:t>
+            </a:r>
+            <a:r>
+              <a:rPr lang="fr-FR" baseline="0" dirty="0" err="1" smtClean="0"/>
+              <a:t>necessité</a:t>
+            </a:r>
+            <a:r>
+              <a:rPr lang="fr-FR" baseline="0" dirty="0" smtClean="0"/>
+              <a:t> de la gestion du temps chez l’</a:t>
+            </a:r>
+            <a:r>
+              <a:rPr lang="fr-FR" baseline="0" dirty="0" err="1" smtClean="0"/>
+              <a:t>etudiant</a:t>
+            </a:r>
+            <a:r>
+              <a:rPr lang="fr-FR" baseline="0" dirty="0" smtClean="0"/>
+              <a:t>  vue l’</a:t>
+            </a:r>
+            <a:r>
+              <a:rPr lang="fr-FR" baseline="0" dirty="0" err="1" smtClean="0"/>
+              <a:t>importence</a:t>
+            </a:r>
+            <a:r>
+              <a:rPr lang="fr-FR" baseline="0" dirty="0" smtClean="0"/>
+              <a:t> de cette </a:t>
+            </a:r>
+            <a:r>
+              <a:rPr lang="fr-FR" baseline="0" dirty="0" err="1" smtClean="0"/>
+              <a:t>resource</a:t>
+            </a:r>
+            <a:r>
+              <a:rPr lang="fr-FR" baseline="0" dirty="0" smtClean="0"/>
+              <a:t> </a:t>
+            </a:r>
+          </a:p>
+          <a:p>
+            <a:pPr marL="0" lvl="0" indent="0">
+              <a:spcBef>
+                <a:spcPts val="0"/>
+              </a:spcBef>
+              <a:spcAft>
+                <a:spcPts val="0"/>
+              </a:spcAft>
+              <a:buNone/>
+            </a:pPr>
+            <a:r>
+              <a:rPr lang="fr-FR" baseline="0" dirty="0" smtClean="0"/>
+              <a:t>Ensuit nous avons </a:t>
+            </a:r>
+            <a:r>
+              <a:rPr lang="fr-FR" baseline="0" dirty="0" err="1" smtClean="0"/>
+              <a:t>definie</a:t>
+            </a:r>
+            <a:r>
+              <a:rPr lang="fr-FR" baseline="0" dirty="0" smtClean="0"/>
+              <a:t> un objectif qui est de </a:t>
+            </a:r>
+            <a:r>
+              <a:rPr lang="fr-FR" baseline="0" dirty="0" err="1" smtClean="0"/>
+              <a:t>concevoire</a:t>
+            </a:r>
+            <a:r>
+              <a:rPr lang="fr-FR" baseline="0" dirty="0" smtClean="0"/>
+              <a:t> une solution mobile </a:t>
+            </a:r>
+            <a:r>
+              <a:rPr lang="fr-FR" baseline="0" dirty="0" err="1" smtClean="0"/>
+              <a:t>perrmetant</a:t>
+            </a:r>
+            <a:r>
+              <a:rPr lang="fr-FR" baseline="0" dirty="0" smtClean="0"/>
+              <a:t> une gestion et une </a:t>
+            </a:r>
+            <a:r>
+              <a:rPr lang="fr-FR" baseline="0" dirty="0" err="1" smtClean="0"/>
+              <a:t>representation</a:t>
+            </a:r>
+            <a:r>
+              <a:rPr lang="fr-FR" baseline="0" dirty="0" smtClean="0"/>
+              <a:t> optimale du  temps de l’</a:t>
+            </a:r>
+            <a:r>
+              <a:rPr lang="fr-FR" baseline="0" dirty="0" err="1" smtClean="0"/>
+              <a:t>etudant</a:t>
+            </a:r>
+            <a:endParaRPr lang="fr-FR" baseline="0" dirty="0" smtClean="0"/>
+          </a:p>
+          <a:p>
+            <a:pPr marL="0" lvl="0" indent="0">
+              <a:spcBef>
+                <a:spcPts val="0"/>
+              </a:spcBef>
+              <a:spcAft>
+                <a:spcPts val="0"/>
+              </a:spcAft>
+              <a:buNone/>
+            </a:pPr>
+            <a:r>
+              <a:rPr lang="fr-FR" baseline="0" dirty="0" smtClean="0"/>
+              <a:t>Grace a </a:t>
+            </a:r>
+            <a:r>
+              <a:rPr lang="fr-FR" baseline="0" dirty="0" err="1" smtClean="0"/>
+              <a:t>uml</a:t>
+            </a:r>
+            <a:r>
+              <a:rPr lang="fr-FR" baseline="0" dirty="0" smtClean="0"/>
+              <a:t> nous avons modéliser </a:t>
+            </a:r>
+            <a:r>
+              <a:rPr lang="fr-FR" baseline="0" dirty="0" err="1" smtClean="0"/>
+              <a:t>lcette</a:t>
+            </a:r>
+            <a:r>
+              <a:rPr lang="fr-FR" baseline="0" dirty="0" smtClean="0"/>
+              <a:t> solution</a:t>
+            </a:r>
+          </a:p>
+          <a:p>
+            <a:pPr marL="0" lvl="0" indent="0">
+              <a:spcBef>
+                <a:spcPts val="0"/>
+              </a:spcBef>
+              <a:spcAft>
+                <a:spcPts val="0"/>
+              </a:spcAft>
+              <a:buNone/>
+            </a:pPr>
             <a:endParaRPr dirty="0"/>
           </a:p>
         </p:txBody>
@@ -2539,6 +2697,192 @@
             <a:noAutofit/>
           </a:bodyPr>
           <a:lstStyle/>
+          <a:p>
+            <a:pPr marL="0" lvl="0" indent="0">
+              <a:spcBef>
+                <a:spcPts val="0"/>
+              </a:spcBef>
+              <a:spcAft>
+                <a:spcPts val="0"/>
+              </a:spcAft>
+              <a:buNone/>
+            </a:pPr>
+            <a:r>
+              <a:rPr lang="fr-FR" dirty="0" smtClean="0"/>
+              <a:t>Que nous avons</a:t>
+            </a:r>
+            <a:r>
+              <a:rPr lang="fr-FR" baseline="0" dirty="0" smtClean="0"/>
+              <a:t> pu </a:t>
+            </a:r>
+            <a:r>
+              <a:rPr lang="fr-FR" baseline="0" dirty="0" err="1" smtClean="0"/>
+              <a:t>implementer</a:t>
+            </a:r>
+            <a:r>
+              <a:rPr lang="fr-FR" baseline="0" dirty="0" smtClean="0"/>
+              <a:t> en utilisant les </a:t>
+            </a:r>
+            <a:r>
+              <a:rPr lang="fr-FR" baseline="0" dirty="0" err="1" smtClean="0"/>
+              <a:t>differtns</a:t>
+            </a:r>
+            <a:r>
+              <a:rPr lang="fr-FR" baseline="0" dirty="0" smtClean="0"/>
+              <a:t> outils </a:t>
+            </a:r>
+            <a:r>
+              <a:rPr lang="fr-FR" baseline="0" dirty="0" err="1" smtClean="0"/>
+              <a:t>prealablement</a:t>
+            </a:r>
+            <a:r>
+              <a:rPr lang="fr-FR" baseline="0" dirty="0" smtClean="0"/>
+              <a:t> cité </a:t>
+            </a:r>
+          </a:p>
+          <a:p>
+            <a:pPr marL="0" lvl="0" indent="0">
+              <a:spcBef>
+                <a:spcPts val="0"/>
+              </a:spcBef>
+              <a:spcAft>
+                <a:spcPts val="0"/>
+              </a:spcAft>
+              <a:buNone/>
+            </a:pPr>
+            <a:r>
+              <a:rPr lang="fr-FR" baseline="0" dirty="0" err="1" smtClean="0"/>
+              <a:t>Neaomoins</a:t>
+            </a:r>
+            <a:r>
+              <a:rPr lang="fr-FR" baseline="0" dirty="0" smtClean="0"/>
+              <a:t> la solution actuel admet des limes comme  l’incapacité de </a:t>
+            </a:r>
+            <a:r>
+              <a:rPr lang="fr-FR" baseline="0" dirty="0" err="1" smtClean="0"/>
+              <a:t>gerer</a:t>
+            </a:r>
+            <a:r>
+              <a:rPr lang="fr-FR" baseline="0" dirty="0" smtClean="0"/>
+              <a:t> des </a:t>
+            </a:r>
+            <a:r>
+              <a:rPr lang="fr-FR" baseline="0" dirty="0" err="1" smtClean="0"/>
+              <a:t>evenments</a:t>
+            </a:r>
+            <a:r>
+              <a:rPr lang="fr-FR" baseline="0" dirty="0" smtClean="0"/>
+              <a:t> qui s’</a:t>
+            </a:r>
+            <a:r>
+              <a:rPr lang="fr-FR" baseline="0" dirty="0" err="1" smtClean="0"/>
+              <a:t>etendent</a:t>
+            </a:r>
+            <a:r>
+              <a:rPr lang="fr-FR" baseline="0" dirty="0" smtClean="0"/>
+              <a:t> sur plus d’une </a:t>
+            </a:r>
+            <a:r>
+              <a:rPr lang="fr-FR" baseline="0" dirty="0" err="1" smtClean="0"/>
+              <a:t>journé</a:t>
+            </a:r>
+            <a:r>
+              <a:rPr lang="fr-FR" baseline="0" dirty="0" smtClean="0"/>
+              <a:t> </a:t>
+            </a:r>
+          </a:p>
+          <a:p>
+            <a:pPr marL="0" lvl="0" indent="0">
+              <a:spcBef>
+                <a:spcPts val="0"/>
+              </a:spcBef>
+              <a:spcAft>
+                <a:spcPts val="0"/>
+              </a:spcAft>
+              <a:buNone/>
+            </a:pPr>
+            <a:r>
+              <a:rPr lang="fr-FR" baseline="0" dirty="0" smtClean="0"/>
+              <a:t>En </a:t>
+            </a:r>
+            <a:r>
+              <a:rPr lang="fr-FR" baseline="0" dirty="0" err="1" smtClean="0"/>
+              <a:t>gise</a:t>
+            </a:r>
+            <a:r>
+              <a:rPr lang="fr-FR" baseline="0" dirty="0" smtClean="0"/>
+              <a:t> de </a:t>
+            </a:r>
+            <a:r>
+              <a:rPr lang="fr-FR" baseline="0" dirty="0" err="1" smtClean="0"/>
+              <a:t>percpectives</a:t>
+            </a:r>
+            <a:r>
+              <a:rPr lang="fr-FR" baseline="0" dirty="0" smtClean="0"/>
+              <a:t> nous </a:t>
+            </a:r>
+            <a:r>
+              <a:rPr lang="fr-FR" baseline="0" dirty="0" err="1" smtClean="0"/>
+              <a:t>esperons</a:t>
+            </a:r>
+            <a:r>
+              <a:rPr lang="fr-FR" baseline="0" dirty="0" smtClean="0"/>
+              <a:t> pouvoir inclure une note vocale a l’</a:t>
+            </a:r>
+            <a:r>
+              <a:rPr lang="fr-FR" baseline="0" dirty="0" err="1" smtClean="0"/>
+              <a:t>evenmen</a:t>
+            </a:r>
+            <a:r>
+              <a:rPr lang="fr-FR" baseline="0" dirty="0" smtClean="0"/>
+              <a:t> et pour quoi pas </a:t>
+            </a:r>
+            <a:r>
+              <a:rPr lang="fr-FR" baseline="0" dirty="0" err="1" smtClean="0"/>
+              <a:t>sychroniser</a:t>
+            </a:r>
+            <a:r>
+              <a:rPr lang="fr-FR" baseline="0" dirty="0" smtClean="0"/>
+              <a:t> les calendrier de </a:t>
+            </a:r>
+            <a:r>
+              <a:rPr lang="fr-FR" baseline="0" dirty="0" err="1" smtClean="0"/>
+              <a:t>lutilisateure</a:t>
+            </a:r>
+            <a:r>
+              <a:rPr lang="fr-FR" baseline="0" dirty="0" smtClean="0"/>
+              <a:t> </a:t>
+            </a:r>
+            <a:r>
+              <a:rPr lang="fr-FR" baseline="0" dirty="0" err="1" smtClean="0"/>
+              <a:t>grace</a:t>
+            </a:r>
+            <a:r>
+              <a:rPr lang="fr-FR" baseline="0" dirty="0" smtClean="0"/>
+              <a:t> a </a:t>
+            </a:r>
+            <a:r>
+              <a:rPr lang="fr-FR" baseline="0" dirty="0" err="1" smtClean="0"/>
+              <a:t>lutilisation</a:t>
+            </a:r>
+            <a:r>
+              <a:rPr lang="fr-FR" baseline="0" dirty="0" smtClean="0"/>
+              <a:t> d’un </a:t>
+            </a:r>
+            <a:r>
+              <a:rPr lang="fr-FR" baseline="0" dirty="0" err="1" smtClean="0"/>
+              <a:t>compt</a:t>
+            </a:r>
+            <a:r>
+              <a:rPr lang="fr-FR" baseline="0" dirty="0" smtClean="0"/>
+              <a:t> </a:t>
+            </a:r>
+            <a:r>
+              <a:rPr lang="fr-FR" baseline="0" dirty="0" err="1" smtClean="0"/>
+              <a:t>gmail</a:t>
+            </a:r>
+            <a:endParaRPr lang="fr-FR" baseline="0" dirty="0" smtClean="0"/>
+          </a:p>
           <a:p>
             <a:pPr marL="0" lvl="0" indent="0">
               <a:spcBef>
@@ -2861,6 +3205,194 @@
             <a:noAutofit/>
           </a:bodyPr>
           <a:lstStyle/>
+          <a:p>
+            <a:pPr marL="0" lvl="0" indent="0">
+              <a:spcBef>
+                <a:spcPts val="0"/>
+              </a:spcBef>
+              <a:spcAft>
+                <a:spcPts val="0"/>
+              </a:spcAft>
+              <a:buNone/>
+            </a:pPr>
+            <a:r>
+              <a:rPr lang="fr-FR" dirty="0" err="1" smtClean="0"/>
+              <a:t>Aujourdhui</a:t>
+            </a:r>
+            <a:r>
+              <a:rPr lang="fr-FR" dirty="0" smtClean="0"/>
+              <a:t> un manque de temps ce</a:t>
+            </a:r>
+            <a:r>
+              <a:rPr lang="fr-FR" baseline="0" dirty="0" smtClean="0"/>
+              <a:t> fait </a:t>
+            </a:r>
+            <a:r>
+              <a:rPr lang="fr-FR" baseline="0" dirty="0" err="1" smtClean="0"/>
+              <a:t>resentire</a:t>
+            </a:r>
+            <a:r>
+              <a:rPr lang="fr-FR" baseline="0" dirty="0" smtClean="0"/>
+              <a:t> chez la plus part des gents ,comme si les journées devenais de plus en plus </a:t>
+            </a:r>
+            <a:r>
+              <a:rPr lang="fr-FR" baseline="0" dirty="0" err="1" smtClean="0"/>
+              <a:t>cpourte</a:t>
+            </a:r>
+            <a:r>
+              <a:rPr lang="fr-FR" baseline="0" dirty="0" smtClean="0"/>
+              <a:t> ,ce </a:t>
+            </a:r>
+            <a:r>
+              <a:rPr lang="fr-FR" baseline="0" dirty="0" err="1" smtClean="0"/>
+              <a:t>sentilment</a:t>
+            </a:r>
+            <a:r>
+              <a:rPr lang="fr-FR" baseline="0" dirty="0" smtClean="0"/>
+              <a:t> et du au rythme de vie actuel </a:t>
+            </a:r>
+          </a:p>
+          <a:p>
+            <a:pPr marL="0" lvl="0" indent="0">
+              <a:spcBef>
+                <a:spcPts val="0"/>
+              </a:spcBef>
+              <a:spcAft>
+                <a:spcPts val="0"/>
+              </a:spcAft>
+              <a:buNone/>
+            </a:pPr>
+            <a:r>
+              <a:rPr lang="fr-FR" baseline="0" dirty="0" smtClean="0"/>
+              <a:t>Les </a:t>
+            </a:r>
+            <a:r>
+              <a:rPr lang="fr-FR" baseline="0" dirty="0" err="1" smtClean="0"/>
+              <a:t>etudiants</a:t>
+            </a:r>
+            <a:r>
+              <a:rPr lang="fr-FR" baseline="0" dirty="0" smtClean="0"/>
+              <a:t> </a:t>
+            </a:r>
+            <a:r>
+              <a:rPr lang="fr-FR" baseline="0" dirty="0" err="1" smtClean="0"/>
+              <a:t>son,t</a:t>
+            </a:r>
+            <a:r>
+              <a:rPr lang="fr-FR" baseline="0" dirty="0" smtClean="0"/>
+              <a:t> les plus toucher par ce </a:t>
+            </a:r>
+            <a:r>
+              <a:rPr lang="fr-FR" baseline="0" dirty="0" err="1" smtClean="0"/>
+              <a:t>problem</a:t>
+            </a:r>
+            <a:r>
+              <a:rPr lang="fr-FR" baseline="0" dirty="0" smtClean="0"/>
+              <a:t>  en </a:t>
+            </a:r>
+            <a:r>
+              <a:rPr lang="fr-FR" baseline="0" dirty="0" err="1" smtClean="0"/>
+              <a:t>raisone</a:t>
+            </a:r>
+            <a:r>
+              <a:rPr lang="fr-FR" baseline="0" dirty="0" smtClean="0"/>
+              <a:t> de diversité de </a:t>
+            </a:r>
+            <a:r>
+              <a:rPr lang="fr-FR" baseline="0" dirty="0" err="1" smtClean="0"/>
+              <a:t>leures</a:t>
+            </a:r>
+            <a:r>
+              <a:rPr lang="fr-FR" baseline="0" dirty="0" smtClean="0"/>
+              <a:t> activité ,</a:t>
+            </a:r>
+          </a:p>
+          <a:p>
+            <a:pPr marL="0" lvl="0" indent="0">
+              <a:spcBef>
+                <a:spcPts val="0"/>
+              </a:spcBef>
+              <a:spcAft>
+                <a:spcPts val="0"/>
+              </a:spcAft>
+              <a:buNone/>
+            </a:pPr>
+            <a:r>
+              <a:rPr lang="fr-FR" baseline="0" dirty="0" smtClean="0"/>
+              <a:t>Dun autre coté  nos </a:t>
+            </a:r>
+            <a:r>
+              <a:rPr lang="fr-FR" baseline="0" dirty="0" err="1" smtClean="0"/>
+              <a:t>habutudes</a:t>
+            </a:r>
+            <a:r>
+              <a:rPr lang="fr-FR" baseline="0" dirty="0" smtClean="0"/>
+              <a:t> </a:t>
+            </a:r>
+            <a:r>
+              <a:rPr lang="fr-FR" baseline="0" dirty="0" err="1" smtClean="0"/>
+              <a:t>quotideinnes</a:t>
+            </a:r>
+            <a:r>
+              <a:rPr lang="fr-FR" baseline="0" dirty="0" smtClean="0"/>
+              <a:t> ont </a:t>
+            </a:r>
+            <a:r>
+              <a:rPr lang="fr-FR" baseline="0" dirty="0" err="1" smtClean="0"/>
+              <a:t>beaucoupe</a:t>
+            </a:r>
+            <a:r>
+              <a:rPr lang="fr-FR" baseline="0" dirty="0" smtClean="0"/>
+              <a:t> changer </a:t>
+            </a:r>
+            <a:r>
+              <a:rPr lang="fr-FR" baseline="0" dirty="0" err="1" smtClean="0"/>
+              <a:t>acause</a:t>
+            </a:r>
+            <a:r>
+              <a:rPr lang="fr-FR" baseline="0" dirty="0" smtClean="0"/>
+              <a:t> des nouvelles technologie tel que les smartphones </a:t>
+            </a:r>
+          </a:p>
+          <a:p>
+            <a:pPr marL="0" lvl="0" indent="0">
+              <a:spcBef>
+                <a:spcPts val="0"/>
+              </a:spcBef>
+              <a:spcAft>
+                <a:spcPts val="0"/>
+              </a:spcAft>
+              <a:buNone/>
+            </a:pPr>
+            <a:r>
+              <a:rPr lang="fr-FR" baseline="0" dirty="0" smtClean="0"/>
+              <a:t>Ces dernier sont utiliser par 56% de la population mondial et  les </a:t>
+            </a:r>
+            <a:r>
+              <a:rPr lang="fr-FR" baseline="0" dirty="0" err="1" smtClean="0"/>
+              <a:t>etudiant</a:t>
+            </a:r>
+            <a:r>
+              <a:rPr lang="fr-FR" baseline="0" dirty="0" smtClean="0"/>
+              <a:t> </a:t>
+            </a:r>
+            <a:r>
+              <a:rPr lang="fr-FR" baseline="0" dirty="0" err="1" smtClean="0"/>
+              <a:t>represente</a:t>
+            </a:r>
+            <a:r>
+              <a:rPr lang="fr-FR" baseline="0" dirty="0" smtClean="0"/>
+              <a:t> une partie </a:t>
+            </a:r>
+            <a:r>
+              <a:rPr lang="fr-FR" baseline="0" dirty="0" err="1" smtClean="0"/>
+              <a:t>consderable</a:t>
+            </a:r>
+            <a:r>
+              <a:rPr lang="fr-FR" baseline="0" dirty="0" smtClean="0"/>
+              <a:t> de ce chiffre  </a:t>
+            </a:r>
+          </a:p>
           <a:p>
             <a:pPr marL="0" lvl="0" indent="0">
               <a:spcBef>
@@ -3328,8 +3860,80 @@
               <a:buNone/>
             </a:pPr>
             <a:r>
+              <a:rPr lang="fr-FR" dirty="0" smtClean="0"/>
+              <a:t>Dans ce cette figure vous </a:t>
+            </a:r>
+            <a:r>
+              <a:rPr lang="fr-FR" dirty="0" err="1" smtClean="0"/>
+              <a:t>pourez</a:t>
+            </a:r>
+            <a:r>
+              <a:rPr lang="fr-FR" dirty="0" smtClean="0"/>
+              <a:t> voir les </a:t>
+            </a:r>
+            <a:r>
+              <a:rPr lang="fr-FR" dirty="0" err="1" smtClean="0"/>
+              <a:t>differtnes</a:t>
+            </a:r>
+            <a:r>
+              <a:rPr lang="fr-FR" dirty="0" smtClean="0"/>
+              <a:t> interface </a:t>
+            </a:r>
+            <a:r>
+              <a:rPr lang="fr-FR" dirty="0" err="1" smtClean="0"/>
+              <a:t>prposer</a:t>
+            </a:r>
+            <a:r>
+              <a:rPr lang="fr-FR" dirty="0" smtClean="0"/>
+              <a:t> et leurs liens</a:t>
+            </a:r>
+            <a:r>
+              <a:rPr lang="fr-FR" baseline="0" dirty="0" smtClean="0"/>
+              <a:t> de navigation </a:t>
+            </a:r>
+            <a:r>
+              <a:rPr lang="fr-FR" dirty="0" smtClean="0"/>
+              <a:t>, </a:t>
+            </a:r>
+            <a:r>
               <a:rPr lang="fr-FR" dirty="0"/>
-              <a:t>Cette figure représente une proposition des maquettes IHM et navigation, la Vue Globale est la première vue affichée à l’utilisateur. À partir de celle-ci, il peut ajouter un événement ou bien passer à la liste des calendriers grâce au menu latéral, dans la vue liste des calendriers l’utilisateur peut ajouter ou modifier un calendrier.</a:t>
+              <a:t>la Vue Globale est la première </a:t>
+            </a:r>
+            <a:r>
+              <a:rPr lang="fr-FR" dirty="0" smtClean="0"/>
+              <a:t>a </a:t>
+            </a:r>
+            <a:r>
+              <a:rPr lang="fr-FR" dirty="0" err="1" smtClean="0"/>
+              <a:t>etre</a:t>
+            </a:r>
+            <a:r>
+              <a:rPr lang="fr-FR" dirty="0" smtClean="0"/>
+              <a:t>  </a:t>
+            </a:r>
+            <a:r>
+              <a:rPr lang="fr-FR" dirty="0"/>
+              <a:t>affichée à l’utilisateur. À partir de celle-ci, il peut ajouter un événement ou bien </a:t>
+            </a:r>
+            <a:r>
+              <a:rPr lang="fr-FR" dirty="0" smtClean="0"/>
+              <a:t>utiliser le menu </a:t>
+            </a:r>
+            <a:r>
+              <a:rPr lang="fr-FR" dirty="0" err="1" smtClean="0"/>
+              <a:t>lateral</a:t>
+            </a:r>
+            <a:r>
+              <a:rPr lang="fr-FR" baseline="0" dirty="0" smtClean="0"/>
+              <a:t> pour passer a la liste des calendrier </a:t>
+            </a:r>
+            <a:r>
+              <a:rPr lang="fr-FR" dirty="0" smtClean="0"/>
+              <a:t>, </a:t>
+            </a:r>
+            <a:r>
+              <a:rPr lang="fr-FR" dirty="0"/>
+              <a:t>dans la vue liste des calendriers l’utilisateur peut ajouter ou modifier un calendrier.</a:t>
             </a:r>
             <a:endParaRPr dirty="0"/>
           </a:p>
@@ -19410,6 +20014,13 @@
   <p:transition>
     <p:fade thruBlk="1"/>
   </p:transition>
+  <p:timing>
+    <p:tnLst>
+      <p:par>
+        <p:cTn id="1" dur="indefinite" restart="never" nodeType="tmRoot"/>
+      </p:par>
+    </p:tnLst>
+  </p:timing>
 </p:sld>
 </file>
 
@@ -19550,6 +20161,13 @@
   <p:clrMapOvr>
     <a:masterClrMapping/>
   </p:clrMapOvr>
+  <p:timing>
+    <p:tnLst>
+      <p:par>
+        <p:cTn id="1" dur="indefinite" restart="never" nodeType="tmRoot"/>
+      </p:par>
+    </p:tnLst>
+  </p:timing>
 </p:sld>
 </file>
 
@@ -19722,6 +20340,13 @@
   <p:clrMapOvr>
     <a:masterClrMapping/>
   </p:clrMapOvr>
+  <p:timing>
+    <p:tnLst>
+      <p:par>
+        <p:cTn id="1" dur="indefinite" restart="never" nodeType="tmRoot"/>
+      </p:par>
+    </p:tnLst>
+  </p:timing>
 </p:sld>
 </file>
 
@@ -19861,6 +20486,13 @@
   <p:clrMapOvr>
     <a:masterClrMapping/>
   </p:clrMapOvr>
+  <p:timing>
+    <p:tnLst>
+      <p:par>
+        <p:cTn id="1" dur="indefinite" restart="never" nodeType="tmRoot"/>
+      </p:par>
+    </p:tnLst>
+  </p:timing>
 </p:sld>
 </file>
 
@@ -20000,6 +20632,13 @@
   <p:clrMapOvr>
     <a:masterClrMapping/>
   </p:clrMapOvr>
+  <p:timing>
+    <p:tnLst>
+      <p:par>
+        <p:cTn id="1" dur="indefinite" restart="never" nodeType="tmRoot"/>
+      </p:par>
+    </p:tnLst>
+  </p:timing>
 </p:sld>
 </file>
 
@@ -20032,7 +20671,7 @@
         </p:nvSpPr>
         <p:spPr>
           <a:xfrm>
-            <a:off x="1049316" y="1"/>
+            <a:off x="864700" y="189654"/>
             <a:ext cx="6996600" cy="581829"/>
           </a:xfrm>
           <a:prstGeom prst="rect">
@@ -20047,10 +20686,10 @@
           <a:p>
             <a:pPr lvl="0"/>
             <a:r>
-              <a:rPr lang="fr-FR" sz="2800" dirty="0"/>
+              <a:rPr lang="fr-FR" sz="3600" dirty="0"/>
               <a:t>6. Modèle relationnel</a:t>
             </a:r>
-            <a:endParaRPr sz="2800" dirty="0">
+            <a:endParaRPr sz="3600" dirty="0">
               <a:solidFill>
                 <a:srgbClr val="3C78D8"/>
               </a:solidFill>
@@ -20106,7 +20745,7 @@
               <a:t>Événement (</a:t>
             </a:r>
             <a:r>
-              <a:rPr lang="fr-FR" sz="2600" b="1" u="sng" dirty="0" err="1">
+              <a:rPr lang="fr-FR" sz="2600" b="1" u="sng" dirty="0">
                 <a:solidFill>
                   <a:srgbClr val="3C78D8"/>
                 </a:solidFill>
@@ -20157,15 +20796,7 @@
                   <a:srgbClr val="BDF32E"/>
                 </a:solidFill>
               </a:rPr>
-              <a:t>#</a:t>
-            </a:r>
-            <a:r>
-              <a:rPr lang="fr-FR" sz="2600" b="1" i="1" dirty="0" err="1">
-                <a:solidFill>
-                  <a:srgbClr val="BDF32E"/>
-                </a:solidFill>
-              </a:rPr>
-              <a:t>id_événement</a:t>
+              <a:t>#id_événement</a:t>
             </a:r>
             <a:r>
               <a:rPr lang="fr-FR" sz="2600" dirty="0"/>
@@ -20234,6 +20865,13 @@
   <p:clrMapOvr>
     <a:masterClrMapping/>
   </p:clrMapOvr>
+  <p:timing>
+    <p:tnLst>
+      <p:par>
+        <p:cTn id="1" dur="indefinite" restart="never" nodeType="tmRoot"/>
+      </p:par>
+    </p:tnLst>
+  </p:timing>
 </p:sld>
 </file>
 
@@ -20375,6 +21013,13 @@
   <p:clrMapOvr>
     <a:masterClrMapping/>
   </p:clrMapOvr>
+  <p:timing>
+    <p:tnLst>
+      <p:par>
+        <p:cTn id="1" dur="indefinite" restart="never" nodeType="tmRoot"/>
+      </p:par>
+    </p:tnLst>
+  </p:timing>
 </p:sld>
 </file>
 
@@ -20461,10 +21106,10 @@
           <a:lstStyle/>
           <a:p>
             <a:r>
-              <a:rPr lang="fr-FR" dirty="0"/>
+              <a:rPr lang="fr-FR" sz="2800" dirty="0"/>
               <a:t>1. Représentation de l’environnement de travail </a:t>
             </a:r>
-            <a:endParaRPr dirty="0"/>
+            <a:endParaRPr sz="2800" dirty="0"/>
           </a:p>
         </p:txBody>
       </p:sp>
@@ -22196,6 +22841,13 @@
   <p:clrMapOvr>
     <a:masterClrMapping/>
   </p:clrMapOvr>
+  <p:timing>
+    <p:tnLst>
+      <p:par>
+        <p:cTn id="1" dur="indefinite" restart="never" nodeType="tmRoot"/>
+      </p:par>
+    </p:tnLst>
+  </p:timing>
 </p:sld>
 </file>
 
@@ -22380,6 +23032,13 @@
   <p:clrMapOvr>
     <a:masterClrMapping/>
   </p:clrMapOvr>
+  <p:timing>
+    <p:tnLst>
+      <p:par>
+        <p:cTn id="1" dur="indefinite" restart="never" nodeType="tmRoot"/>
+      </p:par>
+    </p:tnLst>
+  </p:timing>
 </p:sld>
 </file>
 
@@ -23286,6 +23945,13 @@
   <p:clrMapOvr>
     <a:masterClrMapping/>
   </p:clrMapOvr>
+  <p:timing>
+    <p:tnLst>
+      <p:par>
+        <p:cTn id="1" dur="indefinite" restart="never" nodeType="tmRoot"/>
+      </p:par>
+    </p:tnLst>
+  </p:timing>
 </p:sld>
 </file>
 
@@ -24161,6 +24827,13 @@
   <p:clrMapOvr>
     <a:masterClrMapping/>
   </p:clrMapOvr>
+  <p:timing>
+    <p:tnLst>
+      <p:par>
+        <p:cTn id="1" dur="indefinite" restart="never" nodeType="tmRoot"/>
+      </p:par>
+    </p:tnLst>
+  </p:timing>
 </p:sld>
 </file>
 
@@ -24281,9 +24954,10 @@
               </a:spcBef>
             </a:pPr>
             <a:r>
-              <a:rPr lang="fr-FR" sz="2800" dirty="0"/>
-              <a:t>Conclusion générale et perspectives</a:t>
+              <a:rPr lang="fr-FR" sz="2800" dirty="0" smtClean="0"/>
+              <a:t>Conclusion</a:t>
             </a:r>
+            <a:endParaRPr lang="fr-FR" sz="2800" dirty="0"/>
           </a:p>
           <a:p>
             <a:pPr>
@@ -24344,6 +25018,13 @@
   <p:clrMapOvr>
     <a:masterClrMapping/>
   </p:clrMapOvr>
+  <p:timing>
+    <p:tnLst>
+      <p:par>
+        <p:cTn id="1" dur="indefinite" restart="never" nodeType="tmRoot"/>
+      </p:par>
+    </p:tnLst>
+  </p:timing>
 </p:sld>
 </file>
 
@@ -25222,6 +25903,13 @@
   <p:clrMapOvr>
     <a:masterClrMapping/>
   </p:clrMapOvr>
+  <p:timing>
+    <p:tnLst>
+      <p:par>
+        <p:cTn id="1" dur="indefinite" restart="never" nodeType="tmRoot"/>
+      </p:par>
+    </p:tnLst>
+  </p:timing>
 </p:sld>
 </file>
 
@@ -25363,6 +26051,13 @@
   <p:clrMapOvr>
     <a:masterClrMapping/>
   </p:clrMapOvr>
+  <p:timing>
+    <p:tnLst>
+      <p:par>
+        <p:cTn id="1" dur="indefinite" restart="never" nodeType="tmRoot"/>
+      </p:par>
+    </p:tnLst>
+  </p:timing>
 </p:sld>
 </file>
 
@@ -29208,6 +29903,13 @@
   <p:clrMapOvr>
     <a:masterClrMapping/>
   </p:clrMapOvr>
+  <p:timing>
+    <p:tnLst>
+      <p:par>
+        <p:cTn id="1" dur="indefinite" restart="never" nodeType="tmRoot"/>
+      </p:par>
+    </p:tnLst>
+  </p:timing>
 </p:sld>
 </file>
 
@@ -30492,6 +31194,13 @@
   <p:clrMapOvr>
     <a:masterClrMapping/>
   </p:clrMapOvr>
+  <p:timing>
+    <p:tnLst>
+      <p:par>
+        <p:cTn id="1" dur="indefinite" restart="never" nodeType="tmRoot"/>
+      </p:par>
+    </p:tnLst>
+  </p:timing>
 </p:sld>
 </file>
 
@@ -30537,6 +31246,10 @@
           </a:bodyPr>
           <a:lstStyle/>
           <a:p>
+            <a:r>
+              <a:rPr lang="en" sz="10000" dirty="0"/>
+              <a:t/>
+            </a:r>
             <a:br>
               <a:rPr lang="en" sz="10000" dirty="0"/>
             </a:br>
@@ -30548,11 +31261,77 @@
           </a:p>
         </p:txBody>
       </p:sp>
+      <p:sp>
+        <p:nvSpPr>
+          <p:cNvPr id="3" name="ZoneTexte 2"/>
+          <p:cNvSpPr txBox="1"/>
+          <p:nvPr/>
+        </p:nvSpPr>
+        <p:spPr>
+          <a:xfrm>
+            <a:off x="1852506" y="1869441"/>
+            <a:ext cx="5438987" cy="830997"/>
+          </a:xfrm>
+          <a:prstGeom prst="rect">
+            <a:avLst/>
+          </a:prstGeom>
+          <a:noFill/>
+        </p:spPr>
+        <p:txBody>
+          <a:bodyPr wrap="square" rtlCol="0">
+            <a:spAutoFit/>
+          </a:bodyPr>
+          <a:lstStyle/>
+          <a:p>
+            <a:pPr algn="ctr"/>
+            <a:r>
+              <a:rPr lang="fr-FR" sz="4800" dirty="0" smtClean="0">
+                <a:solidFill>
+                  <a:srgbClr val="3C78D8"/>
+                </a:solidFill>
+                <a:latin typeface="Source Sans Pro" panose="020B0604020202020204" charset="0"/>
+              </a:rPr>
+              <a:t>Pour </a:t>
+            </a:r>
+            <a:r>
+              <a:rPr lang="fr-FR" sz="4800" dirty="0" smtClean="0">
+                <a:solidFill>
+                  <a:srgbClr val="BDF32E"/>
+                </a:solidFill>
+                <a:latin typeface="Source Sans Pro" panose="020B0604020202020204" charset="0"/>
+              </a:rPr>
+              <a:t>votre</a:t>
+            </a:r>
+            <a:r>
+              <a:rPr lang="fr-FR" sz="4800" dirty="0" smtClean="0">
+                <a:solidFill>
+                  <a:srgbClr val="3C78D8"/>
+                </a:solidFill>
+                <a:latin typeface="Source Sans Pro" panose="020B0604020202020204" charset="0"/>
+              </a:rPr>
+              <a:t> attention</a:t>
+            </a:r>
+            <a:endParaRPr lang="fr-FR" sz="4800" dirty="0">
+              <a:solidFill>
+                <a:srgbClr val="3C78D8"/>
+              </a:solidFill>
+              <a:latin typeface="Source Sans Pro" panose="020B0604020202020204" charset="0"/>
+            </a:endParaRPr>
+          </a:p>
+        </p:txBody>
+      </p:sp>
     </p:spTree>
   </p:cSld>
   <p:clrMapOvr>
     <a:masterClrMapping/>
   </p:clrMapOvr>
+  <p:timing>
+    <p:tnLst>
+      <p:par>
+        <p:cTn id="1" dur="indefinite" restart="never" nodeType="tmRoot"/>
+      </p:par>
+    </p:tnLst>
+  </p:timing>
 </p:sld>
 </file>
 
@@ -30696,6 +31475,13 @@
   <p:clrMapOvr>
     <a:masterClrMapping/>
   </p:clrMapOvr>
+  <p:timing>
+    <p:tnLst>
+      <p:par>
+        <p:cTn id="1" dur="indefinite" restart="never" nodeType="tmRoot"/>
+      </p:par>
+    </p:tnLst>
+  </p:timing>
 </p:sld>
 </file>
 
@@ -30864,6 +31650,13 @@
   <p:clrMapOvr>
     <a:masterClrMapping/>
   </p:clrMapOvr>
+  <p:timing>
+    <p:tnLst>
+      <p:par>
+        <p:cTn id="1" dur="indefinite" restart="never" nodeType="tmRoot"/>
+      </p:par>
+    </p:tnLst>
+  </p:timing>
 </p:sld>
 </file>
 
@@ -30971,6 +31764,13 @@
   <p:clrMapOvr>
     <a:masterClrMapping/>
   </p:clrMapOvr>
+  <p:timing>
+    <p:tnLst>
+      <p:par>
+        <p:cTn id="1" dur="indefinite" restart="never" nodeType="tmRoot"/>
+      </p:par>
+    </p:tnLst>
+  </p:timing>
 </p:sld>
 </file>
 
@@ -31018,8 +31818,8 @@
           <a:p>
             <a:pPr lvl="0"/>
             <a:r>
-              <a:rPr lang="fr-FR" sz="4000" dirty="0"/>
-              <a:t>Méthodologie de conception</a:t>
+              <a:rPr lang="fr-FR" sz="4000" dirty="0" smtClean="0"/>
+              <a:t>Spécification des besoins</a:t>
             </a:r>
             <a:endParaRPr sz="4000" dirty="0">
               <a:solidFill>
@@ -31056,7 +31856,33 @@
           <a:p>
             <a:r>
               <a:rPr lang="fr-FR" sz="2400" dirty="0"/>
-              <a:t>UML : est un langage de modélisation graphique et textuelle.</a:t>
+              <a:t>L’application à développer aura pour mission d’offrir une représentation </a:t>
+            </a:r>
+            <a:r>
+              <a:rPr lang="fr-FR" sz="2400" dirty="0" smtClean="0"/>
+              <a:t> </a:t>
+            </a:r>
+            <a:r>
+              <a:rPr lang="fr-FR" sz="2400" dirty="0"/>
+              <a:t>des activités de l’utilisateur pendant les jours de la </a:t>
+            </a:r>
+            <a:r>
+              <a:rPr lang="fr-FR" sz="2400" dirty="0" smtClean="0"/>
+              <a:t>semaine et lui rappeler les tâches prévues . </a:t>
+            </a:r>
+            <a:endParaRPr lang="fr-FR" sz="2400" dirty="0"/>
+          </a:p>
+          <a:p>
+            <a:endParaRPr lang="fr-FR" sz="2400" dirty="0" smtClean="0"/>
+          </a:p>
+          <a:p>
+            <a:r>
+              <a:rPr lang="fr-FR" sz="2400" dirty="0" smtClean="0"/>
+              <a:t>UML </a:t>
+            </a:r>
+            <a:r>
+              <a:rPr lang="fr-FR" sz="2400" dirty="0"/>
+              <a:t>: est un langage de modélisation graphique et textuelle.</a:t>
             </a:r>
           </a:p>
           <a:p>
@@ -31064,12 +31890,6 @@
               <a:buNone/>
             </a:pPr>
             <a:endParaRPr lang="fr-FR" sz="2400" dirty="0"/>
-          </a:p>
-          <a:p>
-            <a:r>
-              <a:rPr lang="fr-FR" sz="2400" dirty="0"/>
-              <a:t>L’application à développer aura pour mission d’offrir une représentation des événements et des activités de l’utilisateur pendant les jours de la semaine.</a:t>
-            </a:r>
           </a:p>
           <a:p>
             <a:endParaRPr lang="fr-FR" dirty="0"/>
@@ -31133,6 +31953,13 @@
   <p:clrMapOvr>
     <a:masterClrMapping/>
   </p:clrMapOvr>
+  <p:timing>
+    <p:tnLst>
+      <p:par>
+        <p:cTn id="1" dur="indefinite" restart="never" nodeType="tmRoot"/>
+      </p:par>
+    </p:tnLst>
+  </p:timing>
 </p:sld>
 </file>
 
@@ -31267,6 +32094,13 @@
   <p:clrMapOvr>
     <a:masterClrMapping/>
   </p:clrMapOvr>
+  <p:timing>
+    <p:tnLst>
+      <p:par>
+        <p:cTn id="1" dur="indefinite" restart="never" nodeType="tmRoot"/>
+      </p:par>
+    </p:tnLst>
+  </p:timing>
 </p:sld>
 </file>
 
@@ -31401,6 +32235,13 @@
   <p:clrMapOvr>
     <a:masterClrMapping/>
   </p:clrMapOvr>
+  <p:timing>
+    <p:tnLst>
+      <p:par>
+        <p:cTn id="1" dur="indefinite" restart="never" nodeType="tmRoot"/>
+      </p:par>
+    </p:tnLst>
+  </p:timing>
 </p:sld>
 </file>
 
@@ -31540,6 +32381,13 @@
   <p:clrMapOvr>
     <a:masterClrMapping/>
   </p:clrMapOvr>
+  <p:timing>
+    <p:tnLst>
+      <p:par>
+        <p:cTn id="1" dur="indefinite" restart="never" nodeType="tmRoot"/>
+      </p:par>
+    </p:tnLst>
+  </p:timing>
 </p:sld>
 </file>
 

--- a/présentation licence 3.pptx
+++ b/présentation licence 3.pptx
@@ -37,30 +37,30 @@
   <p:notesSz cx="6858000" cy="9144000"/>
   <p:embeddedFontLst>
     <p:embeddedFont>
-      <p:font typeface="Oswald" panose="00000500000000000000" pitchFamily="2" charset="0"/>
+      <p:font typeface="Source Sans Pro" panose="020B0604020202020204" charset="0"/>
       <p:regular r:id="rId27"/>
       <p:bold r:id="rId28"/>
       <p:italic r:id="rId29"/>
       <p:boldItalic r:id="rId30"/>
     </p:embeddedFont>
     <p:embeddedFont>
-      <p:font typeface="Calibri" panose="020F0502020204030204" pitchFamily="34" charset="0"/>
+      <p:font typeface="Oswald" panose="02000303000000000000" pitchFamily="2" charset="0"/>
       <p:regular r:id="rId31"/>
       <p:bold r:id="rId32"/>
       <p:italic r:id="rId33"/>
       <p:boldItalic r:id="rId34"/>
     </p:embeddedFont>
     <p:embeddedFont>
-      <p:font typeface="Tahoma" panose="020B0604030504040204" pitchFamily="34" charset="0"/>
+      <p:font typeface="Calibri" panose="020F0502020204030204" pitchFamily="34" charset="0"/>
       <p:regular r:id="rId35"/>
       <p:bold r:id="rId36"/>
+      <p:italic r:id="rId37"/>
+      <p:boldItalic r:id="rId38"/>
     </p:embeddedFont>
     <p:embeddedFont>
-      <p:font typeface="Source Sans Pro" panose="020B0604020202020204" charset="0"/>
-      <p:regular r:id="rId37"/>
-      <p:bold r:id="rId38"/>
-      <p:italic r:id="rId39"/>
-      <p:boldItalic r:id="rId40"/>
+      <p:font typeface="Tahoma" panose="020B0604030504040204" pitchFamily="34" charset="0"/>
+      <p:regular r:id="rId39"/>
+      <p:bold r:id="rId40"/>
     </p:embeddedFont>
   </p:embeddedFontLst>
   <p:defaultTextStyle>
@@ -2441,67 +2441,67 @@
               <a:buNone/>
             </a:pPr>
             <a:r>
-              <a:rPr lang="fr-FR" dirty="0" err="1" smtClean="0"/>
+              <a:rPr lang="fr-FR" dirty="0" err="1"/>
               <a:t>Aau</a:t>
             </a:r>
             <a:r>
-              <a:rPr lang="fr-FR" baseline="0" dirty="0" smtClean="0"/>
+              <a:rPr lang="fr-FR" baseline="0" dirty="0"/>
               <a:t> coure de ce projet nous </a:t>
             </a:r>
             <a:r>
-              <a:rPr lang="fr-FR" baseline="0" dirty="0" err="1" smtClean="0"/>
+              <a:rPr lang="fr-FR" baseline="0" dirty="0" err="1"/>
               <a:t>avon</a:t>
             </a:r>
             <a:r>
-              <a:rPr lang="fr-FR" baseline="0" dirty="0" smtClean="0"/>
+              <a:rPr lang="fr-FR" baseline="0" dirty="0"/>
               <a:t> </a:t>
             </a:r>
             <a:r>
-              <a:rPr lang="fr-FR" baseline="0" dirty="0" err="1" smtClean="0"/>
+              <a:rPr lang="fr-FR" baseline="0" dirty="0" err="1"/>
               <a:t>definit</a:t>
             </a:r>
             <a:r>
-              <a:rPr lang="fr-FR" baseline="0" dirty="0" smtClean="0"/>
+              <a:rPr lang="fr-FR" baseline="0" dirty="0"/>
               <a:t> une </a:t>
             </a:r>
             <a:r>
-              <a:rPr lang="fr-FR" baseline="0" dirty="0" err="1" smtClean="0"/>
+              <a:rPr lang="fr-FR" baseline="0" dirty="0" err="1"/>
               <a:t>problematique</a:t>
             </a:r>
             <a:r>
-              <a:rPr lang="fr-FR" baseline="0" dirty="0" smtClean="0"/>
+              <a:rPr lang="fr-FR" baseline="0" dirty="0"/>
               <a:t> qui la </a:t>
             </a:r>
             <a:r>
-              <a:rPr lang="fr-FR" baseline="0" dirty="0" err="1" smtClean="0"/>
+              <a:rPr lang="fr-FR" baseline="0" dirty="0" err="1"/>
               <a:t>necessité</a:t>
             </a:r>
             <a:r>
-              <a:rPr lang="fr-FR" baseline="0" dirty="0" smtClean="0"/>
+              <a:rPr lang="fr-FR" baseline="0" dirty="0"/>
               <a:t> de la gestion du temps chez l’</a:t>
             </a:r>
             <a:r>
-              <a:rPr lang="fr-FR" baseline="0" dirty="0" err="1" smtClean="0"/>
+              <a:rPr lang="fr-FR" baseline="0" dirty="0" err="1"/>
               <a:t>etudiant</a:t>
             </a:r>
             <a:r>
-              <a:rPr lang="fr-FR" baseline="0" dirty="0" smtClean="0"/>
+              <a:rPr lang="fr-FR" baseline="0" dirty="0"/>
               <a:t>  vue l’</a:t>
             </a:r>
             <a:r>
-              <a:rPr lang="fr-FR" baseline="0" dirty="0" err="1" smtClean="0"/>
+              <a:rPr lang="fr-FR" baseline="0" dirty="0" err="1"/>
               <a:t>importence</a:t>
             </a:r>
             <a:r>
-              <a:rPr lang="fr-FR" baseline="0" dirty="0" smtClean="0"/>
+              <a:rPr lang="fr-FR" baseline="0" dirty="0"/>
               <a:t> de cette </a:t>
             </a:r>
             <a:r>
-              <a:rPr lang="fr-FR" baseline="0" dirty="0" err="1" smtClean="0"/>
+              <a:rPr lang="fr-FR" baseline="0" dirty="0" err="1"/>
               <a:t>resource</a:t>
             </a:r>
             <a:r>
-              <a:rPr lang="fr-FR" baseline="0" dirty="0" smtClean="0"/>
+              <a:rPr lang="fr-FR" baseline="0" dirty="0"/>
               <a:t> </a:t>
             </a:r>
           </a:p>
@@ -2516,46 +2516,46 @@
               <a:buNone/>
             </a:pPr>
             <a:r>
-              <a:rPr lang="fr-FR" baseline="0" dirty="0" smtClean="0"/>
+              <a:rPr lang="fr-FR" baseline="0" dirty="0"/>
               <a:t>Ensuit nous avons </a:t>
             </a:r>
             <a:r>
-              <a:rPr lang="fr-FR" baseline="0" dirty="0" err="1" smtClean="0"/>
+              <a:rPr lang="fr-FR" baseline="0" dirty="0" err="1"/>
               <a:t>definie</a:t>
             </a:r>
             <a:r>
-              <a:rPr lang="fr-FR" baseline="0" dirty="0" smtClean="0"/>
+              <a:rPr lang="fr-FR" baseline="0" dirty="0"/>
               <a:t> un objectif qui est de </a:t>
             </a:r>
             <a:r>
-              <a:rPr lang="fr-FR" baseline="0" dirty="0" err="1" smtClean="0"/>
+              <a:rPr lang="fr-FR" baseline="0" dirty="0" err="1"/>
               <a:t>concevoire</a:t>
             </a:r>
             <a:r>
-              <a:rPr lang="fr-FR" baseline="0" dirty="0" smtClean="0"/>
+              <a:rPr lang="fr-FR" baseline="0" dirty="0"/>
               <a:t> une solution mobile </a:t>
             </a:r>
             <a:r>
-              <a:rPr lang="fr-FR" baseline="0" dirty="0" err="1" smtClean="0"/>
+              <a:rPr lang="fr-FR" baseline="0" dirty="0" err="1"/>
               <a:t>perrmetant</a:t>
             </a:r>
             <a:r>
-              <a:rPr lang="fr-FR" baseline="0" dirty="0" smtClean="0"/>
+              <a:rPr lang="fr-FR" baseline="0" dirty="0"/>
               <a:t> une gestion et une </a:t>
             </a:r>
             <a:r>
-              <a:rPr lang="fr-FR" baseline="0" dirty="0" err="1" smtClean="0"/>
+              <a:rPr lang="fr-FR" baseline="0" dirty="0" err="1"/>
               <a:t>representation</a:t>
             </a:r>
             <a:r>
-              <a:rPr lang="fr-FR" baseline="0" dirty="0" smtClean="0"/>
+              <a:rPr lang="fr-FR" baseline="0" dirty="0"/>
               <a:t> optimale du  temps de l’</a:t>
             </a:r>
             <a:r>
-              <a:rPr lang="fr-FR" baseline="0" dirty="0" err="1" smtClean="0"/>
+              <a:rPr lang="fr-FR" baseline="0" dirty="0" err="1"/>
               <a:t>etudant</a:t>
             </a:r>
-            <a:endParaRPr lang="fr-FR" baseline="0" dirty="0" smtClean="0"/>
+            <a:endParaRPr lang="fr-FR" baseline="0" dirty="0"/>
           </a:p>
           <a:p>
             <a:pPr marL="0" lvl="0" indent="0">
@@ -2568,23 +2568,23 @@
               <a:buNone/>
             </a:pPr>
             <a:r>
-              <a:rPr lang="fr-FR" baseline="0" dirty="0" smtClean="0"/>
+              <a:rPr lang="fr-FR" baseline="0" dirty="0"/>
               <a:t>Grace a </a:t>
             </a:r>
             <a:r>
-              <a:rPr lang="fr-FR" baseline="0" dirty="0" err="1" smtClean="0"/>
+              <a:rPr lang="fr-FR" baseline="0" dirty="0" err="1"/>
               <a:t>uml</a:t>
             </a:r>
             <a:r>
-              <a:rPr lang="fr-FR" baseline="0" dirty="0" smtClean="0"/>
+              <a:rPr lang="fr-FR" baseline="0" dirty="0"/>
               <a:t> nous avons modéliser </a:t>
             </a:r>
             <a:r>
-              <a:rPr lang="fr-FR" baseline="0" dirty="0" err="1" smtClean="0"/>
+              <a:rPr lang="fr-FR" baseline="0" dirty="0" err="1"/>
               <a:t>lcette</a:t>
             </a:r>
             <a:r>
-              <a:rPr lang="fr-FR" baseline="0" dirty="0" smtClean="0"/>
+              <a:rPr lang="fr-FR" baseline="0" dirty="0"/>
               <a:t> solution</a:t>
             </a:r>
           </a:p>
@@ -2708,35 +2708,35 @@
               <a:buNone/>
             </a:pPr>
             <a:r>
-              <a:rPr lang="fr-FR" dirty="0" smtClean="0"/>
+              <a:rPr lang="fr-FR" dirty="0"/>
               <a:t>Que nous avons</a:t>
             </a:r>
             <a:r>
-              <a:rPr lang="fr-FR" baseline="0" dirty="0" smtClean="0"/>
+              <a:rPr lang="fr-FR" baseline="0" dirty="0"/>
               <a:t> pu </a:t>
             </a:r>
             <a:r>
-              <a:rPr lang="fr-FR" baseline="0" dirty="0" err="1" smtClean="0"/>
+              <a:rPr lang="fr-FR" baseline="0" dirty="0" err="1"/>
               <a:t>implementer</a:t>
             </a:r>
             <a:r>
-              <a:rPr lang="fr-FR" baseline="0" dirty="0" smtClean="0"/>
+              <a:rPr lang="fr-FR" baseline="0" dirty="0"/>
               <a:t> en utilisant les </a:t>
             </a:r>
             <a:r>
-              <a:rPr lang="fr-FR" baseline="0" dirty="0" err="1" smtClean="0"/>
+              <a:rPr lang="fr-FR" baseline="0" dirty="0" err="1"/>
               <a:t>differtns</a:t>
             </a:r>
             <a:r>
-              <a:rPr lang="fr-FR" baseline="0" dirty="0" smtClean="0"/>
+              <a:rPr lang="fr-FR" baseline="0" dirty="0"/>
               <a:t> outils </a:t>
             </a:r>
             <a:r>
-              <a:rPr lang="fr-FR" baseline="0" dirty="0" err="1" smtClean="0"/>
+              <a:rPr lang="fr-FR" baseline="0" dirty="0" err="1"/>
               <a:t>prealablement</a:t>
             </a:r>
             <a:r>
-              <a:rPr lang="fr-FR" baseline="0" dirty="0" smtClean="0"/>
+              <a:rPr lang="fr-FR" baseline="0" dirty="0"/>
               <a:t> cité </a:t>
             </a:r>
           </a:p>
@@ -2751,43 +2751,43 @@
               <a:buNone/>
             </a:pPr>
             <a:r>
-              <a:rPr lang="fr-FR" baseline="0" dirty="0" err="1" smtClean="0"/>
+              <a:rPr lang="fr-FR" baseline="0" dirty="0" err="1"/>
               <a:t>Neaomoins</a:t>
             </a:r>
             <a:r>
-              <a:rPr lang="fr-FR" baseline="0" dirty="0" smtClean="0"/>
+              <a:rPr lang="fr-FR" baseline="0" dirty="0"/>
               <a:t> la solution actuel admet des limes comme  l’incapacité de </a:t>
             </a:r>
             <a:r>
-              <a:rPr lang="fr-FR" baseline="0" dirty="0" err="1" smtClean="0"/>
+              <a:rPr lang="fr-FR" baseline="0" dirty="0" err="1"/>
               <a:t>gerer</a:t>
             </a:r>
             <a:r>
-              <a:rPr lang="fr-FR" baseline="0" dirty="0" smtClean="0"/>
+              <a:rPr lang="fr-FR" baseline="0" dirty="0"/>
               <a:t> des </a:t>
             </a:r>
             <a:r>
-              <a:rPr lang="fr-FR" baseline="0" dirty="0" err="1" smtClean="0"/>
+              <a:rPr lang="fr-FR" baseline="0" dirty="0" err="1"/>
               <a:t>evenments</a:t>
             </a:r>
             <a:r>
-              <a:rPr lang="fr-FR" baseline="0" dirty="0" smtClean="0"/>
+              <a:rPr lang="fr-FR" baseline="0" dirty="0"/>
               <a:t> qui s’</a:t>
             </a:r>
             <a:r>
-              <a:rPr lang="fr-FR" baseline="0" dirty="0" err="1" smtClean="0"/>
+              <a:rPr lang="fr-FR" baseline="0" dirty="0" err="1"/>
               <a:t>etendent</a:t>
             </a:r>
             <a:r>
-              <a:rPr lang="fr-FR" baseline="0" dirty="0" smtClean="0"/>
+              <a:rPr lang="fr-FR" baseline="0" dirty="0"/>
               <a:t> sur plus d’une </a:t>
             </a:r>
             <a:r>
-              <a:rPr lang="fr-FR" baseline="0" dirty="0" err="1" smtClean="0"/>
+              <a:rPr lang="fr-FR" baseline="0" dirty="0" err="1"/>
               <a:t>journé</a:t>
             </a:r>
             <a:r>
-              <a:rPr lang="fr-FR" baseline="0" dirty="0" smtClean="0"/>
+              <a:rPr lang="fr-FR" baseline="0" dirty="0"/>
               <a:t> </a:t>
             </a:r>
           </a:p>
@@ -2802,86 +2802,86 @@
               <a:buNone/>
             </a:pPr>
             <a:r>
-              <a:rPr lang="fr-FR" baseline="0" dirty="0" smtClean="0"/>
+              <a:rPr lang="fr-FR" baseline="0" dirty="0"/>
               <a:t>En </a:t>
             </a:r>
             <a:r>
-              <a:rPr lang="fr-FR" baseline="0" dirty="0" err="1" smtClean="0"/>
+              <a:rPr lang="fr-FR" baseline="0" dirty="0" err="1"/>
               <a:t>gise</a:t>
             </a:r>
             <a:r>
-              <a:rPr lang="fr-FR" baseline="0" dirty="0" smtClean="0"/>
+              <a:rPr lang="fr-FR" baseline="0" dirty="0"/>
               <a:t> de </a:t>
             </a:r>
             <a:r>
-              <a:rPr lang="fr-FR" baseline="0" dirty="0" err="1" smtClean="0"/>
+              <a:rPr lang="fr-FR" baseline="0" dirty="0" err="1"/>
               <a:t>percpectives</a:t>
             </a:r>
             <a:r>
-              <a:rPr lang="fr-FR" baseline="0" dirty="0" smtClean="0"/>
+              <a:rPr lang="fr-FR" baseline="0" dirty="0"/>
               <a:t> nous </a:t>
             </a:r>
             <a:r>
-              <a:rPr lang="fr-FR" baseline="0" dirty="0" err="1" smtClean="0"/>
+              <a:rPr lang="fr-FR" baseline="0" dirty="0" err="1"/>
               <a:t>esperons</a:t>
             </a:r>
             <a:r>
-              <a:rPr lang="fr-FR" baseline="0" dirty="0" smtClean="0"/>
+              <a:rPr lang="fr-FR" baseline="0" dirty="0"/>
               <a:t> pouvoir inclure une note vocale a l’</a:t>
             </a:r>
             <a:r>
-              <a:rPr lang="fr-FR" baseline="0" dirty="0" err="1" smtClean="0"/>
+              <a:rPr lang="fr-FR" baseline="0" dirty="0" err="1"/>
               <a:t>evenmen</a:t>
             </a:r>
             <a:r>
-              <a:rPr lang="fr-FR" baseline="0" dirty="0" smtClean="0"/>
+              <a:rPr lang="fr-FR" baseline="0" dirty="0"/>
               <a:t> et pour quoi pas </a:t>
             </a:r>
             <a:r>
-              <a:rPr lang="fr-FR" baseline="0" dirty="0" err="1" smtClean="0"/>
+              <a:rPr lang="fr-FR" baseline="0" dirty="0" err="1"/>
               <a:t>sychroniser</a:t>
             </a:r>
             <a:r>
-              <a:rPr lang="fr-FR" baseline="0" dirty="0" smtClean="0"/>
+              <a:rPr lang="fr-FR" baseline="0" dirty="0"/>
               <a:t> les calendrier de </a:t>
             </a:r>
             <a:r>
-              <a:rPr lang="fr-FR" baseline="0" dirty="0" err="1" smtClean="0"/>
+              <a:rPr lang="fr-FR" baseline="0" dirty="0" err="1"/>
               <a:t>lutilisateure</a:t>
             </a:r>
             <a:r>
-              <a:rPr lang="fr-FR" baseline="0" dirty="0" smtClean="0"/>
+              <a:rPr lang="fr-FR" baseline="0" dirty="0"/>
               <a:t> </a:t>
             </a:r>
             <a:r>
-              <a:rPr lang="fr-FR" baseline="0" dirty="0" err="1" smtClean="0"/>
+              <a:rPr lang="fr-FR" baseline="0" dirty="0" err="1"/>
               <a:t>grace</a:t>
             </a:r>
             <a:r>
-              <a:rPr lang="fr-FR" baseline="0" dirty="0" smtClean="0"/>
+              <a:rPr lang="fr-FR" baseline="0" dirty="0"/>
               <a:t> a </a:t>
             </a:r>
             <a:r>
-              <a:rPr lang="fr-FR" baseline="0" dirty="0" err="1" smtClean="0"/>
+              <a:rPr lang="fr-FR" baseline="0" dirty="0" err="1"/>
               <a:t>lutilisation</a:t>
             </a:r>
             <a:r>
-              <a:rPr lang="fr-FR" baseline="0" dirty="0" smtClean="0"/>
+              <a:rPr lang="fr-FR" baseline="0" dirty="0"/>
               <a:t> d’un </a:t>
             </a:r>
             <a:r>
-              <a:rPr lang="fr-FR" baseline="0" dirty="0" err="1" smtClean="0"/>
+              <a:rPr lang="fr-FR" baseline="0" dirty="0" err="1"/>
               <a:t>compt</a:t>
             </a:r>
             <a:r>
-              <a:rPr lang="fr-FR" baseline="0" dirty="0" smtClean="0"/>
+              <a:rPr lang="fr-FR" baseline="0" dirty="0"/>
               <a:t> </a:t>
             </a:r>
             <a:r>
-              <a:rPr lang="fr-FR" baseline="0" dirty="0" err="1" smtClean="0"/>
+              <a:rPr lang="fr-FR" baseline="0" dirty="0" err="1"/>
               <a:t>gmail</a:t>
             </a:r>
-            <a:endParaRPr lang="fr-FR" baseline="0" dirty="0" smtClean="0"/>
+            <a:endParaRPr lang="fr-FR" baseline="0" dirty="0"/>
           </a:p>
           <a:p>
             <a:pPr marL="0" lvl="0" indent="0">
@@ -3216,39 +3216,39 @@
               <a:buNone/>
             </a:pPr>
             <a:r>
-              <a:rPr lang="fr-FR" dirty="0" err="1" smtClean="0"/>
+              <a:rPr lang="fr-FR" dirty="0" err="1"/>
               <a:t>Aujourdhui</a:t>
             </a:r>
             <a:r>
-              <a:rPr lang="fr-FR" dirty="0" smtClean="0"/>
+              <a:rPr lang="fr-FR" dirty="0"/>
               <a:t> un manque de temps ce</a:t>
             </a:r>
             <a:r>
-              <a:rPr lang="fr-FR" baseline="0" dirty="0" smtClean="0"/>
+              <a:rPr lang="fr-FR" baseline="0" dirty="0"/>
               <a:t> fait </a:t>
             </a:r>
             <a:r>
-              <a:rPr lang="fr-FR" baseline="0" dirty="0" err="1" smtClean="0"/>
+              <a:rPr lang="fr-FR" baseline="0" dirty="0" err="1"/>
               <a:t>resentire</a:t>
             </a:r>
             <a:r>
-              <a:rPr lang="fr-FR" baseline="0" dirty="0" smtClean="0"/>
+              <a:rPr lang="fr-FR" baseline="0" dirty="0"/>
               <a:t> chez la plus part des gents ,comme si les journées devenais de plus en plus </a:t>
             </a:r>
             <a:r>
-              <a:rPr lang="fr-FR" baseline="0" dirty="0" err="1" smtClean="0"/>
+              <a:rPr lang="fr-FR" baseline="0" dirty="0" err="1"/>
               <a:t>cpourte</a:t>
             </a:r>
             <a:r>
-              <a:rPr lang="fr-FR" baseline="0" dirty="0" smtClean="0"/>
+              <a:rPr lang="fr-FR" baseline="0" dirty="0"/>
               <a:t> ,ce </a:t>
             </a:r>
             <a:r>
-              <a:rPr lang="fr-FR" baseline="0" dirty="0" err="1" smtClean="0"/>
+              <a:rPr lang="fr-FR" baseline="0" dirty="0" err="1"/>
               <a:t>sentilment</a:t>
             </a:r>
             <a:r>
-              <a:rPr lang="fr-FR" baseline="0" dirty="0" smtClean="0"/>
+              <a:rPr lang="fr-FR" baseline="0" dirty="0"/>
               <a:t> et du au rythme de vie actuel </a:t>
             </a:r>
           </a:p>
@@ -3263,47 +3263,47 @@
               <a:buNone/>
             </a:pPr>
             <a:r>
-              <a:rPr lang="fr-FR" baseline="0" dirty="0" smtClean="0"/>
+              <a:rPr lang="fr-FR" baseline="0" dirty="0"/>
               <a:t>Les </a:t>
             </a:r>
             <a:r>
-              <a:rPr lang="fr-FR" baseline="0" dirty="0" err="1" smtClean="0"/>
+              <a:rPr lang="fr-FR" baseline="0" dirty="0" err="1"/>
               <a:t>etudiants</a:t>
             </a:r>
             <a:r>
-              <a:rPr lang="fr-FR" baseline="0" dirty="0" smtClean="0"/>
+              <a:rPr lang="fr-FR" baseline="0" dirty="0"/>
               <a:t> </a:t>
             </a:r>
             <a:r>
-              <a:rPr lang="fr-FR" baseline="0" dirty="0" err="1" smtClean="0"/>
+              <a:rPr lang="fr-FR" baseline="0" dirty="0" err="1"/>
               <a:t>son,t</a:t>
             </a:r>
             <a:r>
-              <a:rPr lang="fr-FR" baseline="0" dirty="0" smtClean="0"/>
+              <a:rPr lang="fr-FR" baseline="0" dirty="0"/>
               <a:t> les plus toucher par ce </a:t>
             </a:r>
             <a:r>
-              <a:rPr lang="fr-FR" baseline="0" dirty="0" err="1" smtClean="0"/>
+              <a:rPr lang="fr-FR" baseline="0" dirty="0" err="1"/>
               <a:t>problem</a:t>
             </a:r>
             <a:r>
-              <a:rPr lang="fr-FR" baseline="0" dirty="0" smtClean="0"/>
+              <a:rPr lang="fr-FR" baseline="0" dirty="0"/>
               <a:t>  en </a:t>
             </a:r>
             <a:r>
-              <a:rPr lang="fr-FR" baseline="0" dirty="0" err="1" smtClean="0"/>
+              <a:rPr lang="fr-FR" baseline="0" dirty="0" err="1"/>
               <a:t>raisone</a:t>
             </a:r>
             <a:r>
-              <a:rPr lang="fr-FR" baseline="0" dirty="0" smtClean="0"/>
+              <a:rPr lang="fr-FR" baseline="0" dirty="0"/>
               <a:t> de diversité de </a:t>
             </a:r>
             <a:r>
-              <a:rPr lang="fr-FR" baseline="0" dirty="0" err="1" smtClean="0"/>
+              <a:rPr lang="fr-FR" baseline="0" dirty="0" err="1"/>
               <a:t>leures</a:t>
             </a:r>
             <a:r>
-              <a:rPr lang="fr-FR" baseline="0" dirty="0" smtClean="0"/>
+              <a:rPr lang="fr-FR" baseline="0" dirty="0"/>
               <a:t> activité ,</a:t>
             </a:r>
           </a:p>
@@ -3318,39 +3318,39 @@
               <a:buNone/>
             </a:pPr>
             <a:r>
-              <a:rPr lang="fr-FR" baseline="0" dirty="0" smtClean="0"/>
+              <a:rPr lang="fr-FR" baseline="0" dirty="0"/>
               <a:t>Dun autre coté  nos </a:t>
             </a:r>
             <a:r>
-              <a:rPr lang="fr-FR" baseline="0" dirty="0" err="1" smtClean="0"/>
+              <a:rPr lang="fr-FR" baseline="0" dirty="0" err="1"/>
               <a:t>habutudes</a:t>
             </a:r>
             <a:r>
-              <a:rPr lang="fr-FR" baseline="0" dirty="0" smtClean="0"/>
+              <a:rPr lang="fr-FR" baseline="0" dirty="0"/>
               <a:t> </a:t>
             </a:r>
             <a:r>
-              <a:rPr lang="fr-FR" baseline="0" dirty="0" err="1" smtClean="0"/>
+              <a:rPr lang="fr-FR" baseline="0" dirty="0" err="1"/>
               <a:t>quotideinnes</a:t>
             </a:r>
             <a:r>
-              <a:rPr lang="fr-FR" baseline="0" dirty="0" smtClean="0"/>
+              <a:rPr lang="fr-FR" baseline="0" dirty="0"/>
               <a:t> ont </a:t>
             </a:r>
             <a:r>
-              <a:rPr lang="fr-FR" baseline="0" dirty="0" err="1" smtClean="0"/>
+              <a:rPr lang="fr-FR" baseline="0" dirty="0" err="1"/>
               <a:t>beaucoupe</a:t>
             </a:r>
             <a:r>
-              <a:rPr lang="fr-FR" baseline="0" dirty="0" smtClean="0"/>
+              <a:rPr lang="fr-FR" baseline="0" dirty="0"/>
               <a:t> changer </a:t>
             </a:r>
             <a:r>
-              <a:rPr lang="fr-FR" baseline="0" dirty="0" err="1" smtClean="0"/>
+              <a:rPr lang="fr-FR" baseline="0" dirty="0" err="1"/>
               <a:t>acause</a:t>
             </a:r>
             <a:r>
-              <a:rPr lang="fr-FR" baseline="0" dirty="0" smtClean="0"/>
+              <a:rPr lang="fr-FR" baseline="0" dirty="0"/>
               <a:t> des nouvelles technologie tel que les smartphones </a:t>
             </a:r>
           </a:p>
@@ -3365,31 +3365,31 @@
               <a:buNone/>
             </a:pPr>
             <a:r>
-              <a:rPr lang="fr-FR" baseline="0" dirty="0" smtClean="0"/>
+              <a:rPr lang="fr-FR" baseline="0" dirty="0"/>
               <a:t>Ces dernier sont utiliser par 56% de la population mondial et  les </a:t>
             </a:r>
             <a:r>
-              <a:rPr lang="fr-FR" baseline="0" dirty="0" err="1" smtClean="0"/>
+              <a:rPr lang="fr-FR" baseline="0" dirty="0" err="1"/>
               <a:t>etudiant</a:t>
             </a:r>
             <a:r>
-              <a:rPr lang="fr-FR" baseline="0" dirty="0" smtClean="0"/>
+              <a:rPr lang="fr-FR" baseline="0" dirty="0"/>
               <a:t> </a:t>
             </a:r>
             <a:r>
-              <a:rPr lang="fr-FR" baseline="0" dirty="0" err="1" smtClean="0"/>
+              <a:rPr lang="fr-FR" baseline="0" dirty="0" err="1"/>
               <a:t>represente</a:t>
             </a:r>
             <a:r>
-              <a:rPr lang="fr-FR" baseline="0" dirty="0" smtClean="0"/>
+              <a:rPr lang="fr-FR" baseline="0" dirty="0"/>
               <a:t> une partie </a:t>
             </a:r>
             <a:r>
-              <a:rPr lang="fr-FR" baseline="0" dirty="0" err="1" smtClean="0"/>
+              <a:rPr lang="fr-FR" baseline="0" dirty="0" err="1"/>
               <a:t>consderable</a:t>
             </a:r>
             <a:r>
-              <a:rPr lang="fr-FR" baseline="0" dirty="0" smtClean="0"/>
+              <a:rPr lang="fr-FR" baseline="0" dirty="0"/>
               <a:t> de ce chiffre  </a:t>
             </a:r>
           </a:p>
@@ -3860,80 +3860,60 @@
               <a:buNone/>
             </a:pPr>
             <a:r>
-              <a:rPr lang="fr-FR" dirty="0" smtClean="0"/>
+              <a:rPr lang="fr-FR" dirty="0"/>
               <a:t>Dans ce cette figure vous </a:t>
             </a:r>
             <a:r>
-              <a:rPr lang="fr-FR" dirty="0" err="1" smtClean="0"/>
+              <a:rPr lang="fr-FR" dirty="0" err="1"/>
               <a:t>pourez</a:t>
             </a:r>
             <a:r>
-              <a:rPr lang="fr-FR" dirty="0" smtClean="0"/>
+              <a:rPr lang="fr-FR" dirty="0"/>
               <a:t> voir les </a:t>
             </a:r>
             <a:r>
-              <a:rPr lang="fr-FR" dirty="0" err="1" smtClean="0"/>
+              <a:rPr lang="fr-FR" dirty="0" err="1"/>
               <a:t>differtnes</a:t>
             </a:r>
             <a:r>
-              <a:rPr lang="fr-FR" dirty="0" smtClean="0"/>
+              <a:rPr lang="fr-FR" dirty="0"/>
               <a:t> interface </a:t>
             </a:r>
             <a:r>
-              <a:rPr lang="fr-FR" dirty="0" err="1" smtClean="0"/>
+              <a:rPr lang="fr-FR" dirty="0" err="1"/>
               <a:t>prposer</a:t>
             </a:r>
             <a:r>
-              <a:rPr lang="fr-FR" dirty="0" smtClean="0"/>
+              <a:rPr lang="fr-FR" dirty="0"/>
               <a:t> et leurs liens</a:t>
             </a:r>
             <a:r>
-              <a:rPr lang="fr-FR" baseline="0" dirty="0" smtClean="0"/>
+              <a:rPr lang="fr-FR" baseline="0" dirty="0"/>
               <a:t> de navigation </a:t>
             </a:r>
             <a:r>
-              <a:rPr lang="fr-FR" dirty="0" smtClean="0"/>
-              <a:t>, </a:t>
+              <a:rPr lang="fr-FR" dirty="0"/>
+              <a:t>, la Vue Globale est la première a </a:t>
+            </a:r>
+            <a:r>
+              <a:rPr lang="fr-FR" dirty="0" err="1"/>
+              <a:t>etre</a:t>
             </a:r>
             <a:r>
               <a:rPr lang="fr-FR" dirty="0"/>
-              <a:t>la Vue Globale est la première </a:t>
+              <a:t>  affichée à l’utilisateur. À partir de celle-ci, il peut ajouter un événement ou bien utiliser le menu </a:t>
             </a:r>
             <a:r>
-              <a:rPr lang="fr-FR" dirty="0" smtClean="0"/>
-              <a:t>a </a:t>
+              <a:rPr lang="fr-FR" dirty="0" err="1"/>
+              <a:t>lateral</a:t>
             </a:r>
             <a:r>
-              <a:rPr lang="fr-FR" dirty="0" err="1" smtClean="0"/>
-              <a:t>etre</a:t>
-            </a:r>
-            <a:r>
-              <a:rPr lang="fr-FR" dirty="0" smtClean="0"/>
-              <a:t>  </a:t>
+              <a:rPr lang="fr-FR" baseline="0" dirty="0"/>
+              <a:t> pour passer a la liste des calendrier </a:t>
             </a:r>
             <a:r>
               <a:rPr lang="fr-FR" dirty="0"/>
-              <a:t>affichée à l’utilisateur. À partir de celle-ci, il peut ajouter un événement ou bien </a:t>
-            </a:r>
-            <a:r>
-              <a:rPr lang="fr-FR" dirty="0" smtClean="0"/>
-              <a:t>utiliser le menu </a:t>
-            </a:r>
-            <a:r>
-              <a:rPr lang="fr-FR" dirty="0" err="1" smtClean="0"/>
-              <a:t>lateral</a:t>
-            </a:r>
-            <a:r>
-              <a:rPr lang="fr-FR" baseline="0" dirty="0" smtClean="0"/>
-              <a:t> pour passer a la liste des calendrier </a:t>
-            </a:r>
-            <a:r>
-              <a:rPr lang="fr-FR" dirty="0" smtClean="0"/>
-              <a:t>, </a:t>
-            </a:r>
-            <a:r>
-              <a:rPr lang="fr-FR" dirty="0"/>
-              <a:t>dans la vue liste des calendriers l’utilisateur peut ajouter ou modifier un calendrier.</a:t>
+              <a:t>, dans la vue liste des calendriers l’utilisateur peut ajouter ou modifier un calendrier.</a:t>
             </a:r>
             <a:endParaRPr dirty="0"/>
           </a:p>
@@ -20014,13 +19994,6 @@
   <p:transition>
     <p:fade thruBlk="1"/>
   </p:transition>
-  <p:timing>
-    <p:tnLst>
-      <p:par>
-        <p:cTn id="1" dur="indefinite" restart="never" nodeType="tmRoot"/>
-      </p:par>
-    </p:tnLst>
-  </p:timing>
 </p:sld>
 </file>
 
@@ -20161,13 +20134,6 @@
   <p:clrMapOvr>
     <a:masterClrMapping/>
   </p:clrMapOvr>
-  <p:timing>
-    <p:tnLst>
-      <p:par>
-        <p:cTn id="1" dur="indefinite" restart="never" nodeType="tmRoot"/>
-      </p:par>
-    </p:tnLst>
-  </p:timing>
 </p:sld>
 </file>
 
@@ -20340,13 +20306,6 @@
   <p:clrMapOvr>
     <a:masterClrMapping/>
   </p:clrMapOvr>
-  <p:timing>
-    <p:tnLst>
-      <p:par>
-        <p:cTn id="1" dur="indefinite" restart="never" nodeType="tmRoot"/>
-      </p:par>
-    </p:tnLst>
-  </p:timing>
 </p:sld>
 </file>
 
@@ -20486,13 +20445,6 @@
   <p:clrMapOvr>
     <a:masterClrMapping/>
   </p:clrMapOvr>
-  <p:timing>
-    <p:tnLst>
-      <p:par>
-        <p:cTn id="1" dur="indefinite" restart="never" nodeType="tmRoot"/>
-      </p:par>
-    </p:tnLst>
-  </p:timing>
 </p:sld>
 </file>
 
@@ -20632,13 +20584,6 @@
   <p:clrMapOvr>
     <a:masterClrMapping/>
   </p:clrMapOvr>
-  <p:timing>
-    <p:tnLst>
-      <p:par>
-        <p:cTn id="1" dur="indefinite" restart="never" nodeType="tmRoot"/>
-      </p:par>
-    </p:tnLst>
-  </p:timing>
 </p:sld>
 </file>
 
@@ -20865,13 +20810,6 @@
   <p:clrMapOvr>
     <a:masterClrMapping/>
   </p:clrMapOvr>
-  <p:timing>
-    <p:tnLst>
-      <p:par>
-        <p:cTn id="1" dur="indefinite" restart="never" nodeType="tmRoot"/>
-      </p:par>
-    </p:tnLst>
-  </p:timing>
 </p:sld>
 </file>
 
@@ -21013,13 +20951,6 @@
   <p:clrMapOvr>
     <a:masterClrMapping/>
   </p:clrMapOvr>
-  <p:timing>
-    <p:tnLst>
-      <p:par>
-        <p:cTn id="1" dur="indefinite" restart="never" nodeType="tmRoot"/>
-      </p:par>
-    </p:tnLst>
-  </p:timing>
 </p:sld>
 </file>
 
@@ -22841,13 +22772,6 @@
   <p:clrMapOvr>
     <a:masterClrMapping/>
   </p:clrMapOvr>
-  <p:timing>
-    <p:tnLst>
-      <p:par>
-        <p:cTn id="1" dur="indefinite" restart="never" nodeType="tmRoot"/>
-      </p:par>
-    </p:tnLst>
-  </p:timing>
 </p:sld>
 </file>
 
@@ -23032,13 +22956,6 @@
   <p:clrMapOvr>
     <a:masterClrMapping/>
   </p:clrMapOvr>
-  <p:timing>
-    <p:tnLst>
-      <p:par>
-        <p:cTn id="1" dur="indefinite" restart="never" nodeType="tmRoot"/>
-      </p:par>
-    </p:tnLst>
-  </p:timing>
 </p:sld>
 </file>
 
@@ -23798,7 +23715,84 @@
               </a:rPr>
               <a:t>(3 jours)</a:t>
             </a:r>
-            <a:endParaRPr b="1" dirty="0">
+            <a:r>
+              <a:rPr lang="en" sz="9600" b="1" dirty="0">
+                <a:solidFill>
+                  <a:srgbClr val="3C78D8"/>
+                </a:solidFill>
+                <a:latin typeface="Oswald"/>
+                <a:sym typeface="Oswald"/>
+              </a:rPr>
+              <a:t> </a:t>
+            </a:r>
+          </a:p>
+          <a:p>
+            <a:pPr marL="342900" indent="-342900"/>
+            <a:r>
+              <a:rPr lang="fr-FR" b="1" dirty="0">
+                <a:solidFill>
+                  <a:srgbClr val="3C78D8"/>
+                </a:solidFill>
+                <a:latin typeface="Oswald"/>
+                <a:sym typeface="Oswald"/>
+              </a:rPr>
+              <a:t>Affichage des événements avec la couleur qui leur correspondent.</a:t>
+            </a:r>
+          </a:p>
+          <a:p>
+            <a:pPr marL="342900" indent="-342900"/>
+            <a:r>
+              <a:rPr lang="fr-FR" b="1" dirty="0">
+                <a:solidFill>
+                  <a:srgbClr val="3C78D8"/>
+                </a:solidFill>
+                <a:latin typeface="Oswald"/>
+                <a:ea typeface="Oswald"/>
+                <a:cs typeface="Oswald"/>
+                <a:sym typeface="Oswald"/>
+              </a:rPr>
+              <a:t>Bouton ‘</a:t>
+            </a:r>
+            <a:r>
+              <a:rPr lang="fr-FR" sz="2400" b="1" dirty="0">
+                <a:solidFill>
+                  <a:srgbClr val="3C78D8"/>
+                </a:solidFill>
+                <a:latin typeface="Oswald"/>
+                <a:ea typeface="Oswald"/>
+                <a:cs typeface="Oswald"/>
+                <a:sym typeface="Oswald"/>
+              </a:rPr>
+              <a:t>+</a:t>
+            </a:r>
+            <a:r>
+              <a:rPr lang="fr-FR" b="1" dirty="0">
+                <a:solidFill>
+                  <a:srgbClr val="3C78D8"/>
+                </a:solidFill>
+                <a:latin typeface="Oswald"/>
+                <a:ea typeface="Oswald"/>
+                <a:cs typeface="Oswald"/>
+                <a:sym typeface="Oswald"/>
+              </a:rPr>
+              <a:t>’ pour ajouter des événements.</a:t>
+            </a:r>
+          </a:p>
+          <a:p>
+            <a:pPr marL="342900" indent="-342900"/>
+            <a:r>
+              <a:rPr lang="fr-FR" b="1" dirty="0">
+                <a:solidFill>
+                  <a:srgbClr val="3C78D8"/>
+                </a:solidFill>
+                <a:latin typeface="Oswald"/>
+                <a:ea typeface="Oswald"/>
+                <a:cs typeface="Oswald"/>
+                <a:sym typeface="Oswald"/>
+              </a:rPr>
+              <a:t>Menus latéraux.</a:t>
+            </a:r>
+            <a:endParaRPr lang="en" b="1" dirty="0">
               <a:solidFill>
                 <a:srgbClr val="FFFFFF"/>
               </a:solidFill>
@@ -23807,10 +23801,6 @@
               <a:cs typeface="Oswald"/>
               <a:sym typeface="Oswald"/>
             </a:endParaRPr>
-          </a:p>
-          <a:p>
-            <a:pPr marL="342900" indent="-342900"/>
-            <a:endParaRPr dirty="0"/>
           </a:p>
         </p:txBody>
       </p:sp>
@@ -23945,13 +23935,6 @@
   <p:clrMapOvr>
     <a:masterClrMapping/>
   </p:clrMapOvr>
-  <p:timing>
-    <p:tnLst>
-      <p:par>
-        <p:cTn id="1" dur="indefinite" restart="never" nodeType="tmRoot"/>
-      </p:par>
-    </p:tnLst>
-  </p:timing>
 </p:sld>
 </file>
 
@@ -24687,6 +24670,79 @@
               </a:rPr>
               <a:t>INTERFACE CALENDRIER</a:t>
             </a:r>
+          </a:p>
+          <a:p>
+            <a:pPr marL="342900" indent="-342900"/>
+            <a:r>
+              <a:rPr lang="fr-FR" b="1" dirty="0">
+                <a:solidFill>
+                  <a:srgbClr val="3C78D8"/>
+                </a:solidFill>
+                <a:latin typeface="Oswald"/>
+                <a:sym typeface="Oswald"/>
+              </a:rPr>
+              <a:t>Liste des calendriers.</a:t>
+            </a:r>
+          </a:p>
+          <a:p>
+            <a:pPr marL="0" indent="0">
+              <a:buNone/>
+            </a:pPr>
+            <a:endParaRPr lang="fr-FR" b="1" dirty="0">
+              <a:solidFill>
+                <a:srgbClr val="3C78D8"/>
+              </a:solidFill>
+              <a:latin typeface="Oswald"/>
+              <a:sym typeface="Oswald"/>
+            </a:endParaRPr>
+          </a:p>
+          <a:p>
+            <a:pPr marL="342900" indent="-342900"/>
+            <a:r>
+              <a:rPr lang="fr-FR" b="1" dirty="0">
+                <a:solidFill>
+                  <a:srgbClr val="3C78D8"/>
+                </a:solidFill>
+                <a:latin typeface="Oswald"/>
+                <a:ea typeface="Oswald"/>
+                <a:cs typeface="Oswald"/>
+                <a:sym typeface="Oswald"/>
+              </a:rPr>
+              <a:t>Bouton ‘</a:t>
+            </a:r>
+            <a:r>
+              <a:rPr lang="fr-FR" sz="2400" b="1" dirty="0">
+                <a:solidFill>
+                  <a:srgbClr val="3C78D8"/>
+                </a:solidFill>
+                <a:latin typeface="Oswald"/>
+                <a:ea typeface="Oswald"/>
+                <a:cs typeface="Oswald"/>
+                <a:sym typeface="Oswald"/>
+              </a:rPr>
+              <a:t>+</a:t>
+            </a:r>
+            <a:r>
+              <a:rPr lang="fr-FR" b="1" dirty="0">
+                <a:solidFill>
+                  <a:srgbClr val="3C78D8"/>
+                </a:solidFill>
+                <a:latin typeface="Oswald"/>
+                <a:ea typeface="Oswald"/>
+                <a:cs typeface="Oswald"/>
+                <a:sym typeface="Oswald"/>
+              </a:rPr>
+              <a:t>’ pour ajouter des calendriers.</a:t>
+            </a:r>
+            <a:endParaRPr lang="en" b="1" dirty="0">
+              <a:solidFill>
+                <a:srgbClr val="FFFFFF"/>
+              </a:solidFill>
+              <a:latin typeface="Oswald"/>
+              <a:ea typeface="Oswald"/>
+              <a:cs typeface="Oswald"/>
+              <a:sym typeface="Oswald"/>
+            </a:endParaRPr>
           </a:p>
           <a:p>
             <a:pPr marL="0" indent="0">
@@ -24827,13 +24883,6 @@
   <p:clrMapOvr>
     <a:masterClrMapping/>
   </p:clrMapOvr>
-  <p:timing>
-    <p:tnLst>
-      <p:par>
-        <p:cTn id="1" dur="indefinite" restart="never" nodeType="tmRoot"/>
-      </p:par>
-    </p:tnLst>
-  </p:timing>
 </p:sld>
 </file>
 
@@ -24954,10 +25003,9 @@
               </a:spcBef>
             </a:pPr>
             <a:r>
-              <a:rPr lang="fr-FR" sz="2800" dirty="0" smtClean="0"/>
+              <a:rPr lang="fr-FR" sz="2800" dirty="0"/>
               <a:t>Conclusion</a:t>
             </a:r>
-            <a:endParaRPr lang="fr-FR" sz="2800" dirty="0"/>
           </a:p>
           <a:p>
             <a:pPr>
@@ -25018,13 +25066,6 @@
   <p:clrMapOvr>
     <a:masterClrMapping/>
   </p:clrMapOvr>
-  <p:timing>
-    <p:tnLst>
-      <p:par>
-        <p:cTn id="1" dur="indefinite" restart="never" nodeType="tmRoot"/>
-      </p:par>
-    </p:tnLst>
-  </p:timing>
 </p:sld>
 </file>
 
@@ -25760,9 +25801,63 @@
               </a:rPr>
               <a:t>INTERFACE AJOUT D’UN EVENEMENT</a:t>
             </a:r>
-            <a:endParaRPr b="1" dirty="0">
+          </a:p>
+          <a:p>
+            <a:pPr marL="342900" indent="-342900"/>
+            <a:r>
+              <a:rPr lang="fr-FR" b="1" dirty="0">
+                <a:solidFill>
+                  <a:srgbClr val="3C78D8"/>
+                </a:solidFill>
+                <a:latin typeface="Oswald"/>
+                <a:sym typeface="Oswald"/>
+              </a:rPr>
+              <a:t>Différents champs à saisir.</a:t>
+            </a:r>
+          </a:p>
+          <a:p>
+            <a:pPr marL="0" indent="0">
+              <a:buNone/>
+            </a:pPr>
+            <a:endParaRPr lang="fr-FR" b="1" dirty="0">
+              <a:solidFill>
+                <a:srgbClr val="3C78D8"/>
+              </a:solidFill>
+              <a:latin typeface="Oswald"/>
+              <a:sym typeface="Oswald"/>
+            </a:endParaRPr>
+          </a:p>
+          <a:p>
+            <a:pPr marL="342900" indent="-342900"/>
+            <a:r>
+              <a:rPr lang="fr-FR" b="1" dirty="0">
+                <a:solidFill>
+                  <a:srgbClr val="3C78D8"/>
+                </a:solidFill>
+                <a:latin typeface="Oswald"/>
+                <a:ea typeface="Oswald"/>
+                <a:cs typeface="Oswald"/>
+                <a:sym typeface="Oswald"/>
+              </a:rPr>
+              <a:t>Bouton flottant pour enregistrer l’événement.</a:t>
+            </a:r>
+            <a:endParaRPr lang="en" b="1" dirty="0">
               <a:solidFill>
                 <a:srgbClr val="FFFFFF"/>
+              </a:solidFill>
+              <a:latin typeface="Oswald"/>
+              <a:ea typeface="Oswald"/>
+              <a:cs typeface="Oswald"/>
+              <a:sym typeface="Oswald"/>
+            </a:endParaRPr>
+          </a:p>
+          <a:p>
+            <a:pPr marL="0" indent="0">
+              <a:buNone/>
+            </a:pPr>
+            <a:endParaRPr lang="fr-FR" sz="1400" b="1" dirty="0">
+              <a:solidFill>
+                <a:schemeClr val="tx1"/>
               </a:solidFill>
               <a:latin typeface="Oswald"/>
               <a:ea typeface="Oswald"/>
@@ -25903,13 +25998,6 @@
   <p:clrMapOvr>
     <a:masterClrMapping/>
   </p:clrMapOvr>
-  <p:timing>
-    <p:tnLst>
-      <p:par>
-        <p:cTn id="1" dur="indefinite" restart="never" nodeType="tmRoot"/>
-      </p:par>
-    </p:tnLst>
-  </p:timing>
 </p:sld>
 </file>
 
@@ -26051,13 +26139,6 @@
   <p:clrMapOvr>
     <a:masterClrMapping/>
   </p:clrMapOvr>
-  <p:timing>
-    <p:tnLst>
-      <p:par>
-        <p:cTn id="1" dur="indefinite" restart="never" nodeType="tmRoot"/>
-      </p:par>
-    </p:tnLst>
-  </p:timing>
 </p:sld>
 </file>
 
@@ -29903,13 +29984,6 @@
   <p:clrMapOvr>
     <a:masterClrMapping/>
   </p:clrMapOvr>
-  <p:timing>
-    <p:tnLst>
-      <p:par>
-        <p:cTn id="1" dur="indefinite" restart="never" nodeType="tmRoot"/>
-      </p:par>
-    </p:tnLst>
-  </p:timing>
 </p:sld>
 </file>
 
@@ -31194,13 +31268,6 @@
   <p:clrMapOvr>
     <a:masterClrMapping/>
   </p:clrMapOvr>
-  <p:timing>
-    <p:tnLst>
-      <p:par>
-        <p:cTn id="1" dur="indefinite" restart="never" nodeType="tmRoot"/>
-      </p:par>
-    </p:tnLst>
-  </p:timing>
 </p:sld>
 </file>
 
@@ -31246,10 +31313,6 @@
           </a:bodyPr>
           <a:lstStyle/>
           <a:p>
-            <a:r>
-              <a:rPr lang="en" sz="10000" dirty="0"/>
-              <a:t/>
-            </a:r>
             <a:br>
               <a:rPr lang="en" sz="10000" dirty="0"/>
             </a:br>
@@ -31285,7 +31348,7 @@
           <a:p>
             <a:pPr algn="ctr"/>
             <a:r>
-              <a:rPr lang="fr-FR" sz="4800" dirty="0" smtClean="0">
+              <a:rPr lang="fr-FR" sz="4800" dirty="0">
                 <a:solidFill>
                   <a:srgbClr val="3C78D8"/>
                 </a:solidFill>
@@ -31294,7 +31357,7 @@
               <a:t>Pour </a:t>
             </a:r>
             <a:r>
-              <a:rPr lang="fr-FR" sz="4800" dirty="0" smtClean="0">
+              <a:rPr lang="fr-FR" sz="4800" dirty="0">
                 <a:solidFill>
                   <a:srgbClr val="BDF32E"/>
                 </a:solidFill>
@@ -31303,7 +31366,7 @@
               <a:t>votre</a:t>
             </a:r>
             <a:r>
-              <a:rPr lang="fr-FR" sz="4800" dirty="0" smtClean="0">
+              <a:rPr lang="fr-FR" sz="4800" dirty="0">
                 <a:solidFill>
                   <a:srgbClr val="3C78D8"/>
                 </a:solidFill>
@@ -31311,12 +31374,6 @@
               </a:rPr>
               <a:t> attention</a:t>
             </a:r>
-            <a:endParaRPr lang="fr-FR" sz="4800" dirty="0">
-              <a:solidFill>
-                <a:srgbClr val="3C78D8"/>
-              </a:solidFill>
-              <a:latin typeface="Source Sans Pro" panose="020B0604020202020204" charset="0"/>
-            </a:endParaRPr>
           </a:p>
         </p:txBody>
       </p:sp>
@@ -31325,13 +31382,6 @@
   <p:clrMapOvr>
     <a:masterClrMapping/>
   </p:clrMapOvr>
-  <p:timing>
-    <p:tnLst>
-      <p:par>
-        <p:cTn id="1" dur="indefinite" restart="never" nodeType="tmRoot"/>
-      </p:par>
-    </p:tnLst>
-  </p:timing>
 </p:sld>
 </file>
 
@@ -31475,13 +31525,6 @@
   <p:clrMapOvr>
     <a:masterClrMapping/>
   </p:clrMapOvr>
-  <p:timing>
-    <p:tnLst>
-      <p:par>
-        <p:cTn id="1" dur="indefinite" restart="never" nodeType="tmRoot"/>
-      </p:par>
-    </p:tnLst>
-  </p:timing>
 </p:sld>
 </file>
 
@@ -31650,13 +31693,6 @@
   <p:clrMapOvr>
     <a:masterClrMapping/>
   </p:clrMapOvr>
-  <p:timing>
-    <p:tnLst>
-      <p:par>
-        <p:cTn id="1" dur="indefinite" restart="never" nodeType="tmRoot"/>
-      </p:par>
-    </p:tnLst>
-  </p:timing>
 </p:sld>
 </file>
 
@@ -31764,13 +31800,6 @@
   <p:clrMapOvr>
     <a:masterClrMapping/>
   </p:clrMapOvr>
-  <p:timing>
-    <p:tnLst>
-      <p:par>
-        <p:cTn id="1" dur="indefinite" restart="never" nodeType="tmRoot"/>
-      </p:par>
-    </p:tnLst>
-  </p:timing>
 </p:sld>
 </file>
 
@@ -31818,7 +31847,7 @@
           <a:p>
             <a:pPr lvl="0"/>
             <a:r>
-              <a:rPr lang="fr-FR" sz="4000" dirty="0" smtClean="0"/>
+              <a:rPr lang="fr-FR" sz="4000" dirty="0"/>
               <a:t>Spécification des besoins</a:t>
             </a:r>
             <a:endParaRPr sz="4000" dirty="0">
@@ -31856,33 +31885,16 @@
           <a:p>
             <a:r>
               <a:rPr lang="fr-FR" sz="2400" dirty="0"/>
-              <a:t>L’application à développer aura pour mission d’offrir une représentation </a:t>
+              <a:t>L’application à développer aura pour mission d’offrir une représentation  des activités de l’utilisateur pendant les jours de la semaine et lui rappeler les tâches prévues . </a:t>
             </a:r>
-            <a:r>
-              <a:rPr lang="fr-FR" sz="2400" dirty="0" smtClean="0"/>
-              <a:t> </a:t>
-            </a:r>
-            <a:r>
-              <a:rPr lang="fr-FR" sz="2400" dirty="0"/>
-              <a:t>des activités de l’utilisateur pendant les jours de la </a:t>
-            </a:r>
-            <a:r>
-              <a:rPr lang="fr-FR" sz="2400" dirty="0" smtClean="0"/>
-              <a:t>semaine et lui rappeler les tâches prévues . </a:t>
-            </a:r>
+          </a:p>
+          <a:p>
             <a:endParaRPr lang="fr-FR" sz="2400" dirty="0"/>
           </a:p>
           <a:p>
-            <a:endParaRPr lang="fr-FR" sz="2400" dirty="0" smtClean="0"/>
-          </a:p>
-          <a:p>
-            <a:r>
-              <a:rPr lang="fr-FR" sz="2400" dirty="0" smtClean="0"/>
-              <a:t>UML </a:t>
-            </a:r>
             <a:r>
               <a:rPr lang="fr-FR" sz="2400" dirty="0"/>
-              <a:t>: est un langage de modélisation graphique et textuelle.</a:t>
+              <a:t>UML : est un langage de modélisation graphique et textuelle.</a:t>
             </a:r>
           </a:p>
           <a:p>
@@ -31953,13 +31965,6 @@
   <p:clrMapOvr>
     <a:masterClrMapping/>
   </p:clrMapOvr>
-  <p:timing>
-    <p:tnLst>
-      <p:par>
-        <p:cTn id="1" dur="indefinite" restart="never" nodeType="tmRoot"/>
-      </p:par>
-    </p:tnLst>
-  </p:timing>
 </p:sld>
 </file>
 
@@ -32094,13 +32099,6 @@
   <p:clrMapOvr>
     <a:masterClrMapping/>
   </p:clrMapOvr>
-  <p:timing>
-    <p:tnLst>
-      <p:par>
-        <p:cTn id="1" dur="indefinite" restart="never" nodeType="tmRoot"/>
-      </p:par>
-    </p:tnLst>
-  </p:timing>
 </p:sld>
 </file>
 
@@ -32235,13 +32233,6 @@
   <p:clrMapOvr>
     <a:masterClrMapping/>
   </p:clrMapOvr>
-  <p:timing>
-    <p:tnLst>
-      <p:par>
-        <p:cTn id="1" dur="indefinite" restart="never" nodeType="tmRoot"/>
-      </p:par>
-    </p:tnLst>
-  </p:timing>
 </p:sld>
 </file>
 
@@ -32381,13 +32372,6 @@
   <p:clrMapOvr>
     <a:masterClrMapping/>
   </p:clrMapOvr>
-  <p:timing>
-    <p:tnLst>
-      <p:par>
-        <p:cTn id="1" dur="indefinite" restart="never" nodeType="tmRoot"/>
-      </p:par>
-    </p:tnLst>
-  </p:timing>
 </p:sld>
 </file>
 

--- a/présentation licence 3.pptx
+++ b/présentation licence 3.pptx
@@ -37,30 +37,30 @@
   <p:notesSz cx="6858000" cy="9144000"/>
   <p:embeddedFontLst>
     <p:embeddedFont>
-      <p:font typeface="Source Sans Pro" panose="020B0604020202020204" charset="0"/>
+      <p:font typeface="Oswald" panose="00000500000000000000" pitchFamily="2" charset="0"/>
       <p:regular r:id="rId27"/>
       <p:bold r:id="rId28"/>
       <p:italic r:id="rId29"/>
       <p:boldItalic r:id="rId30"/>
     </p:embeddedFont>
     <p:embeddedFont>
-      <p:font typeface="Oswald" panose="02000303000000000000" pitchFamily="2" charset="0"/>
+      <p:font typeface="Calibri" panose="020F0502020204030204" pitchFamily="34" charset="0"/>
       <p:regular r:id="rId31"/>
       <p:bold r:id="rId32"/>
       <p:italic r:id="rId33"/>
       <p:boldItalic r:id="rId34"/>
     </p:embeddedFont>
     <p:embeddedFont>
-      <p:font typeface="Calibri" panose="020F0502020204030204" pitchFamily="34" charset="0"/>
+      <p:font typeface="Tahoma" panose="020B0604030504040204" pitchFamily="34" charset="0"/>
       <p:regular r:id="rId35"/>
       <p:bold r:id="rId36"/>
-      <p:italic r:id="rId37"/>
-      <p:boldItalic r:id="rId38"/>
     </p:embeddedFont>
     <p:embeddedFont>
-      <p:font typeface="Tahoma" panose="020B0604030504040204" pitchFamily="34" charset="0"/>
-      <p:regular r:id="rId39"/>
-      <p:bold r:id="rId40"/>
+      <p:font typeface="Source Sans Pro" panose="020B0604020202020204" charset="0"/>
+      <p:regular r:id="rId37"/>
+      <p:bold r:id="rId38"/>
+      <p:italic r:id="rId39"/>
+      <p:boldItalic r:id="rId40"/>
     </p:embeddedFont>
   </p:embeddedFontLst>
   <p:defaultTextStyle>
@@ -19994,6 +19994,13 @@
   <p:transition>
     <p:fade thruBlk="1"/>
   </p:transition>
+  <p:timing>
+    <p:tnLst>
+      <p:par>
+        <p:cTn id="1" dur="indefinite" restart="never" nodeType="tmRoot"/>
+      </p:par>
+    </p:tnLst>
+  </p:timing>
 </p:sld>
 </file>
 
@@ -20134,6 +20141,13 @@
   <p:clrMapOvr>
     <a:masterClrMapping/>
   </p:clrMapOvr>
+  <p:timing>
+    <p:tnLst>
+      <p:par>
+        <p:cTn id="1" dur="indefinite" restart="never" nodeType="tmRoot"/>
+      </p:par>
+    </p:tnLst>
+  </p:timing>
 </p:sld>
 </file>
 
@@ -20306,6 +20320,13 @@
   <p:clrMapOvr>
     <a:masterClrMapping/>
   </p:clrMapOvr>
+  <p:timing>
+    <p:tnLst>
+      <p:par>
+        <p:cTn id="1" dur="indefinite" restart="never" nodeType="tmRoot"/>
+      </p:par>
+    </p:tnLst>
+  </p:timing>
 </p:sld>
 </file>
 
@@ -20445,6 +20466,13 @@
   <p:clrMapOvr>
     <a:masterClrMapping/>
   </p:clrMapOvr>
+  <p:timing>
+    <p:tnLst>
+      <p:par>
+        <p:cTn id="1" dur="indefinite" restart="never" nodeType="tmRoot"/>
+      </p:par>
+    </p:tnLst>
+  </p:timing>
 </p:sld>
 </file>
 
@@ -20584,6 +20612,13 @@
   <p:clrMapOvr>
     <a:masterClrMapping/>
   </p:clrMapOvr>
+  <p:timing>
+    <p:tnLst>
+      <p:par>
+        <p:cTn id="1" dur="indefinite" restart="never" nodeType="tmRoot"/>
+      </p:par>
+    </p:tnLst>
+  </p:timing>
 </p:sld>
 </file>
 
@@ -20810,6 +20845,13 @@
   <p:clrMapOvr>
     <a:masterClrMapping/>
   </p:clrMapOvr>
+  <p:timing>
+    <p:tnLst>
+      <p:par>
+        <p:cTn id="1" dur="indefinite" restart="never" nodeType="tmRoot"/>
+      </p:par>
+    </p:tnLst>
+  </p:timing>
 </p:sld>
 </file>
 
@@ -20951,6 +20993,13 @@
   <p:clrMapOvr>
     <a:masterClrMapping/>
   </p:clrMapOvr>
+  <p:timing>
+    <p:tnLst>
+      <p:par>
+        <p:cTn id="1" dur="indefinite" restart="never" nodeType="tmRoot"/>
+      </p:par>
+    </p:tnLst>
+  </p:timing>
 </p:sld>
 </file>
 
@@ -22772,6 +22821,13 @@
   <p:clrMapOvr>
     <a:masterClrMapping/>
   </p:clrMapOvr>
+  <p:timing>
+    <p:tnLst>
+      <p:par>
+        <p:cTn id="1" dur="indefinite" restart="never" nodeType="tmRoot"/>
+      </p:par>
+    </p:tnLst>
+  </p:timing>
 </p:sld>
 </file>
 
@@ -22956,6 +23012,13 @@
   <p:clrMapOvr>
     <a:masterClrMapping/>
   </p:clrMapOvr>
+  <p:timing>
+    <p:tnLst>
+      <p:par>
+        <p:cTn id="1" dur="indefinite" restart="never" nodeType="tmRoot"/>
+      </p:par>
+    </p:tnLst>
+  </p:timing>
 </p:sld>
 </file>
 
@@ -23663,8 +23726,8 @@
         </p:nvSpPr>
         <p:spPr>
           <a:xfrm>
-            <a:off x="457199" y="2152275"/>
-            <a:ext cx="3742267" cy="2501400"/>
+            <a:off x="457199" y="3172077"/>
+            <a:ext cx="3159941" cy="1481597"/>
           </a:xfrm>
           <a:prstGeom prst="rect">
             <a:avLst/>
@@ -23703,6 +23766,32 @@
               </a:rPr>
               <a:t>D’ACCUEIL </a:t>
             </a:r>
+            <a:endParaRPr lang="fr-FR" b="1" dirty="0" smtClean="0">
+              <a:solidFill>
+                <a:srgbClr val="FFFFFF"/>
+              </a:solidFill>
+              <a:latin typeface="Oswald"/>
+              <a:ea typeface="Oswald"/>
+              <a:cs typeface="Oswald"/>
+              <a:sym typeface="Oswald"/>
+            </a:endParaRPr>
+          </a:p>
+          <a:p>
+            <a:pPr marL="0" indent="0">
+              <a:buNone/>
+            </a:pPr>
+            <a:r>
+              <a:rPr lang="en" b="1" dirty="0" smtClean="0">
+                <a:solidFill>
+                  <a:srgbClr val="FFFFFF"/>
+                </a:solidFill>
+                <a:latin typeface="Oswald"/>
+                <a:ea typeface="Oswald"/>
+                <a:cs typeface="Oswald"/>
+                <a:sym typeface="Oswald"/>
+              </a:rPr>
+              <a:t>(</a:t>
+            </a:r>
             <a:r>
               <a:rPr lang="en" b="1" dirty="0">
                 <a:solidFill>
@@ -23713,92 +23802,67 @@
                 <a:cs typeface="Oswald"/>
                 <a:sym typeface="Oswald"/>
               </a:rPr>
-              <a:t>(3 jours)</a:t>
+              <a:t>3 </a:t>
             </a:r>
             <a:r>
-              <a:rPr lang="en" sz="9600" b="1" dirty="0">
+              <a:rPr lang="en" b="1" dirty="0" smtClean="0">
                 <a:solidFill>
-                  <a:srgbClr val="3C78D8"/>
-                </a:solidFill>
-                <a:latin typeface="Oswald"/>
-                <a:sym typeface="Oswald"/>
-              </a:rPr>
-              <a:t> </a:t>
-            </a:r>
-          </a:p>
-          <a:p>
-            <a:pPr marL="342900" indent="-342900"/>
-            <a:r>
-              <a:rPr lang="fr-FR" b="1" dirty="0">
-                <a:solidFill>
-                  <a:srgbClr val="3C78D8"/>
-                </a:solidFill>
-                <a:latin typeface="Oswald"/>
-                <a:sym typeface="Oswald"/>
-              </a:rPr>
-              <a:t>Affichage des événements avec la couleur qui leur correspondent.</a:t>
-            </a:r>
-          </a:p>
-          <a:p>
-            <a:pPr marL="342900" indent="-342900"/>
-            <a:r>
-              <a:rPr lang="fr-FR" b="1" dirty="0">
-                <a:solidFill>
-                  <a:srgbClr val="3C78D8"/>
+                  <a:srgbClr val="FFFFFF"/>
                 </a:solidFill>
                 <a:latin typeface="Oswald"/>
                 <a:ea typeface="Oswald"/>
                 <a:cs typeface="Oswald"/>
                 <a:sym typeface="Oswald"/>
               </a:rPr>
-              <a:t>Bouton ‘</a:t>
+              <a:t>jours)</a:t>
             </a:r>
-            <a:r>
-              <a:rPr lang="fr-FR" sz="2400" b="1" dirty="0">
-                <a:solidFill>
-                  <a:srgbClr val="3C78D8"/>
-                </a:solidFill>
-                <a:latin typeface="Oswald"/>
-                <a:ea typeface="Oswald"/>
-                <a:cs typeface="Oswald"/>
-                <a:sym typeface="Oswald"/>
-              </a:rPr>
-              <a:t>+</a:t>
-            </a:r>
-            <a:r>
-              <a:rPr lang="fr-FR" b="1" dirty="0">
-                <a:solidFill>
-                  <a:srgbClr val="3C78D8"/>
-                </a:solidFill>
-                <a:latin typeface="Oswald"/>
-                <a:ea typeface="Oswald"/>
-                <a:cs typeface="Oswald"/>
-                <a:sym typeface="Oswald"/>
-              </a:rPr>
-              <a:t>’ pour ajouter des événements.</a:t>
-            </a:r>
-          </a:p>
-          <a:p>
-            <a:pPr marL="342900" indent="-342900"/>
-            <a:r>
-              <a:rPr lang="fr-FR" b="1" dirty="0">
-                <a:solidFill>
-                  <a:srgbClr val="3C78D8"/>
-                </a:solidFill>
-                <a:latin typeface="Oswald"/>
-                <a:ea typeface="Oswald"/>
-                <a:cs typeface="Oswald"/>
-                <a:sym typeface="Oswald"/>
-              </a:rPr>
-              <a:t>Menus latéraux.</a:t>
-            </a:r>
-            <a:endParaRPr lang="en" b="1" dirty="0">
+            <a:endParaRPr lang="en" sz="9600" b="1" dirty="0">
               <a:solidFill>
-                <a:srgbClr val="FFFFFF"/>
+                <a:srgbClr val="3C78D8"/>
               </a:solidFill>
               <a:latin typeface="Oswald"/>
               <a:ea typeface="Oswald"/>
               <a:cs typeface="Oswald"/>
+              <a:sym typeface="Oswald"/>
+            </a:endParaRPr>
+          </a:p>
+          <a:p>
+            <a:pPr marL="0" indent="0">
+              <a:buNone/>
+            </a:pPr>
+            <a:r>
+              <a:rPr lang="fr-FR" dirty="0" smtClean="0">
+                <a:latin typeface="Source Sans Pro" panose="020B0604020202020204" charset="0"/>
+                <a:sym typeface="Oswald"/>
+              </a:rPr>
+              <a:t>Affichage </a:t>
+            </a:r>
+            <a:r>
+              <a:rPr lang="fr-FR" dirty="0">
+                <a:latin typeface="Source Sans Pro" panose="020B0604020202020204" charset="0"/>
+                <a:sym typeface="Oswald"/>
+              </a:rPr>
+              <a:t>des événements avec la couleur qui leur correspondent</a:t>
+            </a:r>
+            <a:r>
+              <a:rPr lang="fr-FR" dirty="0" smtClean="0">
+                <a:solidFill>
+                  <a:schemeClr val="accent1">
+                    <a:lumMod val="75000"/>
+                  </a:schemeClr>
+                </a:solidFill>
+                <a:latin typeface="Source Sans Pro" panose="020B0604020202020204" charset="0"/>
+                <a:sym typeface="Oswald"/>
+              </a:rPr>
+              <a:t>.</a:t>
+            </a:r>
+            <a:endParaRPr lang="fr-FR" dirty="0">
+              <a:solidFill>
+                <a:schemeClr val="accent1">
+                  <a:lumMod val="75000"/>
+                </a:schemeClr>
+              </a:solidFill>
+              <a:latin typeface="Source Sans Pro" panose="020B0604020202020204" charset="0"/>
               <a:sym typeface="Oswald"/>
             </a:endParaRPr>
           </a:p>
@@ -23935,6 +23999,13 @@
   <p:clrMapOvr>
     <a:masterClrMapping/>
   </p:clrMapOvr>
+  <p:timing>
+    <p:tnLst>
+      <p:par>
+        <p:cTn id="1" dur="indefinite" restart="never" nodeType="tmRoot"/>
+      </p:par>
+    </p:tnLst>
+  </p:timing>
 </p:sld>
 </file>
 
@@ -24642,8 +24713,8 @@
         </p:nvSpPr>
         <p:spPr>
           <a:xfrm>
-            <a:off x="457200" y="2152275"/>
-            <a:ext cx="3575400" cy="2501400"/>
+            <a:off x="554304" y="3245972"/>
+            <a:ext cx="3575400" cy="949129"/>
           </a:xfrm>
           <a:prstGeom prst="rect">
             <a:avLst/>
@@ -24668,73 +24739,21 @@
                 <a:cs typeface="Oswald"/>
                 <a:sym typeface="Oswald"/>
               </a:rPr>
-              <a:t>INTERFACE CALENDRIER</a:t>
+              <a:t>INTERFACE </a:t>
             </a:r>
-          </a:p>
-          <a:p>
-            <a:pPr marL="342900" indent="-342900"/>
             <a:r>
-              <a:rPr lang="fr-FR" b="1" dirty="0">
+              <a:rPr lang="fr-FR" b="1" dirty="0" smtClean="0">
                 <a:solidFill>
-                  <a:srgbClr val="3C78D8"/>
-                </a:solidFill>
-                <a:latin typeface="Oswald"/>
-                <a:sym typeface="Oswald"/>
-              </a:rPr>
-              <a:t>Liste des calendriers.</a:t>
-            </a:r>
-          </a:p>
-          <a:p>
-            <a:pPr marL="0" indent="0">
-              <a:buNone/>
-            </a:pPr>
-            <a:endParaRPr lang="fr-FR" b="1" dirty="0">
-              <a:solidFill>
-                <a:srgbClr val="3C78D8"/>
-              </a:solidFill>
-              <a:latin typeface="Oswald"/>
-              <a:sym typeface="Oswald"/>
-            </a:endParaRPr>
-          </a:p>
-          <a:p>
-            <a:pPr marL="342900" indent="-342900"/>
-            <a:r>
-              <a:rPr lang="fr-FR" b="1" dirty="0">
-                <a:solidFill>
-                  <a:srgbClr val="3C78D8"/>
+                  <a:srgbClr val="FFFFFF"/>
                 </a:solidFill>
                 <a:latin typeface="Oswald"/>
                 <a:ea typeface="Oswald"/>
                 <a:cs typeface="Oswald"/>
                 <a:sym typeface="Oswald"/>
               </a:rPr>
-              <a:t>Bouton ‘</a:t>
+              <a:t>CALENDRIER</a:t>
             </a:r>
-            <a:r>
-              <a:rPr lang="fr-FR" sz="2400" b="1" dirty="0">
-                <a:solidFill>
-                  <a:srgbClr val="3C78D8"/>
-                </a:solidFill>
-                <a:latin typeface="Oswald"/>
-                <a:ea typeface="Oswald"/>
-                <a:cs typeface="Oswald"/>
-                <a:sym typeface="Oswald"/>
-              </a:rPr>
-              <a:t>+</a:t>
-            </a:r>
-            <a:r>
-              <a:rPr lang="fr-FR" b="1" dirty="0">
-                <a:solidFill>
-                  <a:srgbClr val="3C78D8"/>
-                </a:solidFill>
-                <a:latin typeface="Oswald"/>
-                <a:ea typeface="Oswald"/>
-                <a:cs typeface="Oswald"/>
-                <a:sym typeface="Oswald"/>
-              </a:rPr>
-              <a:t>’ pour ajouter des calendriers.</a:t>
-            </a:r>
-            <a:endParaRPr lang="en" b="1" dirty="0">
+            <a:endParaRPr lang="fr-FR" b="1" dirty="0">
               <a:solidFill>
                 <a:srgbClr val="FFFFFF"/>
               </a:solidFill>
@@ -24748,7 +24767,24 @@
             <a:pPr marL="0" indent="0">
               <a:buNone/>
             </a:pPr>
-            <a:endParaRPr lang="en-US" dirty="0"/>
+            <a:r>
+              <a:rPr lang="fr-FR" dirty="0">
+                <a:latin typeface="Oswald"/>
+                <a:sym typeface="Oswald"/>
+              </a:rPr>
+              <a:t>Liste des calendriers</a:t>
+            </a:r>
+            <a:r>
+              <a:rPr lang="fr-FR" dirty="0" smtClean="0">
+                <a:latin typeface="Oswald"/>
+                <a:sym typeface="Oswald"/>
+              </a:rPr>
+              <a:t>.</a:t>
+            </a:r>
+            <a:endParaRPr lang="fr-FR" dirty="0">
+              <a:latin typeface="Oswald"/>
+              <a:sym typeface="Oswald"/>
+            </a:endParaRPr>
           </a:p>
         </p:txBody>
       </p:sp>
@@ -24883,6 +24919,13 @@
   <p:clrMapOvr>
     <a:masterClrMapping/>
   </p:clrMapOvr>
+  <p:timing>
+    <p:tnLst>
+      <p:par>
+        <p:cTn id="1" dur="indefinite" restart="never" nodeType="tmRoot"/>
+      </p:par>
+    </p:tnLst>
+  </p:timing>
 </p:sld>
 </file>
 
@@ -25066,6 +25109,13 @@
   <p:clrMapOvr>
     <a:masterClrMapping/>
   </p:clrMapOvr>
+  <p:timing>
+    <p:tnLst>
+      <p:par>
+        <p:cTn id="1" dur="indefinite" restart="never" nodeType="tmRoot"/>
+      </p:par>
+    </p:tnLst>
+  </p:timing>
 </p:sld>
 </file>
 
@@ -25773,8 +25823,8 @@
         </p:nvSpPr>
         <p:spPr>
           <a:xfrm>
-            <a:off x="444499" y="2032500"/>
-            <a:ext cx="3575400" cy="2501400"/>
+            <a:off x="460683" y="2927747"/>
+            <a:ext cx="3575400" cy="1725964"/>
           </a:xfrm>
           <a:prstGeom prst="rect">
             <a:avLst/>
@@ -25799,53 +25849,40 @@
                 <a:cs typeface="Oswald"/>
                 <a:sym typeface="Oswald"/>
               </a:rPr>
-              <a:t>INTERFACE AJOUT D’UN EVENEMENT</a:t>
+              <a:t>INTERFACE AJOUT D’UN </a:t>
             </a:r>
-          </a:p>
-          <a:p>
-            <a:pPr marL="342900" indent="-342900"/>
             <a:r>
-              <a:rPr lang="fr-FR" b="1" dirty="0">
+              <a:rPr lang="en" b="1" dirty="0" smtClean="0">
                 <a:solidFill>
-                  <a:srgbClr val="3C78D8"/>
-                </a:solidFill>
-                <a:latin typeface="Oswald"/>
-                <a:sym typeface="Oswald"/>
-              </a:rPr>
-              <a:t>Différents champs à saisir.</a:t>
-            </a:r>
-          </a:p>
-          <a:p>
-            <a:pPr marL="0" indent="0">
-              <a:buNone/>
-            </a:pPr>
-            <a:endParaRPr lang="fr-FR" b="1" dirty="0">
-              <a:solidFill>
-                <a:srgbClr val="3C78D8"/>
-              </a:solidFill>
-              <a:latin typeface="Oswald"/>
-              <a:sym typeface="Oswald"/>
-            </a:endParaRPr>
-          </a:p>
-          <a:p>
-            <a:pPr marL="342900" indent="-342900"/>
-            <a:r>
-              <a:rPr lang="fr-FR" b="1" dirty="0">
-                <a:solidFill>
-                  <a:srgbClr val="3C78D8"/>
+                  <a:srgbClr val="FFFFFF"/>
                 </a:solidFill>
                 <a:latin typeface="Oswald"/>
                 <a:ea typeface="Oswald"/>
                 <a:cs typeface="Oswald"/>
                 <a:sym typeface="Oswald"/>
               </a:rPr>
+              <a:t>EVENEMENT</a:t>
+            </a:r>
+            <a:endParaRPr lang="fr-FR" dirty="0">
+              <a:latin typeface="Source Sans Pro" panose="020B0604020202020204" charset="0"/>
+              <a:sym typeface="Oswald"/>
+            </a:endParaRPr>
+          </a:p>
+          <a:p>
+            <a:pPr marL="0" indent="0">
+              <a:buNone/>
+            </a:pPr>
+            <a:r>
+              <a:rPr lang="fr-FR" dirty="0">
+                <a:latin typeface="Source Sans Pro" panose="020B0604020202020204" charset="0"/>
+                <a:ea typeface="Oswald"/>
+                <a:cs typeface="Oswald"/>
+                <a:sym typeface="Oswald"/>
+              </a:rPr>
               <a:t>Bouton flottant pour enregistrer l’événement.</a:t>
             </a:r>
-            <a:endParaRPr lang="en" b="1" dirty="0">
-              <a:solidFill>
-                <a:srgbClr val="FFFFFF"/>
-              </a:solidFill>
-              <a:latin typeface="Oswald"/>
+            <a:endParaRPr lang="en" dirty="0">
+              <a:latin typeface="Source Sans Pro" panose="020B0604020202020204" charset="0"/>
               <a:ea typeface="Oswald"/>
               <a:cs typeface="Oswald"/>
               <a:sym typeface="Oswald"/>
@@ -25998,6 +26035,13 @@
   <p:clrMapOvr>
     <a:masterClrMapping/>
   </p:clrMapOvr>
+  <p:timing>
+    <p:tnLst>
+      <p:par>
+        <p:cTn id="1" dur="indefinite" restart="never" nodeType="tmRoot"/>
+      </p:par>
+    </p:tnLst>
+  </p:timing>
 </p:sld>
 </file>
 
@@ -26139,6 +26183,13 @@
   <p:clrMapOvr>
     <a:masterClrMapping/>
   </p:clrMapOvr>
+  <p:timing>
+    <p:tnLst>
+      <p:par>
+        <p:cTn id="1" dur="indefinite" restart="never" nodeType="tmRoot"/>
+      </p:par>
+    </p:tnLst>
+  </p:timing>
 </p:sld>
 </file>
 
@@ -31313,6 +31364,10 @@
           </a:bodyPr>
           <a:lstStyle/>
           <a:p>
+            <a:r>
+              <a:rPr lang="en" sz="10000" dirty="0"/>
+              <a:t/>
+            </a:r>
             <a:br>
               <a:rPr lang="en" sz="10000" dirty="0"/>
             </a:br>
@@ -31525,6 +31580,13 @@
   <p:clrMapOvr>
     <a:masterClrMapping/>
   </p:clrMapOvr>
+  <p:timing>
+    <p:tnLst>
+      <p:par>
+        <p:cTn id="1" dur="indefinite" restart="never" nodeType="tmRoot"/>
+      </p:par>
+    </p:tnLst>
+  </p:timing>
 </p:sld>
 </file>
 
@@ -31693,6 +31755,13 @@
   <p:clrMapOvr>
     <a:masterClrMapping/>
   </p:clrMapOvr>
+  <p:timing>
+    <p:tnLst>
+      <p:par>
+        <p:cTn id="1" dur="indefinite" restart="never" nodeType="tmRoot"/>
+      </p:par>
+    </p:tnLst>
+  </p:timing>
 </p:sld>
 </file>
 
@@ -31800,6 +31869,13 @@
   <p:clrMapOvr>
     <a:masterClrMapping/>
   </p:clrMapOvr>
+  <p:timing>
+    <p:tnLst>
+      <p:par>
+        <p:cTn id="1" dur="indefinite" restart="never" nodeType="tmRoot"/>
+      </p:par>
+    </p:tnLst>
+  </p:timing>
 </p:sld>
 </file>
 
@@ -31965,6 +32041,13 @@
   <p:clrMapOvr>
     <a:masterClrMapping/>
   </p:clrMapOvr>
+  <p:timing>
+    <p:tnLst>
+      <p:par>
+        <p:cTn id="1" dur="indefinite" restart="never" nodeType="tmRoot"/>
+      </p:par>
+    </p:tnLst>
+  </p:timing>
 </p:sld>
 </file>
 
@@ -32099,6 +32182,13 @@
   <p:clrMapOvr>
     <a:masterClrMapping/>
   </p:clrMapOvr>
+  <p:timing>
+    <p:tnLst>
+      <p:par>
+        <p:cTn id="1" dur="indefinite" restart="never" nodeType="tmRoot"/>
+      </p:par>
+    </p:tnLst>
+  </p:timing>
 </p:sld>
 </file>
 
@@ -32233,6 +32323,13 @@
   <p:clrMapOvr>
     <a:masterClrMapping/>
   </p:clrMapOvr>
+  <p:timing>
+    <p:tnLst>
+      <p:par>
+        <p:cTn id="1" dur="indefinite" restart="never" nodeType="tmRoot"/>
+      </p:par>
+    </p:tnLst>
+  </p:timing>
 </p:sld>
 </file>
 
@@ -32372,6 +32469,13 @@
   <p:clrMapOvr>
     <a:masterClrMapping/>
   </p:clrMapOvr>
+  <p:timing>
+    <p:tnLst>
+      <p:par>
+        <p:cTn id="1" dur="indefinite" restart="never" nodeType="tmRoot"/>
+      </p:par>
+    </p:tnLst>
+  </p:timing>
 </p:sld>
 </file>
 

--- a/présentation licence 3.pptx
+++ b/présentation licence 3.pptx
@@ -37,26 +37,26 @@
   <p:notesSz cx="6858000" cy="9144000"/>
   <p:embeddedFontLst>
     <p:embeddedFont>
-      <p:font typeface="Oswald" panose="00000500000000000000" pitchFamily="2" charset="0"/>
+      <p:font typeface="Calibri" panose="020F0502020204030204" pitchFamily="34" charset="0"/>
       <p:regular r:id="rId27"/>
       <p:bold r:id="rId28"/>
       <p:italic r:id="rId29"/>
       <p:boldItalic r:id="rId30"/>
     </p:embeddedFont>
     <p:embeddedFont>
-      <p:font typeface="Calibri" panose="020F0502020204030204" pitchFamily="34" charset="0"/>
+      <p:font typeface="Tahoma" panose="020B0604030504040204" pitchFamily="34" charset="0"/>
       <p:regular r:id="rId31"/>
       <p:bold r:id="rId32"/>
-      <p:italic r:id="rId33"/>
-      <p:boldItalic r:id="rId34"/>
-    </p:embeddedFont>
-    <p:embeddedFont>
-      <p:font typeface="Tahoma" panose="020B0604030504040204" pitchFamily="34" charset="0"/>
-      <p:regular r:id="rId35"/>
-      <p:bold r:id="rId36"/>
     </p:embeddedFont>
     <p:embeddedFont>
       <p:font typeface="Source Sans Pro" panose="020B0604020202020204" charset="0"/>
+      <p:regular r:id="rId33"/>
+      <p:bold r:id="rId34"/>
+      <p:italic r:id="rId35"/>
+      <p:boldItalic r:id="rId36"/>
+    </p:embeddedFont>
+    <p:embeddedFont>
+      <p:font typeface="Oswald" panose="02000303000000000000" pitchFamily="2" charset="0"/>
       <p:regular r:id="rId37"/>
       <p:bold r:id="rId38"/>
       <p:italic r:id="rId39"/>
@@ -1556,6 +1556,21 @@
               </a:spcAft>
               <a:buNone/>
             </a:pPr>
+            <a:r>
+              <a:rPr lang="fr-FR" dirty="0"/>
+              <a:t>-Dans cette partie, nous allons voir l’environnement ainsi que les différents outils de développement, nous allons voir également quelques interfaces qui composent notre application.</a:t>
+            </a:r>
+          </a:p>
+          <a:p>
+            <a:pPr marL="0" lvl="0" indent="0">
+              <a:spcBef>
+                <a:spcPts val="0"/>
+              </a:spcBef>
+              <a:spcAft>
+                <a:spcPts val="0"/>
+              </a:spcAft>
+              <a:buNone/>
+            </a:pPr>
             <a:endParaRPr dirty="0"/>
           </a:p>
         </p:txBody>
@@ -1655,6 +1670,31 @@
             <a:noAutofit/>
           </a:bodyPr>
           <a:lstStyle/>
+          <a:p>
+            <a:pPr marL="0" marR="0" lvl="0" indent="0" algn="l" defTabSz="914400" rtl="0" eaLnBrk="1" fontAlgn="auto" latinLnBrk="0" hangingPunct="1">
+              <a:lnSpc>
+                <a:spcPct val="100000"/>
+              </a:lnSpc>
+              <a:spcBef>
+                <a:spcPts val="0"/>
+              </a:spcBef>
+              <a:spcAft>
+                <a:spcPts val="0"/>
+              </a:spcAft>
+              <a:buClr>
+                <a:srgbClr val="000000"/>
+              </a:buClr>
+              <a:buSzPts val="1400"/>
+              <a:buFont typeface="Arial"/>
+              <a:buNone/>
+              <a:tabLst/>
+              <a:defRPr/>
+            </a:pPr>
+            <a:r>
+              <a:rPr lang="fr-FR" dirty="0"/>
+              <a:t>-Android EDI qui permet de créer des applications Android natives. Java langage orienté objet, puissant et portable. XML langage de balisage de description d’interface et de fichiers de configuration. SQLite SGBD local, Room librairie de base de données, couche d’abstraction à SQLite. Git GitHub</a:t>
+            </a:r>
+          </a:p>
           <a:p>
             <a:pPr marL="0" lvl="0" indent="0" rtl="0">
               <a:spcBef>
@@ -1776,17 +1816,20 @@
             </a:pPr>
             <a:r>
               <a:rPr lang="fr-FR" dirty="0"/>
-              <a:t>Les diagrammes d’interaction permettent de modéliser comment les objets communiquent entre eux. Par soucis </a:t>
+              <a:t>-Passons mtn aux interfaces, dab accueil, ensuite calendrier et enfin ajout événement</a:t>
             </a:r>
-            <a:r>
-              <a:rPr lang="fr-FR"/>
-              <a:t>de brièveté, </a:t>
-            </a:r>
-            <a:r>
-              <a:rPr lang="fr-FR" dirty="0"/>
-              <a:t>nous avons sélectionné 2 diagrammes seulement</a:t>
-            </a:r>
-            <a:endParaRPr dirty="0"/>
+          </a:p>
+          <a:p>
+            <a:pPr marL="0" lvl="0" indent="0">
+              <a:spcBef>
+                <a:spcPts val="0"/>
+              </a:spcBef>
+              <a:spcAft>
+                <a:spcPts val="0"/>
+              </a:spcAft>
+              <a:buNone/>
+            </a:pPr>
+            <a:endParaRPr lang="fr-FR" dirty="0"/>
           </a:p>
         </p:txBody>
       </p:sp>
@@ -19756,7 +19799,7 @@
                 </a:solidFill>
                 <a:latin typeface="Oswald"/>
               </a:rPr>
-              <a:t>M, TAYEB CHRIF Mohand Said</a:t>
+              <a:t>M. TAYEB CHRIF Mohand Said</a:t>
             </a:r>
           </a:p>
           <a:p>
@@ -19774,7 +19817,7 @@
                 </a:solidFill>
                 <a:latin typeface="Oswald"/>
               </a:rPr>
-              <a:t>M, SALIMI Salim</a:t>
+              <a:t>M. SALIMI Salim</a:t>
             </a:r>
           </a:p>
           <a:p>
@@ -19792,7 +19835,7 @@
                 </a:solidFill>
                 <a:latin typeface="Oswald"/>
               </a:rPr>
-              <a:t>M, YAYADENE Abderzak</a:t>
+              <a:t>M. YAYADENE Abderzak</a:t>
             </a:r>
           </a:p>
           <a:p>
@@ -19810,7 +19853,7 @@
                 </a:solidFill>
                 <a:latin typeface="Oswald"/>
               </a:rPr>
-              <a:t>M, ZADIR Azeddine</a:t>
+              <a:t>M. ZADIR Azeddine</a:t>
             </a:r>
           </a:p>
         </p:txBody>
@@ -19994,13 +20037,6 @@
   <p:transition>
     <p:fade thruBlk="1"/>
   </p:transition>
-  <p:timing>
-    <p:tnLst>
-      <p:par>
-        <p:cTn id="1" dur="indefinite" restart="never" nodeType="tmRoot"/>
-      </p:par>
-    </p:tnLst>
-  </p:timing>
 </p:sld>
 </file>
 
@@ -20141,13 +20177,6 @@
   <p:clrMapOvr>
     <a:masterClrMapping/>
   </p:clrMapOvr>
-  <p:timing>
-    <p:tnLst>
-      <p:par>
-        <p:cTn id="1" dur="indefinite" restart="never" nodeType="tmRoot"/>
-      </p:par>
-    </p:tnLst>
-  </p:timing>
 </p:sld>
 </file>
 
@@ -20238,7 +20267,7 @@
             </a:pPr>
             <a:r>
               <a:rPr lang="fr-FR" sz="2800" dirty="0"/>
-              <a:t>Ajout d’un événement </a:t>
+              <a:t>Ajout d’un événement. </a:t>
             </a:r>
           </a:p>
           <a:p>
@@ -20265,7 +20294,7 @@
             </a:pPr>
             <a:r>
               <a:rPr lang="fr-FR" sz="2800" dirty="0"/>
-              <a:t> Suppression d’un calendrier </a:t>
+              <a:t> Suppression d’un calendrier. </a:t>
             </a:r>
             <a:endParaRPr sz="2800" dirty="0"/>
           </a:p>
@@ -20320,13 +20349,6 @@
   <p:clrMapOvr>
     <a:masterClrMapping/>
   </p:clrMapOvr>
-  <p:timing>
-    <p:tnLst>
-      <p:par>
-        <p:cTn id="1" dur="indefinite" restart="never" nodeType="tmRoot"/>
-      </p:par>
-    </p:tnLst>
-  </p:timing>
 </p:sld>
 </file>
 
@@ -20466,13 +20488,6 @@
   <p:clrMapOvr>
     <a:masterClrMapping/>
   </p:clrMapOvr>
-  <p:timing>
-    <p:tnLst>
-      <p:par>
-        <p:cTn id="1" dur="indefinite" restart="never" nodeType="tmRoot"/>
-      </p:par>
-    </p:tnLst>
-  </p:timing>
 </p:sld>
 </file>
 
@@ -20612,13 +20627,6 @@
   <p:clrMapOvr>
     <a:masterClrMapping/>
   </p:clrMapOvr>
-  <p:timing>
-    <p:tnLst>
-      <p:par>
-        <p:cTn id="1" dur="indefinite" restart="never" nodeType="tmRoot"/>
-      </p:par>
-    </p:tnLst>
-  </p:timing>
 </p:sld>
 </file>
 
@@ -20733,7 +20741,7 @@
               <a:t>id_événement</a:t>
             </a:r>
             <a:r>
-              <a:rPr lang="fr-FR" sz="2600" b="1" u="sng" dirty="0"/>
+              <a:rPr lang="fr-FR" sz="2600" b="1" dirty="0"/>
               <a:t>, </a:t>
             </a:r>
             <a:r>
@@ -20845,13 +20853,6 @@
   <p:clrMapOvr>
     <a:masterClrMapping/>
   </p:clrMapOvr>
-  <p:timing>
-    <p:tnLst>
-      <p:par>
-        <p:cTn id="1" dur="indefinite" restart="never" nodeType="tmRoot"/>
-      </p:par>
-    </p:tnLst>
-  </p:timing>
 </p:sld>
 </file>
 
@@ -20993,13 +20994,6 @@
   <p:clrMapOvr>
     <a:masterClrMapping/>
   </p:clrMapOvr>
-  <p:timing>
-    <p:tnLst>
-      <p:par>
-        <p:cTn id="1" dur="indefinite" restart="never" nodeType="tmRoot"/>
-      </p:par>
-    </p:tnLst>
-  </p:timing>
 </p:sld>
 </file>
 
@@ -22821,13 +22815,6 @@
   <p:clrMapOvr>
     <a:masterClrMapping/>
   </p:clrMapOvr>
-  <p:timing>
-    <p:tnLst>
-      <p:par>
-        <p:cTn id="1" dur="indefinite" restart="never" nodeType="tmRoot"/>
-      </p:par>
-    </p:tnLst>
-  </p:timing>
 </p:sld>
 </file>
 
@@ -23012,13 +22999,6 @@
   <p:clrMapOvr>
     <a:masterClrMapping/>
   </p:clrMapOvr>
-  <p:timing>
-    <p:tnLst>
-      <p:par>
-        <p:cTn id="1" dur="indefinite" restart="never" nodeType="tmRoot"/>
-      </p:par>
-    </p:tnLst>
-  </p:timing>
 </p:sld>
 </file>
 
@@ -23766,32 +23746,11 @@
               </a:rPr>
               <a:t>D’ACCUEIL </a:t>
             </a:r>
-            <a:endParaRPr lang="fr-FR" b="1" dirty="0" smtClean="0">
-              <a:solidFill>
-                <a:srgbClr val="FFFFFF"/>
-              </a:solidFill>
-              <a:latin typeface="Oswald"/>
-              <a:ea typeface="Oswald"/>
-              <a:cs typeface="Oswald"/>
-              <a:sym typeface="Oswald"/>
-            </a:endParaRPr>
           </a:p>
           <a:p>
             <a:pPr marL="0" indent="0">
               <a:buNone/>
             </a:pPr>
-            <a:r>
-              <a:rPr lang="en" b="1" dirty="0" smtClean="0">
-                <a:solidFill>
-                  <a:srgbClr val="FFFFFF"/>
-                </a:solidFill>
-                <a:latin typeface="Oswald"/>
-                <a:ea typeface="Oswald"/>
-                <a:cs typeface="Oswald"/>
-                <a:sym typeface="Oswald"/>
-              </a:rPr>
-              <a:t>(</a:t>
-            </a:r>
             <a:r>
               <a:rPr lang="en" b="1" dirty="0">
                 <a:solidFill>
@@ -23802,19 +23761,7 @@
                 <a:cs typeface="Oswald"/>
                 <a:sym typeface="Oswald"/>
               </a:rPr>
-              <a:t>3 </a:t>
-            </a:r>
-            <a:r>
-              <a:rPr lang="en" b="1" dirty="0" smtClean="0">
-                <a:solidFill>
-                  <a:srgbClr val="FFFFFF"/>
-                </a:solidFill>
-                <a:latin typeface="Oswald"/>
-                <a:ea typeface="Oswald"/>
-                <a:cs typeface="Oswald"/>
-                <a:sym typeface="Oswald"/>
-              </a:rPr>
-              <a:t>jours)</a:t>
+              <a:t>(3 jours)</a:t>
             </a:r>
             <a:endParaRPr lang="en" sz="9600" b="1" dirty="0">
               <a:solidFill>
@@ -23831,21 +23778,14 @@
               <a:buNone/>
             </a:pPr>
             <a:r>
-              <a:rPr lang="fr-FR" dirty="0" smtClean="0">
-                <a:latin typeface="Source Sans Pro" panose="020B0604020202020204" charset="0"/>
-                <a:sym typeface="Oswald"/>
-              </a:rPr>
-              <a:t>Affichage </a:t>
-            </a:r>
-            <a:r>
               <a:rPr lang="fr-FR" dirty="0">
                 <a:latin typeface="Source Sans Pro" panose="020B0604020202020204" charset="0"/>
                 <a:sym typeface="Oswald"/>
               </a:rPr>
-              <a:t>des événements avec la couleur qui leur correspondent</a:t>
+              <a:t>Affichage des événements avec la couleur qui leur correspondent</a:t>
             </a:r>
             <a:r>
-              <a:rPr lang="fr-FR" dirty="0" smtClean="0">
+              <a:rPr lang="fr-FR" dirty="0">
                 <a:solidFill>
                   <a:schemeClr val="accent1">
                     <a:lumMod val="75000"/>
@@ -23856,15 +23796,6 @@
               </a:rPr>
               <a:t>.</a:t>
             </a:r>
-            <a:endParaRPr lang="fr-FR" dirty="0">
-              <a:solidFill>
-                <a:schemeClr val="accent1">
-                  <a:lumMod val="75000"/>
-                </a:schemeClr>
-              </a:solidFill>
-              <a:latin typeface="Source Sans Pro" panose="020B0604020202020204" charset="0"/>
-              <a:sym typeface="Oswald"/>
-            </a:endParaRPr>
           </a:p>
         </p:txBody>
       </p:sp>
@@ -23999,13 +23930,6 @@
   <p:clrMapOvr>
     <a:masterClrMapping/>
   </p:clrMapOvr>
-  <p:timing>
-    <p:tnLst>
-      <p:par>
-        <p:cTn id="1" dur="indefinite" restart="never" nodeType="tmRoot"/>
-      </p:par>
-    </p:tnLst>
-  </p:timing>
 </p:sld>
 </file>
 
@@ -24739,29 +24663,8 @@
                 <a:cs typeface="Oswald"/>
                 <a:sym typeface="Oswald"/>
               </a:rPr>
-              <a:t>INTERFACE </a:t>
+              <a:t>INTERFACE CALENDRIER</a:t>
             </a:r>
-            <a:r>
-              <a:rPr lang="fr-FR" b="1" dirty="0" smtClean="0">
-                <a:solidFill>
-                  <a:srgbClr val="FFFFFF"/>
-                </a:solidFill>
-                <a:latin typeface="Oswald"/>
-                <a:ea typeface="Oswald"/>
-                <a:cs typeface="Oswald"/>
-                <a:sym typeface="Oswald"/>
-              </a:rPr>
-              <a:t>CALENDRIER</a:t>
-            </a:r>
-            <a:endParaRPr lang="fr-FR" b="1" dirty="0">
-              <a:solidFill>
-                <a:srgbClr val="FFFFFF"/>
-              </a:solidFill>
-              <a:latin typeface="Oswald"/>
-              <a:ea typeface="Oswald"/>
-              <a:cs typeface="Oswald"/>
-              <a:sym typeface="Oswald"/>
-            </a:endParaRPr>
           </a:p>
           <a:p>
             <a:pPr marL="0" indent="0">
@@ -24769,22 +24672,11 @@
             </a:pPr>
             <a:r>
               <a:rPr lang="fr-FR" dirty="0">
-                <a:latin typeface="Oswald"/>
+                <a:latin typeface="Source Sans Pro" panose="020B0604020202020204" charset="0"/>
                 <a:sym typeface="Oswald"/>
               </a:rPr>
-              <a:t>Liste des calendriers</a:t>
+              <a:t>Liste des calendriers.</a:t>
             </a:r>
-            <a:r>
-              <a:rPr lang="fr-FR" dirty="0" smtClean="0">
-                <a:latin typeface="Oswald"/>
-                <a:sym typeface="Oswald"/>
-              </a:rPr>
-              <a:t>.</a:t>
-            </a:r>
-            <a:endParaRPr lang="fr-FR" dirty="0">
-              <a:latin typeface="Oswald"/>
-              <a:sym typeface="Oswald"/>
-            </a:endParaRPr>
           </a:p>
         </p:txBody>
       </p:sp>
@@ -24919,13 +24811,6 @@
   <p:clrMapOvr>
     <a:masterClrMapping/>
   </p:clrMapOvr>
-  <p:timing>
-    <p:tnLst>
-      <p:par>
-        <p:cTn id="1" dur="indefinite" restart="never" nodeType="tmRoot"/>
-      </p:par>
-    </p:tnLst>
-  </p:timing>
 </p:sld>
 </file>
 
@@ -25109,13 +24994,6 @@
   <p:clrMapOvr>
     <a:masterClrMapping/>
   </p:clrMapOvr>
-  <p:timing>
-    <p:tnLst>
-      <p:par>
-        <p:cTn id="1" dur="indefinite" restart="never" nodeType="tmRoot"/>
-      </p:par>
-    </p:tnLst>
-  </p:timing>
 </p:sld>
 </file>
 
@@ -25849,19 +25727,7 @@
                 <a:cs typeface="Oswald"/>
                 <a:sym typeface="Oswald"/>
               </a:rPr>
-              <a:t>INTERFACE AJOUT D’UN </a:t>
-            </a:r>
-            <a:r>
-              <a:rPr lang="en" b="1" dirty="0" smtClean="0">
-                <a:solidFill>
-                  <a:srgbClr val="FFFFFF"/>
-                </a:solidFill>
-                <a:latin typeface="Oswald"/>
-                <a:ea typeface="Oswald"/>
-                <a:cs typeface="Oswald"/>
-                <a:sym typeface="Oswald"/>
-              </a:rPr>
-              <a:t>EVENEMENT</a:t>
+              <a:t>INTERFACE AJOUT D’UN EVENEMENT</a:t>
             </a:r>
             <a:endParaRPr lang="fr-FR" dirty="0">
               <a:latin typeface="Source Sans Pro" panose="020B0604020202020204" charset="0"/>
@@ -26035,13 +25901,6 @@
   <p:clrMapOvr>
     <a:masterClrMapping/>
   </p:clrMapOvr>
-  <p:timing>
-    <p:tnLst>
-      <p:par>
-        <p:cTn id="1" dur="indefinite" restart="never" nodeType="tmRoot"/>
-      </p:par>
-    </p:tnLst>
-  </p:timing>
 </p:sld>
 </file>
 
@@ -26123,7 +25982,7 @@
             <a:pPr marL="0" indent="0"/>
             <a:r>
               <a:rPr lang="fr-FR" sz="2800" dirty="0"/>
-              <a:t>Synthèse, Perspective</a:t>
+              <a:t>Synthèse, Perspectives</a:t>
             </a:r>
             <a:endParaRPr sz="2800" dirty="0"/>
           </a:p>
@@ -26183,13 +26042,6 @@
   <p:clrMapOvr>
     <a:masterClrMapping/>
   </p:clrMapOvr>
-  <p:timing>
-    <p:tnLst>
-      <p:par>
-        <p:cTn id="1" dur="indefinite" restart="never" nodeType="tmRoot"/>
-      </p:par>
-    </p:tnLst>
-  </p:timing>
 </p:sld>
 </file>
 
@@ -30249,7 +30101,7 @@
             </a:pPr>
             <a:r>
               <a:rPr lang="fr-FR" sz="2400" dirty="0"/>
-              <a:t>Possibilité d’inclure une note vocale a l’événement. </a:t>
+              <a:t>Possibilité d’inclure une note vocale à l’événement. </a:t>
             </a:r>
           </a:p>
           <a:p>
@@ -31364,10 +31216,6 @@
           </a:bodyPr>
           <a:lstStyle/>
           <a:p>
-            <a:r>
-              <a:rPr lang="en" sz="10000" dirty="0"/>
-              <a:t/>
-            </a:r>
             <a:br>
               <a:rPr lang="en" sz="10000" dirty="0"/>
             </a:br>
@@ -31580,13 +31428,6 @@
   <p:clrMapOvr>
     <a:masterClrMapping/>
   </p:clrMapOvr>
-  <p:timing>
-    <p:tnLst>
-      <p:par>
-        <p:cTn id="1" dur="indefinite" restart="never" nodeType="tmRoot"/>
-      </p:par>
-    </p:tnLst>
-  </p:timing>
 </p:sld>
 </file>
 
@@ -31678,7 +31519,7 @@
           <a:p>
             <a:r>
               <a:rPr lang="fr-FR" sz="2300" dirty="0"/>
-              <a:t>L’étudiant est l’une des classes sociales les plus touchées par ce problème .</a:t>
+              <a:t>L’étudiant est l’une des classes sociales les plus touchées par ce problème.</a:t>
             </a:r>
           </a:p>
           <a:p>
@@ -31690,7 +31531,7 @@
           <a:p>
             <a:r>
               <a:rPr lang="fr-FR" sz="2400" dirty="0"/>
-              <a:t>Ils sont utilisés par 56% de la population  mondiale, essentiellement par les étudiants .</a:t>
+              <a:t>Ils sont utilisés par 56% de la population  mondiale, essentiellement par les étudiants.</a:t>
             </a:r>
           </a:p>
           <a:p>
@@ -31755,13 +31596,6 @@
   <p:clrMapOvr>
     <a:masterClrMapping/>
   </p:clrMapOvr>
-  <p:timing>
-    <p:tnLst>
-      <p:par>
-        <p:cTn id="1" dur="indefinite" restart="never" nodeType="tmRoot"/>
-      </p:par>
-    </p:tnLst>
-  </p:timing>
 </p:sld>
 </file>
 
@@ -31869,13 +31703,6 @@
   <p:clrMapOvr>
     <a:masterClrMapping/>
   </p:clrMapOvr>
-  <p:timing>
-    <p:tnLst>
-      <p:par>
-        <p:cTn id="1" dur="indefinite" restart="never" nodeType="tmRoot"/>
-      </p:par>
-    </p:tnLst>
-  </p:timing>
 </p:sld>
 </file>
 
@@ -31961,7 +31788,7 @@
           <a:p>
             <a:r>
               <a:rPr lang="fr-FR" sz="2400" dirty="0"/>
-              <a:t>L’application à développer aura pour mission d’offrir une représentation  des activités de l’utilisateur pendant les jours de la semaine et lui rappeler les tâches prévues . </a:t>
+              <a:t>L’application à développer aura pour mission d’offrir une représentation  des activités de l’utilisateur pendant les jours de la semaine et lui rappeler les tâches prévues. </a:t>
             </a:r>
           </a:p>
           <a:p>
@@ -32041,13 +31868,6 @@
   <p:clrMapOvr>
     <a:masterClrMapping/>
   </p:clrMapOvr>
-  <p:timing>
-    <p:tnLst>
-      <p:par>
-        <p:cTn id="1" dur="indefinite" restart="never" nodeType="tmRoot"/>
-      </p:par>
-    </p:tnLst>
-  </p:timing>
 </p:sld>
 </file>
 
@@ -32182,13 +32002,6 @@
   <p:clrMapOvr>
     <a:masterClrMapping/>
   </p:clrMapOvr>
-  <p:timing>
-    <p:tnLst>
-      <p:par>
-        <p:cTn id="1" dur="indefinite" restart="never" nodeType="tmRoot"/>
-      </p:par>
-    </p:tnLst>
-  </p:timing>
 </p:sld>
 </file>
 
@@ -32323,13 +32136,6 @@
   <p:clrMapOvr>
     <a:masterClrMapping/>
   </p:clrMapOvr>
-  <p:timing>
-    <p:tnLst>
-      <p:par>
-        <p:cTn id="1" dur="indefinite" restart="never" nodeType="tmRoot"/>
-      </p:par>
-    </p:tnLst>
-  </p:timing>
 </p:sld>
 </file>
 
@@ -32469,13 +32275,6 @@
   <p:clrMapOvr>
     <a:masterClrMapping/>
   </p:clrMapOvr>
-  <p:timing>
-    <p:tnLst>
-      <p:par>
-        <p:cTn id="1" dur="indefinite" restart="never" nodeType="tmRoot"/>
-      </p:par>
-    </p:tnLst>
-  </p:timing>
 </p:sld>
 </file>
 

--- a/présentation licence 3.pptx
+++ b/présentation licence 3.pptx
@@ -19750,13 +19750,22 @@
               <a:buChar char="•"/>
             </a:pPr>
             <a:r>
+              <a:rPr lang="fr-FR" sz="2000" dirty="0" smtClean="0">
+                <a:solidFill>
+                  <a:schemeClr val="bg1"/>
+                </a:solidFill>
+                <a:latin typeface="Oswald"/>
+              </a:rPr>
+              <a:t>M. </a:t>
+            </a:r>
+            <a:r>
               <a:rPr lang="fr-FR" sz="2000" dirty="0">
                 <a:solidFill>
                   <a:schemeClr val="bg1"/>
                 </a:solidFill>
                 <a:latin typeface="Oswald"/>
               </a:rPr>
-              <a:t>M, TAYEB CHRIF Mohand Said</a:t>
+              <a:t>TAYEB CHRIF Mohand Said</a:t>
             </a:r>
           </a:p>
           <a:p>
@@ -19768,13 +19777,22 @@
               <a:buChar char="•"/>
             </a:pPr>
             <a:r>
+              <a:rPr lang="fr-FR" sz="2000" dirty="0" smtClean="0">
+                <a:solidFill>
+                  <a:schemeClr val="bg1"/>
+                </a:solidFill>
+                <a:latin typeface="Oswald"/>
+              </a:rPr>
+              <a:t>M. </a:t>
+            </a:r>
+            <a:r>
               <a:rPr lang="fr-FR" sz="2000" dirty="0">
                 <a:solidFill>
                   <a:schemeClr val="bg1"/>
                 </a:solidFill>
                 <a:latin typeface="Oswald"/>
               </a:rPr>
-              <a:t>M, SALIMI Salim</a:t>
+              <a:t>SALIMI Salim</a:t>
             </a:r>
           </a:p>
           <a:p>
@@ -19786,13 +19804,22 @@
               <a:buChar char="•"/>
             </a:pPr>
             <a:r>
+              <a:rPr lang="fr-FR" sz="2000" dirty="0" smtClean="0">
+                <a:solidFill>
+                  <a:schemeClr val="bg1"/>
+                </a:solidFill>
+                <a:latin typeface="Oswald"/>
+              </a:rPr>
+              <a:t>M. </a:t>
+            </a:r>
+            <a:r>
               <a:rPr lang="fr-FR" sz="2000" dirty="0">
                 <a:solidFill>
                   <a:schemeClr val="bg1"/>
                 </a:solidFill>
                 <a:latin typeface="Oswald"/>
               </a:rPr>
-              <a:t>M, YAYADENE Abderzak</a:t>
+              <a:t>YAYADENE Abderzak</a:t>
             </a:r>
           </a:p>
           <a:p>
@@ -19804,13 +19831,40 @@
               <a:buChar char="•"/>
             </a:pPr>
             <a:r>
+              <a:rPr lang="fr-FR" sz="2000" dirty="0" smtClean="0">
+                <a:solidFill>
+                  <a:schemeClr val="bg1"/>
+                </a:solidFill>
+                <a:latin typeface="Oswald"/>
+              </a:rPr>
+              <a:t>M</a:t>
+            </a:r>
+            <a:r>
               <a:rPr lang="fr-FR" sz="2000" dirty="0">
                 <a:solidFill>
                   <a:schemeClr val="bg1"/>
                 </a:solidFill>
                 <a:latin typeface="Oswald"/>
               </a:rPr>
-              <a:t>M, ZADIR Azeddine</a:t>
+              <a:t>.</a:t>
+            </a:r>
+            <a:r>
+              <a:rPr lang="fr-FR" sz="2000" dirty="0" smtClean="0">
+                <a:solidFill>
+                  <a:schemeClr val="bg1"/>
+                </a:solidFill>
+                <a:latin typeface="Oswald"/>
+              </a:rPr>
+              <a:t> </a:t>
+            </a:r>
+            <a:r>
+              <a:rPr lang="fr-FR" sz="2000" dirty="0">
+                <a:solidFill>
+                  <a:schemeClr val="bg1"/>
+                </a:solidFill>
+                <a:latin typeface="Oswald"/>
+              </a:rPr>
+              <a:t>ZADIR Azeddine</a:t>
             </a:r>
           </a:p>
         </p:txBody>
@@ -19838,13 +19892,22 @@
           <a:lstStyle/>
           <a:p>
             <a:r>
+              <a:rPr lang="fr-FR" sz="2000" dirty="0" smtClean="0">
+                <a:solidFill>
+                  <a:schemeClr val="bg1"/>
+                </a:solidFill>
+                <a:latin typeface="Oswald"/>
+              </a:rPr>
+              <a:t>Encadrés </a:t>
+            </a:r>
+            <a:r>
               <a:rPr lang="fr-FR" sz="2000" dirty="0">
                 <a:solidFill>
                   <a:schemeClr val="bg1"/>
                 </a:solidFill>
                 <a:latin typeface="Oswald"/>
               </a:rPr>
-              <a:t>Encadré par : M. AKILAL Karim</a:t>
+              <a:t>par : M. AKILAL Karim</a:t>
             </a:r>
           </a:p>
         </p:txBody>
@@ -20416,7 +20479,7 @@
         <p:spPr>
           <a:xfrm>
             <a:off x="73959" y="655975"/>
-            <a:ext cx="8996082" cy="4681835"/>
+            <a:ext cx="8996082" cy="4312535"/>
           </a:xfrm>
           <a:prstGeom prst="rect">
             <a:avLst/>
@@ -22801,13 +22864,18 @@
           <a:lstStyle/>
           <a:p>
             <a:r>
-              <a:rPr lang="fr-FR" sz="4000" dirty="0">
+              <a:rPr lang="fr-FR" sz="4000" dirty="0" smtClean="0">
                 <a:solidFill>
                   <a:srgbClr val="3C78D8"/>
                 </a:solidFill>
               </a:rPr>
-              <a:t>14</a:t>
+              <a:t>12</a:t>
             </a:r>
+            <a:endParaRPr lang="fr-FR" sz="4000" dirty="0">
+              <a:solidFill>
+                <a:srgbClr val="3C78D8"/>
+              </a:solidFill>
+            </a:endParaRPr>
           </a:p>
         </p:txBody>
       </p:sp>
@@ -22977,8 +23045,8 @@
         </p:nvSpPr>
         <p:spPr>
           <a:xfrm>
-            <a:off x="8229601" y="4533900"/>
-            <a:ext cx="444500" cy="707886"/>
+            <a:off x="7904747" y="4533900"/>
+            <a:ext cx="769354" cy="707886"/>
           </a:xfrm>
           <a:prstGeom prst="rect">
             <a:avLst/>
@@ -22992,13 +23060,18 @@
           <a:lstStyle/>
           <a:p>
             <a:r>
-              <a:rPr lang="fr-FR" sz="4000" dirty="0">
+              <a:rPr lang="fr-FR" sz="4000" dirty="0" smtClean="0">
                 <a:solidFill>
                   <a:srgbClr val="3C78D8"/>
                 </a:solidFill>
               </a:rPr>
-              <a:t>8</a:t>
+              <a:t>13</a:t>
             </a:r>
+            <a:endParaRPr lang="fr-FR" sz="4000" dirty="0">
+              <a:solidFill>
+                <a:srgbClr val="3C78D8"/>
+              </a:solidFill>
+            </a:endParaRPr>
           </a:p>
         </p:txBody>
       </p:sp>
@@ -23979,13 +24052,18 @@
           <a:lstStyle/>
           <a:p>
             <a:r>
-              <a:rPr lang="fr-FR" sz="4000" dirty="0">
+              <a:rPr lang="fr-FR" sz="4000" dirty="0" smtClean="0">
                 <a:solidFill>
                   <a:srgbClr val="3C78D8"/>
                 </a:solidFill>
               </a:rPr>
-              <a:t>15</a:t>
+              <a:t>14</a:t>
             </a:r>
+            <a:endParaRPr lang="fr-FR" sz="4000" dirty="0">
+              <a:solidFill>
+                <a:srgbClr val="3C78D8"/>
+              </a:solidFill>
+            </a:endParaRPr>
           </a:p>
         </p:txBody>
       </p:sp>
@@ -24899,13 +24977,18 @@
           <a:lstStyle/>
           <a:p>
             <a:r>
-              <a:rPr lang="fr-FR" sz="4000" dirty="0">
+              <a:rPr lang="fr-FR" sz="4000" dirty="0" smtClean="0">
                 <a:solidFill>
                   <a:srgbClr val="3C78D8"/>
                 </a:solidFill>
               </a:rPr>
-              <a:t>16</a:t>
+              <a:t>15</a:t>
             </a:r>
+            <a:endParaRPr lang="fr-FR" sz="4000" dirty="0">
+              <a:solidFill>
+                <a:srgbClr val="3C78D8"/>
+              </a:solidFill>
+            </a:endParaRPr>
           </a:p>
         </p:txBody>
       </p:sp>
@@ -26015,13 +26098,18 @@
           <a:lstStyle/>
           <a:p>
             <a:r>
-              <a:rPr lang="fr-FR" sz="4000" dirty="0">
+              <a:rPr lang="fr-FR" sz="4000" dirty="0" smtClean="0">
                 <a:solidFill>
                   <a:srgbClr val="3C78D8"/>
                 </a:solidFill>
               </a:rPr>
-              <a:t>17</a:t>
+              <a:t>16</a:t>
             </a:r>
+            <a:endParaRPr lang="fr-FR" sz="4000" dirty="0">
+              <a:solidFill>
+                <a:srgbClr val="3C78D8"/>
+              </a:solidFill>
+            </a:endParaRPr>
           </a:p>
         </p:txBody>
       </p:sp>
@@ -30015,13 +30103,18 @@
           <a:lstStyle/>
           <a:p>
             <a:r>
-              <a:rPr lang="fr-FR" sz="4000" dirty="0">
+              <a:rPr lang="fr-FR" sz="4000" dirty="0" smtClean="0">
                 <a:solidFill>
                   <a:srgbClr val="3C78D8"/>
                 </a:solidFill>
               </a:rPr>
-              <a:t>18</a:t>
+              <a:t>17</a:t>
             </a:r>
+            <a:endParaRPr lang="fr-FR" sz="4000" dirty="0">
+              <a:solidFill>
+                <a:srgbClr val="3C78D8"/>
+              </a:solidFill>
+            </a:endParaRPr>
           </a:p>
         </p:txBody>
       </p:sp>
@@ -30035,6 +30128,13 @@
   <p:clrMapOvr>
     <a:masterClrMapping/>
   </p:clrMapOvr>
+  <p:timing>
+    <p:tnLst>
+      <p:par>
+        <p:cTn id="1" dur="indefinite" restart="never" nodeType="tmRoot"/>
+      </p:par>
+    </p:tnLst>
+  </p:timing>
 </p:sld>
 </file>
 
@@ -31299,13 +31399,18 @@
           <a:lstStyle/>
           <a:p>
             <a:r>
-              <a:rPr lang="fr-FR" sz="4000" dirty="0">
+              <a:rPr lang="fr-FR" sz="4000" dirty="0" smtClean="0">
                 <a:solidFill>
                   <a:srgbClr val="3C78D8"/>
                 </a:solidFill>
               </a:rPr>
-              <a:t>19</a:t>
+              <a:t>18</a:t>
             </a:r>
+            <a:endParaRPr lang="fr-FR" sz="4000" dirty="0">
+              <a:solidFill>
+                <a:srgbClr val="3C78D8"/>
+              </a:solidFill>
+            </a:endParaRPr>
           </a:p>
         </p:txBody>
       </p:sp>
@@ -31319,6 +31424,13 @@
   <p:clrMapOvr>
     <a:masterClrMapping/>
   </p:clrMapOvr>
+  <p:timing>
+    <p:tnLst>
+      <p:par>
+        <p:cTn id="1" dur="indefinite" restart="never" nodeType="tmRoot"/>
+      </p:par>
+    </p:tnLst>
+  </p:timing>
 </p:sld>
 </file>
 

--- a/présentation licence 3.pptx
+++ b/présentation licence 3.pptx
@@ -31549,6 +31549,13 @@
   <p:clrMapOvr>
     <a:masterClrMapping/>
   </p:clrMapOvr>
+  <p:timing>
+    <p:tnLst>
+      <p:par>
+        <p:cTn id="1" dur="indefinite" restart="never" nodeType="tmRoot"/>
+      </p:par>
+    </p:tnLst>
+  </p:timing>
 </p:sld>
 </file>
 

--- a/présentation licence 3.pptx
+++ b/présentation licence 3.pptx
@@ -37,30 +37,30 @@
   <p:notesSz cx="6858000" cy="9144000"/>
   <p:embeddedFontLst>
     <p:embeddedFont>
-      <p:font typeface="Oswald" panose="00000500000000000000" pitchFamily="2" charset="0"/>
+      <p:font typeface="Source Sans Pro" panose="020B0604020202020204" charset="0"/>
       <p:regular r:id="rId27"/>
       <p:bold r:id="rId28"/>
       <p:italic r:id="rId29"/>
       <p:boldItalic r:id="rId30"/>
     </p:embeddedFont>
     <p:embeddedFont>
-      <p:font typeface="Calibri" panose="020F0502020204030204" pitchFamily="34" charset="0"/>
+      <p:font typeface="Oswald" panose="02000303000000000000" pitchFamily="2" charset="0"/>
       <p:regular r:id="rId31"/>
       <p:bold r:id="rId32"/>
       <p:italic r:id="rId33"/>
       <p:boldItalic r:id="rId34"/>
     </p:embeddedFont>
     <p:embeddedFont>
-      <p:font typeface="Tahoma" panose="020B0604030504040204" pitchFamily="34" charset="0"/>
+      <p:font typeface="Calibri" panose="020F0502020204030204" pitchFamily="34" charset="0"/>
       <p:regular r:id="rId35"/>
       <p:bold r:id="rId36"/>
+      <p:italic r:id="rId37"/>
+      <p:boldItalic r:id="rId38"/>
     </p:embeddedFont>
     <p:embeddedFont>
-      <p:font typeface="Source Sans Pro" panose="020B0604020202020204" charset="0"/>
-      <p:regular r:id="rId37"/>
-      <p:bold r:id="rId38"/>
-      <p:italic r:id="rId39"/>
-      <p:boldItalic r:id="rId40"/>
+      <p:font typeface="Tahoma" panose="020B0604030504040204" pitchFamily="34" charset="0"/>
+      <p:regular r:id="rId39"/>
+      <p:bold r:id="rId40"/>
     </p:embeddedFont>
   </p:embeddedFontLst>
   <p:defaultTextStyle>
@@ -1547,6 +1547,31 @@
           </a:bodyPr>
           <a:lstStyle/>
           <a:p>
+            <a:pPr marL="0" marR="0" lvl="0" indent="0" algn="l" defTabSz="914400" rtl="0" eaLnBrk="1" fontAlgn="auto" latinLnBrk="0" hangingPunct="1">
+              <a:lnSpc>
+                <a:spcPct val="100000"/>
+              </a:lnSpc>
+              <a:spcBef>
+                <a:spcPts val="0"/>
+              </a:spcBef>
+              <a:spcAft>
+                <a:spcPts val="0"/>
+              </a:spcAft>
+              <a:buClr>
+                <a:srgbClr val="000000"/>
+              </a:buClr>
+              <a:buSzPts val="1400"/>
+              <a:buFont typeface="Arial"/>
+              <a:buNone/>
+              <a:tabLst/>
+              <a:defRPr/>
+            </a:pPr>
+            <a:r>
+              <a:rPr lang="fr-FR" dirty="0"/>
+              <a:t>-Dans cette partie, nous allons voir l’environnement ainsi que les différents outils de développement, nous allons voir également quelques interfaces qui composent notre application.</a:t>
+            </a:r>
+          </a:p>
+          <a:p>
             <a:pPr marL="0" lvl="0" indent="0">
               <a:spcBef>
                 <a:spcPts val="0"/>
@@ -1665,6 +1690,33 @@
               </a:spcAft>
               <a:buNone/>
             </a:pPr>
+            <a:r>
+              <a:rPr lang="fr-FR" dirty="0"/>
+              <a:t>-Android EDI qui permet de créer des applications Android natives. Java langage orienté objet, puissant et portable. XML langage de balisage de description d’interface et de fichiers de configuration. SQLite SGBD local, Room librairie de base de données, couche d’abstraction à SQLite. Git GitHub</a:t>
+            </a:r>
+          </a:p>
+          <a:p>
+            <a:pPr marL="0" lvl="0" indent="0" rtl="0">
+              <a:spcBef>
+                <a:spcPts val="0"/>
+              </a:spcBef>
+              <a:spcAft>
+                <a:spcPts val="0"/>
+              </a:spcAft>
+              <a:buNone/>
+            </a:pPr>
+            <a:endParaRPr lang="fr-FR" dirty="0"/>
+          </a:p>
+          <a:p>
+            <a:pPr marL="0" lvl="0" indent="0" rtl="0">
+              <a:spcBef>
+                <a:spcPts val="0"/>
+              </a:spcBef>
+              <a:spcAft>
+                <a:spcPts val="0"/>
+              </a:spcAft>
+              <a:buNone/>
+            </a:pPr>
             <a:endParaRPr dirty="0"/>
           </a:p>
         </p:txBody>
@@ -1776,17 +1828,32 @@
             </a:pPr>
             <a:r>
               <a:rPr lang="fr-FR" dirty="0"/>
-              <a:t>Les diagrammes d’interaction permettent de modéliser comment les objets communiquent entre eux. Par soucis </a:t>
+              <a:t>-Passons mtn aux interfaces, dab accueil, ensuite calendrier et enfin ajout événement</a:t>
             </a:r>
-            <a:r>
-              <a:rPr lang="fr-FR"/>
-              <a:t>de brièveté, </a:t>
-            </a:r>
-            <a:r>
-              <a:rPr lang="fr-FR" dirty="0"/>
-              <a:t>nous avons sélectionné 2 diagrammes seulement</a:t>
-            </a:r>
-            <a:endParaRPr dirty="0"/>
+          </a:p>
+          <a:p>
+            <a:pPr marL="0" lvl="0" indent="0">
+              <a:spcBef>
+                <a:spcPts val="0"/>
+              </a:spcBef>
+              <a:spcAft>
+                <a:spcPts val="0"/>
+              </a:spcAft>
+              <a:buNone/>
+            </a:pPr>
+            <a:endParaRPr lang="fr-FR" dirty="0"/>
+          </a:p>
+          <a:p>
+            <a:pPr marL="0" lvl="0" indent="0">
+              <a:spcBef>
+                <a:spcPts val="0"/>
+              </a:spcBef>
+              <a:spcAft>
+                <a:spcPts val="0"/>
+              </a:spcAft>
+              <a:buNone/>
+            </a:pPr>
+            <a:endParaRPr lang="fr-FR" dirty="0"/>
           </a:p>
         </p:txBody>
       </p:sp>
@@ -19750,22 +19817,13 @@
               <a:buChar char="•"/>
             </a:pPr>
             <a:r>
-              <a:rPr lang="fr-FR" sz="2000" dirty="0" smtClean="0">
-                <a:solidFill>
-                  <a:schemeClr val="bg1"/>
-                </a:solidFill>
-                <a:latin typeface="Oswald"/>
-              </a:rPr>
-              <a:t>M. </a:t>
-            </a:r>
-            <a:r>
               <a:rPr lang="fr-FR" sz="2000" dirty="0">
                 <a:solidFill>
                   <a:schemeClr val="bg1"/>
                 </a:solidFill>
                 <a:latin typeface="Oswald"/>
               </a:rPr>
-              <a:t>TAYEB CHRIF Mohand Said</a:t>
+              <a:t>M. TAYEB CHRIF Mohand Said</a:t>
             </a:r>
           </a:p>
           <a:p>
@@ -19777,22 +19835,13 @@
               <a:buChar char="•"/>
             </a:pPr>
             <a:r>
-              <a:rPr lang="fr-FR" sz="2000" dirty="0" smtClean="0">
-                <a:solidFill>
-                  <a:schemeClr val="bg1"/>
-                </a:solidFill>
-                <a:latin typeface="Oswald"/>
-              </a:rPr>
-              <a:t>M. </a:t>
-            </a:r>
-            <a:r>
               <a:rPr lang="fr-FR" sz="2000" dirty="0">
                 <a:solidFill>
                   <a:schemeClr val="bg1"/>
                 </a:solidFill>
                 <a:latin typeface="Oswald"/>
               </a:rPr>
-              <a:t>SALIMI Salim</a:t>
+              <a:t>M. SALIMI Salim</a:t>
             </a:r>
           </a:p>
           <a:p>
@@ -19804,22 +19853,13 @@
               <a:buChar char="•"/>
             </a:pPr>
             <a:r>
-              <a:rPr lang="fr-FR" sz="2000" dirty="0" smtClean="0">
-                <a:solidFill>
-                  <a:schemeClr val="bg1"/>
-                </a:solidFill>
-                <a:latin typeface="Oswald"/>
-              </a:rPr>
-              <a:t>M. </a:t>
-            </a:r>
-            <a:r>
               <a:rPr lang="fr-FR" sz="2000" dirty="0">
                 <a:solidFill>
                   <a:schemeClr val="bg1"/>
                 </a:solidFill>
                 <a:latin typeface="Oswald"/>
               </a:rPr>
-              <a:t>YAYADENE Abderzak</a:t>
+              <a:t>M. YAYADENE Abderzak</a:t>
             </a:r>
           </a:p>
           <a:p>
@@ -19831,40 +19871,13 @@
               <a:buChar char="•"/>
             </a:pPr>
             <a:r>
-              <a:rPr lang="fr-FR" sz="2000" dirty="0" smtClean="0">
-                <a:solidFill>
-                  <a:schemeClr val="bg1"/>
-                </a:solidFill>
-                <a:latin typeface="Oswald"/>
-              </a:rPr>
-              <a:t>M</a:t>
-            </a:r>
-            <a:r>
               <a:rPr lang="fr-FR" sz="2000" dirty="0">
                 <a:solidFill>
                   <a:schemeClr val="bg1"/>
                 </a:solidFill>
                 <a:latin typeface="Oswald"/>
               </a:rPr>
-              <a:t>.</a:t>
-            </a:r>
-            <a:r>
-              <a:rPr lang="fr-FR" sz="2000" dirty="0" smtClean="0">
-                <a:solidFill>
-                  <a:schemeClr val="bg1"/>
-                </a:solidFill>
-                <a:latin typeface="Oswald"/>
-              </a:rPr>
-              <a:t> </a:t>
-            </a:r>
-            <a:r>
-              <a:rPr lang="fr-FR" sz="2000" dirty="0">
-                <a:solidFill>
-                  <a:schemeClr val="bg1"/>
-                </a:solidFill>
-                <a:latin typeface="Oswald"/>
-              </a:rPr>
-              <a:t>ZADIR Azeddine</a:t>
+              <a:t>M. ZADIR Azeddine</a:t>
             </a:r>
           </a:p>
         </p:txBody>
@@ -19892,22 +19905,13 @@
           <a:lstStyle/>
           <a:p>
             <a:r>
-              <a:rPr lang="fr-FR" sz="2000" dirty="0" smtClean="0">
-                <a:solidFill>
-                  <a:schemeClr val="bg1"/>
-                </a:solidFill>
-                <a:latin typeface="Oswald"/>
-              </a:rPr>
-              <a:t>Encadrés </a:t>
-            </a:r>
-            <a:r>
               <a:rPr lang="fr-FR" sz="2000" dirty="0">
                 <a:solidFill>
                   <a:schemeClr val="bg1"/>
                 </a:solidFill>
                 <a:latin typeface="Oswald"/>
               </a:rPr>
-              <a:t>par : M. AKILAL Karim</a:t>
+              <a:t>Encadrés par : M. AKILAL Karim</a:t>
             </a:r>
           </a:p>
         </p:txBody>
@@ -20057,13 +20061,6 @@
   <p:transition>
     <p:fade thruBlk="1"/>
   </p:transition>
-  <p:timing>
-    <p:tnLst>
-      <p:par>
-        <p:cTn id="1" dur="indefinite" restart="never" nodeType="tmRoot"/>
-      </p:par>
-    </p:tnLst>
-  </p:timing>
 </p:sld>
 </file>
 
@@ -20204,13 +20201,6 @@
   <p:clrMapOvr>
     <a:masterClrMapping/>
   </p:clrMapOvr>
-  <p:timing>
-    <p:tnLst>
-      <p:par>
-        <p:cTn id="1" dur="indefinite" restart="never" nodeType="tmRoot"/>
-      </p:par>
-    </p:tnLst>
-  </p:timing>
 </p:sld>
 </file>
 
@@ -20301,7 +20291,7 @@
             </a:pPr>
             <a:r>
               <a:rPr lang="fr-FR" sz="2800" dirty="0"/>
-              <a:t>Ajout d’un événement </a:t>
+              <a:t>Ajout d’un événement.</a:t>
             </a:r>
           </a:p>
           <a:p>
@@ -20318,17 +20308,9 @@
                 <a:spcPts val="0"/>
               </a:spcBef>
             </a:pPr>
-            <a:endParaRPr lang="fr-FR" sz="2800" dirty="0"/>
-          </a:p>
-          <a:p>
-            <a:pPr>
-              <a:spcBef>
-                <a:spcPts val="0"/>
-              </a:spcBef>
-            </a:pPr>
             <a:r>
               <a:rPr lang="fr-FR" sz="2800" dirty="0"/>
-              <a:t> Suppression d’un calendrier </a:t>
+              <a:t> Suppression d’un calendrier. </a:t>
             </a:r>
             <a:endParaRPr sz="2800" dirty="0"/>
           </a:p>
@@ -20383,13 +20365,6 @@
   <p:clrMapOvr>
     <a:masterClrMapping/>
   </p:clrMapOvr>
-  <p:timing>
-    <p:tnLst>
-      <p:par>
-        <p:cTn id="1" dur="indefinite" restart="never" nodeType="tmRoot"/>
-      </p:par>
-    </p:tnLst>
-  </p:timing>
 </p:sld>
 </file>
 
@@ -20529,13 +20504,6 @@
   <p:clrMapOvr>
     <a:masterClrMapping/>
   </p:clrMapOvr>
-  <p:timing>
-    <p:tnLst>
-      <p:par>
-        <p:cTn id="1" dur="indefinite" restart="never" nodeType="tmRoot"/>
-      </p:par>
-    </p:tnLst>
-  </p:timing>
 </p:sld>
 </file>
 
@@ -20675,13 +20643,6 @@
   <p:clrMapOvr>
     <a:masterClrMapping/>
   </p:clrMapOvr>
-  <p:timing>
-    <p:tnLst>
-      <p:par>
-        <p:cTn id="1" dur="indefinite" restart="never" nodeType="tmRoot"/>
-      </p:par>
-    </p:tnLst>
-  </p:timing>
 </p:sld>
 </file>
 
@@ -20796,12 +20757,8 @@
               <a:t>id_événement</a:t>
             </a:r>
             <a:r>
-              <a:rPr lang="fr-FR" sz="2600" b="1" u="sng" dirty="0"/>
-              <a:t>, </a:t>
-            </a:r>
-            <a:r>
               <a:rPr lang="fr-FR" sz="2600" dirty="0"/>
-              <a:t>titre,  jour,  heure_debut,  heure_fin, lieu, description, récurrence, </a:t>
+              <a:t>, titre,  jour,  heure_debut,  heure_fin, lieu, description, récurrence, </a:t>
             </a:r>
             <a:r>
               <a:rPr lang="fr-FR" sz="2600" b="1" i="1" dirty="0">
@@ -20908,13 +20865,6 @@
   <p:clrMapOvr>
     <a:masterClrMapping/>
   </p:clrMapOvr>
-  <p:timing>
-    <p:tnLst>
-      <p:par>
-        <p:cTn id="1" dur="indefinite" restart="never" nodeType="tmRoot"/>
-      </p:par>
-    </p:tnLst>
-  </p:timing>
 </p:sld>
 </file>
 
@@ -21056,13 +21006,6 @@
   <p:clrMapOvr>
     <a:masterClrMapping/>
   </p:clrMapOvr>
-  <p:timing>
-    <p:tnLst>
-      <p:par>
-        <p:cTn id="1" dur="indefinite" restart="never" nodeType="tmRoot"/>
-      </p:par>
-    </p:tnLst>
-  </p:timing>
 </p:sld>
 </file>
 
@@ -22864,18 +22807,13 @@
           <a:lstStyle/>
           <a:p>
             <a:r>
-              <a:rPr lang="fr-FR" sz="4000" dirty="0" smtClean="0">
+              <a:rPr lang="fr-FR" sz="4000" dirty="0">
                 <a:solidFill>
                   <a:srgbClr val="3C78D8"/>
                 </a:solidFill>
               </a:rPr>
               <a:t>12</a:t>
             </a:r>
-            <a:endParaRPr lang="fr-FR" sz="4000" dirty="0">
-              <a:solidFill>
-                <a:srgbClr val="3C78D8"/>
-              </a:solidFill>
-            </a:endParaRPr>
           </a:p>
         </p:txBody>
       </p:sp>
@@ -22889,13 +22827,6 @@
   <p:clrMapOvr>
     <a:masterClrMapping/>
   </p:clrMapOvr>
-  <p:timing>
-    <p:tnLst>
-      <p:par>
-        <p:cTn id="1" dur="indefinite" restart="never" nodeType="tmRoot"/>
-      </p:par>
-    </p:tnLst>
-  </p:timing>
 </p:sld>
 </file>
 
@@ -23060,18 +22991,13 @@
           <a:lstStyle/>
           <a:p>
             <a:r>
-              <a:rPr lang="fr-FR" sz="4000" dirty="0" smtClean="0">
+              <a:rPr lang="fr-FR" sz="4000" dirty="0">
                 <a:solidFill>
                   <a:srgbClr val="3C78D8"/>
                 </a:solidFill>
               </a:rPr>
               <a:t>13</a:t>
             </a:r>
-            <a:endParaRPr lang="fr-FR" sz="4000" dirty="0">
-              <a:solidFill>
-                <a:srgbClr val="3C78D8"/>
-              </a:solidFill>
-            </a:endParaRPr>
           </a:p>
         </p:txBody>
       </p:sp>
@@ -23085,13 +23011,6 @@
   <p:clrMapOvr>
     <a:masterClrMapping/>
   </p:clrMapOvr>
-  <p:timing>
-    <p:tnLst>
-      <p:par>
-        <p:cTn id="1" dur="indefinite" restart="never" nodeType="tmRoot"/>
-      </p:par>
-    </p:tnLst>
-  </p:timing>
 </p:sld>
 </file>
 
@@ -23839,32 +23758,11 @@
               </a:rPr>
               <a:t>D’ACCUEIL </a:t>
             </a:r>
-            <a:endParaRPr lang="fr-FR" b="1" dirty="0" smtClean="0">
-              <a:solidFill>
-                <a:srgbClr val="FFFFFF"/>
-              </a:solidFill>
-              <a:latin typeface="Oswald"/>
-              <a:ea typeface="Oswald"/>
-              <a:cs typeface="Oswald"/>
-              <a:sym typeface="Oswald"/>
-            </a:endParaRPr>
           </a:p>
           <a:p>
             <a:pPr marL="0" indent="0">
               <a:buNone/>
             </a:pPr>
-            <a:r>
-              <a:rPr lang="en" b="1" dirty="0" smtClean="0">
-                <a:solidFill>
-                  <a:srgbClr val="FFFFFF"/>
-                </a:solidFill>
-                <a:latin typeface="Oswald"/>
-                <a:ea typeface="Oswald"/>
-                <a:cs typeface="Oswald"/>
-                <a:sym typeface="Oswald"/>
-              </a:rPr>
-              <a:t>(</a:t>
-            </a:r>
             <a:r>
               <a:rPr lang="en" b="1" dirty="0">
                 <a:solidFill>
@@ -23875,19 +23773,7 @@
                 <a:cs typeface="Oswald"/>
                 <a:sym typeface="Oswald"/>
               </a:rPr>
-              <a:t>3 </a:t>
-            </a:r>
-            <a:r>
-              <a:rPr lang="en" b="1" dirty="0" smtClean="0">
-                <a:solidFill>
-                  <a:srgbClr val="FFFFFF"/>
-                </a:solidFill>
-                <a:latin typeface="Oswald"/>
-                <a:ea typeface="Oswald"/>
-                <a:cs typeface="Oswald"/>
-                <a:sym typeface="Oswald"/>
-              </a:rPr>
-              <a:t>jours)</a:t>
+              <a:t>(3 jours)</a:t>
             </a:r>
             <a:endParaRPr lang="en" sz="9600" b="1" dirty="0">
               <a:solidFill>
@@ -23904,21 +23790,14 @@
               <a:buNone/>
             </a:pPr>
             <a:r>
-              <a:rPr lang="fr-FR" dirty="0" smtClean="0">
-                <a:latin typeface="Source Sans Pro" panose="020B0604020202020204" charset="0"/>
-                <a:sym typeface="Oswald"/>
-              </a:rPr>
-              <a:t>Affichage </a:t>
-            </a:r>
-            <a:r>
               <a:rPr lang="fr-FR" dirty="0">
                 <a:latin typeface="Source Sans Pro" panose="020B0604020202020204" charset="0"/>
                 <a:sym typeface="Oswald"/>
               </a:rPr>
-              <a:t>des événements avec la couleur qui leur correspondent</a:t>
+              <a:t>Affichage des événements avec la couleur qui leur correspondent</a:t>
             </a:r>
             <a:r>
-              <a:rPr lang="fr-FR" dirty="0" smtClean="0">
+              <a:rPr lang="fr-FR" dirty="0">
                 <a:solidFill>
                   <a:schemeClr val="accent1">
                     <a:lumMod val="75000"/>
@@ -23929,15 +23808,6 @@
               </a:rPr>
               <a:t>.</a:t>
             </a:r>
-            <a:endParaRPr lang="fr-FR" dirty="0">
-              <a:solidFill>
-                <a:schemeClr val="accent1">
-                  <a:lumMod val="75000"/>
-                </a:schemeClr>
-              </a:solidFill>
-              <a:latin typeface="Source Sans Pro" panose="020B0604020202020204" charset="0"/>
-              <a:sym typeface="Oswald"/>
-            </a:endParaRPr>
           </a:p>
         </p:txBody>
       </p:sp>
@@ -24052,18 +23922,13 @@
           <a:lstStyle/>
           <a:p>
             <a:r>
-              <a:rPr lang="fr-FR" sz="4000" dirty="0" smtClean="0">
+              <a:rPr lang="fr-FR" sz="4000" dirty="0">
                 <a:solidFill>
                   <a:srgbClr val="3C78D8"/>
                 </a:solidFill>
               </a:rPr>
               <a:t>14</a:t>
             </a:r>
-            <a:endParaRPr lang="fr-FR" sz="4000" dirty="0">
-              <a:solidFill>
-                <a:srgbClr val="3C78D8"/>
-              </a:solidFill>
-            </a:endParaRPr>
           </a:p>
         </p:txBody>
       </p:sp>
@@ -24077,13 +23942,6 @@
   <p:clrMapOvr>
     <a:masterClrMapping/>
   </p:clrMapOvr>
-  <p:timing>
-    <p:tnLst>
-      <p:par>
-        <p:cTn id="1" dur="indefinite" restart="never" nodeType="tmRoot"/>
-      </p:par>
-    </p:tnLst>
-  </p:timing>
 </p:sld>
 </file>
 
@@ -24817,29 +24675,8 @@
                 <a:cs typeface="Oswald"/>
                 <a:sym typeface="Oswald"/>
               </a:rPr>
-              <a:t>INTERFACE </a:t>
+              <a:t>INTERFACE CALENDRIER</a:t>
             </a:r>
-            <a:r>
-              <a:rPr lang="fr-FR" b="1" dirty="0" smtClean="0">
-                <a:solidFill>
-                  <a:srgbClr val="FFFFFF"/>
-                </a:solidFill>
-                <a:latin typeface="Oswald"/>
-                <a:ea typeface="Oswald"/>
-                <a:cs typeface="Oswald"/>
-                <a:sym typeface="Oswald"/>
-              </a:rPr>
-              <a:t>CALENDRIER</a:t>
-            </a:r>
-            <a:endParaRPr lang="fr-FR" b="1" dirty="0">
-              <a:solidFill>
-                <a:srgbClr val="FFFFFF"/>
-              </a:solidFill>
-              <a:latin typeface="Oswald"/>
-              <a:ea typeface="Oswald"/>
-              <a:cs typeface="Oswald"/>
-              <a:sym typeface="Oswald"/>
-            </a:endParaRPr>
           </a:p>
           <a:p>
             <a:pPr marL="0" indent="0">
@@ -24850,19 +24687,8 @@
                 <a:latin typeface="Source Sans Pro" panose="020B0604020202020204" charset="0"/>
                 <a:sym typeface="Oswald"/>
               </a:rPr>
-              <a:t>Liste des calendriers</a:t>
+              <a:t>Liste des calendriers.</a:t>
             </a:r>
-            <a:r>
-              <a:rPr lang="fr-FR" dirty="0" smtClean="0">
-                <a:latin typeface="Source Sans Pro" panose="020B0604020202020204" charset="0"/>
-                <a:sym typeface="Oswald"/>
-              </a:rPr>
-              <a:t>.</a:t>
-            </a:r>
-            <a:endParaRPr lang="fr-FR" dirty="0">
-              <a:latin typeface="Source Sans Pro" panose="020B0604020202020204" charset="0"/>
-              <a:sym typeface="Oswald"/>
-            </a:endParaRPr>
           </a:p>
         </p:txBody>
       </p:sp>
@@ -24977,18 +24803,13 @@
           <a:lstStyle/>
           <a:p>
             <a:r>
-              <a:rPr lang="fr-FR" sz="4000" dirty="0" smtClean="0">
+              <a:rPr lang="fr-FR" sz="4000" dirty="0">
                 <a:solidFill>
                   <a:srgbClr val="3C78D8"/>
                 </a:solidFill>
               </a:rPr>
               <a:t>15</a:t>
             </a:r>
-            <a:endParaRPr lang="fr-FR" sz="4000" dirty="0">
-              <a:solidFill>
-                <a:srgbClr val="3C78D8"/>
-              </a:solidFill>
-            </a:endParaRPr>
           </a:p>
         </p:txBody>
       </p:sp>
@@ -25002,13 +24823,6 @@
   <p:clrMapOvr>
     <a:masterClrMapping/>
   </p:clrMapOvr>
-  <p:timing>
-    <p:tnLst>
-      <p:par>
-        <p:cTn id="1" dur="indefinite" restart="never" nodeType="tmRoot"/>
-      </p:par>
-    </p:tnLst>
-  </p:timing>
 </p:sld>
 </file>
 
@@ -25192,13 +25006,6 @@
   <p:clrMapOvr>
     <a:masterClrMapping/>
   </p:clrMapOvr>
-  <p:timing>
-    <p:tnLst>
-      <p:par>
-        <p:cTn id="1" dur="indefinite" restart="never" nodeType="tmRoot"/>
-      </p:par>
-    </p:tnLst>
-  </p:timing>
 </p:sld>
 </file>
 
@@ -25932,19 +25739,7 @@
                 <a:cs typeface="Oswald"/>
                 <a:sym typeface="Oswald"/>
               </a:rPr>
-              <a:t>INTERFACE AJOUT D’UN </a:t>
-            </a:r>
-            <a:r>
-              <a:rPr lang="en" b="1" dirty="0" smtClean="0">
-                <a:solidFill>
-                  <a:srgbClr val="FFFFFF"/>
-                </a:solidFill>
-                <a:latin typeface="Oswald"/>
-                <a:ea typeface="Oswald"/>
-                <a:cs typeface="Oswald"/>
-                <a:sym typeface="Oswald"/>
-              </a:rPr>
-              <a:t>EVENEMENT</a:t>
+              <a:t>INTERFACE AJOUT D’UN EVENEMENT</a:t>
             </a:r>
             <a:endParaRPr lang="fr-FR" dirty="0">
               <a:latin typeface="Source Sans Pro" panose="020B0604020202020204" charset="0"/>
@@ -26098,18 +25893,13 @@
           <a:lstStyle/>
           <a:p>
             <a:r>
-              <a:rPr lang="fr-FR" sz="4000" dirty="0" smtClean="0">
+              <a:rPr lang="fr-FR" sz="4000" dirty="0">
                 <a:solidFill>
                   <a:srgbClr val="3C78D8"/>
                 </a:solidFill>
               </a:rPr>
               <a:t>16</a:t>
             </a:r>
-            <a:endParaRPr lang="fr-FR" sz="4000" dirty="0">
-              <a:solidFill>
-                <a:srgbClr val="3C78D8"/>
-              </a:solidFill>
-            </a:endParaRPr>
           </a:p>
         </p:txBody>
       </p:sp>
@@ -26123,13 +25913,6 @@
   <p:clrMapOvr>
     <a:masterClrMapping/>
   </p:clrMapOvr>
-  <p:timing>
-    <p:tnLst>
-      <p:par>
-        <p:cTn id="1" dur="indefinite" restart="never" nodeType="tmRoot"/>
-      </p:par>
-    </p:tnLst>
-  </p:timing>
 </p:sld>
 </file>
 
@@ -26211,7 +25994,7 @@
             <a:pPr marL="0" indent="0"/>
             <a:r>
               <a:rPr lang="fr-FR" sz="2800" dirty="0"/>
-              <a:t>Synthèse, Perspective</a:t>
+              <a:t>Synthèse, Perspectives</a:t>
             </a:r>
             <a:endParaRPr sz="2800" dirty="0"/>
           </a:p>
@@ -26271,13 +26054,6 @@
   <p:clrMapOvr>
     <a:masterClrMapping/>
   </p:clrMapOvr>
-  <p:timing>
-    <p:tnLst>
-      <p:par>
-        <p:cTn id="1" dur="indefinite" restart="never" nodeType="tmRoot"/>
-      </p:par>
-    </p:tnLst>
-  </p:timing>
 </p:sld>
 </file>
 
@@ -30103,18 +29879,13 @@
           <a:lstStyle/>
           <a:p>
             <a:r>
-              <a:rPr lang="fr-FR" sz="4000" dirty="0" smtClean="0">
+              <a:rPr lang="fr-FR" sz="4000" dirty="0">
                 <a:solidFill>
                   <a:srgbClr val="3C78D8"/>
                 </a:solidFill>
               </a:rPr>
               <a:t>17</a:t>
             </a:r>
-            <a:endParaRPr lang="fr-FR" sz="4000" dirty="0">
-              <a:solidFill>
-                <a:srgbClr val="3C78D8"/>
-              </a:solidFill>
-            </a:endParaRPr>
           </a:p>
         </p:txBody>
       </p:sp>
@@ -30128,13 +29899,6 @@
   <p:clrMapOvr>
     <a:masterClrMapping/>
   </p:clrMapOvr>
-  <p:timing>
-    <p:tnLst>
-      <p:par>
-        <p:cTn id="1" dur="indefinite" restart="never" nodeType="tmRoot"/>
-      </p:par>
-    </p:tnLst>
-  </p:timing>
 </p:sld>
 </file>
 
@@ -30222,7 +29986,15 @@
             </a:r>
             <a:r>
               <a:rPr lang="en" sz="2400" b="1" dirty="0"/>
-              <a:t>mplementation :</a:t>
+              <a:t>mpl</a:t>
+            </a:r>
+            <a:r>
+              <a:rPr lang="fr-FR" sz="2400" b="1" dirty="0"/>
+              <a:t>é</a:t>
+            </a:r>
+            <a:r>
+              <a:rPr lang="en" sz="2400" b="1" dirty="0"/>
+              <a:t>mentation :</a:t>
             </a:r>
           </a:p>
           <a:p>
@@ -30235,7 +30007,15 @@
             </a:r>
             <a:r>
               <a:rPr lang="en" sz="2400" dirty="0"/>
-              <a:t>tilisation des differents outils, langage</a:t>
+              <a:t>tilisation des diff</a:t>
+            </a:r>
+            <a:r>
+              <a:rPr lang="fr-FR" sz="2400" dirty="0"/>
+              <a:t>é</a:t>
+            </a:r>
+            <a:r>
+              <a:rPr lang="en" sz="2400" dirty="0"/>
+              <a:t>rents outils, langage</a:t>
             </a:r>
             <a:r>
               <a:rPr lang="fr-FR" sz="2400" dirty="0"/>
@@ -30349,7 +30129,15 @@
             </a:pPr>
             <a:r>
               <a:rPr lang="fr-FR" sz="2400" dirty="0"/>
-              <a:t>Possibilité d’inclure une note vocale a l’événement. </a:t>
+              <a:t>Possibilité d’inclure une note </a:t>
+            </a:r>
+            <a:r>
+              <a:rPr lang="fr-FR" sz="2400"/>
+              <a:t>vocale à </a:t>
+            </a:r>
+            <a:r>
+              <a:rPr lang="fr-FR" sz="2400" dirty="0"/>
+              <a:t>l’événement. </a:t>
             </a:r>
           </a:p>
           <a:p>
@@ -31399,18 +31187,13 @@
           <a:lstStyle/>
           <a:p>
             <a:r>
-              <a:rPr lang="fr-FR" sz="4000" dirty="0" smtClean="0">
+              <a:rPr lang="fr-FR" sz="4000" dirty="0">
                 <a:solidFill>
                   <a:srgbClr val="3C78D8"/>
                 </a:solidFill>
               </a:rPr>
               <a:t>18</a:t>
             </a:r>
-            <a:endParaRPr lang="fr-FR" sz="4000" dirty="0">
-              <a:solidFill>
-                <a:srgbClr val="3C78D8"/>
-              </a:solidFill>
-            </a:endParaRPr>
           </a:p>
         </p:txBody>
       </p:sp>
@@ -31424,13 +31207,6 @@
   <p:clrMapOvr>
     <a:masterClrMapping/>
   </p:clrMapOvr>
-  <p:timing>
-    <p:tnLst>
-      <p:par>
-        <p:cTn id="1" dur="indefinite" restart="never" nodeType="tmRoot"/>
-      </p:par>
-    </p:tnLst>
-  </p:timing>
 </p:sld>
 </file>
 
@@ -31476,10 +31252,6 @@
           </a:bodyPr>
           <a:lstStyle/>
           <a:p>
-            <a:r>
-              <a:rPr lang="en" sz="10000" dirty="0"/>
-              <a:t/>
-            </a:r>
             <a:br>
               <a:rPr lang="en" sz="10000" dirty="0"/>
             </a:br>
@@ -31549,13 +31321,6 @@
   <p:clrMapOvr>
     <a:masterClrMapping/>
   </p:clrMapOvr>
-  <p:timing>
-    <p:tnLst>
-      <p:par>
-        <p:cTn id="1" dur="indefinite" restart="never" nodeType="tmRoot"/>
-      </p:par>
-    </p:tnLst>
-  </p:timing>
 </p:sld>
 </file>
 
@@ -31699,13 +31464,6 @@
   <p:clrMapOvr>
     <a:masterClrMapping/>
   </p:clrMapOvr>
-  <p:timing>
-    <p:tnLst>
-      <p:par>
-        <p:cTn id="1" dur="indefinite" restart="never" nodeType="tmRoot"/>
-      </p:par>
-    </p:tnLst>
-  </p:timing>
 </p:sld>
 </file>
 
@@ -31797,7 +31555,7 @@
           <a:p>
             <a:r>
               <a:rPr lang="fr-FR" sz="2300" dirty="0"/>
-              <a:t>L’étudiant est l’une des classes sociales les plus touchées par ce problème .</a:t>
+              <a:t>L’étudiant est l’une des classes sociales les plus touchées par ce problème.</a:t>
             </a:r>
           </a:p>
           <a:p>
@@ -31809,10 +31567,8 @@
           <a:p>
             <a:r>
               <a:rPr lang="fr-FR" sz="2400" dirty="0"/>
-              <a:t>Ils sont utilisés par 56% de la population  mondiale, essentiellement par les étudiants .</a:t>
+              <a:t>Les smartphones sont utilisés par 56% de la population  mondiale, essentiellement par les étudiants.</a:t>
             </a:r>
-          </a:p>
-          <a:p>
             <a:endParaRPr lang="fr-FR" dirty="0"/>
           </a:p>
           <a:p>
@@ -31874,13 +31630,6 @@
   <p:clrMapOvr>
     <a:masterClrMapping/>
   </p:clrMapOvr>
-  <p:timing>
-    <p:tnLst>
-      <p:par>
-        <p:cTn id="1" dur="indefinite" restart="never" nodeType="tmRoot"/>
-      </p:par>
-    </p:tnLst>
-  </p:timing>
 </p:sld>
 </file>
 
@@ -31988,13 +31737,6 @@
   <p:clrMapOvr>
     <a:masterClrMapping/>
   </p:clrMapOvr>
-  <p:timing>
-    <p:tnLst>
-      <p:par>
-        <p:cTn id="1" dur="indefinite" restart="never" nodeType="tmRoot"/>
-      </p:par>
-    </p:tnLst>
-  </p:timing>
 </p:sld>
 </file>
 
@@ -32080,7 +31822,7 @@
           <a:p>
             <a:r>
               <a:rPr lang="fr-FR" sz="2400" dirty="0"/>
-              <a:t>L’application à développer aura pour mission d’offrir une représentation  des activités de l’utilisateur pendant les jours de la semaine et lui rappeler les tâches prévues . </a:t>
+              <a:t>L’application à développer aura pour mission d’offrir une représentation  des activités de l’utilisateur pendant les jours de la semaine et lui rappeler les tâches prévues. </a:t>
             </a:r>
           </a:p>
           <a:p>
@@ -32160,13 +31902,6 @@
   <p:clrMapOvr>
     <a:masterClrMapping/>
   </p:clrMapOvr>
-  <p:timing>
-    <p:tnLst>
-      <p:par>
-        <p:cTn id="1" dur="indefinite" restart="never" nodeType="tmRoot"/>
-      </p:par>
-    </p:tnLst>
-  </p:timing>
 </p:sld>
 </file>
 
@@ -32301,13 +32036,6 @@
   <p:clrMapOvr>
     <a:masterClrMapping/>
   </p:clrMapOvr>
-  <p:timing>
-    <p:tnLst>
-      <p:par>
-        <p:cTn id="1" dur="indefinite" restart="never" nodeType="tmRoot"/>
-      </p:par>
-    </p:tnLst>
-  </p:timing>
 </p:sld>
 </file>
 
@@ -32442,13 +32170,6 @@
   <p:clrMapOvr>
     <a:masterClrMapping/>
   </p:clrMapOvr>
-  <p:timing>
-    <p:tnLst>
-      <p:par>
-        <p:cTn id="1" dur="indefinite" restart="never" nodeType="tmRoot"/>
-      </p:par>
-    </p:tnLst>
-  </p:timing>
 </p:sld>
 </file>
 
@@ -32588,13 +32309,6 @@
   <p:clrMapOvr>
     <a:masterClrMapping/>
   </p:clrMapOvr>
-  <p:timing>
-    <p:tnLst>
-      <p:par>
-        <p:cTn id="1" dur="indefinite" restart="never" nodeType="tmRoot"/>
-      </p:par>
-    </p:tnLst>
-  </p:timing>
 </p:sld>
 </file>
 

--- a/présentation licence 3.pptx
+++ b/présentation licence 3.pptx
@@ -44,14 +44,14 @@
       <p:boldItalic r:id="rId30"/>
     </p:embeddedFont>
     <p:embeddedFont>
-      <p:font typeface="Oswald" panose="02000303000000000000" pitchFamily="2" charset="0"/>
+      <p:font typeface="Calibri" panose="020F0502020204030204" pitchFamily="34" charset="0"/>
       <p:regular r:id="rId31"/>
       <p:bold r:id="rId32"/>
       <p:italic r:id="rId33"/>
       <p:boldItalic r:id="rId34"/>
     </p:embeddedFont>
     <p:embeddedFont>
-      <p:font typeface="Calibri" panose="020F0502020204030204" pitchFamily="34" charset="0"/>
+      <p:font typeface="Oswald" panose="00000500000000000000" pitchFamily="2" charset="0"/>
       <p:regular r:id="rId35"/>
       <p:bold r:id="rId36"/>
       <p:italic r:id="rId37"/>
@@ -2180,6 +2180,123 @@
               </a:spcAft>
               <a:buNone/>
             </a:pPr>
+            <a:r>
+              <a:rPr lang="fr-FR" dirty="0" smtClean="0"/>
+              <a:t>Le plant de la </a:t>
+            </a:r>
+            <a:r>
+              <a:rPr lang="fr-FR" dirty="0" err="1" smtClean="0"/>
+              <a:t>presentatation</a:t>
+            </a:r>
+            <a:r>
+              <a:rPr lang="fr-FR" baseline="0" dirty="0" smtClean="0"/>
+              <a:t> et le suivant </a:t>
+            </a:r>
+          </a:p>
+          <a:p>
+            <a:pPr marL="0" lvl="0" indent="0">
+              <a:spcBef>
+                <a:spcPts val="0"/>
+              </a:spcBef>
+              <a:spcAft>
+                <a:spcPts val="0"/>
+              </a:spcAft>
+              <a:buNone/>
+            </a:pPr>
+            <a:r>
+              <a:rPr lang="fr-FR" baseline="0" dirty="0" smtClean="0"/>
+              <a:t>Une introduction pour </a:t>
+            </a:r>
+            <a:r>
+              <a:rPr lang="fr-FR" baseline="0" dirty="0" err="1" smtClean="0"/>
+              <a:t>decrire</a:t>
+            </a:r>
+            <a:r>
+              <a:rPr lang="fr-FR" baseline="0" dirty="0" smtClean="0"/>
+              <a:t> le contexte et la </a:t>
+            </a:r>
+            <a:r>
+              <a:rPr lang="fr-FR" baseline="0" dirty="0" err="1" smtClean="0"/>
+              <a:t>problematique</a:t>
+            </a:r>
+            <a:r>
+              <a:rPr lang="fr-FR" baseline="0" dirty="0" smtClean="0"/>
+              <a:t> du projet </a:t>
+            </a:r>
+          </a:p>
+          <a:p>
+            <a:pPr marL="0" lvl="0" indent="0">
+              <a:spcBef>
+                <a:spcPts val="0"/>
+              </a:spcBef>
+              <a:spcAft>
+                <a:spcPts val="0"/>
+              </a:spcAft>
+              <a:buNone/>
+            </a:pPr>
+            <a:r>
+              <a:rPr lang="fr-FR" baseline="0" dirty="0" smtClean="0"/>
+              <a:t>Une partie </a:t>
+            </a:r>
+            <a:r>
+              <a:rPr lang="fr-FR" baseline="0" dirty="0" err="1" smtClean="0"/>
+              <a:t>dedier</a:t>
+            </a:r>
+            <a:r>
+              <a:rPr lang="fr-FR" baseline="0" dirty="0" smtClean="0"/>
+              <a:t> a la </a:t>
+            </a:r>
+            <a:r>
+              <a:rPr lang="fr-FR" baseline="0" dirty="0" err="1" smtClean="0"/>
+              <a:t>specification</a:t>
+            </a:r>
+            <a:r>
+              <a:rPr lang="fr-FR" baseline="0" dirty="0" smtClean="0"/>
+              <a:t> des besoins et a la conception</a:t>
+            </a:r>
+          </a:p>
+          <a:p>
+            <a:pPr marL="0" lvl="0" indent="0">
+              <a:spcBef>
+                <a:spcPts val="0"/>
+              </a:spcBef>
+              <a:spcAft>
+                <a:spcPts val="0"/>
+              </a:spcAft>
+              <a:buNone/>
+            </a:pPr>
+            <a:r>
+              <a:rPr lang="fr-FR" baseline="0" dirty="0" smtClean="0"/>
+              <a:t>Une 3eme partie pour </a:t>
+            </a:r>
+            <a:r>
+              <a:rPr lang="fr-FR" baseline="0" dirty="0" err="1" smtClean="0"/>
+              <a:t>limplementation</a:t>
+            </a:r>
+            <a:endParaRPr lang="fr-FR" baseline="0" dirty="0" smtClean="0"/>
+          </a:p>
+          <a:p>
+            <a:pPr marL="0" lvl="0" indent="0">
+              <a:spcBef>
+                <a:spcPts val="0"/>
+              </a:spcBef>
+              <a:spcAft>
+                <a:spcPts val="0"/>
+              </a:spcAft>
+              <a:buNone/>
+            </a:pPr>
+            <a:r>
+              <a:rPr lang="fr-FR" baseline="0" dirty="0" smtClean="0"/>
+              <a:t>Et enfin une conclusion pour </a:t>
+            </a:r>
+            <a:r>
+              <a:rPr lang="fr-FR" baseline="0" dirty="0" err="1" smtClean="0"/>
+              <a:t>resumé</a:t>
+            </a:r>
+            <a:r>
+              <a:rPr lang="fr-FR" baseline="0" dirty="0" smtClean="0"/>
+              <a:t> tous le travaille </a:t>
+            </a:r>
             <a:endParaRPr dirty="0"/>
           </a:p>
         </p:txBody>
@@ -2823,7 +2940,19 @@
             </a:r>
             <a:r>
               <a:rPr lang="fr-FR" baseline="0" dirty="0"/>
-              <a:t> la solution actuel admet des limes comme  l’incapacité de </a:t>
+              <a:t> la solution actuel </a:t>
+            </a:r>
+            <a:r>
+              <a:rPr lang="fr-FR" baseline="0" dirty="0" err="1" smtClean="0"/>
+              <a:t>presente</a:t>
+            </a:r>
+            <a:r>
+              <a:rPr lang="fr-FR" baseline="0" dirty="0" smtClean="0"/>
+              <a:t>  </a:t>
+            </a:r>
+            <a:r>
+              <a:rPr lang="fr-FR" baseline="0" dirty="0"/>
+              <a:t>des limes comme  l’incapacité de </a:t>
             </a:r>
             <a:r>
               <a:rPr lang="fr-FR" baseline="0" dirty="0" err="1"/>
@@ -2902,7 +3031,11 @@
             </a:r>
             <a:r>
               <a:rPr lang="fr-FR" baseline="0" dirty="0"/>
-              <a:t> et pour quoi pas </a:t>
+              <a:t> et </a:t>
+            </a:r>
+            <a:r>
+              <a:rPr lang="fr-FR" baseline="0" dirty="0" smtClean="0"/>
+              <a:t>arriver a  </a:t>
             </a:r>
             <a:r>
               <a:rPr lang="fr-FR" baseline="0" dirty="0" err="1"/>
@@ -2921,32 +3054,48 @@
               <a:t> </a:t>
             </a:r>
             <a:r>
-              <a:rPr lang="fr-FR" baseline="0" dirty="0" err="1"/>
-              <a:t>grace</a:t>
-            </a:r>
-            <a:r>
-              <a:rPr lang="fr-FR" baseline="0" dirty="0"/>
-              <a:t> a </a:t>
-            </a:r>
-            <a:r>
-              <a:rPr lang="fr-FR" baseline="0" dirty="0" err="1"/>
-              <a:t>lutilisation</a:t>
-            </a:r>
-            <a:r>
-              <a:rPr lang="fr-FR" baseline="0" dirty="0"/>
-              <a:t> d’un </a:t>
-            </a:r>
-            <a:r>
-              <a:rPr lang="fr-FR" baseline="0" dirty="0" err="1"/>
+              <a:rPr lang="fr-FR" baseline="0" dirty="0" smtClean="0"/>
+              <a:t> pour que ils soit </a:t>
+            </a:r>
+            <a:r>
+              <a:rPr lang="fr-FR" baseline="0" dirty="0" err="1" smtClean="0"/>
+              <a:t>accecible</a:t>
+            </a:r>
+            <a:r>
+              <a:rPr lang="fr-FR" baseline="0" dirty="0" smtClean="0"/>
+              <a:t> a touts moment sur tous ses  </a:t>
+            </a:r>
+            <a:r>
+              <a:rPr lang="fr-FR" baseline="0" dirty="0" err="1" smtClean="0"/>
+              <a:t>appreils</a:t>
+            </a:r>
+            <a:r>
+              <a:rPr lang="fr-FR" baseline="0" dirty="0" smtClean="0"/>
+              <a:t> </a:t>
+            </a:r>
+            <a:r>
+              <a:rPr lang="fr-FR" baseline="0" dirty="0" err="1" smtClean="0"/>
+              <a:t>utilisan</a:t>
+            </a:r>
+            <a:r>
+              <a:rPr lang="fr-FR" baseline="0" dirty="0" smtClean="0"/>
+              <a:t> le </a:t>
+            </a:r>
+            <a:r>
+              <a:rPr lang="fr-FR" baseline="0" dirty="0" err="1" smtClean="0"/>
+              <a:t>mem</a:t>
+            </a:r>
+            <a:r>
+              <a:rPr lang="fr-FR" baseline="0" dirty="0" smtClean="0"/>
+              <a:t> </a:t>
+            </a:r>
+            <a:r>
+              <a:rPr lang="fr-FR" baseline="0" dirty="0" err="1" smtClean="0"/>
               <a:t>compt</a:t>
             </a:r>
             <a:r>
-              <a:rPr lang="fr-FR" baseline="0" dirty="0"/>
+              <a:rPr lang="fr-FR" baseline="0" dirty="0" smtClean="0"/>
               <a:t> </a:t>
-            </a:r>
-            <a:r>
-              <a:rPr lang="fr-FR" baseline="0" dirty="0" err="1"/>
-              <a:t>gmail</a:t>
             </a:r>
             <a:endParaRPr lang="fr-FR" baseline="0" dirty="0"/>
           </a:p>
@@ -3688,6 +3837,177 @@
               </a:spcAft>
               <a:buNone/>
             </a:pPr>
+            <a:r>
+              <a:rPr lang="fr-FR" dirty="0" smtClean="0"/>
+              <a:t>Au</a:t>
+            </a:r>
+            <a:r>
+              <a:rPr lang="fr-FR" baseline="0" dirty="0" smtClean="0"/>
+              <a:t> vue des </a:t>
+            </a:r>
+            <a:r>
+              <a:rPr lang="fr-FR" baseline="0" dirty="0" err="1" smtClean="0"/>
+              <a:t>element</a:t>
+            </a:r>
+            <a:r>
+              <a:rPr lang="fr-FR" baseline="0" dirty="0" smtClean="0"/>
+              <a:t> constater nous avons </a:t>
+            </a:r>
+            <a:r>
+              <a:rPr lang="fr-FR" baseline="0" dirty="0" err="1" smtClean="0"/>
+              <a:t>decider</a:t>
+            </a:r>
+            <a:r>
+              <a:rPr lang="fr-FR" baseline="0" dirty="0" smtClean="0"/>
+              <a:t> de </a:t>
+            </a:r>
+            <a:r>
+              <a:rPr lang="fr-FR" baseline="0" dirty="0" err="1" smtClean="0"/>
+              <a:t>realiser</a:t>
+            </a:r>
+            <a:r>
+              <a:rPr lang="fr-FR" baseline="0" dirty="0" smtClean="0"/>
+              <a:t> une application mobile </a:t>
+            </a:r>
+            <a:r>
+              <a:rPr lang="fr-FR" baseline="0" dirty="0" err="1" smtClean="0"/>
+              <a:t>perrmetons</a:t>
+            </a:r>
+            <a:r>
+              <a:rPr lang="fr-FR" baseline="0" dirty="0" smtClean="0"/>
+              <a:t> au </a:t>
+            </a:r>
+            <a:r>
+              <a:rPr lang="fr-FR" baseline="0" dirty="0" err="1" smtClean="0"/>
+              <a:t>etudiants</a:t>
+            </a:r>
+            <a:r>
+              <a:rPr lang="fr-FR" baseline="0" dirty="0" smtClean="0"/>
+              <a:t> </a:t>
+            </a:r>
+            <a:r>
+              <a:rPr lang="fr-FR" baseline="0" dirty="0" err="1" smtClean="0"/>
+              <a:t>davoir</a:t>
+            </a:r>
+            <a:r>
+              <a:rPr lang="fr-FR" baseline="0" dirty="0" smtClean="0"/>
+              <a:t> une représentation simple et compréhensible de </a:t>
+            </a:r>
+            <a:r>
+              <a:rPr lang="fr-FR" baseline="0" dirty="0" err="1" smtClean="0"/>
+              <a:t>leures</a:t>
+            </a:r>
+            <a:r>
+              <a:rPr lang="fr-FR" baseline="0" dirty="0" smtClean="0"/>
+              <a:t> emplois du </a:t>
+            </a:r>
+            <a:r>
+              <a:rPr lang="fr-FR" baseline="0" dirty="0" err="1" smtClean="0"/>
+              <a:t>temp</a:t>
+            </a:r>
+            <a:r>
+              <a:rPr lang="fr-FR" baseline="0" dirty="0" smtClean="0"/>
+              <a:t> et les assister  au </a:t>
+            </a:r>
+            <a:r>
+              <a:rPr lang="fr-FR" baseline="0" dirty="0" err="1" smtClean="0"/>
+              <a:t>quotideins</a:t>
+            </a:r>
+            <a:r>
+              <a:rPr lang="fr-FR" baseline="0" dirty="0" smtClean="0"/>
+              <a:t>  en leurs rappelant toutes les  taches </a:t>
+            </a:r>
+            <a:r>
+              <a:rPr lang="fr-FR" baseline="0" dirty="0" err="1" smtClean="0"/>
+              <a:t>qu</a:t>
+            </a:r>
+            <a:r>
+              <a:rPr lang="fr-FR" baseline="0" dirty="0" smtClean="0"/>
+              <a:t> ils ont  </a:t>
+            </a:r>
+            <a:r>
+              <a:rPr lang="fr-FR" baseline="0" dirty="0" err="1" smtClean="0"/>
+              <a:t>prevue</a:t>
+            </a:r>
+            <a:r>
+              <a:rPr lang="fr-FR" baseline="0" dirty="0" smtClean="0"/>
+              <a:t> </a:t>
+            </a:r>
+          </a:p>
+          <a:p>
+            <a:pPr marL="0" lvl="0" indent="0">
+              <a:spcBef>
+                <a:spcPts val="0"/>
+              </a:spcBef>
+              <a:spcAft>
+                <a:spcPts val="0"/>
+              </a:spcAft>
+              <a:buNone/>
+            </a:pPr>
+            <a:endParaRPr lang="fr-FR" baseline="0" dirty="0" smtClean="0"/>
+          </a:p>
+          <a:p>
+            <a:pPr marL="0" lvl="0" indent="0">
+              <a:spcBef>
+                <a:spcPts val="0"/>
+              </a:spcBef>
+              <a:spcAft>
+                <a:spcPts val="0"/>
+              </a:spcAft>
+              <a:buNone/>
+            </a:pPr>
+            <a:r>
+              <a:rPr lang="fr-FR" baseline="0" dirty="0" smtClean="0"/>
+              <a:t>Pour </a:t>
+            </a:r>
+            <a:r>
+              <a:rPr lang="fr-FR" baseline="0" dirty="0" err="1" smtClean="0"/>
+              <a:t>decrire</a:t>
+            </a:r>
+            <a:r>
+              <a:rPr lang="fr-FR" baseline="0" dirty="0" smtClean="0"/>
+              <a:t>  les besoins et </a:t>
+            </a:r>
+            <a:r>
+              <a:rPr lang="fr-FR" baseline="0" dirty="0" err="1" smtClean="0"/>
+              <a:t>concevoire</a:t>
+            </a:r>
+            <a:r>
+              <a:rPr lang="fr-FR" baseline="0" dirty="0" smtClean="0"/>
+              <a:t> la </a:t>
+            </a:r>
+            <a:r>
+              <a:rPr lang="fr-FR" baseline="0" dirty="0" err="1" smtClean="0"/>
+              <a:t>slution</a:t>
+            </a:r>
+            <a:r>
+              <a:rPr lang="fr-FR" baseline="0" dirty="0" smtClean="0"/>
+              <a:t> nous avons utiliser </a:t>
+            </a:r>
+            <a:r>
+              <a:rPr lang="fr-FR" baseline="0" dirty="0" err="1" smtClean="0"/>
+              <a:t>Uml</a:t>
+            </a:r>
+            <a:r>
+              <a:rPr lang="fr-FR" baseline="0" dirty="0" smtClean="0"/>
+              <a:t>  </a:t>
+            </a:r>
+            <a:r>
+              <a:rPr lang="fr-FR" baseline="0" dirty="0" err="1" smtClean="0"/>
+              <a:t>commme</a:t>
+            </a:r>
+            <a:r>
+              <a:rPr lang="fr-FR" baseline="0" dirty="0" smtClean="0"/>
+              <a:t> </a:t>
+            </a:r>
+            <a:r>
+              <a:rPr lang="fr-FR" baseline="0" dirty="0" err="1" smtClean="0"/>
+              <a:t>language</a:t>
+            </a:r>
+            <a:r>
+              <a:rPr lang="fr-FR" baseline="0" dirty="0" smtClean="0"/>
+              <a:t> de modélisation </a:t>
+            </a:r>
             <a:endParaRPr dirty="0"/>
           </a:p>
         </p:txBody>
@@ -3798,8 +4118,75 @@
               <a:buNone/>
             </a:pPr>
             <a:r>
+              <a:rPr lang="fr-FR" dirty="0" smtClean="0"/>
+              <a:t>Cette</a:t>
+            </a:r>
+            <a:r>
+              <a:rPr lang="fr-FR" baseline="0" dirty="0" smtClean="0"/>
+              <a:t> figure </a:t>
+            </a:r>
+            <a:r>
+              <a:rPr lang="fr-FR" baseline="0" dirty="0" err="1" smtClean="0"/>
+              <a:t>repersente</a:t>
+            </a:r>
+            <a:r>
+              <a:rPr lang="fr-FR" baseline="0" dirty="0" smtClean="0"/>
+              <a:t> le diagramme des cas </a:t>
+            </a:r>
+            <a:r>
+              <a:rPr lang="fr-FR" baseline="0" dirty="0" err="1" smtClean="0"/>
+              <a:t>dutilisatin</a:t>
+            </a:r>
+            <a:r>
+              <a:rPr lang="fr-FR" baseline="0" dirty="0" smtClean="0"/>
+              <a:t> </a:t>
+            </a:r>
+            <a:r>
+              <a:rPr lang="fr-FR" baseline="0" dirty="0" err="1" smtClean="0"/>
+              <a:t>general</a:t>
+            </a:r>
+            <a:endParaRPr lang="fr-FR" baseline="0" dirty="0" smtClean="0"/>
+          </a:p>
+          <a:p>
+            <a:pPr marL="0" lvl="0" indent="0" rtl="0">
+              <a:spcBef>
+                <a:spcPts val="0"/>
+              </a:spcBef>
+              <a:spcAft>
+                <a:spcPts val="0"/>
+              </a:spcAft>
+              <a:buNone/>
+            </a:pPr>
+            <a:r>
+              <a:rPr lang="fr-FR" baseline="0" dirty="0" smtClean="0"/>
+              <a:t>On distingue de cas </a:t>
+            </a:r>
+            <a:r>
+              <a:rPr lang="fr-FR" baseline="0" dirty="0" err="1" smtClean="0"/>
+              <a:t>dutilisation</a:t>
+            </a:r>
+            <a:r>
+              <a:rPr lang="fr-FR" baseline="0" dirty="0" smtClean="0"/>
+              <a:t> </a:t>
+            </a:r>
+          </a:p>
+          <a:p>
+            <a:pPr marL="0" lvl="0" indent="0" rtl="0">
+              <a:spcBef>
+                <a:spcPts val="0"/>
+              </a:spcBef>
+              <a:spcAft>
+                <a:spcPts val="0"/>
+              </a:spcAft>
+              <a:buNone/>
+            </a:pPr>
+            <a:r>
+              <a:rPr lang="fr-FR" dirty="0" smtClean="0"/>
+              <a:t> </a:t>
+            </a:r>
+            <a:r>
               <a:rPr lang="fr-FR" dirty="0"/>
-              <a:t>Dans cette figure, elle représente le diagramme de cas d’utilisation. L’utilisateur a la </a:t>
+              <a:t>L’utilisateur a la </a:t>
             </a:r>
             <a:r>
               <a:rPr lang="fr-FR" dirty="0" err="1"/>
@@ -3960,7 +4347,15 @@
             </a:r>
             <a:r>
               <a:rPr lang="fr-FR" dirty="0"/>
-              <a:t>, la Vue Globale est la première a </a:t>
+              <a:t>, la Vue </a:t>
+            </a:r>
+            <a:r>
+              <a:rPr lang="fr-FR" dirty="0" smtClean="0"/>
+              <a:t>Globale sera </a:t>
+            </a:r>
+            <a:r>
+              <a:rPr lang="fr-FR" dirty="0"/>
+              <a:t>la première a </a:t>
             </a:r>
             <a:r>
               <a:rPr lang="fr-FR" dirty="0" err="1"/>
@@ -20061,6 +20456,13 @@
   <p:transition>
     <p:fade thruBlk="1"/>
   </p:transition>
+  <p:timing>
+    <p:tnLst>
+      <p:par>
+        <p:cTn id="1" dur="indefinite" restart="never" nodeType="tmRoot"/>
+      </p:par>
+    </p:tnLst>
+  </p:timing>
 </p:sld>
 </file>
 
@@ -25006,6 +25408,13 @@
   <p:clrMapOvr>
     <a:masterClrMapping/>
   </p:clrMapOvr>
+  <p:timing>
+    <p:tnLst>
+      <p:par>
+        <p:cTn id="1" dur="indefinite" restart="never" nodeType="tmRoot"/>
+      </p:par>
+    </p:tnLst>
+  </p:timing>
 </p:sld>
 </file>
 
@@ -26054,6 +26463,13 @@
   <p:clrMapOvr>
     <a:masterClrMapping/>
   </p:clrMapOvr>
+  <p:timing>
+    <p:tnLst>
+      <p:par>
+        <p:cTn id="1" dur="indefinite" restart="never" nodeType="tmRoot"/>
+      </p:par>
+    </p:tnLst>
+  </p:timing>
 </p:sld>
 </file>
 
@@ -29899,6 +30315,13 @@
   <p:clrMapOvr>
     <a:masterClrMapping/>
   </p:clrMapOvr>
+  <p:timing>
+    <p:tnLst>
+      <p:par>
+        <p:cTn id="1" dur="indefinite" restart="never" nodeType="tmRoot"/>
+      </p:par>
+    </p:tnLst>
+  </p:timing>
 </p:sld>
 </file>
 
@@ -31207,6 +31630,13 @@
   <p:clrMapOvr>
     <a:masterClrMapping/>
   </p:clrMapOvr>
+  <p:timing>
+    <p:tnLst>
+      <p:par>
+        <p:cTn id="1" dur="indefinite" restart="never" nodeType="tmRoot"/>
+      </p:par>
+    </p:tnLst>
+  </p:timing>
 </p:sld>
 </file>
 
@@ -31252,6 +31682,10 @@
           </a:bodyPr>
           <a:lstStyle/>
           <a:p>
+            <a:r>
+              <a:rPr lang="en" sz="10000" dirty="0"/>
+              <a:t/>
+            </a:r>
             <a:br>
               <a:rPr lang="en" sz="10000" dirty="0"/>
             </a:br>
@@ -31464,6 +31898,13 @@
   <p:clrMapOvr>
     <a:masterClrMapping/>
   </p:clrMapOvr>
+  <p:timing>
+    <p:tnLst>
+      <p:par>
+        <p:cTn id="1" dur="indefinite" restart="never" nodeType="tmRoot"/>
+      </p:par>
+    </p:tnLst>
+  </p:timing>
 </p:sld>
 </file>
 
@@ -31630,6 +32071,13 @@
   <p:clrMapOvr>
     <a:masterClrMapping/>
   </p:clrMapOvr>
+  <p:timing>
+    <p:tnLst>
+      <p:par>
+        <p:cTn id="1" dur="indefinite" restart="never" nodeType="tmRoot"/>
+      </p:par>
+    </p:tnLst>
+  </p:timing>
 </p:sld>
 </file>
 
@@ -31737,6 +32185,13 @@
   <p:clrMapOvr>
     <a:masterClrMapping/>
   </p:clrMapOvr>
+  <p:timing>
+    <p:tnLst>
+      <p:par>
+        <p:cTn id="1" dur="indefinite" restart="never" nodeType="tmRoot"/>
+      </p:par>
+    </p:tnLst>
+  </p:timing>
 </p:sld>
 </file>
 
@@ -31902,6 +32357,13 @@
   <p:clrMapOvr>
     <a:masterClrMapping/>
   </p:clrMapOvr>
+  <p:timing>
+    <p:tnLst>
+      <p:par>
+        <p:cTn id="1" dur="indefinite" restart="never" nodeType="tmRoot"/>
+      </p:par>
+    </p:tnLst>
+  </p:timing>
 </p:sld>
 </file>
 
@@ -32036,6 +32498,13 @@
   <p:clrMapOvr>
     <a:masterClrMapping/>
   </p:clrMapOvr>
+  <p:timing>
+    <p:tnLst>
+      <p:par>
+        <p:cTn id="1" dur="indefinite" restart="never" nodeType="tmRoot"/>
+      </p:par>
+    </p:tnLst>
+  </p:timing>
 </p:sld>
 </file>
 
@@ -32170,6 +32639,13 @@
   <p:clrMapOvr>
     <a:masterClrMapping/>
   </p:clrMapOvr>
+  <p:timing>
+    <p:tnLst>
+      <p:par>
+        <p:cTn id="1" dur="indefinite" restart="never" nodeType="tmRoot"/>
+      </p:par>
+    </p:tnLst>
+  </p:timing>
 </p:sld>
 </file>
 
